--- a/textbook/파이썬4-4교시.pptx
+++ b/textbook/파이썬4-4교시.pptx
@@ -7,12 +7,10 @@
   <p:sldIdLst>
     <p:sldId id="256" r:id="rId2"/>
     <p:sldId id="257" r:id="rId3"/>
-    <p:sldId id="268" r:id="rId4"/>
-    <p:sldId id="270" r:id="rId5"/>
-    <p:sldId id="271" r:id="rId6"/>
-    <p:sldId id="272" r:id="rId7"/>
-    <p:sldId id="273" r:id="rId8"/>
-    <p:sldId id="266" r:id="rId9"/>
+    <p:sldId id="269" r:id="rId4"/>
+    <p:sldId id="268" r:id="rId5"/>
+    <p:sldId id="267" r:id="rId6"/>
+    <p:sldId id="266" r:id="rId7"/>
   </p:sldIdLst>
   <p:sldSz cx="9144000" cy="6858000" type="screen4x3"/>
   <p:notesSz cx="6858000" cy="9144000"/>
@@ -269,7 +267,7 @@
           <a:p>
             <a:fld id="{3575F28B-E03B-4F00-AA56-A8AF97DAF43F}" type="datetimeFigureOut">
               <a:rPr lang="ko-KR" altLang="en-US" smtClean="0"/>
-              <a:t>2021-06-19</a:t>
+              <a:t>2021-07-03</a:t>
             </a:fld>
             <a:endParaRPr lang="ko-KR" altLang="en-US"/>
           </a:p>
@@ -511,7 +509,7 @@
           <a:p>
             <a:fld id="{3575F28B-E03B-4F00-AA56-A8AF97DAF43F}" type="datetimeFigureOut">
               <a:rPr lang="ko-KR" altLang="en-US" smtClean="0"/>
-              <a:t>2021-06-19</a:t>
+              <a:t>2021-07-03</a:t>
             </a:fld>
             <a:endParaRPr lang="ko-KR" altLang="en-US"/>
           </a:p>
@@ -695,7 +693,7 @@
           <a:p>
             <a:fld id="{3575F28B-E03B-4F00-AA56-A8AF97DAF43F}" type="datetimeFigureOut">
               <a:rPr lang="ko-KR" altLang="en-US" smtClean="0"/>
-              <a:t>2021-06-19</a:t>
+              <a:t>2021-07-03</a:t>
             </a:fld>
             <a:endParaRPr lang="ko-KR" altLang="en-US"/>
           </a:p>
@@ -896,7 +894,7 @@
           <a:p>
             <a:fld id="{3575F28B-E03B-4F00-AA56-A8AF97DAF43F}" type="datetimeFigureOut">
               <a:rPr lang="ko-KR" altLang="en-US" smtClean="0"/>
-              <a:t>2021-06-19</a:t>
+              <a:t>2021-07-03</a:t>
             </a:fld>
             <a:endParaRPr lang="ko-KR" altLang="en-US"/>
           </a:p>
@@ -1175,7 +1173,7 @@
           <a:p>
             <a:fld id="{3575F28B-E03B-4F00-AA56-A8AF97DAF43F}" type="datetimeFigureOut">
               <a:rPr lang="ko-KR" altLang="en-US" smtClean="0"/>
-              <a:t>2021-06-19</a:t>
+              <a:t>2021-07-03</a:t>
             </a:fld>
             <a:endParaRPr lang="ko-KR" altLang="en-US"/>
           </a:p>
@@ -1443,7 +1441,7 @@
           <a:p>
             <a:fld id="{3575F28B-E03B-4F00-AA56-A8AF97DAF43F}" type="datetimeFigureOut">
               <a:rPr lang="ko-KR" altLang="en-US" smtClean="0"/>
-              <a:t>2021-06-19</a:t>
+              <a:t>2021-07-03</a:t>
             </a:fld>
             <a:endParaRPr lang="ko-KR" altLang="en-US"/>
           </a:p>
@@ -1890,7 +1888,7 @@
           <a:p>
             <a:fld id="{3575F28B-E03B-4F00-AA56-A8AF97DAF43F}" type="datetimeFigureOut">
               <a:rPr lang="ko-KR" altLang="en-US" smtClean="0"/>
-              <a:t>2021-06-19</a:t>
+              <a:t>2021-07-03</a:t>
             </a:fld>
             <a:endParaRPr lang="ko-KR" altLang="en-US"/>
           </a:p>
@@ -2039,7 +2037,7 @@
           <a:p>
             <a:fld id="{3575F28B-E03B-4F00-AA56-A8AF97DAF43F}" type="datetimeFigureOut">
               <a:rPr lang="ko-KR" altLang="en-US" smtClean="0"/>
-              <a:t>2021-06-19</a:t>
+              <a:t>2021-07-03</a:t>
             </a:fld>
             <a:endParaRPr lang="ko-KR" altLang="en-US"/>
           </a:p>
@@ -2134,7 +2132,7 @@
           <a:p>
             <a:fld id="{3575F28B-E03B-4F00-AA56-A8AF97DAF43F}" type="datetimeFigureOut">
               <a:rPr lang="ko-KR" altLang="en-US" smtClean="0"/>
-              <a:t>2021-06-19</a:t>
+              <a:t>2021-07-03</a:t>
             </a:fld>
             <a:endParaRPr lang="ko-KR" altLang="en-US"/>
           </a:p>
@@ -2387,7 +2385,7 @@
           <a:p>
             <a:fld id="{3575F28B-E03B-4F00-AA56-A8AF97DAF43F}" type="datetimeFigureOut">
               <a:rPr lang="ko-KR" altLang="en-US" smtClean="0"/>
-              <a:t>2021-06-19</a:t>
+              <a:t>2021-07-03</a:t>
             </a:fld>
             <a:endParaRPr lang="ko-KR" altLang="en-US"/>
           </a:p>
@@ -2832,7 +2830,7 @@
           <a:p>
             <a:fld id="{3575F28B-E03B-4F00-AA56-A8AF97DAF43F}" type="datetimeFigureOut">
               <a:rPr lang="ko-KR" altLang="en-US" smtClean="0"/>
-              <a:t>2021-06-19</a:t>
+              <a:t>2021-07-03</a:t>
             </a:fld>
             <a:endParaRPr lang="ko-KR" altLang="en-US"/>
           </a:p>
@@ -3196,7 +3194,7 @@
           <a:p>
             <a:fld id="{3575F28B-E03B-4F00-AA56-A8AF97DAF43F}" type="datetimeFigureOut">
               <a:rPr lang="ko-KR" altLang="en-US" smtClean="0"/>
-              <a:t>2021-06-19</a:t>
+              <a:t>2021-07-03</a:t>
             </a:fld>
             <a:endParaRPr lang="ko-KR" altLang="en-US"/>
           </a:p>
@@ -3667,10 +3665,6 @@
               <a:rPr lang="ko-KR" altLang="en-US" dirty="0" err="1"/>
               <a:t>와이즈만</a:t>
             </a:r>
-            <a:r>
-              <a:rPr lang="en-US" altLang="ko-KR" dirty="0"/>
-              <a:t/>
-            </a:r>
             <a:br>
               <a:rPr lang="en-US" altLang="ko-KR" dirty="0"/>
             </a:br>
@@ -3683,10 +3677,9 @@
               <a:t> </a:t>
             </a:r>
             <a:r>
-              <a:rPr lang="en-US" altLang="ko-KR" dirty="0" smtClean="0"/>
+              <a:rPr lang="en-US" altLang="ko-KR" dirty="0"/>
               <a:t>4-4</a:t>
             </a:r>
-            <a:endParaRPr lang="en-US" altLang="ko-KR" dirty="0"/>
           </a:p>
         </p:txBody>
       </p:sp>
@@ -3709,10 +3702,9 @@
               <a:defRPr/>
             </a:pPr>
             <a:r>
-              <a:rPr lang="ko-KR" altLang="en-US" dirty="0" smtClean="0"/>
+              <a:rPr lang="ko-KR" altLang="en-US" dirty="0"/>
               <a:t>메모장 만들기 실습</a:t>
             </a:r>
-            <a:endParaRPr lang="ko-KR" altLang="en-US" dirty="0"/>
           </a:p>
         </p:txBody>
       </p:sp>
@@ -3725,7 +3717,7 @@
     <mc:Choice Requires="p14">
       <p:transition/>
     </mc:Choice>
-    <mc:Fallback xmlns:dsp="http://schemas.microsoft.com/office/drawing/2008/diagram" xmlns:dgm="http://schemas.openxmlformats.org/drawingml/2006/diagram" xmlns:c="http://schemas.openxmlformats.org/drawingml/2006/chart" xmlns="">
+    <mc:Fallback xmlns="" xmlns:c="http://schemas.openxmlformats.org/drawingml/2006/chart" xmlns:dgm="http://schemas.openxmlformats.org/drawingml/2006/diagram" xmlns:dsp="http://schemas.microsoft.com/office/drawing/2008/diagram">
       <p:transition/>
     </mc:Fallback>
   </mc:AlternateContent>
@@ -3795,14 +3787,29 @@
               <a:defRPr/>
             </a:pPr>
             <a:r>
-              <a:rPr lang="ko-KR" altLang="en-US" dirty="0" smtClean="0"/>
+              <a:rPr lang="ko-KR" altLang="en-US" dirty="0"/>
               <a:t>메모장을 만들어 본다</a:t>
             </a:r>
             <a:r>
-              <a:rPr lang="en-US" altLang="ko-KR" dirty="0" smtClean="0"/>
-              <a:t>.</a:t>
-            </a:r>
-            <a:endParaRPr lang="en-US" altLang="ko-KR" dirty="0" smtClean="0"/>
+              <a:rPr lang="en-US" altLang="ko-KR" dirty="0"/>
+              <a:t>.(</a:t>
+            </a:r>
+            <a:r>
+              <a:rPr lang="ko-KR" altLang="en-US" dirty="0"/>
+              <a:t>저장</a:t>
+            </a:r>
+            <a:r>
+              <a:rPr lang="en-US" altLang="ko-KR" dirty="0"/>
+              <a:t>, </a:t>
+            </a:r>
+            <a:r>
+              <a:rPr lang="ko-KR" altLang="en-US" dirty="0"/>
+              <a:t>불러오기</a:t>
+            </a:r>
+            <a:r>
+              <a:rPr lang="en-US" altLang="ko-KR" dirty="0"/>
+              <a:t>)</a:t>
+            </a:r>
           </a:p>
           <a:p>
             <a:pPr lvl="0">
@@ -3815,52 +3822,8 @@
               <a:defRPr/>
             </a:pPr>
             <a:r>
-              <a:rPr lang="en-US" altLang="ko-KR" dirty="0" err="1" smtClean="0"/>
-              <a:t>PhotoImage</a:t>
-            </a:r>
-            <a:r>
-              <a:rPr lang="en-US" altLang="ko-KR" dirty="0" smtClean="0"/>
-              <a:t> </a:t>
-            </a:r>
-            <a:r>
-              <a:rPr lang="ko-KR" altLang="en-US" dirty="0" smtClean="0"/>
-              <a:t>를 사용해서 그림을 출력한다</a:t>
-            </a:r>
-            <a:r>
-              <a:rPr lang="en-US" altLang="ko-KR" dirty="0" smtClean="0"/>
-              <a:t>.</a:t>
-            </a:r>
-          </a:p>
-          <a:p>
-            <a:pPr marL="0" lvl="0" indent="0">
-              <a:buNone/>
-              <a:defRPr/>
-            </a:pPr>
-            <a:endParaRPr lang="en-US" altLang="ko-KR" dirty="0"/>
-          </a:p>
-          <a:p>
-            <a:pPr lvl="0">
-              <a:defRPr/>
-            </a:pPr>
-            <a:r>
-              <a:rPr lang="en-US" altLang="ko-KR" dirty="0" smtClean="0"/>
-              <a:t>Font </a:t>
-            </a:r>
-            <a:r>
-              <a:rPr lang="ko-KR" altLang="en-US" dirty="0" smtClean="0"/>
-              <a:t>클래스를 사용해서 </a:t>
-            </a:r>
-            <a:r>
-              <a:rPr lang="en-US" altLang="ko-KR" dirty="0" smtClean="0"/>
-              <a:t>font</a:t>
-            </a:r>
-            <a:r>
-              <a:rPr lang="ko-KR" altLang="en-US" dirty="0" smtClean="0"/>
-              <a:t>를 설정한다</a:t>
-            </a:r>
-            <a:r>
-              <a:rPr lang="en-US" altLang="ko-KR" dirty="0" smtClean="0"/>
-              <a:t>.</a:t>
+              <a:rPr lang="ko-KR" altLang="en-US" dirty="0"/>
+              <a:t>파이 게임을 맛보기</a:t>
             </a:r>
             <a:endParaRPr lang="en-US" altLang="ko-KR" dirty="0"/>
           </a:p>
@@ -3875,7 +3838,7 @@
     <mc:Choice Requires="p14">
       <p:transition/>
     </mc:Choice>
-    <mc:Fallback xmlns:dsp="http://schemas.microsoft.com/office/drawing/2008/diagram" xmlns:dgm="http://schemas.openxmlformats.org/drawingml/2006/diagram" xmlns:c="http://schemas.openxmlformats.org/drawingml/2006/chart" xmlns="">
+    <mc:Fallback xmlns="" xmlns:c="http://schemas.openxmlformats.org/drawingml/2006/chart" xmlns:dgm="http://schemas.openxmlformats.org/drawingml/2006/diagram" xmlns:dsp="http://schemas.microsoft.com/office/drawing/2008/diagram">
       <p:transition/>
     </mc:Fallback>
   </mc:AlternateContent>
@@ -3883,6 +3846,5400 @@
 </file>
 
 <file path=ppt/slides/slide3.xml><?xml version="1.0" encoding="utf-8"?>
+<p:sld xmlns:a="http://schemas.openxmlformats.org/drawingml/2006/main" xmlns:r="http://schemas.openxmlformats.org/officeDocument/2006/relationships" xmlns:p="http://schemas.openxmlformats.org/presentationml/2006/main">
+  <p:cSld>
+    <p:spTree>
+      <p:nvGrpSpPr>
+        <p:cNvPr id="1" name=""/>
+        <p:cNvGrpSpPr/>
+        <p:nvPr/>
+      </p:nvGrpSpPr>
+      <p:grpSpPr>
+        <a:xfrm>
+          <a:off x="0" y="0"/>
+          <a:ext cx="0" cy="0"/>
+          <a:chOff x="0" y="0"/>
+          <a:chExt cx="0" cy="0"/>
+        </a:xfrm>
+      </p:grpSpPr>
+      <p:sp>
+        <p:nvSpPr>
+          <p:cNvPr id="2" name="제목 1">
+            <a:extLst>
+              <a:ext uri="{FF2B5EF4-FFF2-40B4-BE49-F238E27FC236}">
+                <a16:creationId xmlns:a16="http://schemas.microsoft.com/office/drawing/2014/main" id="{47D22C3E-C7B5-4840-A05B-29494A144A5D}"/>
+              </a:ext>
+            </a:extLst>
+          </p:cNvPr>
+          <p:cNvSpPr>
+            <a:spLocks noGrp="1"/>
+          </p:cNvSpPr>
+          <p:nvPr>
+            <p:ph type="title"/>
+          </p:nvPr>
+        </p:nvSpPr>
+        <p:spPr/>
+        <p:txBody>
+          <a:bodyPr/>
+          <a:lstStyle/>
+          <a:p>
+            <a:r>
+              <a:rPr lang="ko-KR" altLang="en-US" dirty="0"/>
+              <a:t>메모장 저장 불러오기 기능</a:t>
+            </a:r>
+          </a:p>
+        </p:txBody>
+      </p:sp>
+      <p:sp>
+        <p:nvSpPr>
+          <p:cNvPr id="3" name="내용 개체 틀 2">
+            <a:extLst>
+              <a:ext uri="{FF2B5EF4-FFF2-40B4-BE49-F238E27FC236}">
+                <a16:creationId xmlns:a16="http://schemas.microsoft.com/office/drawing/2014/main" id="{F5BB4353-C2CD-49E1-A2ED-7DCC08FD3916}"/>
+              </a:ext>
+            </a:extLst>
+          </p:cNvPr>
+          <p:cNvSpPr>
+            <a:spLocks noGrp="1"/>
+          </p:cNvSpPr>
+          <p:nvPr>
+            <p:ph idx="1"/>
+          </p:nvPr>
+        </p:nvSpPr>
+        <p:spPr/>
+        <p:txBody>
+          <a:bodyPr/>
+          <a:lstStyle/>
+          <a:p>
+            <a:endParaRPr lang="ko-KR" altLang="en-US"/>
+          </a:p>
+        </p:txBody>
+      </p:sp>
+    </p:spTree>
+    <p:extLst>
+      <p:ext uri="{BB962C8B-B14F-4D97-AF65-F5344CB8AC3E}">
+        <p14:creationId xmlns:p14="http://schemas.microsoft.com/office/powerpoint/2010/main" val="3542315998"/>
+      </p:ext>
+    </p:extLst>
+  </p:cSld>
+  <p:clrMapOvr>
+    <a:masterClrMapping/>
+  </p:clrMapOvr>
+</p:sld>
+</file>
+
+<file path=ppt/slides/slide4.xml><?xml version="1.0" encoding="utf-8"?>
+<p:sld xmlns:a="http://schemas.openxmlformats.org/drawingml/2006/main" xmlns:r="http://schemas.openxmlformats.org/officeDocument/2006/relationships" xmlns:p="http://schemas.openxmlformats.org/presentationml/2006/main">
+  <p:cSld>
+    <p:spTree>
+      <p:nvGrpSpPr>
+        <p:cNvPr id="1" name=""/>
+        <p:cNvGrpSpPr/>
+        <p:nvPr/>
+      </p:nvGrpSpPr>
+      <p:grpSpPr>
+        <a:xfrm>
+          <a:off x="0" y="0"/>
+          <a:ext cx="0" cy="0"/>
+          <a:chOff x="0" y="0"/>
+          <a:chExt cx="0" cy="0"/>
+        </a:xfrm>
+      </p:grpSpPr>
+      <p:sp>
+        <p:nvSpPr>
+          <p:cNvPr id="2" name="제목 1">
+            <a:extLst>
+              <a:ext uri="{FF2B5EF4-FFF2-40B4-BE49-F238E27FC236}">
+                <a16:creationId xmlns:a16="http://schemas.microsoft.com/office/drawing/2014/main" id="{2D49DB8C-3F34-4EDC-AA5A-1A2FF382CCCA}"/>
+              </a:ext>
+            </a:extLst>
+          </p:cNvPr>
+          <p:cNvSpPr>
+            <a:spLocks noGrp="1"/>
+          </p:cNvSpPr>
+          <p:nvPr>
+            <p:ph type="title"/>
+          </p:nvPr>
+        </p:nvSpPr>
+        <p:spPr/>
+        <p:txBody>
+          <a:bodyPr/>
+          <a:lstStyle/>
+          <a:p>
+            <a:r>
+              <a:rPr lang="ko-KR" altLang="en-US" dirty="0"/>
+              <a:t>메모장 저장 불러오기 기능</a:t>
+            </a:r>
+          </a:p>
+        </p:txBody>
+      </p:sp>
+      <p:sp>
+        <p:nvSpPr>
+          <p:cNvPr id="3" name="내용 개체 틀 2">
+            <a:extLst>
+              <a:ext uri="{FF2B5EF4-FFF2-40B4-BE49-F238E27FC236}">
+                <a16:creationId xmlns:a16="http://schemas.microsoft.com/office/drawing/2014/main" id="{944AD011-E6E6-4B85-B7BB-6107DA6B6186}"/>
+              </a:ext>
+            </a:extLst>
+          </p:cNvPr>
+          <p:cNvSpPr>
+            <a:spLocks noGrp="1"/>
+          </p:cNvSpPr>
+          <p:nvPr>
+            <p:ph idx="1"/>
+          </p:nvPr>
+        </p:nvSpPr>
+        <p:spPr/>
+        <p:txBody>
+          <a:bodyPr/>
+          <a:lstStyle/>
+          <a:p>
+            <a:endParaRPr lang="ko-KR" altLang="en-US" dirty="0"/>
+          </a:p>
+        </p:txBody>
+      </p:sp>
+      <p:sp>
+        <p:nvSpPr>
+          <p:cNvPr id="4" name="Rectangle 1">
+            <a:extLst>
+              <a:ext uri="{FF2B5EF4-FFF2-40B4-BE49-F238E27FC236}">
+                <a16:creationId xmlns:a16="http://schemas.microsoft.com/office/drawing/2014/main" id="{7E5D7CDC-3C62-409E-81D8-F3D9151B9835}"/>
+              </a:ext>
+            </a:extLst>
+          </p:cNvPr>
+          <p:cNvSpPr>
+            <a:spLocks noChangeArrowheads="1"/>
+          </p:cNvSpPr>
+          <p:nvPr/>
+        </p:nvSpPr>
+        <p:spPr bwMode="auto">
+          <a:xfrm>
+            <a:off x="0" y="-27384"/>
+            <a:ext cx="9180512" cy="6740307"/>
+          </a:xfrm>
+          <a:prstGeom prst="rect">
+            <a:avLst/>
+          </a:prstGeom>
+          <a:solidFill>
+            <a:srgbClr val="2B2B2B"/>
+          </a:solidFill>
+          <a:ln>
+            <a:noFill/>
+          </a:ln>
+          <a:effectLst/>
+          <a:extLst>
+            <a:ext uri="{91240B29-F687-4F45-9708-019B960494DF}">
+              <a14:hiddenLine xmlns:a14="http://schemas.microsoft.com/office/drawing/2010/main" w="9525">
+                <a:solidFill>
+                  <a:schemeClr val="tx1"/>
+                </a:solidFill>
+                <a:miter lim="800000"/>
+                <a:headEnd/>
+                <a:tailEnd/>
+              </a14:hiddenLine>
+            </a:ext>
+            <a:ext uri="{AF507438-7753-43E0-B8FC-AC1667EBCBE1}">
+              <a14:hiddenEffects xmlns:a14="http://schemas.microsoft.com/office/drawing/2010/main">
+                <a:effectLst>
+                  <a:outerShdw dist="35921" dir="2700000" algn="ctr" rotWithShape="0">
+                    <a:schemeClr val="bg2"/>
+                  </a:outerShdw>
+                </a:effectLst>
+              </a14:hiddenEffects>
+            </a:ext>
+          </a:extLst>
+        </p:spPr>
+        <p:txBody>
+          <a:bodyPr vert="horz" wrap="square" lIns="91440" tIns="45720" rIns="91440" bIns="45720" numCol="1" anchor="ctr" anchorCtr="0" compatLnSpc="1">
+            <a:prstTxWarp prst="textNoShape">
+              <a:avLst/>
+            </a:prstTxWarp>
+            <a:spAutoFit/>
+          </a:bodyPr>
+          <a:lstStyle/>
+          <a:p>
+            <a:pPr marL="0" marR="0" lvl="0" indent="0" algn="l" defTabSz="914400" rtl="0" eaLnBrk="0" fontAlgn="base" latinLnBrk="0" hangingPunct="0">
+              <a:lnSpc>
+                <a:spcPct val="100000"/>
+              </a:lnSpc>
+              <a:spcBef>
+                <a:spcPct val="0"/>
+              </a:spcBef>
+              <a:spcAft>
+                <a:spcPct val="0"/>
+              </a:spcAft>
+              <a:buClrTx/>
+              <a:buSzTx/>
+              <a:buFontTx/>
+              <a:buNone/>
+              <a:tabLst/>
+            </a:pPr>
+            <a:r>
+              <a:rPr kumimoji="0" lang="ko-KR" altLang="ko-KR" sz="1200" b="0" i="0" u="none" strike="noStrike" cap="none" normalizeH="0" baseline="0" dirty="0" err="1">
+                <a:ln>
+                  <a:noFill/>
+                </a:ln>
+                <a:solidFill>
+                  <a:srgbClr val="CC7832"/>
+                </a:solidFill>
+                <a:effectLst/>
+                <a:latin typeface="Courier New" panose="02070309020205020404" pitchFamily="49" charset="0"/>
+                <a:cs typeface="Courier New" panose="02070309020205020404" pitchFamily="49" charset="0"/>
+              </a:rPr>
+              <a:t>import</a:t>
+            </a:r>
+            <a:r>
+              <a:rPr kumimoji="0" lang="ko-KR" altLang="ko-KR" sz="1200" b="0" i="0" u="none" strike="noStrike" cap="none" normalizeH="0" baseline="0" dirty="0">
+                <a:ln>
+                  <a:noFill/>
+                </a:ln>
+                <a:solidFill>
+                  <a:srgbClr val="CC7832"/>
+                </a:solidFill>
+                <a:effectLst/>
+                <a:latin typeface="Courier New" panose="02070309020205020404" pitchFamily="49" charset="0"/>
+                <a:cs typeface="Courier New" panose="02070309020205020404" pitchFamily="49" charset="0"/>
+              </a:rPr>
+              <a:t> </a:t>
+            </a:r>
+            <a:r>
+              <a:rPr kumimoji="0" lang="ko-KR" altLang="ko-KR" sz="1200" b="0" i="0" u="none" strike="noStrike" cap="none" normalizeH="0" baseline="0" dirty="0" err="1">
+                <a:ln>
+                  <a:noFill/>
+                </a:ln>
+                <a:solidFill>
+                  <a:srgbClr val="A9B7C6"/>
+                </a:solidFill>
+                <a:effectLst/>
+                <a:latin typeface="Courier New" panose="02070309020205020404" pitchFamily="49" charset="0"/>
+                <a:cs typeface="Courier New" panose="02070309020205020404" pitchFamily="49" charset="0"/>
+              </a:rPr>
+              <a:t>tkinter</a:t>
+            </a:r>
+            <a:r>
+              <a:rPr kumimoji="0" lang="ko-KR" altLang="ko-KR" sz="1200" b="0" i="0" u="none" strike="noStrike" cap="none" normalizeH="0" baseline="0" dirty="0">
+                <a:ln>
+                  <a:noFill/>
+                </a:ln>
+                <a:solidFill>
+                  <a:srgbClr val="A9B7C6"/>
+                </a:solidFill>
+                <a:effectLst/>
+                <a:latin typeface="Courier New" panose="02070309020205020404" pitchFamily="49" charset="0"/>
+                <a:cs typeface="Courier New" panose="02070309020205020404" pitchFamily="49" charset="0"/>
+              </a:rPr>
+              <a:t> </a:t>
+            </a:r>
+            <a:r>
+              <a:rPr kumimoji="0" lang="ko-KR" altLang="ko-KR" sz="1200" b="0" i="0" u="none" strike="noStrike" cap="none" normalizeH="0" baseline="0" dirty="0" err="1">
+                <a:ln>
+                  <a:noFill/>
+                </a:ln>
+                <a:solidFill>
+                  <a:srgbClr val="CC7832"/>
+                </a:solidFill>
+                <a:effectLst/>
+                <a:latin typeface="Courier New" panose="02070309020205020404" pitchFamily="49" charset="0"/>
+                <a:cs typeface="Courier New" panose="02070309020205020404" pitchFamily="49" charset="0"/>
+              </a:rPr>
+              <a:t>as</a:t>
+            </a:r>
+            <a:r>
+              <a:rPr kumimoji="0" lang="ko-KR" altLang="ko-KR" sz="1200" b="0" i="0" u="none" strike="noStrike" cap="none" normalizeH="0" baseline="0" dirty="0">
+                <a:ln>
+                  <a:noFill/>
+                </a:ln>
+                <a:solidFill>
+                  <a:srgbClr val="CC7832"/>
+                </a:solidFill>
+                <a:effectLst/>
+                <a:latin typeface="Courier New" panose="02070309020205020404" pitchFamily="49" charset="0"/>
+                <a:cs typeface="Courier New" panose="02070309020205020404" pitchFamily="49" charset="0"/>
+              </a:rPr>
+              <a:t> </a:t>
+            </a:r>
+            <a:r>
+              <a:rPr kumimoji="0" lang="ko-KR" altLang="ko-KR" sz="1200" b="0" i="0" u="none" strike="noStrike" cap="none" normalizeH="0" baseline="0" dirty="0" err="1">
+                <a:ln>
+                  <a:noFill/>
+                </a:ln>
+                <a:solidFill>
+                  <a:srgbClr val="A9B7C6"/>
+                </a:solidFill>
+                <a:effectLst/>
+                <a:latin typeface="Courier New" panose="02070309020205020404" pitchFamily="49" charset="0"/>
+                <a:cs typeface="Courier New" panose="02070309020205020404" pitchFamily="49" charset="0"/>
+              </a:rPr>
+              <a:t>tk</a:t>
+            </a:r>
+            <a:br>
+              <a:rPr kumimoji="0" lang="ko-KR" altLang="ko-KR" sz="1200" b="0" i="0" u="none" strike="noStrike" cap="none" normalizeH="0" baseline="0" dirty="0">
+                <a:ln>
+                  <a:noFill/>
+                </a:ln>
+                <a:solidFill>
+                  <a:srgbClr val="A9B7C6"/>
+                </a:solidFill>
+                <a:effectLst/>
+                <a:latin typeface="Courier New" panose="02070309020205020404" pitchFamily="49" charset="0"/>
+                <a:cs typeface="Courier New" panose="02070309020205020404" pitchFamily="49" charset="0"/>
+              </a:rPr>
+            </a:br>
+            <a:r>
+              <a:rPr kumimoji="0" lang="ko-KR" altLang="ko-KR" sz="1200" b="0" i="0" u="none" strike="noStrike" cap="none" normalizeH="0" baseline="0" dirty="0" err="1">
+                <a:ln>
+                  <a:noFill/>
+                </a:ln>
+                <a:solidFill>
+                  <a:srgbClr val="CC7832"/>
+                </a:solidFill>
+                <a:effectLst/>
+                <a:latin typeface="Courier New" panose="02070309020205020404" pitchFamily="49" charset="0"/>
+                <a:cs typeface="Courier New" panose="02070309020205020404" pitchFamily="49" charset="0"/>
+              </a:rPr>
+              <a:t>from</a:t>
+            </a:r>
+            <a:r>
+              <a:rPr kumimoji="0" lang="ko-KR" altLang="ko-KR" sz="1200" b="0" i="0" u="none" strike="noStrike" cap="none" normalizeH="0" baseline="0" dirty="0">
+                <a:ln>
+                  <a:noFill/>
+                </a:ln>
+                <a:solidFill>
+                  <a:srgbClr val="CC7832"/>
+                </a:solidFill>
+                <a:effectLst/>
+                <a:latin typeface="Courier New" panose="02070309020205020404" pitchFamily="49" charset="0"/>
+                <a:cs typeface="Courier New" panose="02070309020205020404" pitchFamily="49" charset="0"/>
+              </a:rPr>
+              <a:t> </a:t>
+            </a:r>
+            <a:r>
+              <a:rPr kumimoji="0" lang="ko-KR" altLang="ko-KR" sz="1200" b="0" i="0" u="none" strike="noStrike" cap="none" normalizeH="0" baseline="0" dirty="0" err="1">
+                <a:ln>
+                  <a:noFill/>
+                </a:ln>
+                <a:solidFill>
+                  <a:srgbClr val="A9B7C6"/>
+                </a:solidFill>
+                <a:effectLst/>
+                <a:latin typeface="Courier New" panose="02070309020205020404" pitchFamily="49" charset="0"/>
+                <a:cs typeface="Courier New" panose="02070309020205020404" pitchFamily="49" charset="0"/>
+              </a:rPr>
+              <a:t>tkinter.filedialog</a:t>
+            </a:r>
+            <a:r>
+              <a:rPr kumimoji="0" lang="ko-KR" altLang="ko-KR" sz="1200" b="0" i="0" u="none" strike="noStrike" cap="none" normalizeH="0" baseline="0" dirty="0">
+                <a:ln>
+                  <a:noFill/>
+                </a:ln>
+                <a:solidFill>
+                  <a:srgbClr val="A9B7C6"/>
+                </a:solidFill>
+                <a:effectLst/>
+                <a:latin typeface="Courier New" panose="02070309020205020404" pitchFamily="49" charset="0"/>
+                <a:cs typeface="Courier New" panose="02070309020205020404" pitchFamily="49" charset="0"/>
+              </a:rPr>
+              <a:t> </a:t>
+            </a:r>
+            <a:r>
+              <a:rPr kumimoji="0" lang="ko-KR" altLang="ko-KR" sz="1200" b="0" i="0" u="none" strike="noStrike" cap="none" normalizeH="0" baseline="0" dirty="0" err="1">
+                <a:ln>
+                  <a:noFill/>
+                </a:ln>
+                <a:solidFill>
+                  <a:srgbClr val="CC7832"/>
+                </a:solidFill>
+                <a:effectLst/>
+                <a:latin typeface="Courier New" panose="02070309020205020404" pitchFamily="49" charset="0"/>
+                <a:cs typeface="Courier New" panose="02070309020205020404" pitchFamily="49" charset="0"/>
+              </a:rPr>
+              <a:t>import</a:t>
+            </a:r>
+            <a:r>
+              <a:rPr kumimoji="0" lang="ko-KR" altLang="ko-KR" sz="1200" b="0" i="0" u="none" strike="noStrike" cap="none" normalizeH="0" baseline="0" dirty="0">
+                <a:ln>
+                  <a:noFill/>
+                </a:ln>
+                <a:solidFill>
+                  <a:srgbClr val="CC7832"/>
+                </a:solidFill>
+                <a:effectLst/>
+                <a:latin typeface="Courier New" panose="02070309020205020404" pitchFamily="49" charset="0"/>
+                <a:cs typeface="Courier New" panose="02070309020205020404" pitchFamily="49" charset="0"/>
+              </a:rPr>
+              <a:t> </a:t>
+            </a:r>
+            <a:r>
+              <a:rPr kumimoji="0" lang="ko-KR" altLang="ko-KR" sz="1200" b="0" i="0" u="none" strike="noStrike" cap="none" normalizeH="0" baseline="0" dirty="0">
+                <a:ln>
+                  <a:noFill/>
+                </a:ln>
+                <a:solidFill>
+                  <a:srgbClr val="A9B7C6"/>
+                </a:solidFill>
+                <a:effectLst/>
+                <a:latin typeface="Courier New" panose="02070309020205020404" pitchFamily="49" charset="0"/>
+                <a:cs typeface="Courier New" panose="02070309020205020404" pitchFamily="49" charset="0"/>
+              </a:rPr>
+              <a:t>*</a:t>
+            </a:r>
+            <a:br>
+              <a:rPr kumimoji="0" lang="ko-KR" altLang="ko-KR" sz="1200" b="0" i="0" u="none" strike="noStrike" cap="none" normalizeH="0" baseline="0" dirty="0">
+                <a:ln>
+                  <a:noFill/>
+                </a:ln>
+                <a:solidFill>
+                  <a:srgbClr val="A9B7C6"/>
+                </a:solidFill>
+                <a:effectLst/>
+                <a:latin typeface="Courier New" panose="02070309020205020404" pitchFamily="49" charset="0"/>
+                <a:cs typeface="Courier New" panose="02070309020205020404" pitchFamily="49" charset="0"/>
+              </a:rPr>
+            </a:br>
+            <a:br>
+              <a:rPr kumimoji="0" lang="ko-KR" altLang="ko-KR" sz="1200" b="0" i="0" u="none" strike="noStrike" cap="none" normalizeH="0" baseline="0" dirty="0">
+                <a:ln>
+                  <a:noFill/>
+                </a:ln>
+                <a:solidFill>
+                  <a:srgbClr val="A9B7C6"/>
+                </a:solidFill>
+                <a:effectLst/>
+                <a:latin typeface="Courier New" panose="02070309020205020404" pitchFamily="49" charset="0"/>
+                <a:cs typeface="Courier New" panose="02070309020205020404" pitchFamily="49" charset="0"/>
+              </a:rPr>
+            </a:br>
+            <a:r>
+              <a:rPr kumimoji="0" lang="ko-KR" altLang="ko-KR" sz="1200" b="0" i="0" u="none" strike="noStrike" cap="none" normalizeH="0" baseline="0" dirty="0" err="1">
+                <a:ln>
+                  <a:noFill/>
+                </a:ln>
+                <a:solidFill>
+                  <a:srgbClr val="CC7832"/>
+                </a:solidFill>
+                <a:effectLst/>
+                <a:latin typeface="Courier New" panose="02070309020205020404" pitchFamily="49" charset="0"/>
+                <a:cs typeface="Courier New" panose="02070309020205020404" pitchFamily="49" charset="0"/>
+              </a:rPr>
+              <a:t>def</a:t>
+            </a:r>
+            <a:r>
+              <a:rPr kumimoji="0" lang="ko-KR" altLang="ko-KR" sz="1200" b="0" i="0" u="none" strike="noStrike" cap="none" normalizeH="0" baseline="0" dirty="0">
+                <a:ln>
+                  <a:noFill/>
+                </a:ln>
+                <a:solidFill>
+                  <a:srgbClr val="CC7832"/>
+                </a:solidFill>
+                <a:effectLst/>
+                <a:latin typeface="Courier New" panose="02070309020205020404" pitchFamily="49" charset="0"/>
+                <a:cs typeface="Courier New" panose="02070309020205020404" pitchFamily="49" charset="0"/>
+              </a:rPr>
+              <a:t> </a:t>
+            </a:r>
+            <a:r>
+              <a:rPr kumimoji="0" lang="ko-KR" altLang="ko-KR" sz="1200" b="0" i="0" u="none" strike="noStrike" cap="none" normalizeH="0" baseline="0" dirty="0" err="1">
+                <a:ln>
+                  <a:noFill/>
+                </a:ln>
+                <a:solidFill>
+                  <a:srgbClr val="FFC66D"/>
+                </a:solidFill>
+                <a:effectLst/>
+                <a:latin typeface="Courier New" panose="02070309020205020404" pitchFamily="49" charset="0"/>
+                <a:cs typeface="Courier New" panose="02070309020205020404" pitchFamily="49" charset="0"/>
+              </a:rPr>
+              <a:t>savef</a:t>
+            </a:r>
+            <a:r>
+              <a:rPr kumimoji="0" lang="ko-KR" altLang="ko-KR" sz="1200" b="0" i="0" u="none" strike="noStrike" cap="none" normalizeH="0" baseline="0" dirty="0">
+                <a:ln>
+                  <a:noFill/>
+                </a:ln>
+                <a:solidFill>
+                  <a:srgbClr val="A9B7C6"/>
+                </a:solidFill>
+                <a:effectLst/>
+                <a:latin typeface="Courier New" panose="02070309020205020404" pitchFamily="49" charset="0"/>
+                <a:cs typeface="Courier New" panose="02070309020205020404" pitchFamily="49" charset="0"/>
+              </a:rPr>
+              <a:t>():</a:t>
+            </a:r>
+            <a:br>
+              <a:rPr kumimoji="0" lang="ko-KR" altLang="ko-KR" sz="1200" b="0" i="0" u="none" strike="noStrike" cap="none" normalizeH="0" baseline="0" dirty="0">
+                <a:ln>
+                  <a:noFill/>
+                </a:ln>
+                <a:solidFill>
+                  <a:srgbClr val="A9B7C6"/>
+                </a:solidFill>
+                <a:effectLst/>
+                <a:latin typeface="Courier New" panose="02070309020205020404" pitchFamily="49" charset="0"/>
+                <a:cs typeface="Courier New" panose="02070309020205020404" pitchFamily="49" charset="0"/>
+              </a:rPr>
+            </a:br>
+            <a:r>
+              <a:rPr kumimoji="0" lang="ko-KR" altLang="ko-KR" sz="1200" b="0" i="0" u="none" strike="noStrike" cap="none" normalizeH="0" baseline="0" dirty="0">
+                <a:ln>
+                  <a:noFill/>
+                </a:ln>
+                <a:solidFill>
+                  <a:srgbClr val="A9B7C6"/>
+                </a:solidFill>
+                <a:effectLst/>
+                <a:latin typeface="Courier New" panose="02070309020205020404" pitchFamily="49" charset="0"/>
+                <a:cs typeface="Courier New" panose="02070309020205020404" pitchFamily="49" charset="0"/>
+              </a:rPr>
+              <a:t>    </a:t>
+            </a:r>
+            <a:r>
+              <a:rPr kumimoji="0" lang="ko-KR" altLang="ko-KR" sz="1200" b="0" i="0" u="none" strike="noStrike" cap="none" normalizeH="0" baseline="0" dirty="0" err="1">
+                <a:ln>
+                  <a:noFill/>
+                </a:ln>
+                <a:solidFill>
+                  <a:srgbClr val="A9B7C6"/>
+                </a:solidFill>
+                <a:effectLst/>
+                <a:latin typeface="Courier New" panose="02070309020205020404" pitchFamily="49" charset="0"/>
+                <a:cs typeface="Courier New" panose="02070309020205020404" pitchFamily="49" charset="0"/>
+              </a:rPr>
+              <a:t>f</a:t>
+            </a:r>
+            <a:r>
+              <a:rPr kumimoji="0" lang="ko-KR" altLang="ko-KR" sz="1200" b="0" i="0" u="none" strike="noStrike" cap="none" normalizeH="0" baseline="0" dirty="0">
+                <a:ln>
+                  <a:noFill/>
+                </a:ln>
+                <a:solidFill>
+                  <a:srgbClr val="A9B7C6"/>
+                </a:solidFill>
+                <a:effectLst/>
+                <a:latin typeface="Courier New" panose="02070309020205020404" pitchFamily="49" charset="0"/>
+                <a:cs typeface="Courier New" panose="02070309020205020404" pitchFamily="49" charset="0"/>
+              </a:rPr>
+              <a:t> = </a:t>
+            </a:r>
+            <a:r>
+              <a:rPr kumimoji="0" lang="ko-KR" altLang="ko-KR" sz="1200" b="0" i="0" u="none" strike="noStrike" cap="none" normalizeH="0" baseline="0" dirty="0" err="1">
+                <a:ln>
+                  <a:noFill/>
+                </a:ln>
+                <a:solidFill>
+                  <a:srgbClr val="A9B7C6"/>
+                </a:solidFill>
+                <a:effectLst/>
+                <a:latin typeface="Courier New" panose="02070309020205020404" pitchFamily="49" charset="0"/>
+                <a:cs typeface="Courier New" panose="02070309020205020404" pitchFamily="49" charset="0"/>
+              </a:rPr>
+              <a:t>asksaveasfile</a:t>
+            </a:r>
+            <a:r>
+              <a:rPr kumimoji="0" lang="ko-KR" altLang="ko-KR" sz="1200" b="0" i="0" u="none" strike="noStrike" cap="none" normalizeH="0" baseline="0" dirty="0">
+                <a:ln>
+                  <a:noFill/>
+                </a:ln>
+                <a:solidFill>
+                  <a:srgbClr val="A9B7C6"/>
+                </a:solidFill>
+                <a:effectLst/>
+                <a:latin typeface="Courier New" panose="02070309020205020404" pitchFamily="49" charset="0"/>
+                <a:cs typeface="Courier New" panose="02070309020205020404" pitchFamily="49" charset="0"/>
+              </a:rPr>
+              <a:t>(</a:t>
+            </a:r>
+            <a:r>
+              <a:rPr kumimoji="0" lang="ko-KR" altLang="ko-KR" sz="1200" b="0" i="0" u="none" strike="noStrike" cap="none" normalizeH="0" baseline="0" dirty="0" err="1">
+                <a:ln>
+                  <a:noFill/>
+                </a:ln>
+                <a:solidFill>
+                  <a:srgbClr val="AA4926"/>
+                </a:solidFill>
+                <a:effectLst/>
+                <a:latin typeface="Courier New" panose="02070309020205020404" pitchFamily="49" charset="0"/>
+                <a:cs typeface="Courier New" panose="02070309020205020404" pitchFamily="49" charset="0"/>
+              </a:rPr>
+              <a:t>mode</a:t>
+            </a:r>
+            <a:r>
+              <a:rPr kumimoji="0" lang="ko-KR" altLang="ko-KR" sz="1200" b="0" i="0" u="none" strike="noStrike" cap="none" normalizeH="0" baseline="0" dirty="0">
+                <a:ln>
+                  <a:noFill/>
+                </a:ln>
+                <a:solidFill>
+                  <a:srgbClr val="A9B7C6"/>
+                </a:solidFill>
+                <a:effectLst/>
+                <a:latin typeface="Courier New" panose="02070309020205020404" pitchFamily="49" charset="0"/>
+                <a:cs typeface="Courier New" panose="02070309020205020404" pitchFamily="49" charset="0"/>
+              </a:rPr>
+              <a:t>=</a:t>
+            </a:r>
+            <a:r>
+              <a:rPr kumimoji="0" lang="ko-KR" altLang="ko-KR" sz="1200" b="0" i="0" u="none" strike="noStrike" cap="none" normalizeH="0" baseline="0" dirty="0">
+                <a:ln>
+                  <a:noFill/>
+                </a:ln>
+                <a:solidFill>
+                  <a:srgbClr val="6A8759"/>
+                </a:solidFill>
+                <a:effectLst/>
+                <a:latin typeface="Courier New" panose="02070309020205020404" pitchFamily="49" charset="0"/>
+                <a:cs typeface="Courier New" panose="02070309020205020404" pitchFamily="49" charset="0"/>
+              </a:rPr>
+              <a:t>"</a:t>
+            </a:r>
+            <a:r>
+              <a:rPr kumimoji="0" lang="ko-KR" altLang="ko-KR" sz="1200" b="0" i="0" u="none" strike="noStrike" cap="none" normalizeH="0" baseline="0" dirty="0" err="1">
+                <a:ln>
+                  <a:noFill/>
+                </a:ln>
+                <a:solidFill>
+                  <a:srgbClr val="6A8759"/>
+                </a:solidFill>
+                <a:effectLst/>
+                <a:latin typeface="Courier New" panose="02070309020205020404" pitchFamily="49" charset="0"/>
+                <a:cs typeface="Courier New" panose="02070309020205020404" pitchFamily="49" charset="0"/>
+              </a:rPr>
+              <a:t>w</a:t>
+            </a:r>
+            <a:r>
+              <a:rPr kumimoji="0" lang="ko-KR" altLang="ko-KR" sz="1200" b="0" i="0" u="none" strike="noStrike" cap="none" normalizeH="0" baseline="0" dirty="0">
+                <a:ln>
+                  <a:noFill/>
+                </a:ln>
+                <a:solidFill>
+                  <a:srgbClr val="6A8759"/>
+                </a:solidFill>
+                <a:effectLst/>
+                <a:latin typeface="Courier New" panose="02070309020205020404" pitchFamily="49" charset="0"/>
+                <a:cs typeface="Courier New" panose="02070309020205020404" pitchFamily="49" charset="0"/>
+              </a:rPr>
+              <a:t>"</a:t>
+            </a:r>
+            <a:r>
+              <a:rPr kumimoji="0" lang="ko-KR" altLang="ko-KR" sz="1200" b="0" i="0" u="none" strike="noStrike" cap="none" normalizeH="0" baseline="0" dirty="0">
+                <a:ln>
+                  <a:noFill/>
+                </a:ln>
+                <a:solidFill>
+                  <a:srgbClr val="CC7832"/>
+                </a:solidFill>
+                <a:effectLst/>
+                <a:latin typeface="Courier New" panose="02070309020205020404" pitchFamily="49" charset="0"/>
+                <a:cs typeface="Courier New" panose="02070309020205020404" pitchFamily="49" charset="0"/>
+              </a:rPr>
+              <a:t>, </a:t>
+            </a:r>
+            <a:r>
+              <a:rPr kumimoji="0" lang="ko-KR" altLang="ko-KR" sz="1200" b="0" i="0" u="none" strike="noStrike" cap="none" normalizeH="0" baseline="0" dirty="0" err="1">
+                <a:ln>
+                  <a:noFill/>
+                </a:ln>
+                <a:solidFill>
+                  <a:srgbClr val="AA4926"/>
+                </a:solidFill>
+                <a:effectLst/>
+                <a:latin typeface="Courier New" panose="02070309020205020404" pitchFamily="49" charset="0"/>
+                <a:cs typeface="Courier New" panose="02070309020205020404" pitchFamily="49" charset="0"/>
+              </a:rPr>
+              <a:t>defaultextension</a:t>
+            </a:r>
+            <a:r>
+              <a:rPr kumimoji="0" lang="ko-KR" altLang="ko-KR" sz="1200" b="0" i="0" u="none" strike="noStrike" cap="none" normalizeH="0" baseline="0" dirty="0">
+                <a:ln>
+                  <a:noFill/>
+                </a:ln>
+                <a:solidFill>
+                  <a:srgbClr val="A9B7C6"/>
+                </a:solidFill>
+                <a:effectLst/>
+                <a:latin typeface="Courier New" panose="02070309020205020404" pitchFamily="49" charset="0"/>
+                <a:cs typeface="Courier New" panose="02070309020205020404" pitchFamily="49" charset="0"/>
+              </a:rPr>
+              <a:t>=</a:t>
+            </a:r>
+            <a:r>
+              <a:rPr kumimoji="0" lang="ko-KR" altLang="ko-KR" sz="1200" b="0" i="0" u="none" strike="noStrike" cap="none" normalizeH="0" baseline="0" dirty="0">
+                <a:ln>
+                  <a:noFill/>
+                </a:ln>
+                <a:solidFill>
+                  <a:srgbClr val="6A8759"/>
+                </a:solidFill>
+                <a:effectLst/>
+                <a:latin typeface="Courier New" panose="02070309020205020404" pitchFamily="49" charset="0"/>
+                <a:cs typeface="Courier New" panose="02070309020205020404" pitchFamily="49" charset="0"/>
+              </a:rPr>
+              <a:t>".</a:t>
+            </a:r>
+            <a:r>
+              <a:rPr kumimoji="0" lang="ko-KR" altLang="ko-KR" sz="1200" b="0" i="0" u="none" strike="noStrike" cap="none" normalizeH="0" baseline="0" dirty="0" err="1">
+                <a:ln>
+                  <a:noFill/>
+                </a:ln>
+                <a:solidFill>
+                  <a:srgbClr val="6A8759"/>
+                </a:solidFill>
+                <a:effectLst/>
+                <a:latin typeface="Courier New" panose="02070309020205020404" pitchFamily="49" charset="0"/>
+                <a:cs typeface="Courier New" panose="02070309020205020404" pitchFamily="49" charset="0"/>
+              </a:rPr>
+              <a:t>txt</a:t>
+            </a:r>
+            <a:r>
+              <a:rPr kumimoji="0" lang="ko-KR" altLang="ko-KR" sz="1200" b="0" i="0" u="none" strike="noStrike" cap="none" normalizeH="0" baseline="0" dirty="0">
+                <a:ln>
+                  <a:noFill/>
+                </a:ln>
+                <a:solidFill>
+                  <a:srgbClr val="6A8759"/>
+                </a:solidFill>
+                <a:effectLst/>
+                <a:latin typeface="Courier New" panose="02070309020205020404" pitchFamily="49" charset="0"/>
+                <a:cs typeface="Courier New" panose="02070309020205020404" pitchFamily="49" charset="0"/>
+              </a:rPr>
+              <a:t>"</a:t>
+            </a:r>
+            <a:r>
+              <a:rPr kumimoji="0" lang="ko-KR" altLang="ko-KR" sz="1200" b="0" i="0" u="none" strike="noStrike" cap="none" normalizeH="0" baseline="0" dirty="0">
+                <a:ln>
+                  <a:noFill/>
+                </a:ln>
+                <a:solidFill>
+                  <a:srgbClr val="A9B7C6"/>
+                </a:solidFill>
+                <a:effectLst/>
+                <a:latin typeface="Courier New" panose="02070309020205020404" pitchFamily="49" charset="0"/>
+                <a:cs typeface="Courier New" panose="02070309020205020404" pitchFamily="49" charset="0"/>
+              </a:rPr>
+              <a:t>)</a:t>
+            </a:r>
+            <a:br>
+              <a:rPr kumimoji="0" lang="ko-KR" altLang="ko-KR" sz="1200" b="0" i="0" u="none" strike="noStrike" cap="none" normalizeH="0" baseline="0" dirty="0">
+                <a:ln>
+                  <a:noFill/>
+                </a:ln>
+                <a:solidFill>
+                  <a:srgbClr val="A9B7C6"/>
+                </a:solidFill>
+                <a:effectLst/>
+                <a:latin typeface="Courier New" panose="02070309020205020404" pitchFamily="49" charset="0"/>
+                <a:cs typeface="Courier New" panose="02070309020205020404" pitchFamily="49" charset="0"/>
+              </a:rPr>
+            </a:br>
+            <a:r>
+              <a:rPr kumimoji="0" lang="ko-KR" altLang="ko-KR" sz="1200" b="0" i="0" u="none" strike="noStrike" cap="none" normalizeH="0" baseline="0" dirty="0">
+                <a:ln>
+                  <a:noFill/>
+                </a:ln>
+                <a:solidFill>
+                  <a:srgbClr val="A9B7C6"/>
+                </a:solidFill>
+                <a:effectLst/>
+                <a:latin typeface="Courier New" panose="02070309020205020404" pitchFamily="49" charset="0"/>
+                <a:cs typeface="Courier New" panose="02070309020205020404" pitchFamily="49" charset="0"/>
+              </a:rPr>
+              <a:t>    </a:t>
+            </a:r>
+            <a:r>
+              <a:rPr kumimoji="0" lang="ko-KR" altLang="ko-KR" sz="1200" b="0" i="0" u="none" strike="noStrike" cap="none" normalizeH="0" baseline="0" dirty="0" err="1">
+                <a:ln>
+                  <a:noFill/>
+                </a:ln>
+                <a:solidFill>
+                  <a:srgbClr val="CC7832"/>
+                </a:solidFill>
+                <a:effectLst/>
+                <a:latin typeface="Courier New" panose="02070309020205020404" pitchFamily="49" charset="0"/>
+                <a:cs typeface="Courier New" panose="02070309020205020404" pitchFamily="49" charset="0"/>
+              </a:rPr>
+              <a:t>if</a:t>
+            </a:r>
+            <a:r>
+              <a:rPr kumimoji="0" lang="ko-KR" altLang="ko-KR" sz="1200" b="0" i="0" u="none" strike="noStrike" cap="none" normalizeH="0" baseline="0" dirty="0">
+                <a:ln>
+                  <a:noFill/>
+                </a:ln>
+                <a:solidFill>
+                  <a:srgbClr val="CC7832"/>
+                </a:solidFill>
+                <a:effectLst/>
+                <a:latin typeface="Courier New" panose="02070309020205020404" pitchFamily="49" charset="0"/>
+                <a:cs typeface="Courier New" panose="02070309020205020404" pitchFamily="49" charset="0"/>
+              </a:rPr>
+              <a:t> </a:t>
+            </a:r>
+            <a:r>
+              <a:rPr kumimoji="0" lang="ko-KR" altLang="ko-KR" sz="1200" b="0" i="0" u="none" strike="noStrike" cap="none" normalizeH="0" baseline="0" dirty="0" err="1">
+                <a:ln>
+                  <a:noFill/>
+                </a:ln>
+                <a:solidFill>
+                  <a:srgbClr val="A9B7C6"/>
+                </a:solidFill>
+                <a:effectLst/>
+                <a:latin typeface="Courier New" panose="02070309020205020404" pitchFamily="49" charset="0"/>
+                <a:cs typeface="Courier New" panose="02070309020205020404" pitchFamily="49" charset="0"/>
+              </a:rPr>
+              <a:t>f</a:t>
+            </a:r>
+            <a:r>
+              <a:rPr kumimoji="0" lang="ko-KR" altLang="ko-KR" sz="1200" b="0" i="0" u="none" strike="noStrike" cap="none" normalizeH="0" baseline="0" dirty="0">
+                <a:ln>
+                  <a:noFill/>
+                </a:ln>
+                <a:solidFill>
+                  <a:srgbClr val="A9B7C6"/>
+                </a:solidFill>
+                <a:effectLst/>
+                <a:latin typeface="Courier New" panose="02070309020205020404" pitchFamily="49" charset="0"/>
+                <a:cs typeface="Courier New" panose="02070309020205020404" pitchFamily="49" charset="0"/>
+              </a:rPr>
+              <a:t> </a:t>
+            </a:r>
+            <a:r>
+              <a:rPr kumimoji="0" lang="ko-KR" altLang="ko-KR" sz="1200" b="0" i="0" u="none" strike="noStrike" cap="none" normalizeH="0" baseline="0" dirty="0" err="1">
+                <a:ln>
+                  <a:noFill/>
+                </a:ln>
+                <a:solidFill>
+                  <a:srgbClr val="CC7832"/>
+                </a:solidFill>
+                <a:effectLst/>
+                <a:latin typeface="Courier New" panose="02070309020205020404" pitchFamily="49" charset="0"/>
+                <a:cs typeface="Courier New" panose="02070309020205020404" pitchFamily="49" charset="0"/>
+              </a:rPr>
+              <a:t>is</a:t>
+            </a:r>
+            <a:r>
+              <a:rPr kumimoji="0" lang="ko-KR" altLang="ko-KR" sz="1200" b="0" i="0" u="none" strike="noStrike" cap="none" normalizeH="0" baseline="0" dirty="0">
+                <a:ln>
+                  <a:noFill/>
+                </a:ln>
+                <a:solidFill>
+                  <a:srgbClr val="CC7832"/>
+                </a:solidFill>
+                <a:effectLst/>
+                <a:latin typeface="Courier New" panose="02070309020205020404" pitchFamily="49" charset="0"/>
+                <a:cs typeface="Courier New" panose="02070309020205020404" pitchFamily="49" charset="0"/>
+              </a:rPr>
+              <a:t> </a:t>
+            </a:r>
+            <a:r>
+              <a:rPr kumimoji="0" lang="ko-KR" altLang="ko-KR" sz="1200" b="0" i="0" u="none" strike="noStrike" cap="none" normalizeH="0" baseline="0" dirty="0" err="1">
+                <a:ln>
+                  <a:noFill/>
+                </a:ln>
+                <a:solidFill>
+                  <a:srgbClr val="CC7832"/>
+                </a:solidFill>
+                <a:effectLst/>
+                <a:latin typeface="Courier New" panose="02070309020205020404" pitchFamily="49" charset="0"/>
+                <a:cs typeface="Courier New" panose="02070309020205020404" pitchFamily="49" charset="0"/>
+              </a:rPr>
+              <a:t>None</a:t>
+            </a:r>
+            <a:r>
+              <a:rPr kumimoji="0" lang="ko-KR" altLang="ko-KR" sz="1200" b="0" i="0" u="none" strike="noStrike" cap="none" normalizeH="0" baseline="0" dirty="0">
+                <a:ln>
+                  <a:noFill/>
+                </a:ln>
+                <a:solidFill>
+                  <a:srgbClr val="A9B7C6"/>
+                </a:solidFill>
+                <a:effectLst/>
+                <a:latin typeface="Courier New" panose="02070309020205020404" pitchFamily="49" charset="0"/>
+                <a:cs typeface="Courier New" panose="02070309020205020404" pitchFamily="49" charset="0"/>
+              </a:rPr>
+              <a:t>:</a:t>
+            </a:r>
+            <a:br>
+              <a:rPr kumimoji="0" lang="ko-KR" altLang="ko-KR" sz="1200" b="0" i="0" u="none" strike="noStrike" cap="none" normalizeH="0" baseline="0" dirty="0">
+                <a:ln>
+                  <a:noFill/>
+                </a:ln>
+                <a:solidFill>
+                  <a:srgbClr val="A9B7C6"/>
+                </a:solidFill>
+                <a:effectLst/>
+                <a:latin typeface="Courier New" panose="02070309020205020404" pitchFamily="49" charset="0"/>
+                <a:cs typeface="Courier New" panose="02070309020205020404" pitchFamily="49" charset="0"/>
+              </a:rPr>
+            </a:br>
+            <a:r>
+              <a:rPr kumimoji="0" lang="ko-KR" altLang="ko-KR" sz="1200" b="0" i="0" u="none" strike="noStrike" cap="none" normalizeH="0" baseline="0" dirty="0">
+                <a:ln>
+                  <a:noFill/>
+                </a:ln>
+                <a:solidFill>
+                  <a:srgbClr val="A9B7C6"/>
+                </a:solidFill>
+                <a:effectLst/>
+                <a:latin typeface="Courier New" panose="02070309020205020404" pitchFamily="49" charset="0"/>
+                <a:cs typeface="Courier New" panose="02070309020205020404" pitchFamily="49" charset="0"/>
+              </a:rPr>
+              <a:t>        </a:t>
+            </a:r>
+            <a:r>
+              <a:rPr kumimoji="0" lang="ko-KR" altLang="ko-KR" sz="1200" b="0" i="0" u="none" strike="noStrike" cap="none" normalizeH="0" baseline="0" dirty="0" err="1">
+                <a:ln>
+                  <a:noFill/>
+                </a:ln>
+                <a:solidFill>
+                  <a:srgbClr val="CC7832"/>
+                </a:solidFill>
+                <a:effectLst/>
+                <a:latin typeface="Courier New" panose="02070309020205020404" pitchFamily="49" charset="0"/>
+                <a:cs typeface="Courier New" panose="02070309020205020404" pitchFamily="49" charset="0"/>
+              </a:rPr>
+              <a:t>return</a:t>
+            </a:r>
+            <a:br>
+              <a:rPr kumimoji="0" lang="ko-KR" altLang="ko-KR" sz="1200" b="0" i="0" u="none" strike="noStrike" cap="none" normalizeH="0" baseline="0" dirty="0">
+                <a:ln>
+                  <a:noFill/>
+                </a:ln>
+                <a:solidFill>
+                  <a:srgbClr val="CC7832"/>
+                </a:solidFill>
+                <a:effectLst/>
+                <a:latin typeface="Courier New" panose="02070309020205020404" pitchFamily="49" charset="0"/>
+                <a:cs typeface="Courier New" panose="02070309020205020404" pitchFamily="49" charset="0"/>
+              </a:rPr>
+            </a:br>
+            <a:r>
+              <a:rPr kumimoji="0" lang="ko-KR" altLang="ko-KR" sz="1200" b="0" i="0" u="none" strike="noStrike" cap="none" normalizeH="0" baseline="0" dirty="0">
+                <a:ln>
+                  <a:noFill/>
+                </a:ln>
+                <a:solidFill>
+                  <a:srgbClr val="CC7832"/>
+                </a:solidFill>
+                <a:effectLst/>
+                <a:latin typeface="Courier New" panose="02070309020205020404" pitchFamily="49" charset="0"/>
+                <a:cs typeface="Courier New" panose="02070309020205020404" pitchFamily="49" charset="0"/>
+              </a:rPr>
+              <a:t>    </a:t>
+            </a:r>
+            <a:r>
+              <a:rPr kumimoji="0" lang="ko-KR" altLang="ko-KR" sz="1200" b="0" i="0" u="none" strike="noStrike" cap="none" normalizeH="0" baseline="0" dirty="0" err="1">
+                <a:ln>
+                  <a:noFill/>
+                </a:ln>
+                <a:solidFill>
+                  <a:srgbClr val="A9B7C6"/>
+                </a:solidFill>
+                <a:effectLst/>
+                <a:latin typeface="Courier New" panose="02070309020205020404" pitchFamily="49" charset="0"/>
+                <a:cs typeface="Courier New" panose="02070309020205020404" pitchFamily="49" charset="0"/>
+              </a:rPr>
+              <a:t>ts</a:t>
+            </a:r>
+            <a:r>
+              <a:rPr kumimoji="0" lang="ko-KR" altLang="ko-KR" sz="1200" b="0" i="0" u="none" strike="noStrike" cap="none" normalizeH="0" baseline="0" dirty="0">
+                <a:ln>
+                  <a:noFill/>
+                </a:ln>
+                <a:solidFill>
+                  <a:srgbClr val="A9B7C6"/>
+                </a:solidFill>
+                <a:effectLst/>
+                <a:latin typeface="Courier New" panose="02070309020205020404" pitchFamily="49" charset="0"/>
+                <a:cs typeface="Courier New" panose="02070309020205020404" pitchFamily="49" charset="0"/>
+              </a:rPr>
+              <a:t> = </a:t>
+            </a:r>
+            <a:r>
+              <a:rPr kumimoji="0" lang="ko-KR" altLang="ko-KR" sz="1200" b="0" i="0" u="none" strike="noStrike" cap="none" normalizeH="0" baseline="0" dirty="0" err="1">
+                <a:ln>
+                  <a:noFill/>
+                </a:ln>
+                <a:solidFill>
+                  <a:srgbClr val="8888C6"/>
+                </a:solidFill>
+                <a:effectLst/>
+                <a:latin typeface="Courier New" panose="02070309020205020404" pitchFamily="49" charset="0"/>
+                <a:cs typeface="Courier New" panose="02070309020205020404" pitchFamily="49" charset="0"/>
+              </a:rPr>
+              <a:t>str</a:t>
+            </a:r>
+            <a:r>
+              <a:rPr kumimoji="0" lang="ko-KR" altLang="ko-KR" sz="1200" b="0" i="0" u="none" strike="noStrike" cap="none" normalizeH="0" baseline="0" dirty="0">
+                <a:ln>
+                  <a:noFill/>
+                </a:ln>
+                <a:solidFill>
+                  <a:srgbClr val="A9B7C6"/>
+                </a:solidFill>
+                <a:effectLst/>
+                <a:latin typeface="Courier New" panose="02070309020205020404" pitchFamily="49" charset="0"/>
+                <a:cs typeface="Courier New" panose="02070309020205020404" pitchFamily="49" charset="0"/>
+              </a:rPr>
+              <a:t>(</a:t>
+            </a:r>
+            <a:r>
+              <a:rPr kumimoji="0" lang="ko-KR" altLang="ko-KR" sz="1200" b="0" i="0" u="none" strike="noStrike" cap="none" normalizeH="0" baseline="0" dirty="0" err="1">
+                <a:ln>
+                  <a:noFill/>
+                </a:ln>
+                <a:solidFill>
+                  <a:srgbClr val="A9B7C6"/>
+                </a:solidFill>
+                <a:effectLst/>
+                <a:latin typeface="Courier New" panose="02070309020205020404" pitchFamily="49" charset="0"/>
+                <a:cs typeface="Courier New" panose="02070309020205020404" pitchFamily="49" charset="0"/>
+              </a:rPr>
+              <a:t>tx.get</a:t>
+            </a:r>
+            <a:r>
+              <a:rPr kumimoji="0" lang="ko-KR" altLang="ko-KR" sz="1200" b="0" i="0" u="none" strike="noStrike" cap="none" normalizeH="0" baseline="0" dirty="0">
+                <a:ln>
+                  <a:noFill/>
+                </a:ln>
+                <a:solidFill>
+                  <a:srgbClr val="A9B7C6"/>
+                </a:solidFill>
+                <a:effectLst/>
+                <a:latin typeface="Courier New" panose="02070309020205020404" pitchFamily="49" charset="0"/>
+                <a:cs typeface="Courier New" panose="02070309020205020404" pitchFamily="49" charset="0"/>
+              </a:rPr>
+              <a:t>(</a:t>
+            </a:r>
+            <a:r>
+              <a:rPr kumimoji="0" lang="ko-KR" altLang="ko-KR" sz="1200" b="0" i="0" u="none" strike="noStrike" cap="none" normalizeH="0" baseline="0" dirty="0">
+                <a:ln>
+                  <a:noFill/>
+                </a:ln>
+                <a:solidFill>
+                  <a:srgbClr val="6897BB"/>
+                </a:solidFill>
+                <a:effectLst/>
+                <a:latin typeface="Courier New" panose="02070309020205020404" pitchFamily="49" charset="0"/>
+                <a:cs typeface="Courier New" panose="02070309020205020404" pitchFamily="49" charset="0"/>
+              </a:rPr>
+              <a:t>1.0</a:t>
+            </a:r>
+            <a:r>
+              <a:rPr kumimoji="0" lang="ko-KR" altLang="ko-KR" sz="1200" b="0" i="0" u="none" strike="noStrike" cap="none" normalizeH="0" baseline="0" dirty="0">
+                <a:ln>
+                  <a:noFill/>
+                </a:ln>
+                <a:solidFill>
+                  <a:srgbClr val="CC7832"/>
+                </a:solidFill>
+                <a:effectLst/>
+                <a:latin typeface="Courier New" panose="02070309020205020404" pitchFamily="49" charset="0"/>
+                <a:cs typeface="Courier New" panose="02070309020205020404" pitchFamily="49" charset="0"/>
+              </a:rPr>
+              <a:t>, </a:t>
+            </a:r>
+            <a:r>
+              <a:rPr kumimoji="0" lang="ko-KR" altLang="ko-KR" sz="1200" b="0" i="0" u="none" strike="noStrike" cap="none" normalizeH="0" baseline="0" dirty="0">
+                <a:ln>
+                  <a:noFill/>
+                </a:ln>
+                <a:solidFill>
+                  <a:srgbClr val="A9B7C6"/>
+                </a:solidFill>
+                <a:effectLst/>
+                <a:latin typeface="Courier New" panose="02070309020205020404" pitchFamily="49" charset="0"/>
+                <a:cs typeface="Courier New" panose="02070309020205020404" pitchFamily="49" charset="0"/>
+              </a:rPr>
+              <a:t>END))</a:t>
+            </a:r>
+            <a:br>
+              <a:rPr kumimoji="0" lang="ko-KR" altLang="ko-KR" sz="1200" b="0" i="0" u="none" strike="noStrike" cap="none" normalizeH="0" baseline="0" dirty="0">
+                <a:ln>
+                  <a:noFill/>
+                </a:ln>
+                <a:solidFill>
+                  <a:srgbClr val="A9B7C6"/>
+                </a:solidFill>
+                <a:effectLst/>
+                <a:latin typeface="Courier New" panose="02070309020205020404" pitchFamily="49" charset="0"/>
+                <a:cs typeface="Courier New" panose="02070309020205020404" pitchFamily="49" charset="0"/>
+              </a:rPr>
+            </a:br>
+            <a:r>
+              <a:rPr kumimoji="0" lang="ko-KR" altLang="ko-KR" sz="1200" b="0" i="0" u="none" strike="noStrike" cap="none" normalizeH="0" baseline="0" dirty="0">
+                <a:ln>
+                  <a:noFill/>
+                </a:ln>
+                <a:solidFill>
+                  <a:srgbClr val="A9B7C6"/>
+                </a:solidFill>
+                <a:effectLst/>
+                <a:latin typeface="Courier New" panose="02070309020205020404" pitchFamily="49" charset="0"/>
+                <a:cs typeface="Courier New" panose="02070309020205020404" pitchFamily="49" charset="0"/>
+              </a:rPr>
+              <a:t>    </a:t>
+            </a:r>
+            <a:r>
+              <a:rPr kumimoji="0" lang="ko-KR" altLang="ko-KR" sz="1200" b="0" i="0" u="none" strike="noStrike" cap="none" normalizeH="0" baseline="0" dirty="0" err="1">
+                <a:ln>
+                  <a:noFill/>
+                </a:ln>
+                <a:solidFill>
+                  <a:srgbClr val="A9B7C6"/>
+                </a:solidFill>
+                <a:effectLst/>
+                <a:latin typeface="Courier New" panose="02070309020205020404" pitchFamily="49" charset="0"/>
+                <a:cs typeface="Courier New" panose="02070309020205020404" pitchFamily="49" charset="0"/>
+              </a:rPr>
+              <a:t>f.write</a:t>
+            </a:r>
+            <a:r>
+              <a:rPr kumimoji="0" lang="ko-KR" altLang="ko-KR" sz="1200" b="0" i="0" u="none" strike="noStrike" cap="none" normalizeH="0" baseline="0" dirty="0">
+                <a:ln>
+                  <a:noFill/>
+                </a:ln>
+                <a:solidFill>
+                  <a:srgbClr val="A9B7C6"/>
+                </a:solidFill>
+                <a:effectLst/>
+                <a:latin typeface="Courier New" panose="02070309020205020404" pitchFamily="49" charset="0"/>
+                <a:cs typeface="Courier New" panose="02070309020205020404" pitchFamily="49" charset="0"/>
+              </a:rPr>
+              <a:t>(</a:t>
+            </a:r>
+            <a:r>
+              <a:rPr kumimoji="0" lang="ko-KR" altLang="ko-KR" sz="1200" b="0" i="0" u="none" strike="noStrike" cap="none" normalizeH="0" baseline="0" dirty="0" err="1">
+                <a:ln>
+                  <a:noFill/>
+                </a:ln>
+                <a:solidFill>
+                  <a:srgbClr val="A9B7C6"/>
+                </a:solidFill>
+                <a:effectLst/>
+                <a:latin typeface="Courier New" panose="02070309020205020404" pitchFamily="49" charset="0"/>
+                <a:cs typeface="Courier New" panose="02070309020205020404" pitchFamily="49" charset="0"/>
+              </a:rPr>
+              <a:t>ts</a:t>
+            </a:r>
+            <a:r>
+              <a:rPr kumimoji="0" lang="ko-KR" altLang="ko-KR" sz="1200" b="0" i="0" u="none" strike="noStrike" cap="none" normalizeH="0" baseline="0" dirty="0">
+                <a:ln>
+                  <a:noFill/>
+                </a:ln>
+                <a:solidFill>
+                  <a:srgbClr val="A9B7C6"/>
+                </a:solidFill>
+                <a:effectLst/>
+                <a:latin typeface="Courier New" panose="02070309020205020404" pitchFamily="49" charset="0"/>
+                <a:cs typeface="Courier New" panose="02070309020205020404" pitchFamily="49" charset="0"/>
+              </a:rPr>
+              <a:t>)</a:t>
+            </a:r>
+            <a:br>
+              <a:rPr kumimoji="0" lang="ko-KR" altLang="ko-KR" sz="1200" b="0" i="0" u="none" strike="noStrike" cap="none" normalizeH="0" baseline="0" dirty="0">
+                <a:ln>
+                  <a:noFill/>
+                </a:ln>
+                <a:solidFill>
+                  <a:srgbClr val="A9B7C6"/>
+                </a:solidFill>
+                <a:effectLst/>
+                <a:latin typeface="Courier New" panose="02070309020205020404" pitchFamily="49" charset="0"/>
+                <a:cs typeface="Courier New" panose="02070309020205020404" pitchFamily="49" charset="0"/>
+              </a:rPr>
+            </a:br>
+            <a:r>
+              <a:rPr kumimoji="0" lang="ko-KR" altLang="ko-KR" sz="1200" b="0" i="0" u="none" strike="noStrike" cap="none" normalizeH="0" baseline="0" dirty="0">
+                <a:ln>
+                  <a:noFill/>
+                </a:ln>
+                <a:solidFill>
+                  <a:srgbClr val="A9B7C6"/>
+                </a:solidFill>
+                <a:effectLst/>
+                <a:latin typeface="Courier New" panose="02070309020205020404" pitchFamily="49" charset="0"/>
+                <a:cs typeface="Courier New" panose="02070309020205020404" pitchFamily="49" charset="0"/>
+              </a:rPr>
+              <a:t>    </a:t>
+            </a:r>
+            <a:r>
+              <a:rPr kumimoji="0" lang="ko-KR" altLang="ko-KR" sz="1200" b="0" i="0" u="none" strike="noStrike" cap="none" normalizeH="0" baseline="0" dirty="0" err="1">
+                <a:ln>
+                  <a:noFill/>
+                </a:ln>
+                <a:solidFill>
+                  <a:srgbClr val="A9B7C6"/>
+                </a:solidFill>
+                <a:effectLst/>
+                <a:latin typeface="Courier New" panose="02070309020205020404" pitchFamily="49" charset="0"/>
+                <a:cs typeface="Courier New" panose="02070309020205020404" pitchFamily="49" charset="0"/>
+              </a:rPr>
+              <a:t>f.close</a:t>
+            </a:r>
+            <a:r>
+              <a:rPr kumimoji="0" lang="ko-KR" altLang="ko-KR" sz="1200" b="0" i="0" u="none" strike="noStrike" cap="none" normalizeH="0" baseline="0" dirty="0">
+                <a:ln>
+                  <a:noFill/>
+                </a:ln>
+                <a:solidFill>
+                  <a:srgbClr val="A9B7C6"/>
+                </a:solidFill>
+                <a:effectLst/>
+                <a:latin typeface="Courier New" panose="02070309020205020404" pitchFamily="49" charset="0"/>
+                <a:cs typeface="Courier New" panose="02070309020205020404" pitchFamily="49" charset="0"/>
+              </a:rPr>
+              <a:t>()</a:t>
+            </a:r>
+            <a:br>
+              <a:rPr kumimoji="0" lang="ko-KR" altLang="ko-KR" sz="1200" b="0" i="0" u="none" strike="noStrike" cap="none" normalizeH="0" baseline="0" dirty="0">
+                <a:ln>
+                  <a:noFill/>
+                </a:ln>
+                <a:solidFill>
+                  <a:srgbClr val="A9B7C6"/>
+                </a:solidFill>
+                <a:effectLst/>
+                <a:latin typeface="Courier New" panose="02070309020205020404" pitchFamily="49" charset="0"/>
+                <a:cs typeface="Courier New" panose="02070309020205020404" pitchFamily="49" charset="0"/>
+              </a:rPr>
+            </a:br>
+            <a:br>
+              <a:rPr kumimoji="0" lang="ko-KR" altLang="ko-KR" sz="1200" b="0" i="0" u="none" strike="noStrike" cap="none" normalizeH="0" baseline="0" dirty="0">
+                <a:ln>
+                  <a:noFill/>
+                </a:ln>
+                <a:solidFill>
+                  <a:srgbClr val="A9B7C6"/>
+                </a:solidFill>
+                <a:effectLst/>
+                <a:latin typeface="Courier New" panose="02070309020205020404" pitchFamily="49" charset="0"/>
+                <a:cs typeface="Courier New" panose="02070309020205020404" pitchFamily="49" charset="0"/>
+              </a:rPr>
+            </a:br>
+            <a:r>
+              <a:rPr kumimoji="0" lang="ko-KR" altLang="ko-KR" sz="1200" b="0" i="0" u="none" strike="noStrike" cap="none" normalizeH="0" baseline="0" dirty="0" err="1">
+                <a:ln>
+                  <a:noFill/>
+                </a:ln>
+                <a:solidFill>
+                  <a:srgbClr val="CC7832"/>
+                </a:solidFill>
+                <a:effectLst/>
+                <a:latin typeface="Courier New" panose="02070309020205020404" pitchFamily="49" charset="0"/>
+                <a:cs typeface="Courier New" panose="02070309020205020404" pitchFamily="49" charset="0"/>
+              </a:rPr>
+              <a:t>def</a:t>
+            </a:r>
+            <a:r>
+              <a:rPr kumimoji="0" lang="ko-KR" altLang="ko-KR" sz="1200" b="0" i="0" u="none" strike="noStrike" cap="none" normalizeH="0" baseline="0" dirty="0">
+                <a:ln>
+                  <a:noFill/>
+                </a:ln>
+                <a:solidFill>
+                  <a:srgbClr val="CC7832"/>
+                </a:solidFill>
+                <a:effectLst/>
+                <a:latin typeface="Courier New" panose="02070309020205020404" pitchFamily="49" charset="0"/>
+                <a:cs typeface="Courier New" panose="02070309020205020404" pitchFamily="49" charset="0"/>
+              </a:rPr>
+              <a:t> </a:t>
+            </a:r>
+            <a:r>
+              <a:rPr kumimoji="0" lang="ko-KR" altLang="ko-KR" sz="1200" b="0" i="0" u="none" strike="noStrike" cap="none" normalizeH="0" baseline="0" dirty="0" err="1">
+                <a:ln>
+                  <a:noFill/>
+                </a:ln>
+                <a:solidFill>
+                  <a:srgbClr val="FFC66D"/>
+                </a:solidFill>
+                <a:effectLst/>
+                <a:latin typeface="Courier New" panose="02070309020205020404" pitchFamily="49" charset="0"/>
+                <a:cs typeface="Courier New" panose="02070309020205020404" pitchFamily="49" charset="0"/>
+              </a:rPr>
+              <a:t>openf</a:t>
+            </a:r>
+            <a:r>
+              <a:rPr kumimoji="0" lang="ko-KR" altLang="ko-KR" sz="1200" b="0" i="0" u="none" strike="noStrike" cap="none" normalizeH="0" baseline="0" dirty="0">
+                <a:ln>
+                  <a:noFill/>
+                </a:ln>
+                <a:solidFill>
+                  <a:srgbClr val="A9B7C6"/>
+                </a:solidFill>
+                <a:effectLst/>
+                <a:latin typeface="Courier New" panose="02070309020205020404" pitchFamily="49" charset="0"/>
+                <a:cs typeface="Courier New" panose="02070309020205020404" pitchFamily="49" charset="0"/>
+              </a:rPr>
+              <a:t>():</a:t>
+            </a:r>
+            <a:br>
+              <a:rPr kumimoji="0" lang="ko-KR" altLang="ko-KR" sz="1200" b="0" i="0" u="none" strike="noStrike" cap="none" normalizeH="0" baseline="0" dirty="0">
+                <a:ln>
+                  <a:noFill/>
+                </a:ln>
+                <a:solidFill>
+                  <a:srgbClr val="A9B7C6"/>
+                </a:solidFill>
+                <a:effectLst/>
+                <a:latin typeface="Courier New" panose="02070309020205020404" pitchFamily="49" charset="0"/>
+                <a:cs typeface="Courier New" panose="02070309020205020404" pitchFamily="49" charset="0"/>
+              </a:rPr>
+            </a:br>
+            <a:r>
+              <a:rPr kumimoji="0" lang="ko-KR" altLang="ko-KR" sz="1200" b="0" i="0" u="none" strike="noStrike" cap="none" normalizeH="0" baseline="0" dirty="0">
+                <a:ln>
+                  <a:noFill/>
+                </a:ln>
+                <a:solidFill>
+                  <a:srgbClr val="A9B7C6"/>
+                </a:solidFill>
+                <a:effectLst/>
+                <a:latin typeface="Courier New" panose="02070309020205020404" pitchFamily="49" charset="0"/>
+                <a:cs typeface="Courier New" panose="02070309020205020404" pitchFamily="49" charset="0"/>
+              </a:rPr>
+              <a:t>    </a:t>
+            </a:r>
+            <a:r>
+              <a:rPr kumimoji="0" lang="ko-KR" altLang="ko-KR" sz="1200" b="0" i="0" u="none" strike="noStrike" cap="none" normalizeH="0" baseline="0" dirty="0" err="1">
+                <a:ln>
+                  <a:noFill/>
+                </a:ln>
+                <a:solidFill>
+                  <a:srgbClr val="A9B7C6"/>
+                </a:solidFill>
+                <a:effectLst/>
+                <a:latin typeface="Courier New" panose="02070309020205020404" pitchFamily="49" charset="0"/>
+                <a:cs typeface="Courier New" panose="02070309020205020404" pitchFamily="49" charset="0"/>
+              </a:rPr>
+              <a:t>file</a:t>
+            </a:r>
+            <a:r>
+              <a:rPr kumimoji="0" lang="ko-KR" altLang="ko-KR" sz="1200" b="0" i="0" u="none" strike="noStrike" cap="none" normalizeH="0" baseline="0" dirty="0">
+                <a:ln>
+                  <a:noFill/>
+                </a:ln>
+                <a:solidFill>
+                  <a:srgbClr val="A9B7C6"/>
+                </a:solidFill>
+                <a:effectLst/>
+                <a:latin typeface="Courier New" panose="02070309020205020404" pitchFamily="49" charset="0"/>
+                <a:cs typeface="Courier New" panose="02070309020205020404" pitchFamily="49" charset="0"/>
+              </a:rPr>
+              <a:t> = </a:t>
+            </a:r>
+            <a:r>
+              <a:rPr kumimoji="0" lang="ko-KR" altLang="ko-KR" sz="1200" b="0" i="0" u="none" strike="noStrike" cap="none" normalizeH="0" baseline="0" dirty="0" err="1">
+                <a:ln>
+                  <a:noFill/>
+                </a:ln>
+                <a:solidFill>
+                  <a:srgbClr val="A9B7C6"/>
+                </a:solidFill>
+                <a:effectLst/>
+                <a:latin typeface="Courier New" panose="02070309020205020404" pitchFamily="49" charset="0"/>
+                <a:cs typeface="Courier New" panose="02070309020205020404" pitchFamily="49" charset="0"/>
+              </a:rPr>
+              <a:t>askopenfilename</a:t>
+            </a:r>
+            <a:r>
+              <a:rPr kumimoji="0" lang="ko-KR" altLang="ko-KR" sz="1200" b="0" i="0" u="none" strike="noStrike" cap="none" normalizeH="0" baseline="0" dirty="0">
+                <a:ln>
+                  <a:noFill/>
+                </a:ln>
+                <a:solidFill>
+                  <a:srgbClr val="A9B7C6"/>
+                </a:solidFill>
+                <a:effectLst/>
+                <a:latin typeface="Courier New" panose="02070309020205020404" pitchFamily="49" charset="0"/>
+                <a:cs typeface="Courier New" panose="02070309020205020404" pitchFamily="49" charset="0"/>
+              </a:rPr>
+              <a:t>(</a:t>
+            </a:r>
+            <a:r>
+              <a:rPr kumimoji="0" lang="ko-KR" altLang="ko-KR" sz="1200" b="0" i="0" u="none" strike="noStrike" cap="none" normalizeH="0" baseline="0" dirty="0" err="1">
+                <a:ln>
+                  <a:noFill/>
+                </a:ln>
+                <a:solidFill>
+                  <a:srgbClr val="AA4926"/>
+                </a:solidFill>
+                <a:effectLst/>
+                <a:latin typeface="Courier New" panose="02070309020205020404" pitchFamily="49" charset="0"/>
+                <a:cs typeface="Courier New" panose="02070309020205020404" pitchFamily="49" charset="0"/>
+              </a:rPr>
+              <a:t>title</a:t>
+            </a:r>
+            <a:r>
+              <a:rPr kumimoji="0" lang="ko-KR" altLang="ko-KR" sz="1200" b="0" i="0" u="none" strike="noStrike" cap="none" normalizeH="0" baseline="0" dirty="0">
+                <a:ln>
+                  <a:noFill/>
+                </a:ln>
+                <a:solidFill>
+                  <a:srgbClr val="A9B7C6"/>
+                </a:solidFill>
+                <a:effectLst/>
+                <a:latin typeface="Courier New" panose="02070309020205020404" pitchFamily="49" charset="0"/>
+                <a:cs typeface="Courier New" panose="02070309020205020404" pitchFamily="49" charset="0"/>
+              </a:rPr>
+              <a:t>=</a:t>
+            </a:r>
+            <a:r>
+              <a:rPr kumimoji="0" lang="ko-KR" altLang="ko-KR" sz="1200" b="0" i="0" u="none" strike="noStrike" cap="none" normalizeH="0" baseline="0" dirty="0">
+                <a:ln>
+                  <a:noFill/>
+                </a:ln>
+                <a:solidFill>
+                  <a:srgbClr val="6A8759"/>
+                </a:solidFill>
+                <a:effectLst/>
+                <a:latin typeface="Courier New" panose="02070309020205020404" pitchFamily="49" charset="0"/>
+                <a:cs typeface="Courier New" panose="02070309020205020404" pitchFamily="49" charset="0"/>
+              </a:rPr>
+              <a:t>"</a:t>
+            </a:r>
+            <a:r>
+              <a:rPr kumimoji="0" lang="ko-KR" altLang="ko-KR" sz="1200" b="0" i="0" u="none" strike="noStrike" cap="none" normalizeH="0" baseline="0" dirty="0">
+                <a:ln>
+                  <a:noFill/>
+                </a:ln>
+                <a:solidFill>
+                  <a:srgbClr val="6A8759"/>
+                </a:solidFill>
+                <a:effectLst/>
+                <a:latin typeface="맑은 고딕" panose="020B0503020000020004" pitchFamily="50" charset="-127"/>
+                <a:ea typeface="맑은 고딕" panose="020B0503020000020004" pitchFamily="50" charset="-127"/>
+                <a:cs typeface="Courier New" panose="02070309020205020404" pitchFamily="49" charset="0"/>
+              </a:rPr>
+              <a:t>파일 선택</a:t>
+            </a:r>
+            <a:r>
+              <a:rPr kumimoji="0" lang="ko-KR" altLang="ko-KR" sz="1200" b="0" i="0" u="none" strike="noStrike" cap="none" normalizeH="0" baseline="0" dirty="0">
+                <a:ln>
+                  <a:noFill/>
+                </a:ln>
+                <a:solidFill>
+                  <a:srgbClr val="6A8759"/>
+                </a:solidFill>
+                <a:effectLst/>
+                <a:latin typeface="Courier New" panose="02070309020205020404" pitchFamily="49" charset="0"/>
+                <a:cs typeface="Courier New" panose="02070309020205020404" pitchFamily="49" charset="0"/>
+              </a:rPr>
+              <a:t>"</a:t>
+            </a:r>
+            <a:r>
+              <a:rPr kumimoji="0" lang="ko-KR" altLang="ko-KR" sz="1200" b="0" i="0" u="none" strike="noStrike" cap="none" normalizeH="0" baseline="0" dirty="0">
+                <a:ln>
+                  <a:noFill/>
+                </a:ln>
+                <a:solidFill>
+                  <a:srgbClr val="CC7832"/>
+                </a:solidFill>
+                <a:effectLst/>
+                <a:latin typeface="Courier New" panose="02070309020205020404" pitchFamily="49" charset="0"/>
+                <a:cs typeface="Courier New" panose="02070309020205020404" pitchFamily="49" charset="0"/>
+              </a:rPr>
+              <a:t>, </a:t>
+            </a:r>
+            <a:r>
+              <a:rPr kumimoji="0" lang="ko-KR" altLang="ko-KR" sz="1200" b="0" i="0" u="none" strike="noStrike" cap="none" normalizeH="0" baseline="0" dirty="0" err="1">
+                <a:ln>
+                  <a:noFill/>
+                </a:ln>
+                <a:solidFill>
+                  <a:srgbClr val="AA4926"/>
+                </a:solidFill>
+                <a:effectLst/>
+                <a:latin typeface="Courier New" panose="02070309020205020404" pitchFamily="49" charset="0"/>
+                <a:cs typeface="Courier New" panose="02070309020205020404" pitchFamily="49" charset="0"/>
+              </a:rPr>
+              <a:t>filetypes</a:t>
+            </a:r>
+            <a:r>
+              <a:rPr kumimoji="0" lang="ko-KR" altLang="ko-KR" sz="1200" b="0" i="0" u="none" strike="noStrike" cap="none" normalizeH="0" baseline="0" dirty="0">
+                <a:ln>
+                  <a:noFill/>
+                </a:ln>
+                <a:solidFill>
+                  <a:srgbClr val="A9B7C6"/>
+                </a:solidFill>
+                <a:effectLst/>
+                <a:latin typeface="Courier New" panose="02070309020205020404" pitchFamily="49" charset="0"/>
+                <a:cs typeface="Courier New" panose="02070309020205020404" pitchFamily="49" charset="0"/>
+              </a:rPr>
+              <a:t>=((</a:t>
+            </a:r>
+            <a:r>
+              <a:rPr kumimoji="0" lang="ko-KR" altLang="ko-KR" sz="1200" b="0" i="0" u="none" strike="noStrike" cap="none" normalizeH="0" baseline="0" dirty="0">
+                <a:ln>
+                  <a:noFill/>
+                </a:ln>
+                <a:solidFill>
+                  <a:srgbClr val="6A8759"/>
+                </a:solidFill>
+                <a:effectLst/>
+                <a:latin typeface="Courier New" panose="02070309020205020404" pitchFamily="49" charset="0"/>
+                <a:cs typeface="Courier New" panose="02070309020205020404" pitchFamily="49" charset="0"/>
+              </a:rPr>
+              <a:t>"</a:t>
+            </a:r>
+            <a:r>
+              <a:rPr kumimoji="0" lang="ko-KR" altLang="ko-KR" sz="1200" b="0" i="0" u="none" strike="noStrike" cap="none" normalizeH="0" baseline="0" dirty="0">
+                <a:ln>
+                  <a:noFill/>
+                </a:ln>
+                <a:solidFill>
+                  <a:srgbClr val="6A8759"/>
+                </a:solidFill>
+                <a:effectLst/>
+                <a:latin typeface="맑은 고딕" panose="020B0503020000020004" pitchFamily="50" charset="-127"/>
+                <a:ea typeface="맑은 고딕" panose="020B0503020000020004" pitchFamily="50" charset="-127"/>
+                <a:cs typeface="Courier New" panose="02070309020205020404" pitchFamily="49" charset="0"/>
+              </a:rPr>
+              <a:t>텍스트 파일</a:t>
+            </a:r>
+            <a:r>
+              <a:rPr kumimoji="0" lang="ko-KR" altLang="ko-KR" sz="1200" b="0" i="0" u="none" strike="noStrike" cap="none" normalizeH="0" baseline="0" dirty="0">
+                <a:ln>
+                  <a:noFill/>
+                </a:ln>
+                <a:solidFill>
+                  <a:srgbClr val="6A8759"/>
+                </a:solidFill>
+                <a:effectLst/>
+                <a:latin typeface="Courier New" panose="02070309020205020404" pitchFamily="49" charset="0"/>
+                <a:cs typeface="Courier New" panose="02070309020205020404" pitchFamily="49" charset="0"/>
+              </a:rPr>
+              <a:t>"</a:t>
+            </a:r>
+            <a:r>
+              <a:rPr kumimoji="0" lang="ko-KR" altLang="ko-KR" sz="1200" b="0" i="0" u="none" strike="noStrike" cap="none" normalizeH="0" baseline="0" dirty="0">
+                <a:ln>
+                  <a:noFill/>
+                </a:ln>
+                <a:solidFill>
+                  <a:srgbClr val="CC7832"/>
+                </a:solidFill>
+                <a:effectLst/>
+                <a:latin typeface="Courier New" panose="02070309020205020404" pitchFamily="49" charset="0"/>
+                <a:cs typeface="Courier New" panose="02070309020205020404" pitchFamily="49" charset="0"/>
+              </a:rPr>
+              <a:t>, </a:t>
+            </a:r>
+            <a:r>
+              <a:rPr kumimoji="0" lang="ko-KR" altLang="ko-KR" sz="1200" b="0" i="0" u="none" strike="noStrike" cap="none" normalizeH="0" baseline="0" dirty="0">
+                <a:ln>
+                  <a:noFill/>
+                </a:ln>
+                <a:solidFill>
+                  <a:srgbClr val="6A8759"/>
+                </a:solidFill>
+                <a:effectLst/>
+                <a:latin typeface="Courier New" panose="02070309020205020404" pitchFamily="49" charset="0"/>
+                <a:cs typeface="Courier New" panose="02070309020205020404" pitchFamily="49" charset="0"/>
+              </a:rPr>
+              <a:t>"*.</a:t>
+            </a:r>
+            <a:r>
+              <a:rPr kumimoji="0" lang="ko-KR" altLang="ko-KR" sz="1200" b="0" i="0" u="none" strike="noStrike" cap="none" normalizeH="0" baseline="0" dirty="0" err="1">
+                <a:ln>
+                  <a:noFill/>
+                </a:ln>
+                <a:solidFill>
+                  <a:srgbClr val="6A8759"/>
+                </a:solidFill>
+                <a:effectLst/>
+                <a:latin typeface="Courier New" panose="02070309020205020404" pitchFamily="49" charset="0"/>
+                <a:cs typeface="Courier New" panose="02070309020205020404" pitchFamily="49" charset="0"/>
+              </a:rPr>
+              <a:t>txt</a:t>
+            </a:r>
+            <a:r>
+              <a:rPr kumimoji="0" lang="ko-KR" altLang="ko-KR" sz="1200" b="0" i="0" u="none" strike="noStrike" cap="none" normalizeH="0" baseline="0" dirty="0">
+                <a:ln>
+                  <a:noFill/>
+                </a:ln>
+                <a:solidFill>
+                  <a:srgbClr val="6A8759"/>
+                </a:solidFill>
+                <a:effectLst/>
+                <a:latin typeface="Courier New" panose="02070309020205020404" pitchFamily="49" charset="0"/>
+                <a:cs typeface="Courier New" panose="02070309020205020404" pitchFamily="49" charset="0"/>
+              </a:rPr>
+              <a:t>"</a:t>
+            </a:r>
+            <a:r>
+              <a:rPr kumimoji="0" lang="ko-KR" altLang="ko-KR" sz="1200" b="0" i="0" u="none" strike="noStrike" cap="none" normalizeH="0" baseline="0" dirty="0">
+                <a:ln>
+                  <a:noFill/>
+                </a:ln>
+                <a:solidFill>
+                  <a:srgbClr val="A9B7C6"/>
+                </a:solidFill>
+                <a:effectLst/>
+                <a:latin typeface="Courier New" panose="02070309020205020404" pitchFamily="49" charset="0"/>
+                <a:cs typeface="Courier New" panose="02070309020205020404" pitchFamily="49" charset="0"/>
+              </a:rPr>
+              <a:t>)</a:t>
+            </a:r>
+            <a:r>
+              <a:rPr kumimoji="0" lang="ko-KR" altLang="ko-KR" sz="1200" b="0" i="0" u="none" strike="noStrike" cap="none" normalizeH="0" baseline="0" dirty="0">
+                <a:ln>
+                  <a:noFill/>
+                </a:ln>
+                <a:solidFill>
+                  <a:srgbClr val="CC7832"/>
+                </a:solidFill>
+                <a:effectLst/>
+                <a:latin typeface="Courier New" panose="02070309020205020404" pitchFamily="49" charset="0"/>
+                <a:cs typeface="Courier New" panose="02070309020205020404" pitchFamily="49" charset="0"/>
+              </a:rPr>
+              <a:t>, </a:t>
+            </a:r>
+            <a:r>
+              <a:rPr kumimoji="0" lang="ko-KR" altLang="ko-KR" sz="1200" b="0" i="0" u="none" strike="noStrike" cap="none" normalizeH="0" baseline="0" dirty="0">
+                <a:ln>
+                  <a:noFill/>
+                </a:ln>
+                <a:solidFill>
+                  <a:srgbClr val="A9B7C6"/>
+                </a:solidFill>
+                <a:effectLst/>
+                <a:latin typeface="Courier New" panose="02070309020205020404" pitchFamily="49" charset="0"/>
+                <a:cs typeface="Courier New" panose="02070309020205020404" pitchFamily="49" charset="0"/>
+              </a:rPr>
+              <a:t>(</a:t>
+            </a:r>
+            <a:r>
+              <a:rPr kumimoji="0" lang="ko-KR" altLang="ko-KR" sz="1200" b="0" i="0" u="none" strike="noStrike" cap="none" normalizeH="0" baseline="0" dirty="0">
+                <a:ln>
+                  <a:noFill/>
+                </a:ln>
+                <a:solidFill>
+                  <a:srgbClr val="6A8759"/>
+                </a:solidFill>
+                <a:effectLst/>
+                <a:latin typeface="Courier New" panose="02070309020205020404" pitchFamily="49" charset="0"/>
+                <a:cs typeface="Courier New" panose="02070309020205020404" pitchFamily="49" charset="0"/>
+              </a:rPr>
+              <a:t>"</a:t>
+            </a:r>
+            <a:r>
+              <a:rPr kumimoji="0" lang="ko-KR" altLang="ko-KR" sz="1200" b="0" i="0" u="none" strike="noStrike" cap="none" normalizeH="0" baseline="0" dirty="0">
+                <a:ln>
+                  <a:noFill/>
+                </a:ln>
+                <a:solidFill>
+                  <a:srgbClr val="6A8759"/>
+                </a:solidFill>
+                <a:effectLst/>
+                <a:latin typeface="맑은 고딕" panose="020B0503020000020004" pitchFamily="50" charset="-127"/>
+                <a:ea typeface="맑은 고딕" panose="020B0503020000020004" pitchFamily="50" charset="-127"/>
+                <a:cs typeface="Courier New" panose="02070309020205020404" pitchFamily="49" charset="0"/>
+              </a:rPr>
+              <a:t>모든 파일</a:t>
+            </a:r>
+            <a:r>
+              <a:rPr kumimoji="0" lang="ko-KR" altLang="ko-KR" sz="1200" b="0" i="0" u="none" strike="noStrike" cap="none" normalizeH="0" baseline="0" dirty="0">
+                <a:ln>
+                  <a:noFill/>
+                </a:ln>
+                <a:solidFill>
+                  <a:srgbClr val="6A8759"/>
+                </a:solidFill>
+                <a:effectLst/>
+                <a:latin typeface="Courier New" panose="02070309020205020404" pitchFamily="49" charset="0"/>
+                <a:cs typeface="Courier New" panose="02070309020205020404" pitchFamily="49" charset="0"/>
+              </a:rPr>
+              <a:t>"</a:t>
+            </a:r>
+            <a:r>
+              <a:rPr kumimoji="0" lang="ko-KR" altLang="ko-KR" sz="1200" b="0" i="0" u="none" strike="noStrike" cap="none" normalizeH="0" baseline="0" dirty="0">
+                <a:ln>
+                  <a:noFill/>
+                </a:ln>
+                <a:solidFill>
+                  <a:srgbClr val="CC7832"/>
+                </a:solidFill>
+                <a:effectLst/>
+                <a:latin typeface="Courier New" panose="02070309020205020404" pitchFamily="49" charset="0"/>
+                <a:cs typeface="Courier New" panose="02070309020205020404" pitchFamily="49" charset="0"/>
+              </a:rPr>
+              <a:t>, </a:t>
+            </a:r>
+            <a:r>
+              <a:rPr kumimoji="0" lang="ko-KR" altLang="ko-KR" sz="1200" b="0" i="0" u="none" strike="noStrike" cap="none" normalizeH="0" baseline="0" dirty="0">
+                <a:ln>
+                  <a:noFill/>
+                </a:ln>
+                <a:solidFill>
+                  <a:srgbClr val="6A8759"/>
+                </a:solidFill>
+                <a:effectLst/>
+                <a:latin typeface="Courier New" panose="02070309020205020404" pitchFamily="49" charset="0"/>
+                <a:cs typeface="Courier New" panose="02070309020205020404" pitchFamily="49" charset="0"/>
+              </a:rPr>
+              <a:t>"*.*"</a:t>
+            </a:r>
+            <a:r>
+              <a:rPr kumimoji="0" lang="ko-KR" altLang="ko-KR" sz="1200" b="0" i="0" u="none" strike="noStrike" cap="none" normalizeH="0" baseline="0" dirty="0">
+                <a:ln>
+                  <a:noFill/>
+                </a:ln>
+                <a:solidFill>
+                  <a:srgbClr val="A9B7C6"/>
+                </a:solidFill>
+                <a:effectLst/>
+                <a:latin typeface="Courier New" panose="02070309020205020404" pitchFamily="49" charset="0"/>
+                <a:cs typeface="Courier New" panose="02070309020205020404" pitchFamily="49" charset="0"/>
+              </a:rPr>
+              <a:t>)))</a:t>
+            </a:r>
+            <a:br>
+              <a:rPr kumimoji="0" lang="ko-KR" altLang="ko-KR" sz="1200" b="0" i="0" u="none" strike="noStrike" cap="none" normalizeH="0" baseline="0" dirty="0">
+                <a:ln>
+                  <a:noFill/>
+                </a:ln>
+                <a:solidFill>
+                  <a:srgbClr val="A9B7C6"/>
+                </a:solidFill>
+                <a:effectLst/>
+                <a:latin typeface="Courier New" panose="02070309020205020404" pitchFamily="49" charset="0"/>
+                <a:cs typeface="Courier New" panose="02070309020205020404" pitchFamily="49" charset="0"/>
+              </a:rPr>
+            </a:br>
+            <a:r>
+              <a:rPr kumimoji="0" lang="ko-KR" altLang="ko-KR" sz="1200" b="0" i="0" u="none" strike="noStrike" cap="none" normalizeH="0" baseline="0" dirty="0">
+                <a:ln>
+                  <a:noFill/>
+                </a:ln>
+                <a:solidFill>
+                  <a:srgbClr val="A9B7C6"/>
+                </a:solidFill>
+                <a:effectLst/>
+                <a:latin typeface="Courier New" panose="02070309020205020404" pitchFamily="49" charset="0"/>
+                <a:cs typeface="Courier New" panose="02070309020205020404" pitchFamily="49" charset="0"/>
+              </a:rPr>
+              <a:t>    </a:t>
+            </a:r>
+            <a:r>
+              <a:rPr kumimoji="0" lang="ko-KR" altLang="ko-KR" sz="1200" b="0" i="0" u="none" strike="noStrike" cap="none" normalizeH="0" baseline="0" dirty="0" err="1">
+                <a:ln>
+                  <a:noFill/>
+                </a:ln>
+                <a:solidFill>
+                  <a:srgbClr val="A9B7C6"/>
+                </a:solidFill>
+                <a:effectLst/>
+                <a:latin typeface="Courier New" panose="02070309020205020404" pitchFamily="49" charset="0"/>
+                <a:cs typeface="Courier New" panose="02070309020205020404" pitchFamily="49" charset="0"/>
+              </a:rPr>
+              <a:t>root.title</a:t>
+            </a:r>
+            <a:r>
+              <a:rPr kumimoji="0" lang="ko-KR" altLang="ko-KR" sz="1200" b="0" i="0" u="none" strike="noStrike" cap="none" normalizeH="0" baseline="0" dirty="0">
+                <a:ln>
+                  <a:noFill/>
+                </a:ln>
+                <a:solidFill>
+                  <a:srgbClr val="A9B7C6"/>
+                </a:solidFill>
+                <a:effectLst/>
+                <a:latin typeface="Courier New" panose="02070309020205020404" pitchFamily="49" charset="0"/>
+                <a:cs typeface="Courier New" panose="02070309020205020404" pitchFamily="49" charset="0"/>
+              </a:rPr>
+              <a:t>(</a:t>
+            </a:r>
+            <a:r>
+              <a:rPr kumimoji="0" lang="ko-KR" altLang="ko-KR" sz="1200" b="0" i="0" u="none" strike="noStrike" cap="none" normalizeH="0" baseline="0" dirty="0" err="1">
+                <a:ln>
+                  <a:noFill/>
+                </a:ln>
+                <a:solidFill>
+                  <a:srgbClr val="A9B7C6"/>
+                </a:solidFill>
+                <a:effectLst/>
+                <a:latin typeface="Courier New" panose="02070309020205020404" pitchFamily="49" charset="0"/>
+                <a:cs typeface="Courier New" panose="02070309020205020404" pitchFamily="49" charset="0"/>
+              </a:rPr>
+              <a:t>os.path.basename</a:t>
+            </a:r>
+            <a:r>
+              <a:rPr kumimoji="0" lang="ko-KR" altLang="ko-KR" sz="1200" b="0" i="0" u="none" strike="noStrike" cap="none" normalizeH="0" baseline="0" dirty="0">
+                <a:ln>
+                  <a:noFill/>
+                </a:ln>
+                <a:solidFill>
+                  <a:srgbClr val="A9B7C6"/>
+                </a:solidFill>
+                <a:effectLst/>
+                <a:latin typeface="Courier New" panose="02070309020205020404" pitchFamily="49" charset="0"/>
+                <a:cs typeface="Courier New" panose="02070309020205020404" pitchFamily="49" charset="0"/>
+              </a:rPr>
+              <a:t>(</a:t>
+            </a:r>
+            <a:r>
+              <a:rPr kumimoji="0" lang="ko-KR" altLang="ko-KR" sz="1200" b="0" i="0" u="none" strike="noStrike" cap="none" normalizeH="0" baseline="0" dirty="0" err="1">
+                <a:ln>
+                  <a:noFill/>
+                </a:ln>
+                <a:solidFill>
+                  <a:srgbClr val="A9B7C6"/>
+                </a:solidFill>
+                <a:effectLst/>
+                <a:latin typeface="Courier New" panose="02070309020205020404" pitchFamily="49" charset="0"/>
+                <a:cs typeface="Courier New" panose="02070309020205020404" pitchFamily="49" charset="0"/>
+              </a:rPr>
+              <a:t>file</a:t>
+            </a:r>
+            <a:r>
+              <a:rPr kumimoji="0" lang="ko-KR" altLang="ko-KR" sz="1200" b="0" i="0" u="none" strike="noStrike" cap="none" normalizeH="0" baseline="0" dirty="0">
+                <a:ln>
+                  <a:noFill/>
+                </a:ln>
+                <a:solidFill>
+                  <a:srgbClr val="A9B7C6"/>
+                </a:solidFill>
+                <a:effectLst/>
+                <a:latin typeface="Courier New" panose="02070309020205020404" pitchFamily="49" charset="0"/>
+                <a:cs typeface="Courier New" panose="02070309020205020404" pitchFamily="49" charset="0"/>
+              </a:rPr>
+              <a:t>) + </a:t>
+            </a:r>
+            <a:r>
+              <a:rPr kumimoji="0" lang="ko-KR" altLang="ko-KR" sz="1200" b="0" i="0" u="none" strike="noStrike" cap="none" normalizeH="0" baseline="0" dirty="0">
+                <a:ln>
+                  <a:noFill/>
+                </a:ln>
+                <a:solidFill>
+                  <a:srgbClr val="6A8759"/>
+                </a:solidFill>
+                <a:effectLst/>
+                <a:latin typeface="Courier New" panose="02070309020205020404" pitchFamily="49" charset="0"/>
+                <a:cs typeface="Courier New" panose="02070309020205020404" pitchFamily="49" charset="0"/>
+              </a:rPr>
+              <a:t>" - </a:t>
+            </a:r>
+            <a:r>
+              <a:rPr kumimoji="0" lang="ko-KR" altLang="ko-KR" sz="1200" b="0" i="0" u="none" strike="noStrike" cap="none" normalizeH="0" baseline="0" dirty="0">
+                <a:ln>
+                  <a:noFill/>
+                </a:ln>
+                <a:solidFill>
+                  <a:srgbClr val="6A8759"/>
+                </a:solidFill>
+                <a:effectLst/>
+                <a:latin typeface="맑은 고딕" panose="020B0503020000020004" pitchFamily="50" charset="-127"/>
+                <a:ea typeface="맑은 고딕" panose="020B0503020000020004" pitchFamily="50" charset="-127"/>
+                <a:cs typeface="Courier New" panose="02070309020205020404" pitchFamily="49" charset="0"/>
+              </a:rPr>
+              <a:t>메모장</a:t>
+            </a:r>
+            <a:r>
+              <a:rPr kumimoji="0" lang="ko-KR" altLang="ko-KR" sz="1200" b="0" i="0" u="none" strike="noStrike" cap="none" normalizeH="0" baseline="0" dirty="0">
+                <a:ln>
+                  <a:noFill/>
+                </a:ln>
+                <a:solidFill>
+                  <a:srgbClr val="6A8759"/>
+                </a:solidFill>
+                <a:effectLst/>
+                <a:latin typeface="Courier New" panose="02070309020205020404" pitchFamily="49" charset="0"/>
+                <a:cs typeface="Courier New" panose="02070309020205020404" pitchFamily="49" charset="0"/>
+              </a:rPr>
+              <a:t>"</a:t>
+            </a:r>
+            <a:r>
+              <a:rPr kumimoji="0" lang="ko-KR" altLang="ko-KR" sz="1200" b="0" i="0" u="none" strike="noStrike" cap="none" normalizeH="0" baseline="0" dirty="0">
+                <a:ln>
+                  <a:noFill/>
+                </a:ln>
+                <a:solidFill>
+                  <a:srgbClr val="A9B7C6"/>
+                </a:solidFill>
+                <a:effectLst/>
+                <a:latin typeface="Courier New" panose="02070309020205020404" pitchFamily="49" charset="0"/>
+                <a:cs typeface="Courier New" panose="02070309020205020404" pitchFamily="49" charset="0"/>
+              </a:rPr>
+              <a:t>)</a:t>
+            </a:r>
+            <a:br>
+              <a:rPr kumimoji="0" lang="ko-KR" altLang="ko-KR" sz="1200" b="0" i="0" u="none" strike="noStrike" cap="none" normalizeH="0" baseline="0" dirty="0">
+                <a:ln>
+                  <a:noFill/>
+                </a:ln>
+                <a:solidFill>
+                  <a:srgbClr val="A9B7C6"/>
+                </a:solidFill>
+                <a:effectLst/>
+                <a:latin typeface="Courier New" panose="02070309020205020404" pitchFamily="49" charset="0"/>
+                <a:cs typeface="Courier New" panose="02070309020205020404" pitchFamily="49" charset="0"/>
+              </a:rPr>
+            </a:br>
+            <a:r>
+              <a:rPr kumimoji="0" lang="ko-KR" altLang="ko-KR" sz="1200" b="0" i="0" u="none" strike="noStrike" cap="none" normalizeH="0" baseline="0" dirty="0">
+                <a:ln>
+                  <a:noFill/>
+                </a:ln>
+                <a:solidFill>
+                  <a:srgbClr val="A9B7C6"/>
+                </a:solidFill>
+                <a:effectLst/>
+                <a:latin typeface="Courier New" panose="02070309020205020404" pitchFamily="49" charset="0"/>
+                <a:cs typeface="Courier New" panose="02070309020205020404" pitchFamily="49" charset="0"/>
+              </a:rPr>
+              <a:t>    </a:t>
+            </a:r>
+            <a:r>
+              <a:rPr kumimoji="0" lang="ko-KR" altLang="ko-KR" sz="1200" b="0" i="0" u="none" strike="noStrike" cap="none" normalizeH="0" baseline="0" dirty="0" err="1">
+                <a:ln>
+                  <a:noFill/>
+                </a:ln>
+                <a:solidFill>
+                  <a:srgbClr val="A9B7C6"/>
+                </a:solidFill>
+                <a:effectLst/>
+                <a:latin typeface="Courier New" panose="02070309020205020404" pitchFamily="49" charset="0"/>
+                <a:cs typeface="Courier New" panose="02070309020205020404" pitchFamily="49" charset="0"/>
+              </a:rPr>
+              <a:t>tx.delete</a:t>
+            </a:r>
+            <a:r>
+              <a:rPr kumimoji="0" lang="ko-KR" altLang="ko-KR" sz="1200" b="0" i="0" u="none" strike="noStrike" cap="none" normalizeH="0" baseline="0" dirty="0">
+                <a:ln>
+                  <a:noFill/>
+                </a:ln>
+                <a:solidFill>
+                  <a:srgbClr val="A9B7C6"/>
+                </a:solidFill>
+                <a:effectLst/>
+                <a:latin typeface="Courier New" panose="02070309020205020404" pitchFamily="49" charset="0"/>
+                <a:cs typeface="Courier New" panose="02070309020205020404" pitchFamily="49" charset="0"/>
+              </a:rPr>
+              <a:t>(</a:t>
+            </a:r>
+            <a:r>
+              <a:rPr kumimoji="0" lang="ko-KR" altLang="ko-KR" sz="1200" b="0" i="0" u="none" strike="noStrike" cap="none" normalizeH="0" baseline="0" dirty="0">
+                <a:ln>
+                  <a:noFill/>
+                </a:ln>
+                <a:solidFill>
+                  <a:srgbClr val="6897BB"/>
+                </a:solidFill>
+                <a:effectLst/>
+                <a:latin typeface="Courier New" panose="02070309020205020404" pitchFamily="49" charset="0"/>
+                <a:cs typeface="Courier New" panose="02070309020205020404" pitchFamily="49" charset="0"/>
+              </a:rPr>
+              <a:t>1.0</a:t>
+            </a:r>
+            <a:r>
+              <a:rPr kumimoji="0" lang="ko-KR" altLang="ko-KR" sz="1200" b="0" i="0" u="none" strike="noStrike" cap="none" normalizeH="0" baseline="0" dirty="0">
+                <a:ln>
+                  <a:noFill/>
+                </a:ln>
+                <a:solidFill>
+                  <a:srgbClr val="CC7832"/>
+                </a:solidFill>
+                <a:effectLst/>
+                <a:latin typeface="Courier New" panose="02070309020205020404" pitchFamily="49" charset="0"/>
+                <a:cs typeface="Courier New" panose="02070309020205020404" pitchFamily="49" charset="0"/>
+              </a:rPr>
+              <a:t>, </a:t>
+            </a:r>
+            <a:r>
+              <a:rPr kumimoji="0" lang="ko-KR" altLang="ko-KR" sz="1200" b="0" i="0" u="none" strike="noStrike" cap="none" normalizeH="0" baseline="0" dirty="0">
+                <a:ln>
+                  <a:noFill/>
+                </a:ln>
+                <a:solidFill>
+                  <a:srgbClr val="A9B7C6"/>
+                </a:solidFill>
+                <a:effectLst/>
+                <a:latin typeface="Courier New" panose="02070309020205020404" pitchFamily="49" charset="0"/>
+                <a:cs typeface="Courier New" panose="02070309020205020404" pitchFamily="49" charset="0"/>
+              </a:rPr>
+              <a:t>END)</a:t>
+            </a:r>
+            <a:br>
+              <a:rPr kumimoji="0" lang="ko-KR" altLang="ko-KR" sz="1200" b="0" i="0" u="none" strike="noStrike" cap="none" normalizeH="0" baseline="0" dirty="0">
+                <a:ln>
+                  <a:noFill/>
+                </a:ln>
+                <a:solidFill>
+                  <a:srgbClr val="A9B7C6"/>
+                </a:solidFill>
+                <a:effectLst/>
+                <a:latin typeface="Courier New" panose="02070309020205020404" pitchFamily="49" charset="0"/>
+                <a:cs typeface="Courier New" panose="02070309020205020404" pitchFamily="49" charset="0"/>
+              </a:rPr>
+            </a:br>
+            <a:r>
+              <a:rPr kumimoji="0" lang="ko-KR" altLang="ko-KR" sz="1200" b="0" i="0" u="none" strike="noStrike" cap="none" normalizeH="0" baseline="0" dirty="0">
+                <a:ln>
+                  <a:noFill/>
+                </a:ln>
+                <a:solidFill>
+                  <a:srgbClr val="A9B7C6"/>
+                </a:solidFill>
+                <a:effectLst/>
+                <a:latin typeface="Courier New" panose="02070309020205020404" pitchFamily="49" charset="0"/>
+                <a:cs typeface="Courier New" panose="02070309020205020404" pitchFamily="49" charset="0"/>
+              </a:rPr>
+              <a:t>    </a:t>
+            </a:r>
+            <a:r>
+              <a:rPr kumimoji="0" lang="ko-KR" altLang="ko-KR" sz="1200" b="0" i="0" u="none" strike="noStrike" cap="none" normalizeH="0" baseline="0" dirty="0" err="1">
+                <a:ln>
+                  <a:noFill/>
+                </a:ln>
+                <a:solidFill>
+                  <a:srgbClr val="A9B7C6"/>
+                </a:solidFill>
+                <a:effectLst/>
+                <a:latin typeface="Courier New" panose="02070309020205020404" pitchFamily="49" charset="0"/>
+                <a:cs typeface="Courier New" panose="02070309020205020404" pitchFamily="49" charset="0"/>
+              </a:rPr>
+              <a:t>f</a:t>
+            </a:r>
+            <a:r>
+              <a:rPr kumimoji="0" lang="ko-KR" altLang="ko-KR" sz="1200" b="0" i="0" u="none" strike="noStrike" cap="none" normalizeH="0" baseline="0" dirty="0">
+                <a:ln>
+                  <a:noFill/>
+                </a:ln>
+                <a:solidFill>
+                  <a:srgbClr val="A9B7C6"/>
+                </a:solidFill>
+                <a:effectLst/>
+                <a:latin typeface="Courier New" panose="02070309020205020404" pitchFamily="49" charset="0"/>
+                <a:cs typeface="Courier New" panose="02070309020205020404" pitchFamily="49" charset="0"/>
+              </a:rPr>
+              <a:t> = </a:t>
+            </a:r>
+            <a:r>
+              <a:rPr kumimoji="0" lang="ko-KR" altLang="ko-KR" sz="1200" b="0" i="0" u="none" strike="noStrike" cap="none" normalizeH="0" baseline="0" dirty="0" err="1">
+                <a:ln>
+                  <a:noFill/>
+                </a:ln>
+                <a:solidFill>
+                  <a:srgbClr val="8888C6"/>
+                </a:solidFill>
+                <a:effectLst/>
+                <a:latin typeface="Courier New" panose="02070309020205020404" pitchFamily="49" charset="0"/>
+                <a:cs typeface="Courier New" panose="02070309020205020404" pitchFamily="49" charset="0"/>
+              </a:rPr>
+              <a:t>open</a:t>
+            </a:r>
+            <a:r>
+              <a:rPr kumimoji="0" lang="ko-KR" altLang="ko-KR" sz="1200" b="0" i="0" u="none" strike="noStrike" cap="none" normalizeH="0" baseline="0" dirty="0">
+                <a:ln>
+                  <a:noFill/>
+                </a:ln>
+                <a:solidFill>
+                  <a:srgbClr val="A9B7C6"/>
+                </a:solidFill>
+                <a:effectLst/>
+                <a:latin typeface="Courier New" panose="02070309020205020404" pitchFamily="49" charset="0"/>
+                <a:cs typeface="Courier New" panose="02070309020205020404" pitchFamily="49" charset="0"/>
+              </a:rPr>
+              <a:t>(</a:t>
+            </a:r>
+            <a:r>
+              <a:rPr kumimoji="0" lang="ko-KR" altLang="ko-KR" sz="1200" b="0" i="0" u="none" strike="noStrike" cap="none" normalizeH="0" baseline="0" dirty="0" err="1">
+                <a:ln>
+                  <a:noFill/>
+                </a:ln>
+                <a:solidFill>
+                  <a:srgbClr val="A9B7C6"/>
+                </a:solidFill>
+                <a:effectLst/>
+                <a:latin typeface="Courier New" panose="02070309020205020404" pitchFamily="49" charset="0"/>
+                <a:cs typeface="Courier New" panose="02070309020205020404" pitchFamily="49" charset="0"/>
+              </a:rPr>
+              <a:t>file</a:t>
+            </a:r>
+            <a:r>
+              <a:rPr kumimoji="0" lang="ko-KR" altLang="ko-KR" sz="1200" b="0" i="0" u="none" strike="noStrike" cap="none" normalizeH="0" baseline="0" dirty="0">
+                <a:ln>
+                  <a:noFill/>
+                </a:ln>
+                <a:solidFill>
+                  <a:srgbClr val="CC7832"/>
+                </a:solidFill>
+                <a:effectLst/>
+                <a:latin typeface="Courier New" panose="02070309020205020404" pitchFamily="49" charset="0"/>
+                <a:cs typeface="Courier New" panose="02070309020205020404" pitchFamily="49" charset="0"/>
+              </a:rPr>
+              <a:t>, </a:t>
+            </a:r>
+            <a:r>
+              <a:rPr kumimoji="0" lang="ko-KR" altLang="ko-KR" sz="1200" b="0" i="0" u="none" strike="noStrike" cap="none" normalizeH="0" baseline="0" dirty="0">
+                <a:ln>
+                  <a:noFill/>
+                </a:ln>
+                <a:solidFill>
+                  <a:srgbClr val="6A8759"/>
+                </a:solidFill>
+                <a:effectLst/>
+                <a:latin typeface="Courier New" panose="02070309020205020404" pitchFamily="49" charset="0"/>
+                <a:cs typeface="Courier New" panose="02070309020205020404" pitchFamily="49" charset="0"/>
+              </a:rPr>
+              <a:t>"</a:t>
+            </a:r>
+            <a:r>
+              <a:rPr kumimoji="0" lang="ko-KR" altLang="ko-KR" sz="1200" b="0" i="0" u="none" strike="noStrike" cap="none" normalizeH="0" baseline="0" dirty="0" err="1">
+                <a:ln>
+                  <a:noFill/>
+                </a:ln>
+                <a:solidFill>
+                  <a:srgbClr val="6A8759"/>
+                </a:solidFill>
+                <a:effectLst/>
+                <a:latin typeface="Courier New" panose="02070309020205020404" pitchFamily="49" charset="0"/>
+                <a:cs typeface="Courier New" panose="02070309020205020404" pitchFamily="49" charset="0"/>
+              </a:rPr>
+              <a:t>r</a:t>
+            </a:r>
+            <a:r>
+              <a:rPr kumimoji="0" lang="ko-KR" altLang="ko-KR" sz="1200" b="0" i="0" u="none" strike="noStrike" cap="none" normalizeH="0" baseline="0" dirty="0">
+                <a:ln>
+                  <a:noFill/>
+                </a:ln>
+                <a:solidFill>
+                  <a:srgbClr val="6A8759"/>
+                </a:solidFill>
+                <a:effectLst/>
+                <a:latin typeface="Courier New" panose="02070309020205020404" pitchFamily="49" charset="0"/>
+                <a:cs typeface="Courier New" panose="02070309020205020404" pitchFamily="49" charset="0"/>
+              </a:rPr>
+              <a:t>"</a:t>
+            </a:r>
+            <a:r>
+              <a:rPr kumimoji="0" lang="ko-KR" altLang="ko-KR" sz="1200" b="0" i="0" u="none" strike="noStrike" cap="none" normalizeH="0" baseline="0" dirty="0">
+                <a:ln>
+                  <a:noFill/>
+                </a:ln>
+                <a:solidFill>
+                  <a:srgbClr val="A9B7C6"/>
+                </a:solidFill>
+                <a:effectLst/>
+                <a:latin typeface="Courier New" panose="02070309020205020404" pitchFamily="49" charset="0"/>
+                <a:cs typeface="Courier New" panose="02070309020205020404" pitchFamily="49" charset="0"/>
+              </a:rPr>
+              <a:t>)</a:t>
+            </a:r>
+            <a:br>
+              <a:rPr kumimoji="0" lang="ko-KR" altLang="ko-KR" sz="1200" b="0" i="0" u="none" strike="noStrike" cap="none" normalizeH="0" baseline="0" dirty="0">
+                <a:ln>
+                  <a:noFill/>
+                </a:ln>
+                <a:solidFill>
+                  <a:srgbClr val="A9B7C6"/>
+                </a:solidFill>
+                <a:effectLst/>
+                <a:latin typeface="Courier New" panose="02070309020205020404" pitchFamily="49" charset="0"/>
+                <a:cs typeface="Courier New" panose="02070309020205020404" pitchFamily="49" charset="0"/>
+              </a:rPr>
+            </a:br>
+            <a:r>
+              <a:rPr kumimoji="0" lang="ko-KR" altLang="ko-KR" sz="1200" b="0" i="0" u="none" strike="noStrike" cap="none" normalizeH="0" baseline="0" dirty="0">
+                <a:ln>
+                  <a:noFill/>
+                </a:ln>
+                <a:solidFill>
+                  <a:srgbClr val="A9B7C6"/>
+                </a:solidFill>
+                <a:effectLst/>
+                <a:latin typeface="Courier New" panose="02070309020205020404" pitchFamily="49" charset="0"/>
+                <a:cs typeface="Courier New" panose="02070309020205020404" pitchFamily="49" charset="0"/>
+              </a:rPr>
+              <a:t>    </a:t>
+            </a:r>
+            <a:r>
+              <a:rPr kumimoji="0" lang="ko-KR" altLang="ko-KR" sz="1200" b="0" i="0" u="none" strike="noStrike" cap="none" normalizeH="0" baseline="0" dirty="0" err="1">
+                <a:ln>
+                  <a:noFill/>
+                </a:ln>
+                <a:solidFill>
+                  <a:srgbClr val="A9B7C6"/>
+                </a:solidFill>
+                <a:effectLst/>
+                <a:latin typeface="Courier New" panose="02070309020205020404" pitchFamily="49" charset="0"/>
+                <a:cs typeface="Courier New" panose="02070309020205020404" pitchFamily="49" charset="0"/>
+              </a:rPr>
+              <a:t>tx.insert</a:t>
+            </a:r>
+            <a:r>
+              <a:rPr kumimoji="0" lang="ko-KR" altLang="ko-KR" sz="1200" b="0" i="0" u="none" strike="noStrike" cap="none" normalizeH="0" baseline="0" dirty="0">
+                <a:ln>
+                  <a:noFill/>
+                </a:ln>
+                <a:solidFill>
+                  <a:srgbClr val="A9B7C6"/>
+                </a:solidFill>
+                <a:effectLst/>
+                <a:latin typeface="Courier New" panose="02070309020205020404" pitchFamily="49" charset="0"/>
+                <a:cs typeface="Courier New" panose="02070309020205020404" pitchFamily="49" charset="0"/>
+              </a:rPr>
+              <a:t>(</a:t>
+            </a:r>
+            <a:r>
+              <a:rPr kumimoji="0" lang="ko-KR" altLang="ko-KR" sz="1200" b="0" i="0" u="none" strike="noStrike" cap="none" normalizeH="0" baseline="0" dirty="0">
+                <a:ln>
+                  <a:noFill/>
+                </a:ln>
+                <a:solidFill>
+                  <a:srgbClr val="6897BB"/>
+                </a:solidFill>
+                <a:effectLst/>
+                <a:latin typeface="Courier New" panose="02070309020205020404" pitchFamily="49" charset="0"/>
+                <a:cs typeface="Courier New" panose="02070309020205020404" pitchFamily="49" charset="0"/>
+              </a:rPr>
+              <a:t>1.0</a:t>
+            </a:r>
+            <a:r>
+              <a:rPr kumimoji="0" lang="ko-KR" altLang="ko-KR" sz="1200" b="0" i="0" u="none" strike="noStrike" cap="none" normalizeH="0" baseline="0" dirty="0">
+                <a:ln>
+                  <a:noFill/>
+                </a:ln>
+                <a:solidFill>
+                  <a:srgbClr val="CC7832"/>
+                </a:solidFill>
+                <a:effectLst/>
+                <a:latin typeface="Courier New" panose="02070309020205020404" pitchFamily="49" charset="0"/>
+                <a:cs typeface="Courier New" panose="02070309020205020404" pitchFamily="49" charset="0"/>
+              </a:rPr>
+              <a:t>, </a:t>
+            </a:r>
+            <a:r>
+              <a:rPr kumimoji="0" lang="ko-KR" altLang="ko-KR" sz="1200" b="0" i="0" u="none" strike="noStrike" cap="none" normalizeH="0" baseline="0" dirty="0" err="1">
+                <a:ln>
+                  <a:noFill/>
+                </a:ln>
+                <a:solidFill>
+                  <a:srgbClr val="A9B7C6"/>
+                </a:solidFill>
+                <a:effectLst/>
+                <a:latin typeface="Courier New" panose="02070309020205020404" pitchFamily="49" charset="0"/>
+                <a:cs typeface="Courier New" panose="02070309020205020404" pitchFamily="49" charset="0"/>
+              </a:rPr>
+              <a:t>f.read</a:t>
+            </a:r>
+            <a:r>
+              <a:rPr kumimoji="0" lang="ko-KR" altLang="ko-KR" sz="1200" b="0" i="0" u="none" strike="noStrike" cap="none" normalizeH="0" baseline="0" dirty="0">
+                <a:ln>
+                  <a:noFill/>
+                </a:ln>
+                <a:solidFill>
+                  <a:srgbClr val="A9B7C6"/>
+                </a:solidFill>
+                <a:effectLst/>
+                <a:latin typeface="Courier New" panose="02070309020205020404" pitchFamily="49" charset="0"/>
+                <a:cs typeface="Courier New" panose="02070309020205020404" pitchFamily="49" charset="0"/>
+              </a:rPr>
+              <a:t>())</a:t>
+            </a:r>
+            <a:br>
+              <a:rPr kumimoji="0" lang="ko-KR" altLang="ko-KR" sz="1200" b="0" i="0" u="none" strike="noStrike" cap="none" normalizeH="0" baseline="0" dirty="0">
+                <a:ln>
+                  <a:noFill/>
+                </a:ln>
+                <a:solidFill>
+                  <a:srgbClr val="A9B7C6"/>
+                </a:solidFill>
+                <a:effectLst/>
+                <a:latin typeface="Courier New" panose="02070309020205020404" pitchFamily="49" charset="0"/>
+                <a:cs typeface="Courier New" panose="02070309020205020404" pitchFamily="49" charset="0"/>
+              </a:rPr>
+            </a:br>
+            <a:r>
+              <a:rPr kumimoji="0" lang="ko-KR" altLang="ko-KR" sz="1200" b="0" i="0" u="none" strike="noStrike" cap="none" normalizeH="0" baseline="0" dirty="0">
+                <a:ln>
+                  <a:noFill/>
+                </a:ln>
+                <a:solidFill>
+                  <a:srgbClr val="A9B7C6"/>
+                </a:solidFill>
+                <a:effectLst/>
+                <a:latin typeface="Courier New" panose="02070309020205020404" pitchFamily="49" charset="0"/>
+                <a:cs typeface="Courier New" panose="02070309020205020404" pitchFamily="49" charset="0"/>
+              </a:rPr>
+              <a:t>    </a:t>
+            </a:r>
+            <a:r>
+              <a:rPr kumimoji="0" lang="ko-KR" altLang="ko-KR" sz="1200" b="0" i="0" u="none" strike="noStrike" cap="none" normalizeH="0" baseline="0" dirty="0" err="1">
+                <a:ln>
+                  <a:noFill/>
+                </a:ln>
+                <a:solidFill>
+                  <a:srgbClr val="A9B7C6"/>
+                </a:solidFill>
+                <a:effectLst/>
+                <a:latin typeface="Courier New" panose="02070309020205020404" pitchFamily="49" charset="0"/>
+                <a:cs typeface="Courier New" panose="02070309020205020404" pitchFamily="49" charset="0"/>
+              </a:rPr>
+              <a:t>f.close</a:t>
+            </a:r>
+            <a:r>
+              <a:rPr kumimoji="0" lang="ko-KR" altLang="ko-KR" sz="1200" b="0" i="0" u="none" strike="noStrike" cap="none" normalizeH="0" baseline="0" dirty="0">
+                <a:ln>
+                  <a:noFill/>
+                </a:ln>
+                <a:solidFill>
+                  <a:srgbClr val="A9B7C6"/>
+                </a:solidFill>
+                <a:effectLst/>
+                <a:latin typeface="Courier New" panose="02070309020205020404" pitchFamily="49" charset="0"/>
+                <a:cs typeface="Courier New" panose="02070309020205020404" pitchFamily="49" charset="0"/>
+              </a:rPr>
+              <a:t>()</a:t>
+            </a:r>
+            <a:br>
+              <a:rPr kumimoji="0" lang="ko-KR" altLang="ko-KR" sz="1200" b="0" i="0" u="none" strike="noStrike" cap="none" normalizeH="0" baseline="0" dirty="0">
+                <a:ln>
+                  <a:noFill/>
+                </a:ln>
+                <a:solidFill>
+                  <a:srgbClr val="A9B7C6"/>
+                </a:solidFill>
+                <a:effectLst/>
+                <a:latin typeface="Courier New" panose="02070309020205020404" pitchFamily="49" charset="0"/>
+                <a:cs typeface="Courier New" panose="02070309020205020404" pitchFamily="49" charset="0"/>
+              </a:rPr>
+            </a:br>
+            <a:br>
+              <a:rPr kumimoji="0" lang="ko-KR" altLang="ko-KR" sz="1200" b="0" i="0" u="none" strike="noStrike" cap="none" normalizeH="0" baseline="0" dirty="0">
+                <a:ln>
+                  <a:noFill/>
+                </a:ln>
+                <a:solidFill>
+                  <a:srgbClr val="A9B7C6"/>
+                </a:solidFill>
+                <a:effectLst/>
+                <a:latin typeface="Courier New" panose="02070309020205020404" pitchFamily="49" charset="0"/>
+                <a:cs typeface="Courier New" panose="02070309020205020404" pitchFamily="49" charset="0"/>
+              </a:rPr>
+            </a:br>
+            <a:r>
+              <a:rPr kumimoji="0" lang="ko-KR" altLang="ko-KR" sz="1200" b="0" i="0" u="none" strike="noStrike" cap="none" normalizeH="0" baseline="0" dirty="0" err="1">
+                <a:ln>
+                  <a:noFill/>
+                </a:ln>
+                <a:solidFill>
+                  <a:srgbClr val="A9B7C6"/>
+                </a:solidFill>
+                <a:effectLst/>
+                <a:latin typeface="Courier New" panose="02070309020205020404" pitchFamily="49" charset="0"/>
+                <a:cs typeface="Courier New" panose="02070309020205020404" pitchFamily="49" charset="0"/>
+              </a:rPr>
+              <a:t>root</a:t>
+            </a:r>
+            <a:r>
+              <a:rPr kumimoji="0" lang="ko-KR" altLang="ko-KR" sz="1200" b="0" i="0" u="none" strike="noStrike" cap="none" normalizeH="0" baseline="0" dirty="0">
+                <a:ln>
+                  <a:noFill/>
+                </a:ln>
+                <a:solidFill>
+                  <a:srgbClr val="A9B7C6"/>
+                </a:solidFill>
+                <a:effectLst/>
+                <a:latin typeface="Courier New" panose="02070309020205020404" pitchFamily="49" charset="0"/>
+                <a:cs typeface="Courier New" panose="02070309020205020404" pitchFamily="49" charset="0"/>
+              </a:rPr>
+              <a:t> = </a:t>
+            </a:r>
+            <a:r>
+              <a:rPr kumimoji="0" lang="ko-KR" altLang="ko-KR" sz="1200" b="0" i="0" u="none" strike="noStrike" cap="none" normalizeH="0" baseline="0" dirty="0" err="1">
+                <a:ln>
+                  <a:noFill/>
+                </a:ln>
+                <a:solidFill>
+                  <a:srgbClr val="A9B7C6"/>
+                </a:solidFill>
+                <a:effectLst/>
+                <a:latin typeface="Courier New" panose="02070309020205020404" pitchFamily="49" charset="0"/>
+                <a:cs typeface="Courier New" panose="02070309020205020404" pitchFamily="49" charset="0"/>
+              </a:rPr>
+              <a:t>tk.Tk</a:t>
+            </a:r>
+            <a:r>
+              <a:rPr kumimoji="0" lang="ko-KR" altLang="ko-KR" sz="1200" b="0" i="0" u="none" strike="noStrike" cap="none" normalizeH="0" baseline="0" dirty="0">
+                <a:ln>
+                  <a:noFill/>
+                </a:ln>
+                <a:solidFill>
+                  <a:srgbClr val="A9B7C6"/>
+                </a:solidFill>
+                <a:effectLst/>
+                <a:latin typeface="Courier New" panose="02070309020205020404" pitchFamily="49" charset="0"/>
+                <a:cs typeface="Courier New" panose="02070309020205020404" pitchFamily="49" charset="0"/>
+              </a:rPr>
+              <a:t>()</a:t>
+            </a:r>
+            <a:br>
+              <a:rPr kumimoji="0" lang="ko-KR" altLang="ko-KR" sz="1200" b="0" i="0" u="none" strike="noStrike" cap="none" normalizeH="0" baseline="0" dirty="0">
+                <a:ln>
+                  <a:noFill/>
+                </a:ln>
+                <a:solidFill>
+                  <a:srgbClr val="A9B7C6"/>
+                </a:solidFill>
+                <a:effectLst/>
+                <a:latin typeface="Courier New" panose="02070309020205020404" pitchFamily="49" charset="0"/>
+                <a:cs typeface="Courier New" panose="02070309020205020404" pitchFamily="49" charset="0"/>
+              </a:rPr>
+            </a:br>
+            <a:br>
+              <a:rPr kumimoji="0" lang="ko-KR" altLang="ko-KR" sz="1200" b="0" i="0" u="none" strike="noStrike" cap="none" normalizeH="0" baseline="0" dirty="0">
+                <a:ln>
+                  <a:noFill/>
+                </a:ln>
+                <a:solidFill>
+                  <a:srgbClr val="A9B7C6"/>
+                </a:solidFill>
+                <a:effectLst/>
+                <a:latin typeface="Courier New" panose="02070309020205020404" pitchFamily="49" charset="0"/>
+                <a:cs typeface="Courier New" panose="02070309020205020404" pitchFamily="49" charset="0"/>
+              </a:rPr>
+            </a:br>
+            <a:r>
+              <a:rPr kumimoji="0" lang="ko-KR" altLang="ko-KR" sz="1200" b="0" i="0" u="none" strike="noStrike" cap="none" normalizeH="0" baseline="0" dirty="0" err="1">
+                <a:ln>
+                  <a:noFill/>
+                </a:ln>
+                <a:solidFill>
+                  <a:srgbClr val="A9B7C6"/>
+                </a:solidFill>
+                <a:effectLst/>
+                <a:latin typeface="Courier New" panose="02070309020205020404" pitchFamily="49" charset="0"/>
+                <a:cs typeface="Courier New" panose="02070309020205020404" pitchFamily="49" charset="0"/>
+              </a:rPr>
+              <a:t>root.title</a:t>
+            </a:r>
+            <a:r>
+              <a:rPr kumimoji="0" lang="ko-KR" altLang="ko-KR" sz="1200" b="0" i="0" u="none" strike="noStrike" cap="none" normalizeH="0" baseline="0" dirty="0">
+                <a:ln>
+                  <a:noFill/>
+                </a:ln>
+                <a:solidFill>
+                  <a:srgbClr val="A9B7C6"/>
+                </a:solidFill>
+                <a:effectLst/>
+                <a:latin typeface="Courier New" panose="02070309020205020404" pitchFamily="49" charset="0"/>
+                <a:cs typeface="Courier New" panose="02070309020205020404" pitchFamily="49" charset="0"/>
+              </a:rPr>
+              <a:t>(</a:t>
+            </a:r>
+            <a:r>
+              <a:rPr kumimoji="0" lang="ko-KR" altLang="ko-KR" sz="1200" b="0" i="0" u="none" strike="noStrike" cap="none" normalizeH="0" baseline="0" dirty="0">
+                <a:ln>
+                  <a:noFill/>
+                </a:ln>
+                <a:solidFill>
+                  <a:srgbClr val="6A8759"/>
+                </a:solidFill>
+                <a:effectLst/>
+                <a:latin typeface="Courier New" panose="02070309020205020404" pitchFamily="49" charset="0"/>
+                <a:cs typeface="Courier New" panose="02070309020205020404" pitchFamily="49" charset="0"/>
+              </a:rPr>
+              <a:t>'</a:t>
+            </a:r>
+            <a:r>
+              <a:rPr kumimoji="0" lang="ko-KR" altLang="ko-KR" sz="1200" b="0" i="0" u="none" strike="noStrike" cap="none" normalizeH="0" baseline="0" dirty="0">
+                <a:ln>
+                  <a:noFill/>
+                </a:ln>
+                <a:solidFill>
+                  <a:srgbClr val="6A8759"/>
+                </a:solidFill>
+                <a:effectLst/>
+                <a:latin typeface="맑은 고딕" panose="020B0503020000020004" pitchFamily="50" charset="-127"/>
+                <a:ea typeface="맑은 고딕" panose="020B0503020000020004" pitchFamily="50" charset="-127"/>
+                <a:cs typeface="Courier New" panose="02070309020205020404" pitchFamily="49" charset="0"/>
+              </a:rPr>
+              <a:t>메모장</a:t>
+            </a:r>
+            <a:r>
+              <a:rPr kumimoji="0" lang="ko-KR" altLang="ko-KR" sz="1200" b="0" i="0" u="none" strike="noStrike" cap="none" normalizeH="0" baseline="0" dirty="0">
+                <a:ln>
+                  <a:noFill/>
+                </a:ln>
+                <a:solidFill>
+                  <a:srgbClr val="6A8759"/>
+                </a:solidFill>
+                <a:effectLst/>
+                <a:latin typeface="Courier New" panose="02070309020205020404" pitchFamily="49" charset="0"/>
+                <a:cs typeface="Courier New" panose="02070309020205020404" pitchFamily="49" charset="0"/>
+              </a:rPr>
+              <a:t>'</a:t>
+            </a:r>
+            <a:r>
+              <a:rPr kumimoji="0" lang="ko-KR" altLang="ko-KR" sz="1200" b="0" i="0" u="none" strike="noStrike" cap="none" normalizeH="0" baseline="0" dirty="0">
+                <a:ln>
+                  <a:noFill/>
+                </a:ln>
+                <a:solidFill>
+                  <a:srgbClr val="A9B7C6"/>
+                </a:solidFill>
+                <a:effectLst/>
+                <a:latin typeface="Courier New" panose="02070309020205020404" pitchFamily="49" charset="0"/>
+                <a:cs typeface="Courier New" panose="02070309020205020404" pitchFamily="49" charset="0"/>
+              </a:rPr>
+              <a:t>)</a:t>
+            </a:r>
+            <a:br>
+              <a:rPr kumimoji="0" lang="ko-KR" altLang="ko-KR" sz="1200" b="0" i="0" u="none" strike="noStrike" cap="none" normalizeH="0" baseline="0" dirty="0">
+                <a:ln>
+                  <a:noFill/>
+                </a:ln>
+                <a:solidFill>
+                  <a:srgbClr val="A9B7C6"/>
+                </a:solidFill>
+                <a:effectLst/>
+                <a:latin typeface="Courier New" panose="02070309020205020404" pitchFamily="49" charset="0"/>
+                <a:cs typeface="Courier New" panose="02070309020205020404" pitchFamily="49" charset="0"/>
+              </a:rPr>
+            </a:br>
+            <a:r>
+              <a:rPr kumimoji="0" lang="ko-KR" altLang="ko-KR" sz="1200" b="0" i="0" u="none" strike="noStrike" cap="none" normalizeH="0" baseline="0" dirty="0" err="1">
+                <a:ln>
+                  <a:noFill/>
+                </a:ln>
+                <a:solidFill>
+                  <a:srgbClr val="A9B7C6"/>
+                </a:solidFill>
+                <a:effectLst/>
+                <a:latin typeface="Courier New" panose="02070309020205020404" pitchFamily="49" charset="0"/>
+                <a:cs typeface="Courier New" panose="02070309020205020404" pitchFamily="49" charset="0"/>
+              </a:rPr>
+              <a:t>root.geometry</a:t>
+            </a:r>
+            <a:r>
+              <a:rPr kumimoji="0" lang="ko-KR" altLang="ko-KR" sz="1200" b="0" i="0" u="none" strike="noStrike" cap="none" normalizeH="0" baseline="0" dirty="0">
+                <a:ln>
+                  <a:noFill/>
+                </a:ln>
+                <a:solidFill>
+                  <a:srgbClr val="A9B7C6"/>
+                </a:solidFill>
+                <a:effectLst/>
+                <a:latin typeface="Courier New" panose="02070309020205020404" pitchFamily="49" charset="0"/>
+                <a:cs typeface="Courier New" panose="02070309020205020404" pitchFamily="49" charset="0"/>
+              </a:rPr>
+              <a:t>(</a:t>
+            </a:r>
+            <a:r>
+              <a:rPr kumimoji="0" lang="ko-KR" altLang="ko-KR" sz="1200" b="0" i="0" u="none" strike="noStrike" cap="none" normalizeH="0" baseline="0" dirty="0">
+                <a:ln>
+                  <a:noFill/>
+                </a:ln>
+                <a:solidFill>
+                  <a:srgbClr val="6A8759"/>
+                </a:solidFill>
+                <a:effectLst/>
+                <a:latin typeface="Courier New" panose="02070309020205020404" pitchFamily="49" charset="0"/>
+                <a:cs typeface="Courier New" panose="02070309020205020404" pitchFamily="49" charset="0"/>
+              </a:rPr>
+              <a:t>'640x480'</a:t>
+            </a:r>
+            <a:r>
+              <a:rPr kumimoji="0" lang="ko-KR" altLang="ko-KR" sz="1200" b="0" i="0" u="none" strike="noStrike" cap="none" normalizeH="0" baseline="0" dirty="0">
+                <a:ln>
+                  <a:noFill/>
+                </a:ln>
+                <a:solidFill>
+                  <a:srgbClr val="A9B7C6"/>
+                </a:solidFill>
+                <a:effectLst/>
+                <a:latin typeface="Courier New" panose="02070309020205020404" pitchFamily="49" charset="0"/>
+                <a:cs typeface="Courier New" panose="02070309020205020404" pitchFamily="49" charset="0"/>
+              </a:rPr>
+              <a:t>)</a:t>
+            </a:r>
+            <a:br>
+              <a:rPr kumimoji="0" lang="ko-KR" altLang="ko-KR" sz="1200" b="0" i="0" u="none" strike="noStrike" cap="none" normalizeH="0" baseline="0" dirty="0">
+                <a:ln>
+                  <a:noFill/>
+                </a:ln>
+                <a:solidFill>
+                  <a:srgbClr val="A9B7C6"/>
+                </a:solidFill>
+                <a:effectLst/>
+                <a:latin typeface="Courier New" panose="02070309020205020404" pitchFamily="49" charset="0"/>
+                <a:cs typeface="Courier New" panose="02070309020205020404" pitchFamily="49" charset="0"/>
+              </a:rPr>
+            </a:br>
+            <a:br>
+              <a:rPr kumimoji="0" lang="ko-KR" altLang="ko-KR" sz="1200" b="0" i="0" u="none" strike="noStrike" cap="none" normalizeH="0" baseline="0" dirty="0">
+                <a:ln>
+                  <a:noFill/>
+                </a:ln>
+                <a:solidFill>
+                  <a:srgbClr val="A9B7C6"/>
+                </a:solidFill>
+                <a:effectLst/>
+                <a:latin typeface="Courier New" panose="02070309020205020404" pitchFamily="49" charset="0"/>
+                <a:cs typeface="Courier New" panose="02070309020205020404" pitchFamily="49" charset="0"/>
+              </a:rPr>
+            </a:br>
+            <a:r>
+              <a:rPr kumimoji="0" lang="ko-KR" altLang="ko-KR" sz="1200" b="0" i="0" u="none" strike="noStrike" cap="none" normalizeH="0" baseline="0" dirty="0" err="1">
+                <a:ln>
+                  <a:noFill/>
+                </a:ln>
+                <a:solidFill>
+                  <a:srgbClr val="A9B7C6"/>
+                </a:solidFill>
+                <a:effectLst/>
+                <a:latin typeface="Courier New" panose="02070309020205020404" pitchFamily="49" charset="0"/>
+                <a:cs typeface="Courier New" panose="02070309020205020404" pitchFamily="49" charset="0"/>
+              </a:rPr>
+              <a:t>mb</a:t>
+            </a:r>
+            <a:r>
+              <a:rPr kumimoji="0" lang="ko-KR" altLang="ko-KR" sz="1200" b="0" i="0" u="none" strike="noStrike" cap="none" normalizeH="0" baseline="0" dirty="0">
+                <a:ln>
+                  <a:noFill/>
+                </a:ln>
+                <a:solidFill>
+                  <a:srgbClr val="A9B7C6"/>
+                </a:solidFill>
+                <a:effectLst/>
+                <a:latin typeface="Courier New" panose="02070309020205020404" pitchFamily="49" charset="0"/>
+                <a:cs typeface="Courier New" panose="02070309020205020404" pitchFamily="49" charset="0"/>
+              </a:rPr>
+              <a:t>=</a:t>
+            </a:r>
+            <a:r>
+              <a:rPr kumimoji="0" lang="ko-KR" altLang="ko-KR" sz="1200" b="0" i="0" u="none" strike="noStrike" cap="none" normalizeH="0" baseline="0" dirty="0" err="1">
+                <a:ln>
+                  <a:noFill/>
+                </a:ln>
+                <a:solidFill>
+                  <a:srgbClr val="A9B7C6"/>
+                </a:solidFill>
+                <a:effectLst/>
+                <a:latin typeface="Courier New" panose="02070309020205020404" pitchFamily="49" charset="0"/>
+                <a:cs typeface="Courier New" panose="02070309020205020404" pitchFamily="49" charset="0"/>
+              </a:rPr>
+              <a:t>tk.Menu</a:t>
+            </a:r>
+            <a:r>
+              <a:rPr kumimoji="0" lang="ko-KR" altLang="ko-KR" sz="1200" b="0" i="0" u="none" strike="noStrike" cap="none" normalizeH="0" baseline="0" dirty="0">
+                <a:ln>
+                  <a:noFill/>
+                </a:ln>
+                <a:solidFill>
+                  <a:srgbClr val="A9B7C6"/>
+                </a:solidFill>
+                <a:effectLst/>
+                <a:latin typeface="Courier New" panose="02070309020205020404" pitchFamily="49" charset="0"/>
+                <a:cs typeface="Courier New" panose="02070309020205020404" pitchFamily="49" charset="0"/>
+              </a:rPr>
+              <a:t>(</a:t>
+            </a:r>
+            <a:r>
+              <a:rPr kumimoji="0" lang="ko-KR" altLang="ko-KR" sz="1200" b="0" i="0" u="none" strike="noStrike" cap="none" normalizeH="0" baseline="0" dirty="0" err="1">
+                <a:ln>
+                  <a:noFill/>
+                </a:ln>
+                <a:solidFill>
+                  <a:srgbClr val="A9B7C6"/>
+                </a:solidFill>
+                <a:effectLst/>
+                <a:latin typeface="Courier New" panose="02070309020205020404" pitchFamily="49" charset="0"/>
+                <a:cs typeface="Courier New" panose="02070309020205020404" pitchFamily="49" charset="0"/>
+              </a:rPr>
+              <a:t>root</a:t>
+            </a:r>
+            <a:r>
+              <a:rPr kumimoji="0" lang="ko-KR" altLang="ko-KR" sz="1200" b="0" i="0" u="none" strike="noStrike" cap="none" normalizeH="0" baseline="0" dirty="0">
+                <a:ln>
+                  <a:noFill/>
+                </a:ln>
+                <a:solidFill>
+                  <a:srgbClr val="A9B7C6"/>
+                </a:solidFill>
+                <a:effectLst/>
+                <a:latin typeface="Courier New" panose="02070309020205020404" pitchFamily="49" charset="0"/>
+                <a:cs typeface="Courier New" panose="02070309020205020404" pitchFamily="49" charset="0"/>
+              </a:rPr>
+              <a:t>)</a:t>
+            </a:r>
+            <a:br>
+              <a:rPr kumimoji="0" lang="ko-KR" altLang="ko-KR" sz="1200" b="0" i="0" u="none" strike="noStrike" cap="none" normalizeH="0" baseline="0" dirty="0">
+                <a:ln>
+                  <a:noFill/>
+                </a:ln>
+                <a:solidFill>
+                  <a:srgbClr val="A9B7C6"/>
+                </a:solidFill>
+                <a:effectLst/>
+                <a:latin typeface="Courier New" panose="02070309020205020404" pitchFamily="49" charset="0"/>
+                <a:cs typeface="Courier New" panose="02070309020205020404" pitchFamily="49" charset="0"/>
+              </a:rPr>
+            </a:br>
+            <a:r>
+              <a:rPr kumimoji="0" lang="ko-KR" altLang="ko-KR" sz="1200" b="0" i="0" u="none" strike="noStrike" cap="none" normalizeH="0" baseline="0" dirty="0" err="1">
+                <a:ln>
+                  <a:noFill/>
+                </a:ln>
+                <a:solidFill>
+                  <a:srgbClr val="A9B7C6"/>
+                </a:solidFill>
+                <a:effectLst/>
+                <a:latin typeface="Courier New" panose="02070309020205020404" pitchFamily="49" charset="0"/>
+                <a:cs typeface="Courier New" panose="02070309020205020404" pitchFamily="49" charset="0"/>
+              </a:rPr>
+              <a:t>fm</a:t>
+            </a:r>
+            <a:r>
+              <a:rPr kumimoji="0" lang="ko-KR" altLang="ko-KR" sz="1200" b="0" i="0" u="none" strike="noStrike" cap="none" normalizeH="0" baseline="0" dirty="0">
+                <a:ln>
+                  <a:noFill/>
+                </a:ln>
+                <a:solidFill>
+                  <a:srgbClr val="A9B7C6"/>
+                </a:solidFill>
+                <a:effectLst/>
+                <a:latin typeface="Courier New" panose="02070309020205020404" pitchFamily="49" charset="0"/>
+                <a:cs typeface="Courier New" panose="02070309020205020404" pitchFamily="49" charset="0"/>
+              </a:rPr>
+              <a:t>=</a:t>
+            </a:r>
+            <a:r>
+              <a:rPr kumimoji="0" lang="ko-KR" altLang="ko-KR" sz="1200" b="0" i="0" u="none" strike="noStrike" cap="none" normalizeH="0" baseline="0" dirty="0" err="1">
+                <a:ln>
+                  <a:noFill/>
+                </a:ln>
+                <a:solidFill>
+                  <a:srgbClr val="A9B7C6"/>
+                </a:solidFill>
+                <a:effectLst/>
+                <a:latin typeface="Courier New" panose="02070309020205020404" pitchFamily="49" charset="0"/>
+                <a:cs typeface="Courier New" panose="02070309020205020404" pitchFamily="49" charset="0"/>
+              </a:rPr>
+              <a:t>tk.Menu</a:t>
+            </a:r>
+            <a:r>
+              <a:rPr kumimoji="0" lang="ko-KR" altLang="ko-KR" sz="1200" b="0" i="0" u="none" strike="noStrike" cap="none" normalizeH="0" baseline="0" dirty="0">
+                <a:ln>
+                  <a:noFill/>
+                </a:ln>
+                <a:solidFill>
+                  <a:srgbClr val="A9B7C6"/>
+                </a:solidFill>
+                <a:effectLst/>
+                <a:latin typeface="Courier New" panose="02070309020205020404" pitchFamily="49" charset="0"/>
+                <a:cs typeface="Courier New" panose="02070309020205020404" pitchFamily="49" charset="0"/>
+              </a:rPr>
+              <a:t>(</a:t>
+            </a:r>
+            <a:r>
+              <a:rPr kumimoji="0" lang="ko-KR" altLang="ko-KR" sz="1200" b="0" i="0" u="none" strike="noStrike" cap="none" normalizeH="0" baseline="0" dirty="0" err="1">
+                <a:ln>
+                  <a:noFill/>
+                </a:ln>
+                <a:solidFill>
+                  <a:srgbClr val="A9B7C6"/>
+                </a:solidFill>
+                <a:effectLst/>
+                <a:latin typeface="Courier New" panose="02070309020205020404" pitchFamily="49" charset="0"/>
+                <a:cs typeface="Courier New" panose="02070309020205020404" pitchFamily="49" charset="0"/>
+              </a:rPr>
+              <a:t>mb</a:t>
+            </a:r>
+            <a:r>
+              <a:rPr kumimoji="0" lang="ko-KR" altLang="ko-KR" sz="1200" b="0" i="0" u="none" strike="noStrike" cap="none" normalizeH="0" baseline="0" dirty="0">
+                <a:ln>
+                  <a:noFill/>
+                </a:ln>
+                <a:solidFill>
+                  <a:srgbClr val="CC7832"/>
+                </a:solidFill>
+                <a:effectLst/>
+                <a:latin typeface="Courier New" panose="02070309020205020404" pitchFamily="49" charset="0"/>
+                <a:cs typeface="Courier New" panose="02070309020205020404" pitchFamily="49" charset="0"/>
+              </a:rPr>
+              <a:t>, </a:t>
+            </a:r>
+            <a:r>
+              <a:rPr kumimoji="0" lang="ko-KR" altLang="ko-KR" sz="1200" b="0" i="0" u="none" strike="noStrike" cap="none" normalizeH="0" baseline="0" dirty="0" err="1">
+                <a:ln>
+                  <a:noFill/>
+                </a:ln>
+                <a:solidFill>
+                  <a:srgbClr val="AA4926"/>
+                </a:solidFill>
+                <a:effectLst/>
+                <a:latin typeface="Courier New" panose="02070309020205020404" pitchFamily="49" charset="0"/>
+                <a:cs typeface="Courier New" panose="02070309020205020404" pitchFamily="49" charset="0"/>
+              </a:rPr>
+              <a:t>tearoff</a:t>
+            </a:r>
+            <a:r>
+              <a:rPr kumimoji="0" lang="ko-KR" altLang="ko-KR" sz="1200" b="0" i="0" u="none" strike="noStrike" cap="none" normalizeH="0" baseline="0" dirty="0">
+                <a:ln>
+                  <a:noFill/>
+                </a:ln>
+                <a:solidFill>
+                  <a:srgbClr val="A9B7C6"/>
+                </a:solidFill>
+                <a:effectLst/>
+                <a:latin typeface="Courier New" panose="02070309020205020404" pitchFamily="49" charset="0"/>
+                <a:cs typeface="Courier New" panose="02070309020205020404" pitchFamily="49" charset="0"/>
+              </a:rPr>
+              <a:t>=</a:t>
+            </a:r>
+            <a:r>
+              <a:rPr kumimoji="0" lang="ko-KR" altLang="ko-KR" sz="1200" b="0" i="0" u="none" strike="noStrike" cap="none" normalizeH="0" baseline="0" dirty="0">
+                <a:ln>
+                  <a:noFill/>
+                </a:ln>
+                <a:solidFill>
+                  <a:srgbClr val="6897BB"/>
+                </a:solidFill>
+                <a:effectLst/>
+                <a:latin typeface="Courier New" panose="02070309020205020404" pitchFamily="49" charset="0"/>
+                <a:cs typeface="Courier New" panose="02070309020205020404" pitchFamily="49" charset="0"/>
+              </a:rPr>
+              <a:t>0</a:t>
+            </a:r>
+            <a:r>
+              <a:rPr kumimoji="0" lang="ko-KR" altLang="ko-KR" sz="1200" b="0" i="0" u="none" strike="noStrike" cap="none" normalizeH="0" baseline="0" dirty="0">
+                <a:ln>
+                  <a:noFill/>
+                </a:ln>
+                <a:solidFill>
+                  <a:srgbClr val="A9B7C6"/>
+                </a:solidFill>
+                <a:effectLst/>
+                <a:latin typeface="Courier New" panose="02070309020205020404" pitchFamily="49" charset="0"/>
+                <a:cs typeface="Courier New" panose="02070309020205020404" pitchFamily="49" charset="0"/>
+              </a:rPr>
+              <a:t>)</a:t>
+            </a:r>
+            <a:br>
+              <a:rPr kumimoji="0" lang="ko-KR" altLang="ko-KR" sz="1200" b="0" i="0" u="none" strike="noStrike" cap="none" normalizeH="0" baseline="0" dirty="0">
+                <a:ln>
+                  <a:noFill/>
+                </a:ln>
+                <a:solidFill>
+                  <a:srgbClr val="A9B7C6"/>
+                </a:solidFill>
+                <a:effectLst/>
+                <a:latin typeface="Courier New" panose="02070309020205020404" pitchFamily="49" charset="0"/>
+                <a:cs typeface="Courier New" panose="02070309020205020404" pitchFamily="49" charset="0"/>
+              </a:rPr>
+            </a:br>
+            <a:r>
+              <a:rPr kumimoji="0" lang="ko-KR" altLang="ko-KR" sz="1200" b="0" i="0" u="none" strike="noStrike" cap="none" normalizeH="0" baseline="0" dirty="0" err="1">
+                <a:ln>
+                  <a:noFill/>
+                </a:ln>
+                <a:solidFill>
+                  <a:srgbClr val="A9B7C6"/>
+                </a:solidFill>
+                <a:effectLst/>
+                <a:latin typeface="Courier New" panose="02070309020205020404" pitchFamily="49" charset="0"/>
+                <a:cs typeface="Courier New" panose="02070309020205020404" pitchFamily="49" charset="0"/>
+              </a:rPr>
+              <a:t>mb.add_cascade</a:t>
+            </a:r>
+            <a:r>
+              <a:rPr kumimoji="0" lang="ko-KR" altLang="ko-KR" sz="1200" b="0" i="0" u="none" strike="noStrike" cap="none" normalizeH="0" baseline="0" dirty="0">
+                <a:ln>
+                  <a:noFill/>
+                </a:ln>
+                <a:solidFill>
+                  <a:srgbClr val="A9B7C6"/>
+                </a:solidFill>
+                <a:effectLst/>
+                <a:latin typeface="Courier New" panose="02070309020205020404" pitchFamily="49" charset="0"/>
+                <a:cs typeface="Courier New" panose="02070309020205020404" pitchFamily="49" charset="0"/>
+              </a:rPr>
+              <a:t>(</a:t>
+            </a:r>
+            <a:r>
+              <a:rPr kumimoji="0" lang="ko-KR" altLang="ko-KR" sz="1200" b="0" i="0" u="none" strike="noStrike" cap="none" normalizeH="0" baseline="0" dirty="0" err="1">
+                <a:ln>
+                  <a:noFill/>
+                </a:ln>
+                <a:solidFill>
+                  <a:srgbClr val="AA4926"/>
+                </a:solidFill>
+                <a:effectLst/>
+                <a:latin typeface="Courier New" panose="02070309020205020404" pitchFamily="49" charset="0"/>
+                <a:cs typeface="Courier New" panose="02070309020205020404" pitchFamily="49" charset="0"/>
+              </a:rPr>
+              <a:t>label</a:t>
+            </a:r>
+            <a:r>
+              <a:rPr kumimoji="0" lang="ko-KR" altLang="ko-KR" sz="1200" b="0" i="0" u="none" strike="noStrike" cap="none" normalizeH="0" baseline="0" dirty="0">
+                <a:ln>
+                  <a:noFill/>
+                </a:ln>
+                <a:solidFill>
+                  <a:srgbClr val="A9B7C6"/>
+                </a:solidFill>
+                <a:effectLst/>
+                <a:latin typeface="Courier New" panose="02070309020205020404" pitchFamily="49" charset="0"/>
+                <a:cs typeface="Courier New" panose="02070309020205020404" pitchFamily="49" charset="0"/>
+              </a:rPr>
+              <a:t>=</a:t>
+            </a:r>
+            <a:r>
+              <a:rPr kumimoji="0" lang="ko-KR" altLang="ko-KR" sz="1200" b="0" i="0" u="none" strike="noStrike" cap="none" normalizeH="0" baseline="0" dirty="0">
+                <a:ln>
+                  <a:noFill/>
+                </a:ln>
+                <a:solidFill>
+                  <a:srgbClr val="6A8759"/>
+                </a:solidFill>
+                <a:effectLst/>
+                <a:latin typeface="Courier New" panose="02070309020205020404" pitchFamily="49" charset="0"/>
+                <a:cs typeface="Courier New" panose="02070309020205020404" pitchFamily="49" charset="0"/>
+              </a:rPr>
+              <a:t>"</a:t>
+            </a:r>
+            <a:r>
+              <a:rPr kumimoji="0" lang="ko-KR" altLang="ko-KR" sz="1200" b="0" i="0" u="none" strike="noStrike" cap="none" normalizeH="0" baseline="0" dirty="0">
+                <a:ln>
+                  <a:noFill/>
+                </a:ln>
+                <a:solidFill>
+                  <a:srgbClr val="6A8759"/>
+                </a:solidFill>
+                <a:effectLst/>
+                <a:latin typeface="맑은 고딕" panose="020B0503020000020004" pitchFamily="50" charset="-127"/>
+                <a:ea typeface="맑은 고딕" panose="020B0503020000020004" pitchFamily="50" charset="-127"/>
+                <a:cs typeface="Courier New" panose="02070309020205020404" pitchFamily="49" charset="0"/>
+              </a:rPr>
+              <a:t>파일</a:t>
+            </a:r>
+            <a:r>
+              <a:rPr kumimoji="0" lang="ko-KR" altLang="ko-KR" sz="1200" b="0" i="0" u="none" strike="noStrike" cap="none" normalizeH="0" baseline="0" dirty="0">
+                <a:ln>
+                  <a:noFill/>
+                </a:ln>
+                <a:solidFill>
+                  <a:srgbClr val="6A8759"/>
+                </a:solidFill>
+                <a:effectLst/>
+                <a:latin typeface="Courier New" panose="02070309020205020404" pitchFamily="49" charset="0"/>
+                <a:cs typeface="Courier New" panose="02070309020205020404" pitchFamily="49" charset="0"/>
+              </a:rPr>
+              <a:t>"</a:t>
+            </a:r>
+            <a:r>
+              <a:rPr kumimoji="0" lang="ko-KR" altLang="ko-KR" sz="1200" b="0" i="0" u="none" strike="noStrike" cap="none" normalizeH="0" baseline="0" dirty="0">
+                <a:ln>
+                  <a:noFill/>
+                </a:ln>
+                <a:solidFill>
+                  <a:srgbClr val="CC7832"/>
+                </a:solidFill>
+                <a:effectLst/>
+                <a:latin typeface="Courier New" panose="02070309020205020404" pitchFamily="49" charset="0"/>
+                <a:cs typeface="Courier New" panose="02070309020205020404" pitchFamily="49" charset="0"/>
+              </a:rPr>
+              <a:t>, </a:t>
+            </a:r>
+            <a:r>
+              <a:rPr kumimoji="0" lang="ko-KR" altLang="ko-KR" sz="1200" b="0" i="0" u="none" strike="noStrike" cap="none" normalizeH="0" baseline="0" dirty="0" err="1">
+                <a:ln>
+                  <a:noFill/>
+                </a:ln>
+                <a:solidFill>
+                  <a:srgbClr val="AA4926"/>
+                </a:solidFill>
+                <a:effectLst/>
+                <a:latin typeface="Courier New" panose="02070309020205020404" pitchFamily="49" charset="0"/>
+                <a:cs typeface="Courier New" panose="02070309020205020404" pitchFamily="49" charset="0"/>
+              </a:rPr>
+              <a:t>menu</a:t>
+            </a:r>
+            <a:r>
+              <a:rPr kumimoji="0" lang="ko-KR" altLang="ko-KR" sz="1200" b="0" i="0" u="none" strike="noStrike" cap="none" normalizeH="0" baseline="0" dirty="0">
+                <a:ln>
+                  <a:noFill/>
+                </a:ln>
+                <a:solidFill>
+                  <a:srgbClr val="A9B7C6"/>
+                </a:solidFill>
+                <a:effectLst/>
+                <a:latin typeface="Courier New" panose="02070309020205020404" pitchFamily="49" charset="0"/>
+                <a:cs typeface="Courier New" panose="02070309020205020404" pitchFamily="49" charset="0"/>
+              </a:rPr>
+              <a:t>=</a:t>
+            </a:r>
+            <a:r>
+              <a:rPr kumimoji="0" lang="ko-KR" altLang="ko-KR" sz="1200" b="0" i="0" u="none" strike="noStrike" cap="none" normalizeH="0" baseline="0" dirty="0" err="1">
+                <a:ln>
+                  <a:noFill/>
+                </a:ln>
+                <a:solidFill>
+                  <a:srgbClr val="A9B7C6"/>
+                </a:solidFill>
+                <a:effectLst/>
+                <a:latin typeface="Courier New" panose="02070309020205020404" pitchFamily="49" charset="0"/>
+                <a:cs typeface="Courier New" panose="02070309020205020404" pitchFamily="49" charset="0"/>
+              </a:rPr>
+              <a:t>fm</a:t>
+            </a:r>
+            <a:r>
+              <a:rPr kumimoji="0" lang="ko-KR" altLang="ko-KR" sz="1200" b="0" i="0" u="none" strike="noStrike" cap="none" normalizeH="0" baseline="0" dirty="0">
+                <a:ln>
+                  <a:noFill/>
+                </a:ln>
+                <a:solidFill>
+                  <a:srgbClr val="A9B7C6"/>
+                </a:solidFill>
+                <a:effectLst/>
+                <a:latin typeface="Courier New" panose="02070309020205020404" pitchFamily="49" charset="0"/>
+                <a:cs typeface="Courier New" panose="02070309020205020404" pitchFamily="49" charset="0"/>
+              </a:rPr>
+              <a:t>)</a:t>
+            </a:r>
+            <a:br>
+              <a:rPr kumimoji="0" lang="ko-KR" altLang="ko-KR" sz="1200" b="0" i="0" u="none" strike="noStrike" cap="none" normalizeH="0" baseline="0" dirty="0">
+                <a:ln>
+                  <a:noFill/>
+                </a:ln>
+                <a:solidFill>
+                  <a:srgbClr val="A9B7C6"/>
+                </a:solidFill>
+                <a:effectLst/>
+                <a:latin typeface="Courier New" panose="02070309020205020404" pitchFamily="49" charset="0"/>
+                <a:cs typeface="Courier New" panose="02070309020205020404" pitchFamily="49" charset="0"/>
+              </a:rPr>
+            </a:br>
+            <a:r>
+              <a:rPr kumimoji="0" lang="ko-KR" altLang="ko-KR" sz="1200" b="0" i="0" u="none" strike="noStrike" cap="none" normalizeH="0" baseline="0" dirty="0" err="1">
+                <a:ln>
+                  <a:noFill/>
+                </a:ln>
+                <a:solidFill>
+                  <a:srgbClr val="A9B7C6"/>
+                </a:solidFill>
+                <a:effectLst/>
+                <a:latin typeface="Courier New" panose="02070309020205020404" pitchFamily="49" charset="0"/>
+                <a:cs typeface="Courier New" panose="02070309020205020404" pitchFamily="49" charset="0"/>
+              </a:rPr>
+              <a:t>fm.add_command</a:t>
+            </a:r>
+            <a:r>
+              <a:rPr kumimoji="0" lang="ko-KR" altLang="ko-KR" sz="1200" b="0" i="0" u="none" strike="noStrike" cap="none" normalizeH="0" baseline="0" dirty="0">
+                <a:ln>
+                  <a:noFill/>
+                </a:ln>
+                <a:solidFill>
+                  <a:srgbClr val="A9B7C6"/>
+                </a:solidFill>
+                <a:effectLst/>
+                <a:latin typeface="Courier New" panose="02070309020205020404" pitchFamily="49" charset="0"/>
+                <a:cs typeface="Courier New" panose="02070309020205020404" pitchFamily="49" charset="0"/>
+              </a:rPr>
+              <a:t>(</a:t>
+            </a:r>
+            <a:r>
+              <a:rPr kumimoji="0" lang="ko-KR" altLang="ko-KR" sz="1200" b="0" i="0" u="none" strike="noStrike" cap="none" normalizeH="0" baseline="0" dirty="0" err="1">
+                <a:ln>
+                  <a:noFill/>
+                </a:ln>
+                <a:solidFill>
+                  <a:srgbClr val="AA4926"/>
+                </a:solidFill>
+                <a:effectLst/>
+                <a:latin typeface="Courier New" panose="02070309020205020404" pitchFamily="49" charset="0"/>
+                <a:cs typeface="Courier New" panose="02070309020205020404" pitchFamily="49" charset="0"/>
+              </a:rPr>
+              <a:t>label</a:t>
+            </a:r>
+            <a:r>
+              <a:rPr kumimoji="0" lang="ko-KR" altLang="ko-KR" sz="1200" b="0" i="0" u="none" strike="noStrike" cap="none" normalizeH="0" baseline="0" dirty="0">
+                <a:ln>
+                  <a:noFill/>
+                </a:ln>
+                <a:solidFill>
+                  <a:srgbClr val="A9B7C6"/>
+                </a:solidFill>
+                <a:effectLst/>
+                <a:latin typeface="Courier New" panose="02070309020205020404" pitchFamily="49" charset="0"/>
+                <a:cs typeface="Courier New" panose="02070309020205020404" pitchFamily="49" charset="0"/>
+              </a:rPr>
+              <a:t>=</a:t>
+            </a:r>
+            <a:r>
+              <a:rPr kumimoji="0" lang="ko-KR" altLang="ko-KR" sz="1200" b="0" i="0" u="none" strike="noStrike" cap="none" normalizeH="0" baseline="0" dirty="0">
+                <a:ln>
+                  <a:noFill/>
+                </a:ln>
+                <a:solidFill>
+                  <a:srgbClr val="6A8759"/>
+                </a:solidFill>
+                <a:effectLst/>
+                <a:latin typeface="Courier New" panose="02070309020205020404" pitchFamily="49" charset="0"/>
+                <a:cs typeface="Courier New" panose="02070309020205020404" pitchFamily="49" charset="0"/>
+              </a:rPr>
+              <a:t>'</a:t>
+            </a:r>
+            <a:r>
+              <a:rPr kumimoji="0" lang="ko-KR" altLang="ko-KR" sz="1200" b="0" i="0" u="none" strike="noStrike" cap="none" normalizeH="0" baseline="0" dirty="0">
+                <a:ln>
+                  <a:noFill/>
+                </a:ln>
+                <a:solidFill>
+                  <a:srgbClr val="6A8759"/>
+                </a:solidFill>
+                <a:effectLst/>
+                <a:latin typeface="맑은 고딕" panose="020B0503020000020004" pitchFamily="50" charset="-127"/>
+                <a:ea typeface="맑은 고딕" panose="020B0503020000020004" pitchFamily="50" charset="-127"/>
+                <a:cs typeface="Courier New" panose="02070309020205020404" pitchFamily="49" charset="0"/>
+              </a:rPr>
+              <a:t>저장</a:t>
+            </a:r>
+            <a:r>
+              <a:rPr kumimoji="0" lang="ko-KR" altLang="ko-KR" sz="1200" b="0" i="0" u="none" strike="noStrike" cap="none" normalizeH="0" baseline="0" dirty="0">
+                <a:ln>
+                  <a:noFill/>
+                </a:ln>
+                <a:solidFill>
+                  <a:srgbClr val="6A8759"/>
+                </a:solidFill>
+                <a:effectLst/>
+                <a:latin typeface="Courier New" panose="02070309020205020404" pitchFamily="49" charset="0"/>
+                <a:cs typeface="Courier New" panose="02070309020205020404" pitchFamily="49" charset="0"/>
+              </a:rPr>
+              <a:t>'</a:t>
+            </a:r>
+            <a:r>
+              <a:rPr kumimoji="0" lang="ko-KR" altLang="ko-KR" sz="1200" b="0" i="0" u="none" strike="noStrike" cap="none" normalizeH="0" baseline="0" dirty="0">
+                <a:ln>
+                  <a:noFill/>
+                </a:ln>
+                <a:solidFill>
+                  <a:srgbClr val="CC7832"/>
+                </a:solidFill>
+                <a:effectLst/>
+                <a:latin typeface="Courier New" panose="02070309020205020404" pitchFamily="49" charset="0"/>
+                <a:cs typeface="Courier New" panose="02070309020205020404" pitchFamily="49" charset="0"/>
+              </a:rPr>
+              <a:t>, </a:t>
+            </a:r>
+            <a:r>
+              <a:rPr kumimoji="0" lang="ko-KR" altLang="ko-KR" sz="1200" b="0" i="0" u="none" strike="noStrike" cap="none" normalizeH="0" baseline="0" dirty="0" err="1">
+                <a:ln>
+                  <a:noFill/>
+                </a:ln>
+                <a:solidFill>
+                  <a:srgbClr val="AA4926"/>
+                </a:solidFill>
+                <a:effectLst/>
+                <a:latin typeface="Courier New" panose="02070309020205020404" pitchFamily="49" charset="0"/>
+                <a:cs typeface="Courier New" panose="02070309020205020404" pitchFamily="49" charset="0"/>
+              </a:rPr>
+              <a:t>command</a:t>
+            </a:r>
+            <a:r>
+              <a:rPr kumimoji="0" lang="ko-KR" altLang="ko-KR" sz="1200" b="0" i="0" u="none" strike="noStrike" cap="none" normalizeH="0" baseline="0" dirty="0">
+                <a:ln>
+                  <a:noFill/>
+                </a:ln>
+                <a:solidFill>
+                  <a:srgbClr val="A9B7C6"/>
+                </a:solidFill>
+                <a:effectLst/>
+                <a:latin typeface="Courier New" panose="02070309020205020404" pitchFamily="49" charset="0"/>
+                <a:cs typeface="Courier New" panose="02070309020205020404" pitchFamily="49" charset="0"/>
+              </a:rPr>
+              <a:t>=</a:t>
+            </a:r>
+            <a:r>
+              <a:rPr kumimoji="0" lang="ko-KR" altLang="ko-KR" sz="1200" b="0" i="0" u="none" strike="noStrike" cap="none" normalizeH="0" baseline="0" dirty="0" err="1">
+                <a:ln>
+                  <a:noFill/>
+                </a:ln>
+                <a:solidFill>
+                  <a:srgbClr val="A9B7C6"/>
+                </a:solidFill>
+                <a:effectLst/>
+                <a:latin typeface="Courier New" panose="02070309020205020404" pitchFamily="49" charset="0"/>
+                <a:cs typeface="Courier New" panose="02070309020205020404" pitchFamily="49" charset="0"/>
+              </a:rPr>
+              <a:t>savef</a:t>
+            </a:r>
+            <a:r>
+              <a:rPr kumimoji="0" lang="ko-KR" altLang="ko-KR" sz="1200" b="0" i="0" u="none" strike="noStrike" cap="none" normalizeH="0" baseline="0" dirty="0">
+                <a:ln>
+                  <a:noFill/>
+                </a:ln>
+                <a:solidFill>
+                  <a:srgbClr val="A9B7C6"/>
+                </a:solidFill>
+                <a:effectLst/>
+                <a:latin typeface="Courier New" panose="02070309020205020404" pitchFamily="49" charset="0"/>
+                <a:cs typeface="Courier New" panose="02070309020205020404" pitchFamily="49" charset="0"/>
+              </a:rPr>
+              <a:t>)</a:t>
+            </a:r>
+            <a:br>
+              <a:rPr kumimoji="0" lang="ko-KR" altLang="ko-KR" sz="1200" b="0" i="0" u="none" strike="noStrike" cap="none" normalizeH="0" baseline="0" dirty="0">
+                <a:ln>
+                  <a:noFill/>
+                </a:ln>
+                <a:solidFill>
+                  <a:srgbClr val="A9B7C6"/>
+                </a:solidFill>
+                <a:effectLst/>
+                <a:latin typeface="Courier New" panose="02070309020205020404" pitchFamily="49" charset="0"/>
+                <a:cs typeface="Courier New" panose="02070309020205020404" pitchFamily="49" charset="0"/>
+              </a:rPr>
+            </a:br>
+            <a:r>
+              <a:rPr kumimoji="0" lang="ko-KR" altLang="ko-KR" sz="1200" b="0" i="0" u="none" strike="noStrike" cap="none" normalizeH="0" baseline="0" dirty="0" err="1">
+                <a:ln>
+                  <a:noFill/>
+                </a:ln>
+                <a:solidFill>
+                  <a:srgbClr val="A9B7C6"/>
+                </a:solidFill>
+                <a:effectLst/>
+                <a:latin typeface="Courier New" panose="02070309020205020404" pitchFamily="49" charset="0"/>
+                <a:cs typeface="Courier New" panose="02070309020205020404" pitchFamily="49" charset="0"/>
+              </a:rPr>
+              <a:t>fm.add_command</a:t>
+            </a:r>
+            <a:r>
+              <a:rPr kumimoji="0" lang="ko-KR" altLang="ko-KR" sz="1200" b="0" i="0" u="none" strike="noStrike" cap="none" normalizeH="0" baseline="0" dirty="0">
+                <a:ln>
+                  <a:noFill/>
+                </a:ln>
+                <a:solidFill>
+                  <a:srgbClr val="A9B7C6"/>
+                </a:solidFill>
+                <a:effectLst/>
+                <a:latin typeface="Courier New" panose="02070309020205020404" pitchFamily="49" charset="0"/>
+                <a:cs typeface="Courier New" panose="02070309020205020404" pitchFamily="49" charset="0"/>
+              </a:rPr>
+              <a:t>(</a:t>
+            </a:r>
+            <a:r>
+              <a:rPr kumimoji="0" lang="ko-KR" altLang="ko-KR" sz="1200" b="0" i="0" u="none" strike="noStrike" cap="none" normalizeH="0" baseline="0" dirty="0" err="1">
+                <a:ln>
+                  <a:noFill/>
+                </a:ln>
+                <a:solidFill>
+                  <a:srgbClr val="AA4926"/>
+                </a:solidFill>
+                <a:effectLst/>
+                <a:latin typeface="Courier New" panose="02070309020205020404" pitchFamily="49" charset="0"/>
+                <a:cs typeface="Courier New" panose="02070309020205020404" pitchFamily="49" charset="0"/>
+              </a:rPr>
+              <a:t>label</a:t>
+            </a:r>
+            <a:r>
+              <a:rPr kumimoji="0" lang="ko-KR" altLang="ko-KR" sz="1200" b="0" i="0" u="none" strike="noStrike" cap="none" normalizeH="0" baseline="0" dirty="0">
+                <a:ln>
+                  <a:noFill/>
+                </a:ln>
+                <a:solidFill>
+                  <a:srgbClr val="A9B7C6"/>
+                </a:solidFill>
+                <a:effectLst/>
+                <a:latin typeface="Courier New" panose="02070309020205020404" pitchFamily="49" charset="0"/>
+                <a:cs typeface="Courier New" panose="02070309020205020404" pitchFamily="49" charset="0"/>
+              </a:rPr>
+              <a:t>=</a:t>
+            </a:r>
+            <a:r>
+              <a:rPr kumimoji="0" lang="ko-KR" altLang="ko-KR" sz="1200" b="0" i="0" u="none" strike="noStrike" cap="none" normalizeH="0" baseline="0" dirty="0">
+                <a:ln>
+                  <a:noFill/>
+                </a:ln>
+                <a:solidFill>
+                  <a:srgbClr val="6A8759"/>
+                </a:solidFill>
+                <a:effectLst/>
+                <a:latin typeface="Courier New" panose="02070309020205020404" pitchFamily="49" charset="0"/>
+                <a:cs typeface="Courier New" panose="02070309020205020404" pitchFamily="49" charset="0"/>
+              </a:rPr>
+              <a:t>'</a:t>
+            </a:r>
+            <a:r>
+              <a:rPr kumimoji="0" lang="ko-KR" altLang="ko-KR" sz="1200" b="0" i="0" u="none" strike="noStrike" cap="none" normalizeH="0" baseline="0" dirty="0">
+                <a:ln>
+                  <a:noFill/>
+                </a:ln>
+                <a:solidFill>
+                  <a:srgbClr val="6A8759"/>
+                </a:solidFill>
+                <a:effectLst/>
+                <a:latin typeface="맑은 고딕" panose="020B0503020000020004" pitchFamily="50" charset="-127"/>
+                <a:ea typeface="맑은 고딕" panose="020B0503020000020004" pitchFamily="50" charset="-127"/>
+                <a:cs typeface="Courier New" panose="02070309020205020404" pitchFamily="49" charset="0"/>
+              </a:rPr>
+              <a:t>불러오기</a:t>
+            </a:r>
+            <a:r>
+              <a:rPr kumimoji="0" lang="ko-KR" altLang="ko-KR" sz="1200" b="0" i="0" u="none" strike="noStrike" cap="none" normalizeH="0" baseline="0" dirty="0">
+                <a:ln>
+                  <a:noFill/>
+                </a:ln>
+                <a:solidFill>
+                  <a:srgbClr val="6A8759"/>
+                </a:solidFill>
+                <a:effectLst/>
+                <a:latin typeface="Courier New" panose="02070309020205020404" pitchFamily="49" charset="0"/>
+                <a:cs typeface="Courier New" panose="02070309020205020404" pitchFamily="49" charset="0"/>
+              </a:rPr>
+              <a:t>'</a:t>
+            </a:r>
+            <a:r>
+              <a:rPr kumimoji="0" lang="ko-KR" altLang="ko-KR" sz="1200" b="0" i="0" u="none" strike="noStrike" cap="none" normalizeH="0" baseline="0" dirty="0">
+                <a:ln>
+                  <a:noFill/>
+                </a:ln>
+                <a:solidFill>
+                  <a:srgbClr val="CC7832"/>
+                </a:solidFill>
+                <a:effectLst/>
+                <a:latin typeface="Courier New" panose="02070309020205020404" pitchFamily="49" charset="0"/>
+                <a:cs typeface="Courier New" panose="02070309020205020404" pitchFamily="49" charset="0"/>
+              </a:rPr>
+              <a:t>, </a:t>
+            </a:r>
+            <a:r>
+              <a:rPr kumimoji="0" lang="ko-KR" altLang="ko-KR" sz="1200" b="0" i="0" u="none" strike="noStrike" cap="none" normalizeH="0" baseline="0" dirty="0" err="1">
+                <a:ln>
+                  <a:noFill/>
+                </a:ln>
+                <a:solidFill>
+                  <a:srgbClr val="AA4926"/>
+                </a:solidFill>
+                <a:effectLst/>
+                <a:latin typeface="Courier New" panose="02070309020205020404" pitchFamily="49" charset="0"/>
+                <a:cs typeface="Courier New" panose="02070309020205020404" pitchFamily="49" charset="0"/>
+              </a:rPr>
+              <a:t>command</a:t>
+            </a:r>
+            <a:r>
+              <a:rPr kumimoji="0" lang="ko-KR" altLang="ko-KR" sz="1200" b="0" i="0" u="none" strike="noStrike" cap="none" normalizeH="0" baseline="0" dirty="0">
+                <a:ln>
+                  <a:noFill/>
+                </a:ln>
+                <a:solidFill>
+                  <a:srgbClr val="A9B7C6"/>
+                </a:solidFill>
+                <a:effectLst/>
+                <a:latin typeface="Courier New" panose="02070309020205020404" pitchFamily="49" charset="0"/>
+                <a:cs typeface="Courier New" panose="02070309020205020404" pitchFamily="49" charset="0"/>
+              </a:rPr>
+              <a:t>=</a:t>
+            </a:r>
+            <a:r>
+              <a:rPr kumimoji="0" lang="ko-KR" altLang="ko-KR" sz="1200" b="0" i="0" u="none" strike="noStrike" cap="none" normalizeH="0" baseline="0" dirty="0" err="1">
+                <a:ln>
+                  <a:noFill/>
+                </a:ln>
+                <a:solidFill>
+                  <a:srgbClr val="A9B7C6"/>
+                </a:solidFill>
+                <a:effectLst/>
+                <a:latin typeface="Courier New" panose="02070309020205020404" pitchFamily="49" charset="0"/>
+                <a:cs typeface="Courier New" panose="02070309020205020404" pitchFamily="49" charset="0"/>
+              </a:rPr>
+              <a:t>openf</a:t>
+            </a:r>
+            <a:r>
+              <a:rPr kumimoji="0" lang="ko-KR" altLang="ko-KR" sz="1200" b="0" i="0" u="none" strike="noStrike" cap="none" normalizeH="0" baseline="0" dirty="0">
+                <a:ln>
+                  <a:noFill/>
+                </a:ln>
+                <a:solidFill>
+                  <a:srgbClr val="A9B7C6"/>
+                </a:solidFill>
+                <a:effectLst/>
+                <a:latin typeface="Courier New" panose="02070309020205020404" pitchFamily="49" charset="0"/>
+                <a:cs typeface="Courier New" panose="02070309020205020404" pitchFamily="49" charset="0"/>
+              </a:rPr>
+              <a:t>)</a:t>
+            </a:r>
+            <a:br>
+              <a:rPr kumimoji="0" lang="ko-KR" altLang="ko-KR" sz="1200" b="0" i="0" u="none" strike="noStrike" cap="none" normalizeH="0" baseline="0" dirty="0">
+                <a:ln>
+                  <a:noFill/>
+                </a:ln>
+                <a:solidFill>
+                  <a:srgbClr val="A9B7C6"/>
+                </a:solidFill>
+                <a:effectLst/>
+                <a:latin typeface="Courier New" panose="02070309020205020404" pitchFamily="49" charset="0"/>
+                <a:cs typeface="Courier New" panose="02070309020205020404" pitchFamily="49" charset="0"/>
+              </a:rPr>
+            </a:br>
+            <a:r>
+              <a:rPr kumimoji="0" lang="ko-KR" altLang="ko-KR" sz="1200" b="0" i="0" u="none" strike="noStrike" cap="none" normalizeH="0" baseline="0" dirty="0" err="1">
+                <a:ln>
+                  <a:noFill/>
+                </a:ln>
+                <a:solidFill>
+                  <a:srgbClr val="A9B7C6"/>
+                </a:solidFill>
+                <a:effectLst/>
+                <a:latin typeface="Courier New" panose="02070309020205020404" pitchFamily="49" charset="0"/>
+                <a:cs typeface="Courier New" panose="02070309020205020404" pitchFamily="49" charset="0"/>
+              </a:rPr>
+              <a:t>root.config</a:t>
+            </a:r>
+            <a:r>
+              <a:rPr kumimoji="0" lang="ko-KR" altLang="ko-KR" sz="1200" b="0" i="0" u="none" strike="noStrike" cap="none" normalizeH="0" baseline="0" dirty="0">
+                <a:ln>
+                  <a:noFill/>
+                </a:ln>
+                <a:solidFill>
+                  <a:srgbClr val="A9B7C6"/>
+                </a:solidFill>
+                <a:effectLst/>
+                <a:latin typeface="Courier New" panose="02070309020205020404" pitchFamily="49" charset="0"/>
+                <a:cs typeface="Courier New" panose="02070309020205020404" pitchFamily="49" charset="0"/>
+              </a:rPr>
+              <a:t>(</a:t>
+            </a:r>
+            <a:r>
+              <a:rPr kumimoji="0" lang="ko-KR" altLang="ko-KR" sz="1200" b="0" i="0" u="none" strike="noStrike" cap="none" normalizeH="0" baseline="0" dirty="0" err="1">
+                <a:ln>
+                  <a:noFill/>
+                </a:ln>
+                <a:solidFill>
+                  <a:srgbClr val="AA4926"/>
+                </a:solidFill>
+                <a:effectLst/>
+                <a:latin typeface="Courier New" panose="02070309020205020404" pitchFamily="49" charset="0"/>
+                <a:cs typeface="Courier New" panose="02070309020205020404" pitchFamily="49" charset="0"/>
+              </a:rPr>
+              <a:t>menu</a:t>
+            </a:r>
+            <a:r>
+              <a:rPr kumimoji="0" lang="ko-KR" altLang="ko-KR" sz="1200" b="0" i="0" u="none" strike="noStrike" cap="none" normalizeH="0" baseline="0" dirty="0">
+                <a:ln>
+                  <a:noFill/>
+                </a:ln>
+                <a:solidFill>
+                  <a:srgbClr val="A9B7C6"/>
+                </a:solidFill>
+                <a:effectLst/>
+                <a:latin typeface="Courier New" panose="02070309020205020404" pitchFamily="49" charset="0"/>
+                <a:cs typeface="Courier New" panose="02070309020205020404" pitchFamily="49" charset="0"/>
+              </a:rPr>
+              <a:t>=</a:t>
+            </a:r>
+            <a:r>
+              <a:rPr kumimoji="0" lang="ko-KR" altLang="ko-KR" sz="1200" b="0" i="0" u="none" strike="noStrike" cap="none" normalizeH="0" baseline="0" dirty="0" err="1">
+                <a:ln>
+                  <a:noFill/>
+                </a:ln>
+                <a:solidFill>
+                  <a:srgbClr val="A9B7C6"/>
+                </a:solidFill>
+                <a:effectLst/>
+                <a:latin typeface="Courier New" panose="02070309020205020404" pitchFamily="49" charset="0"/>
+                <a:cs typeface="Courier New" panose="02070309020205020404" pitchFamily="49" charset="0"/>
+              </a:rPr>
+              <a:t>mb</a:t>
+            </a:r>
+            <a:r>
+              <a:rPr kumimoji="0" lang="ko-KR" altLang="ko-KR" sz="1200" b="0" i="0" u="none" strike="noStrike" cap="none" normalizeH="0" baseline="0" dirty="0">
+                <a:ln>
+                  <a:noFill/>
+                </a:ln>
+                <a:solidFill>
+                  <a:srgbClr val="A9B7C6"/>
+                </a:solidFill>
+                <a:effectLst/>
+                <a:latin typeface="Courier New" panose="02070309020205020404" pitchFamily="49" charset="0"/>
+                <a:cs typeface="Courier New" panose="02070309020205020404" pitchFamily="49" charset="0"/>
+              </a:rPr>
+              <a:t>)</a:t>
+            </a:r>
+            <a:br>
+              <a:rPr kumimoji="0" lang="ko-KR" altLang="ko-KR" sz="1200" b="0" i="0" u="none" strike="noStrike" cap="none" normalizeH="0" baseline="0" dirty="0">
+                <a:ln>
+                  <a:noFill/>
+                </a:ln>
+                <a:solidFill>
+                  <a:srgbClr val="A9B7C6"/>
+                </a:solidFill>
+                <a:effectLst/>
+                <a:latin typeface="Courier New" panose="02070309020205020404" pitchFamily="49" charset="0"/>
+                <a:cs typeface="Courier New" panose="02070309020205020404" pitchFamily="49" charset="0"/>
+              </a:rPr>
+            </a:br>
+            <a:br>
+              <a:rPr kumimoji="0" lang="ko-KR" altLang="ko-KR" sz="1200" b="0" i="0" u="none" strike="noStrike" cap="none" normalizeH="0" baseline="0" dirty="0">
+                <a:ln>
+                  <a:noFill/>
+                </a:ln>
+                <a:solidFill>
+                  <a:srgbClr val="A9B7C6"/>
+                </a:solidFill>
+                <a:effectLst/>
+                <a:latin typeface="Courier New" panose="02070309020205020404" pitchFamily="49" charset="0"/>
+                <a:cs typeface="Courier New" panose="02070309020205020404" pitchFamily="49" charset="0"/>
+              </a:rPr>
+            </a:br>
+            <a:r>
+              <a:rPr kumimoji="0" lang="ko-KR" altLang="ko-KR" sz="1200" b="0" i="0" u="none" strike="noStrike" cap="none" normalizeH="0" baseline="0" dirty="0" err="1">
+                <a:ln>
+                  <a:noFill/>
+                </a:ln>
+                <a:solidFill>
+                  <a:srgbClr val="A9B7C6"/>
+                </a:solidFill>
+                <a:effectLst/>
+                <a:latin typeface="Courier New" panose="02070309020205020404" pitchFamily="49" charset="0"/>
+                <a:cs typeface="Courier New" panose="02070309020205020404" pitchFamily="49" charset="0"/>
+              </a:rPr>
+              <a:t>tx</a:t>
+            </a:r>
+            <a:r>
+              <a:rPr kumimoji="0" lang="ko-KR" altLang="ko-KR" sz="1200" b="0" i="0" u="none" strike="noStrike" cap="none" normalizeH="0" baseline="0" dirty="0">
+                <a:ln>
+                  <a:noFill/>
+                </a:ln>
+                <a:solidFill>
+                  <a:srgbClr val="A9B7C6"/>
+                </a:solidFill>
+                <a:effectLst/>
+                <a:latin typeface="Courier New" panose="02070309020205020404" pitchFamily="49" charset="0"/>
+                <a:cs typeface="Courier New" panose="02070309020205020404" pitchFamily="49" charset="0"/>
+              </a:rPr>
+              <a:t>=</a:t>
+            </a:r>
+            <a:r>
+              <a:rPr kumimoji="0" lang="ko-KR" altLang="ko-KR" sz="1200" b="0" i="0" u="none" strike="noStrike" cap="none" normalizeH="0" baseline="0" dirty="0" err="1">
+                <a:ln>
+                  <a:noFill/>
+                </a:ln>
+                <a:solidFill>
+                  <a:srgbClr val="A9B7C6"/>
+                </a:solidFill>
+                <a:effectLst/>
+                <a:latin typeface="Courier New" panose="02070309020205020404" pitchFamily="49" charset="0"/>
+                <a:cs typeface="Courier New" panose="02070309020205020404" pitchFamily="49" charset="0"/>
+              </a:rPr>
+              <a:t>tk.Text</a:t>
+            </a:r>
+            <a:r>
+              <a:rPr kumimoji="0" lang="ko-KR" altLang="ko-KR" sz="1200" b="0" i="0" u="none" strike="noStrike" cap="none" normalizeH="0" baseline="0" dirty="0">
+                <a:ln>
+                  <a:noFill/>
+                </a:ln>
+                <a:solidFill>
+                  <a:srgbClr val="A9B7C6"/>
+                </a:solidFill>
+                <a:effectLst/>
+                <a:latin typeface="Courier New" panose="02070309020205020404" pitchFamily="49" charset="0"/>
+                <a:cs typeface="Courier New" panose="02070309020205020404" pitchFamily="49" charset="0"/>
+              </a:rPr>
+              <a:t>()</a:t>
+            </a:r>
+            <a:br>
+              <a:rPr kumimoji="0" lang="ko-KR" altLang="ko-KR" sz="1200" b="0" i="0" u="none" strike="noStrike" cap="none" normalizeH="0" baseline="0" dirty="0">
+                <a:ln>
+                  <a:noFill/>
+                </a:ln>
+                <a:solidFill>
+                  <a:srgbClr val="A9B7C6"/>
+                </a:solidFill>
+                <a:effectLst/>
+                <a:latin typeface="Courier New" panose="02070309020205020404" pitchFamily="49" charset="0"/>
+                <a:cs typeface="Courier New" panose="02070309020205020404" pitchFamily="49" charset="0"/>
+              </a:rPr>
+            </a:br>
+            <a:r>
+              <a:rPr kumimoji="0" lang="ko-KR" altLang="ko-KR" sz="1200" b="0" i="0" u="none" strike="noStrike" cap="none" normalizeH="0" baseline="0" dirty="0" err="1">
+                <a:ln>
+                  <a:noFill/>
+                </a:ln>
+                <a:solidFill>
+                  <a:srgbClr val="A9B7C6"/>
+                </a:solidFill>
+                <a:effectLst/>
+                <a:latin typeface="Courier New" panose="02070309020205020404" pitchFamily="49" charset="0"/>
+                <a:cs typeface="Courier New" panose="02070309020205020404" pitchFamily="49" charset="0"/>
+              </a:rPr>
+              <a:t>tx.pack</a:t>
+            </a:r>
+            <a:r>
+              <a:rPr kumimoji="0" lang="ko-KR" altLang="ko-KR" sz="1200" b="0" i="0" u="none" strike="noStrike" cap="none" normalizeH="0" baseline="0" dirty="0">
+                <a:ln>
+                  <a:noFill/>
+                </a:ln>
+                <a:solidFill>
+                  <a:srgbClr val="A9B7C6"/>
+                </a:solidFill>
+                <a:effectLst/>
+                <a:latin typeface="Courier New" panose="02070309020205020404" pitchFamily="49" charset="0"/>
+                <a:cs typeface="Courier New" panose="02070309020205020404" pitchFamily="49" charset="0"/>
+              </a:rPr>
+              <a:t>()</a:t>
+            </a:r>
+            <a:br>
+              <a:rPr kumimoji="0" lang="ko-KR" altLang="ko-KR" sz="1200" b="0" i="0" u="none" strike="noStrike" cap="none" normalizeH="0" baseline="0" dirty="0">
+                <a:ln>
+                  <a:noFill/>
+                </a:ln>
+                <a:solidFill>
+                  <a:srgbClr val="A9B7C6"/>
+                </a:solidFill>
+                <a:effectLst/>
+                <a:latin typeface="Courier New" panose="02070309020205020404" pitchFamily="49" charset="0"/>
+                <a:cs typeface="Courier New" panose="02070309020205020404" pitchFamily="49" charset="0"/>
+              </a:rPr>
+            </a:br>
+            <a:br>
+              <a:rPr kumimoji="0" lang="ko-KR" altLang="ko-KR" sz="1200" b="0" i="0" u="none" strike="noStrike" cap="none" normalizeH="0" baseline="0" dirty="0">
+                <a:ln>
+                  <a:noFill/>
+                </a:ln>
+                <a:solidFill>
+                  <a:srgbClr val="A9B7C6"/>
+                </a:solidFill>
+                <a:effectLst/>
+                <a:latin typeface="Courier New" panose="02070309020205020404" pitchFamily="49" charset="0"/>
+                <a:cs typeface="Courier New" panose="02070309020205020404" pitchFamily="49" charset="0"/>
+              </a:rPr>
+            </a:br>
+            <a:r>
+              <a:rPr kumimoji="0" lang="ko-KR" altLang="ko-KR" sz="1200" b="0" i="0" u="none" strike="noStrike" cap="none" normalizeH="0" baseline="0" dirty="0" err="1">
+                <a:ln>
+                  <a:noFill/>
+                </a:ln>
+                <a:solidFill>
+                  <a:srgbClr val="A9B7C6"/>
+                </a:solidFill>
+                <a:effectLst/>
+                <a:latin typeface="Courier New" panose="02070309020205020404" pitchFamily="49" charset="0"/>
+                <a:cs typeface="Courier New" panose="02070309020205020404" pitchFamily="49" charset="0"/>
+              </a:rPr>
+              <a:t>root.mainloop</a:t>
+            </a:r>
+            <a:r>
+              <a:rPr kumimoji="0" lang="ko-KR" altLang="ko-KR" sz="1200" b="0" i="0" u="none" strike="noStrike" cap="none" normalizeH="0" baseline="0" dirty="0">
+                <a:ln>
+                  <a:noFill/>
+                </a:ln>
+                <a:solidFill>
+                  <a:srgbClr val="A9B7C6"/>
+                </a:solidFill>
+                <a:effectLst/>
+                <a:latin typeface="Courier New" panose="02070309020205020404" pitchFamily="49" charset="0"/>
+                <a:cs typeface="Courier New" panose="02070309020205020404" pitchFamily="49" charset="0"/>
+              </a:rPr>
+              <a:t>()</a:t>
+            </a:r>
+            <a:endParaRPr kumimoji="0" lang="ko-KR" altLang="ko-KR" sz="1800" b="0" i="0" u="none" strike="noStrike" cap="none" normalizeH="0" baseline="0" dirty="0">
+              <a:ln>
+                <a:noFill/>
+              </a:ln>
+              <a:solidFill>
+                <a:schemeClr val="tx1"/>
+              </a:solidFill>
+              <a:effectLst/>
+              <a:latin typeface="Arial" panose="020B0604020202020204" pitchFamily="34" charset="0"/>
+            </a:endParaRPr>
+          </a:p>
+        </p:txBody>
+      </p:sp>
+    </p:spTree>
+    <p:extLst>
+      <p:ext uri="{BB962C8B-B14F-4D97-AF65-F5344CB8AC3E}">
+        <p14:creationId xmlns:p14="http://schemas.microsoft.com/office/powerpoint/2010/main" val="3012668276"/>
+      </p:ext>
+    </p:extLst>
+  </p:cSld>
+  <p:clrMapOvr>
+    <a:masterClrMapping/>
+  </p:clrMapOvr>
+</p:sld>
+</file>
+
+<file path=ppt/slides/slide5.xml><?xml version="1.0" encoding="utf-8"?>
+<p:sld xmlns:a="http://schemas.openxmlformats.org/drawingml/2006/main" xmlns:r="http://schemas.openxmlformats.org/officeDocument/2006/relationships" xmlns:p="http://schemas.openxmlformats.org/presentationml/2006/main">
+  <p:cSld>
+    <p:spTree>
+      <p:nvGrpSpPr>
+        <p:cNvPr id="1" name=""/>
+        <p:cNvGrpSpPr/>
+        <p:nvPr/>
+      </p:nvGrpSpPr>
+      <p:grpSpPr>
+        <a:xfrm>
+          <a:off x="0" y="0"/>
+          <a:ext cx="0" cy="0"/>
+          <a:chOff x="0" y="0"/>
+          <a:chExt cx="0" cy="0"/>
+        </a:xfrm>
+      </p:grpSpPr>
+      <p:sp>
+        <p:nvSpPr>
+          <p:cNvPr id="2" name="제목 1">
+            <a:extLst>
+              <a:ext uri="{FF2B5EF4-FFF2-40B4-BE49-F238E27FC236}">
+                <a16:creationId xmlns:a16="http://schemas.microsoft.com/office/drawing/2014/main" id="{45417129-ABDC-413F-85D5-8A08C9AEB97E}"/>
+              </a:ext>
+            </a:extLst>
+          </p:cNvPr>
+          <p:cNvSpPr>
+            <a:spLocks noGrp="1"/>
+          </p:cNvSpPr>
+          <p:nvPr>
+            <p:ph type="title"/>
+          </p:nvPr>
+        </p:nvSpPr>
+        <p:spPr/>
+        <p:txBody>
+          <a:bodyPr/>
+          <a:lstStyle/>
+          <a:p>
+            <a:r>
+              <a:rPr lang="ko-KR" altLang="en-US" dirty="0"/>
+              <a:t>파이게임 맛보기</a:t>
+            </a:r>
+          </a:p>
+        </p:txBody>
+      </p:sp>
+      <p:sp>
+        <p:nvSpPr>
+          <p:cNvPr id="3" name="내용 개체 틀 2">
+            <a:extLst>
+              <a:ext uri="{FF2B5EF4-FFF2-40B4-BE49-F238E27FC236}">
+                <a16:creationId xmlns:a16="http://schemas.microsoft.com/office/drawing/2014/main" id="{D8C9D012-5721-454E-87F2-6506E940DD85}"/>
+              </a:ext>
+            </a:extLst>
+          </p:cNvPr>
+          <p:cNvSpPr>
+            <a:spLocks noGrp="1"/>
+          </p:cNvSpPr>
+          <p:nvPr>
+            <p:ph idx="1"/>
+          </p:nvPr>
+        </p:nvSpPr>
+        <p:spPr/>
+        <p:txBody>
+          <a:bodyPr/>
+          <a:lstStyle/>
+          <a:p>
+            <a:endParaRPr lang="ko-KR" altLang="en-US"/>
+          </a:p>
+        </p:txBody>
+      </p:sp>
+      <p:sp>
+        <p:nvSpPr>
+          <p:cNvPr id="4" name="Rectangle 1">
+            <a:extLst>
+              <a:ext uri="{FF2B5EF4-FFF2-40B4-BE49-F238E27FC236}">
+                <a16:creationId xmlns:a16="http://schemas.microsoft.com/office/drawing/2014/main" id="{F6F8E56C-0FFA-41F9-B03D-F75227E1F89C}"/>
+              </a:ext>
+            </a:extLst>
+          </p:cNvPr>
+          <p:cNvSpPr>
+            <a:spLocks noChangeArrowheads="1"/>
+          </p:cNvSpPr>
+          <p:nvPr/>
+        </p:nvSpPr>
+        <p:spPr bwMode="auto">
+          <a:xfrm>
+            <a:off x="498946" y="2015733"/>
+            <a:ext cx="8460432" cy="4221088"/>
+          </a:xfrm>
+          <a:prstGeom prst="rect">
+            <a:avLst/>
+          </a:prstGeom>
+          <a:solidFill>
+            <a:srgbClr val="2B2B2B"/>
+          </a:solidFill>
+          <a:ln>
+            <a:noFill/>
+          </a:ln>
+          <a:effectLst/>
+          <a:extLst>
+            <a:ext uri="{91240B29-F687-4F45-9708-019B960494DF}">
+              <a14:hiddenLine xmlns:a14="http://schemas.microsoft.com/office/drawing/2010/main" w="9525">
+                <a:solidFill>
+                  <a:schemeClr val="tx1"/>
+                </a:solidFill>
+                <a:miter lim="800000"/>
+                <a:headEnd/>
+                <a:tailEnd/>
+              </a14:hiddenLine>
+            </a:ext>
+            <a:ext uri="{AF507438-7753-43E0-B8FC-AC1667EBCBE1}">
+              <a14:hiddenEffects xmlns:a14="http://schemas.microsoft.com/office/drawing/2010/main">
+                <a:effectLst>
+                  <a:outerShdw dist="35921" dir="2700000" algn="ctr" rotWithShape="0">
+                    <a:schemeClr val="bg2"/>
+                  </a:outerShdw>
+                </a:effectLst>
+              </a14:hiddenEffects>
+            </a:ext>
+          </a:extLst>
+        </p:spPr>
+        <p:txBody>
+          <a:bodyPr vert="horz" wrap="square" lIns="91440" tIns="45720" rIns="91440" bIns="45720" numCol="1" anchor="ctr" anchorCtr="0" compatLnSpc="1">
+            <a:prstTxWarp prst="textNoShape">
+              <a:avLst/>
+            </a:prstTxWarp>
+            <a:spAutoFit/>
+          </a:bodyPr>
+          <a:lstStyle/>
+          <a:p>
+            <a:pPr marL="0" marR="0" lvl="0" indent="0" algn="l" defTabSz="914400" rtl="0" eaLnBrk="0" fontAlgn="base" latinLnBrk="0" hangingPunct="0">
+              <a:lnSpc>
+                <a:spcPct val="100000"/>
+              </a:lnSpc>
+              <a:spcBef>
+                <a:spcPct val="0"/>
+              </a:spcBef>
+              <a:spcAft>
+                <a:spcPct val="0"/>
+              </a:spcAft>
+              <a:buClrTx/>
+              <a:buSzTx/>
+              <a:buFontTx/>
+              <a:buNone/>
+              <a:tabLst/>
+            </a:pPr>
+            <a:r>
+              <a:rPr kumimoji="0" lang="ko-KR" altLang="ko-KR" sz="1200" b="0" i="0" u="none" strike="noStrike" cap="none" normalizeH="0" baseline="0" dirty="0">
+                <a:ln>
+                  <a:noFill/>
+                </a:ln>
+                <a:solidFill>
+                  <a:srgbClr val="808080"/>
+                </a:solidFill>
+                <a:effectLst/>
+                <a:latin typeface="Courier New" panose="02070309020205020404" pitchFamily="49" charset="0"/>
+                <a:cs typeface="Courier New" panose="02070309020205020404" pitchFamily="49" charset="0"/>
+              </a:rPr>
+              <a:t># </a:t>
+            </a:r>
+            <a:r>
+              <a:rPr kumimoji="0" lang="ko-KR" altLang="ko-KR" sz="1200" b="0" i="0" u="none" strike="noStrike" cap="none" normalizeH="0" baseline="0" dirty="0">
+                <a:ln>
+                  <a:noFill/>
+                </a:ln>
+                <a:solidFill>
+                  <a:srgbClr val="808080"/>
+                </a:solidFill>
+                <a:effectLst/>
+                <a:latin typeface="맑은 고딕" panose="020B0503020000020004" pitchFamily="50" charset="-127"/>
+                <a:ea typeface="맑은 고딕" panose="020B0503020000020004" pitchFamily="50" charset="-127"/>
+                <a:cs typeface="Courier New" panose="02070309020205020404" pitchFamily="49" charset="0"/>
+              </a:rPr>
+              <a:t>파이게임 기본 코드</a:t>
+            </a:r>
+            <a:br>
+              <a:rPr kumimoji="0" lang="ko-KR" altLang="ko-KR" sz="1200" b="0" i="0" u="none" strike="noStrike" cap="none" normalizeH="0" baseline="0" dirty="0">
+                <a:ln>
+                  <a:noFill/>
+                </a:ln>
+                <a:solidFill>
+                  <a:srgbClr val="808080"/>
+                </a:solidFill>
+                <a:effectLst/>
+                <a:latin typeface="맑은 고딕" panose="020B0503020000020004" pitchFamily="50" charset="-127"/>
+                <a:ea typeface="맑은 고딕" panose="020B0503020000020004" pitchFamily="50" charset="-127"/>
+                <a:cs typeface="Courier New" panose="02070309020205020404" pitchFamily="49" charset="0"/>
+              </a:rPr>
+            </a:br>
+            <a:r>
+              <a:rPr kumimoji="0" lang="ko-KR" altLang="ko-KR" sz="1200" b="0" i="0" u="none" strike="noStrike" cap="none" normalizeH="0" baseline="0" dirty="0" err="1">
+                <a:ln>
+                  <a:noFill/>
+                </a:ln>
+                <a:solidFill>
+                  <a:srgbClr val="CC7832"/>
+                </a:solidFill>
+                <a:effectLst/>
+                <a:latin typeface="Courier New" panose="02070309020205020404" pitchFamily="49" charset="0"/>
+                <a:cs typeface="Courier New" panose="02070309020205020404" pitchFamily="49" charset="0"/>
+              </a:rPr>
+              <a:t>import</a:t>
+            </a:r>
+            <a:r>
+              <a:rPr kumimoji="0" lang="ko-KR" altLang="ko-KR" sz="1200" b="0" i="0" u="none" strike="noStrike" cap="none" normalizeH="0" baseline="0" dirty="0">
+                <a:ln>
+                  <a:noFill/>
+                </a:ln>
+                <a:solidFill>
+                  <a:srgbClr val="CC7832"/>
+                </a:solidFill>
+                <a:effectLst/>
+                <a:latin typeface="Courier New" panose="02070309020205020404" pitchFamily="49" charset="0"/>
+                <a:cs typeface="Courier New" panose="02070309020205020404" pitchFamily="49" charset="0"/>
+              </a:rPr>
+              <a:t> </a:t>
+            </a:r>
+            <a:r>
+              <a:rPr kumimoji="0" lang="ko-KR" altLang="ko-KR" sz="1200" b="0" i="0" u="none" strike="noStrike" cap="none" normalizeH="0" baseline="0" dirty="0" err="1">
+                <a:ln>
+                  <a:noFill/>
+                </a:ln>
+                <a:solidFill>
+                  <a:srgbClr val="A9B7C6"/>
+                </a:solidFill>
+                <a:effectLst/>
+                <a:latin typeface="Courier New" panose="02070309020205020404" pitchFamily="49" charset="0"/>
+                <a:cs typeface="Courier New" panose="02070309020205020404" pitchFamily="49" charset="0"/>
+              </a:rPr>
+              <a:t>pygame</a:t>
+            </a:r>
+            <a:br>
+              <a:rPr kumimoji="0" lang="ko-KR" altLang="ko-KR" sz="1200" b="0" i="0" u="none" strike="noStrike" cap="none" normalizeH="0" baseline="0" dirty="0">
+                <a:ln>
+                  <a:noFill/>
+                </a:ln>
+                <a:solidFill>
+                  <a:srgbClr val="A9B7C6"/>
+                </a:solidFill>
+                <a:effectLst/>
+                <a:latin typeface="Courier New" panose="02070309020205020404" pitchFamily="49" charset="0"/>
+                <a:cs typeface="Courier New" panose="02070309020205020404" pitchFamily="49" charset="0"/>
+              </a:rPr>
+            </a:br>
+            <a:br>
+              <a:rPr kumimoji="0" lang="ko-KR" altLang="ko-KR" sz="1200" b="0" i="0" u="none" strike="noStrike" cap="none" normalizeH="0" baseline="0" dirty="0">
+                <a:ln>
+                  <a:noFill/>
+                </a:ln>
+                <a:solidFill>
+                  <a:srgbClr val="A9B7C6"/>
+                </a:solidFill>
+                <a:effectLst/>
+                <a:latin typeface="Courier New" panose="02070309020205020404" pitchFamily="49" charset="0"/>
+                <a:cs typeface="Courier New" panose="02070309020205020404" pitchFamily="49" charset="0"/>
+              </a:rPr>
+            </a:br>
+            <a:r>
+              <a:rPr kumimoji="0" lang="ko-KR" altLang="ko-KR" sz="1200" b="0" i="0" u="none" strike="noStrike" cap="none" normalizeH="0" baseline="0" dirty="0" err="1">
+                <a:ln>
+                  <a:noFill/>
+                </a:ln>
+                <a:solidFill>
+                  <a:srgbClr val="A9B7C6"/>
+                </a:solidFill>
+                <a:effectLst/>
+                <a:latin typeface="Courier New" panose="02070309020205020404" pitchFamily="49" charset="0"/>
+                <a:cs typeface="Courier New" panose="02070309020205020404" pitchFamily="49" charset="0"/>
+              </a:rPr>
+              <a:t>pygame.init</a:t>
+            </a:r>
+            <a:r>
+              <a:rPr kumimoji="0" lang="ko-KR" altLang="ko-KR" sz="1200" b="0" i="0" u="none" strike="noStrike" cap="none" normalizeH="0" baseline="0" dirty="0">
+                <a:ln>
+                  <a:noFill/>
+                </a:ln>
+                <a:solidFill>
+                  <a:srgbClr val="A9B7C6"/>
+                </a:solidFill>
+                <a:effectLst/>
+                <a:latin typeface="Courier New" panose="02070309020205020404" pitchFamily="49" charset="0"/>
+                <a:cs typeface="Courier New" panose="02070309020205020404" pitchFamily="49" charset="0"/>
+              </a:rPr>
+              <a:t>()</a:t>
+            </a:r>
+            <a:br>
+              <a:rPr kumimoji="0" lang="ko-KR" altLang="ko-KR" sz="1200" b="0" i="0" u="none" strike="noStrike" cap="none" normalizeH="0" baseline="0" dirty="0">
+                <a:ln>
+                  <a:noFill/>
+                </a:ln>
+                <a:solidFill>
+                  <a:srgbClr val="A9B7C6"/>
+                </a:solidFill>
+                <a:effectLst/>
+                <a:latin typeface="Courier New" panose="02070309020205020404" pitchFamily="49" charset="0"/>
+                <a:cs typeface="Courier New" panose="02070309020205020404" pitchFamily="49" charset="0"/>
+              </a:rPr>
+            </a:br>
+            <a:r>
+              <a:rPr kumimoji="0" lang="ko-KR" altLang="ko-KR" sz="1200" b="0" i="0" u="none" strike="noStrike" cap="none" normalizeH="0" baseline="0" dirty="0" err="1">
+                <a:ln>
+                  <a:noFill/>
+                </a:ln>
+                <a:solidFill>
+                  <a:srgbClr val="A9B7C6"/>
+                </a:solidFill>
+                <a:effectLst/>
+                <a:latin typeface="Courier New" panose="02070309020205020404" pitchFamily="49" charset="0"/>
+                <a:cs typeface="Courier New" panose="02070309020205020404" pitchFamily="49" charset="0"/>
+              </a:rPr>
+              <a:t>pygame.display.set_caption</a:t>
+            </a:r>
+            <a:r>
+              <a:rPr kumimoji="0" lang="ko-KR" altLang="ko-KR" sz="1200" b="0" i="0" u="none" strike="noStrike" cap="none" normalizeH="0" baseline="0" dirty="0">
+                <a:ln>
+                  <a:noFill/>
+                </a:ln>
+                <a:solidFill>
+                  <a:srgbClr val="A9B7C6"/>
+                </a:solidFill>
+                <a:effectLst/>
+                <a:latin typeface="Courier New" panose="02070309020205020404" pitchFamily="49" charset="0"/>
+                <a:cs typeface="Courier New" panose="02070309020205020404" pitchFamily="49" charset="0"/>
+              </a:rPr>
+              <a:t>(</a:t>
+            </a:r>
+            <a:r>
+              <a:rPr kumimoji="0" lang="ko-KR" altLang="ko-KR" sz="1200" b="0" i="0" u="none" strike="noStrike" cap="none" normalizeH="0" baseline="0" dirty="0">
+                <a:ln>
+                  <a:noFill/>
+                </a:ln>
+                <a:solidFill>
+                  <a:srgbClr val="6A8759"/>
+                </a:solidFill>
+                <a:effectLst/>
+                <a:latin typeface="Courier New" panose="02070309020205020404" pitchFamily="49" charset="0"/>
+                <a:cs typeface="Courier New" panose="02070309020205020404" pitchFamily="49" charset="0"/>
+              </a:rPr>
+              <a:t>'</a:t>
+            </a:r>
+            <a:r>
+              <a:rPr kumimoji="0" lang="ko-KR" altLang="ko-KR" sz="1200" b="0" i="0" u="none" strike="noStrike" cap="none" normalizeH="0" baseline="0" dirty="0">
+                <a:ln>
+                  <a:noFill/>
+                </a:ln>
+                <a:solidFill>
+                  <a:srgbClr val="6A8759"/>
+                </a:solidFill>
+                <a:effectLst/>
+                <a:latin typeface="맑은 고딕" panose="020B0503020000020004" pitchFamily="50" charset="-127"/>
+                <a:ea typeface="맑은 고딕" panose="020B0503020000020004" pitchFamily="50" charset="-127"/>
+                <a:cs typeface="Courier New" panose="02070309020205020404" pitchFamily="49" charset="0"/>
+              </a:rPr>
+              <a:t>게임 제목</a:t>
+            </a:r>
+            <a:r>
+              <a:rPr kumimoji="0" lang="ko-KR" altLang="ko-KR" sz="1200" b="0" i="0" u="none" strike="noStrike" cap="none" normalizeH="0" baseline="0" dirty="0">
+                <a:ln>
+                  <a:noFill/>
+                </a:ln>
+                <a:solidFill>
+                  <a:srgbClr val="6A8759"/>
+                </a:solidFill>
+                <a:effectLst/>
+                <a:latin typeface="Courier New" panose="02070309020205020404" pitchFamily="49" charset="0"/>
+                <a:cs typeface="Courier New" panose="02070309020205020404" pitchFamily="49" charset="0"/>
+              </a:rPr>
+              <a:t>'</a:t>
+            </a:r>
+            <a:r>
+              <a:rPr kumimoji="0" lang="ko-KR" altLang="ko-KR" sz="1200" b="0" i="0" u="none" strike="noStrike" cap="none" normalizeH="0" baseline="0" dirty="0">
+                <a:ln>
+                  <a:noFill/>
+                </a:ln>
+                <a:solidFill>
+                  <a:srgbClr val="A9B7C6"/>
+                </a:solidFill>
+                <a:effectLst/>
+                <a:latin typeface="Courier New" panose="02070309020205020404" pitchFamily="49" charset="0"/>
+                <a:cs typeface="Courier New" panose="02070309020205020404" pitchFamily="49" charset="0"/>
+              </a:rPr>
+              <a:t>)</a:t>
+            </a:r>
+            <a:br>
+              <a:rPr kumimoji="0" lang="ko-KR" altLang="ko-KR" sz="1200" b="0" i="0" u="none" strike="noStrike" cap="none" normalizeH="0" baseline="0" dirty="0">
+                <a:ln>
+                  <a:noFill/>
+                </a:ln>
+                <a:solidFill>
+                  <a:srgbClr val="A9B7C6"/>
+                </a:solidFill>
+                <a:effectLst/>
+                <a:latin typeface="Courier New" panose="02070309020205020404" pitchFamily="49" charset="0"/>
+                <a:cs typeface="Courier New" panose="02070309020205020404" pitchFamily="49" charset="0"/>
+              </a:rPr>
+            </a:br>
+            <a:r>
+              <a:rPr kumimoji="0" lang="ko-KR" altLang="ko-KR" sz="1200" b="0" i="0" u="none" strike="noStrike" cap="none" normalizeH="0" baseline="0" dirty="0" err="1">
+                <a:ln>
+                  <a:noFill/>
+                </a:ln>
+                <a:solidFill>
+                  <a:srgbClr val="A9B7C6"/>
+                </a:solidFill>
+                <a:effectLst/>
+                <a:latin typeface="Courier New" panose="02070309020205020404" pitchFamily="49" charset="0"/>
+                <a:cs typeface="Courier New" panose="02070309020205020404" pitchFamily="49" charset="0"/>
+              </a:rPr>
+              <a:t>Screen_x</a:t>
+            </a:r>
+            <a:r>
+              <a:rPr kumimoji="0" lang="ko-KR" altLang="ko-KR" sz="1200" b="0" i="0" u="none" strike="noStrike" cap="none" normalizeH="0" baseline="0" dirty="0">
+                <a:ln>
+                  <a:noFill/>
+                </a:ln>
+                <a:solidFill>
+                  <a:srgbClr val="A9B7C6"/>
+                </a:solidFill>
+                <a:effectLst/>
+                <a:latin typeface="Courier New" panose="02070309020205020404" pitchFamily="49" charset="0"/>
+                <a:cs typeface="Courier New" panose="02070309020205020404" pitchFamily="49" charset="0"/>
+              </a:rPr>
+              <a:t> = </a:t>
+            </a:r>
+            <a:r>
+              <a:rPr kumimoji="0" lang="ko-KR" altLang="ko-KR" sz="1200" b="0" i="0" u="none" strike="noStrike" cap="none" normalizeH="0" baseline="0" dirty="0">
+                <a:ln>
+                  <a:noFill/>
+                </a:ln>
+                <a:solidFill>
+                  <a:srgbClr val="6897BB"/>
+                </a:solidFill>
+                <a:effectLst/>
+                <a:latin typeface="Courier New" panose="02070309020205020404" pitchFamily="49" charset="0"/>
+                <a:cs typeface="Courier New" panose="02070309020205020404" pitchFamily="49" charset="0"/>
+              </a:rPr>
+              <a:t>640 </a:t>
+            </a:r>
+            <a:r>
+              <a:rPr kumimoji="0" lang="ko-KR" altLang="ko-KR" sz="1200" b="0" i="0" u="none" strike="noStrike" cap="none" normalizeH="0" baseline="0" dirty="0">
+                <a:ln>
+                  <a:noFill/>
+                </a:ln>
+                <a:solidFill>
+                  <a:srgbClr val="A9B7C6"/>
+                </a:solidFill>
+                <a:effectLst/>
+                <a:latin typeface="Courier New" panose="02070309020205020404" pitchFamily="49" charset="0"/>
+                <a:cs typeface="Courier New" panose="02070309020205020404" pitchFamily="49" charset="0"/>
+              </a:rPr>
+              <a:t>* </a:t>
+            </a:r>
+            <a:r>
+              <a:rPr kumimoji="0" lang="ko-KR" altLang="ko-KR" sz="1200" b="0" i="0" u="none" strike="noStrike" cap="none" normalizeH="0" baseline="0" dirty="0">
+                <a:ln>
+                  <a:noFill/>
+                </a:ln>
+                <a:solidFill>
+                  <a:srgbClr val="6897BB"/>
+                </a:solidFill>
+                <a:effectLst/>
+                <a:latin typeface="Courier New" panose="02070309020205020404" pitchFamily="49" charset="0"/>
+                <a:cs typeface="Courier New" panose="02070309020205020404" pitchFamily="49" charset="0"/>
+              </a:rPr>
+              <a:t>2 </a:t>
+            </a:r>
+            <a:r>
+              <a:rPr kumimoji="0" lang="ko-KR" altLang="ko-KR" sz="1200" b="0" i="0" u="none" strike="noStrike" cap="none" normalizeH="0" baseline="0" dirty="0">
+                <a:ln>
+                  <a:noFill/>
+                </a:ln>
+                <a:solidFill>
+                  <a:srgbClr val="808080"/>
+                </a:solidFill>
+                <a:effectLst/>
+                <a:latin typeface="Courier New" panose="02070309020205020404" pitchFamily="49" charset="0"/>
+                <a:cs typeface="Courier New" panose="02070309020205020404" pitchFamily="49" charset="0"/>
+              </a:rPr>
+              <a:t># </a:t>
+            </a:r>
+            <a:r>
+              <a:rPr kumimoji="0" lang="ko-KR" altLang="ko-KR" sz="1200" b="0" i="0" u="none" strike="noStrike" cap="none" normalizeH="0" baseline="0" dirty="0">
+                <a:ln>
+                  <a:noFill/>
+                </a:ln>
+                <a:solidFill>
+                  <a:srgbClr val="808080"/>
+                </a:solidFill>
+                <a:effectLst/>
+                <a:latin typeface="맑은 고딕" panose="020B0503020000020004" pitchFamily="50" charset="-127"/>
+                <a:ea typeface="맑은 고딕" panose="020B0503020000020004" pitchFamily="50" charset="-127"/>
+                <a:cs typeface="Courier New" panose="02070309020205020404" pitchFamily="49" charset="0"/>
+              </a:rPr>
+              <a:t>화면 넓이</a:t>
+            </a:r>
+            <a:br>
+              <a:rPr kumimoji="0" lang="ko-KR" altLang="ko-KR" sz="1200" b="0" i="0" u="none" strike="noStrike" cap="none" normalizeH="0" baseline="0" dirty="0">
+                <a:ln>
+                  <a:noFill/>
+                </a:ln>
+                <a:solidFill>
+                  <a:srgbClr val="808080"/>
+                </a:solidFill>
+                <a:effectLst/>
+                <a:latin typeface="맑은 고딕" panose="020B0503020000020004" pitchFamily="50" charset="-127"/>
+                <a:ea typeface="맑은 고딕" panose="020B0503020000020004" pitchFamily="50" charset="-127"/>
+                <a:cs typeface="Courier New" panose="02070309020205020404" pitchFamily="49" charset="0"/>
+              </a:rPr>
+            </a:br>
+            <a:r>
+              <a:rPr kumimoji="0" lang="ko-KR" altLang="ko-KR" sz="1200" b="0" i="0" u="none" strike="noStrike" cap="none" normalizeH="0" baseline="0" dirty="0" err="1">
+                <a:ln>
+                  <a:noFill/>
+                </a:ln>
+                <a:solidFill>
+                  <a:srgbClr val="A9B7C6"/>
+                </a:solidFill>
+                <a:effectLst/>
+                <a:latin typeface="Courier New" panose="02070309020205020404" pitchFamily="49" charset="0"/>
+                <a:cs typeface="Courier New" panose="02070309020205020404" pitchFamily="49" charset="0"/>
+              </a:rPr>
+              <a:t>Screen_y</a:t>
+            </a:r>
+            <a:r>
+              <a:rPr kumimoji="0" lang="ko-KR" altLang="ko-KR" sz="1200" b="0" i="0" u="none" strike="noStrike" cap="none" normalizeH="0" baseline="0" dirty="0">
+                <a:ln>
+                  <a:noFill/>
+                </a:ln>
+                <a:solidFill>
+                  <a:srgbClr val="A9B7C6"/>
+                </a:solidFill>
+                <a:effectLst/>
+                <a:latin typeface="Courier New" panose="02070309020205020404" pitchFamily="49" charset="0"/>
+                <a:cs typeface="Courier New" panose="02070309020205020404" pitchFamily="49" charset="0"/>
+              </a:rPr>
+              <a:t> = </a:t>
+            </a:r>
+            <a:r>
+              <a:rPr kumimoji="0" lang="ko-KR" altLang="ko-KR" sz="1200" b="0" i="0" u="none" strike="noStrike" cap="none" normalizeH="0" baseline="0" dirty="0">
+                <a:ln>
+                  <a:noFill/>
+                </a:ln>
+                <a:solidFill>
+                  <a:srgbClr val="6897BB"/>
+                </a:solidFill>
+                <a:effectLst/>
+                <a:latin typeface="Courier New" panose="02070309020205020404" pitchFamily="49" charset="0"/>
+                <a:cs typeface="Courier New" panose="02070309020205020404" pitchFamily="49" charset="0"/>
+              </a:rPr>
+              <a:t>480 </a:t>
+            </a:r>
+            <a:r>
+              <a:rPr kumimoji="0" lang="ko-KR" altLang="ko-KR" sz="1200" b="0" i="0" u="none" strike="noStrike" cap="none" normalizeH="0" baseline="0" dirty="0">
+                <a:ln>
+                  <a:noFill/>
+                </a:ln>
+                <a:solidFill>
+                  <a:srgbClr val="A9B7C6"/>
+                </a:solidFill>
+                <a:effectLst/>
+                <a:latin typeface="Courier New" panose="02070309020205020404" pitchFamily="49" charset="0"/>
+                <a:cs typeface="Courier New" panose="02070309020205020404" pitchFamily="49" charset="0"/>
+              </a:rPr>
+              <a:t>* </a:t>
+            </a:r>
+            <a:r>
+              <a:rPr kumimoji="0" lang="ko-KR" altLang="ko-KR" sz="1200" b="0" i="0" u="none" strike="noStrike" cap="none" normalizeH="0" baseline="0" dirty="0">
+                <a:ln>
+                  <a:noFill/>
+                </a:ln>
+                <a:solidFill>
+                  <a:srgbClr val="6897BB"/>
+                </a:solidFill>
+                <a:effectLst/>
+                <a:latin typeface="Courier New" panose="02070309020205020404" pitchFamily="49" charset="0"/>
+                <a:cs typeface="Courier New" panose="02070309020205020404" pitchFamily="49" charset="0"/>
+              </a:rPr>
+              <a:t>2 </a:t>
+            </a:r>
+            <a:r>
+              <a:rPr kumimoji="0" lang="ko-KR" altLang="ko-KR" sz="1200" b="0" i="0" u="none" strike="noStrike" cap="none" normalizeH="0" baseline="0" dirty="0">
+                <a:ln>
+                  <a:noFill/>
+                </a:ln>
+                <a:solidFill>
+                  <a:srgbClr val="808080"/>
+                </a:solidFill>
+                <a:effectLst/>
+                <a:latin typeface="Courier New" panose="02070309020205020404" pitchFamily="49" charset="0"/>
+                <a:cs typeface="Courier New" panose="02070309020205020404" pitchFamily="49" charset="0"/>
+              </a:rPr>
+              <a:t># </a:t>
+            </a:r>
+            <a:r>
+              <a:rPr kumimoji="0" lang="ko-KR" altLang="ko-KR" sz="1200" b="0" i="0" u="none" strike="noStrike" cap="none" normalizeH="0" baseline="0" dirty="0">
+                <a:ln>
+                  <a:noFill/>
+                </a:ln>
+                <a:solidFill>
+                  <a:srgbClr val="808080"/>
+                </a:solidFill>
+                <a:effectLst/>
+                <a:latin typeface="맑은 고딕" panose="020B0503020000020004" pitchFamily="50" charset="-127"/>
+                <a:ea typeface="맑은 고딕" panose="020B0503020000020004" pitchFamily="50" charset="-127"/>
+                <a:cs typeface="Courier New" panose="02070309020205020404" pitchFamily="49" charset="0"/>
+              </a:rPr>
+              <a:t>화면 높이</a:t>
+            </a:r>
+            <a:br>
+              <a:rPr kumimoji="0" lang="ko-KR" altLang="ko-KR" sz="1200" b="0" i="0" u="none" strike="noStrike" cap="none" normalizeH="0" baseline="0" dirty="0">
+                <a:ln>
+                  <a:noFill/>
+                </a:ln>
+                <a:solidFill>
+                  <a:srgbClr val="808080"/>
+                </a:solidFill>
+                <a:effectLst/>
+                <a:latin typeface="맑은 고딕" panose="020B0503020000020004" pitchFamily="50" charset="-127"/>
+                <a:ea typeface="맑은 고딕" panose="020B0503020000020004" pitchFamily="50" charset="-127"/>
+                <a:cs typeface="Courier New" panose="02070309020205020404" pitchFamily="49" charset="0"/>
+              </a:rPr>
+            </a:br>
+            <a:r>
+              <a:rPr kumimoji="0" lang="ko-KR" altLang="ko-KR" sz="1200" b="0" i="0" u="none" strike="noStrike" cap="none" normalizeH="0" baseline="0" dirty="0" err="1">
+                <a:ln>
+                  <a:noFill/>
+                </a:ln>
+                <a:solidFill>
+                  <a:srgbClr val="A9B7C6"/>
+                </a:solidFill>
+                <a:effectLst/>
+                <a:latin typeface="Courier New" panose="02070309020205020404" pitchFamily="49" charset="0"/>
+                <a:cs typeface="Courier New" panose="02070309020205020404" pitchFamily="49" charset="0"/>
+              </a:rPr>
+              <a:t>screen</a:t>
+            </a:r>
+            <a:r>
+              <a:rPr kumimoji="0" lang="ko-KR" altLang="ko-KR" sz="1200" b="0" i="0" u="none" strike="noStrike" cap="none" normalizeH="0" baseline="0" dirty="0">
+                <a:ln>
+                  <a:noFill/>
+                </a:ln>
+                <a:solidFill>
+                  <a:srgbClr val="A9B7C6"/>
+                </a:solidFill>
+                <a:effectLst/>
+                <a:latin typeface="Courier New" panose="02070309020205020404" pitchFamily="49" charset="0"/>
+                <a:cs typeface="Courier New" panose="02070309020205020404" pitchFamily="49" charset="0"/>
+              </a:rPr>
+              <a:t> = </a:t>
+            </a:r>
+            <a:r>
+              <a:rPr kumimoji="0" lang="ko-KR" altLang="ko-KR" sz="1200" b="0" i="0" u="none" strike="noStrike" cap="none" normalizeH="0" baseline="0" dirty="0" err="1">
+                <a:ln>
+                  <a:noFill/>
+                </a:ln>
+                <a:solidFill>
+                  <a:srgbClr val="A9B7C6"/>
+                </a:solidFill>
+                <a:effectLst/>
+                <a:latin typeface="Courier New" panose="02070309020205020404" pitchFamily="49" charset="0"/>
+                <a:cs typeface="Courier New" panose="02070309020205020404" pitchFamily="49" charset="0"/>
+              </a:rPr>
+              <a:t>pygame.display.set_mode</a:t>
+            </a:r>
+            <a:r>
+              <a:rPr kumimoji="0" lang="ko-KR" altLang="ko-KR" sz="1200" b="0" i="0" u="none" strike="noStrike" cap="none" normalizeH="0" baseline="0" dirty="0">
+                <a:ln>
+                  <a:noFill/>
+                </a:ln>
+                <a:solidFill>
+                  <a:srgbClr val="A9B7C6"/>
+                </a:solidFill>
+                <a:effectLst/>
+                <a:latin typeface="Courier New" panose="02070309020205020404" pitchFamily="49" charset="0"/>
+                <a:cs typeface="Courier New" panose="02070309020205020404" pitchFamily="49" charset="0"/>
+              </a:rPr>
+              <a:t>((</a:t>
+            </a:r>
+            <a:r>
+              <a:rPr kumimoji="0" lang="ko-KR" altLang="ko-KR" sz="1200" b="0" i="0" u="none" strike="noStrike" cap="none" normalizeH="0" baseline="0" dirty="0" err="1">
+                <a:ln>
+                  <a:noFill/>
+                </a:ln>
+                <a:solidFill>
+                  <a:srgbClr val="A9B7C6"/>
+                </a:solidFill>
+                <a:effectLst/>
+                <a:latin typeface="Courier New" panose="02070309020205020404" pitchFamily="49" charset="0"/>
+                <a:cs typeface="Courier New" panose="02070309020205020404" pitchFamily="49" charset="0"/>
+              </a:rPr>
+              <a:t>Screen_x</a:t>
+            </a:r>
+            <a:r>
+              <a:rPr kumimoji="0" lang="ko-KR" altLang="ko-KR" sz="1200" b="0" i="0" u="none" strike="noStrike" cap="none" normalizeH="0" baseline="0" dirty="0">
+                <a:ln>
+                  <a:noFill/>
+                </a:ln>
+                <a:solidFill>
+                  <a:srgbClr val="CC7832"/>
+                </a:solidFill>
+                <a:effectLst/>
+                <a:latin typeface="Courier New" panose="02070309020205020404" pitchFamily="49" charset="0"/>
+                <a:cs typeface="Courier New" panose="02070309020205020404" pitchFamily="49" charset="0"/>
+              </a:rPr>
+              <a:t>, </a:t>
+            </a:r>
+            <a:r>
+              <a:rPr kumimoji="0" lang="ko-KR" altLang="ko-KR" sz="1200" b="0" i="0" u="none" strike="noStrike" cap="none" normalizeH="0" baseline="0" dirty="0" err="1">
+                <a:ln>
+                  <a:noFill/>
+                </a:ln>
+                <a:solidFill>
+                  <a:srgbClr val="A9B7C6"/>
+                </a:solidFill>
+                <a:effectLst/>
+                <a:latin typeface="Courier New" panose="02070309020205020404" pitchFamily="49" charset="0"/>
+                <a:cs typeface="Courier New" panose="02070309020205020404" pitchFamily="49" charset="0"/>
+              </a:rPr>
+              <a:t>Screen_y</a:t>
+            </a:r>
+            <a:r>
+              <a:rPr kumimoji="0" lang="ko-KR" altLang="ko-KR" sz="1200" b="0" i="0" u="none" strike="noStrike" cap="none" normalizeH="0" baseline="0" dirty="0">
+                <a:ln>
+                  <a:noFill/>
+                </a:ln>
+                <a:solidFill>
+                  <a:srgbClr val="A9B7C6"/>
+                </a:solidFill>
+                <a:effectLst/>
+                <a:latin typeface="Courier New" panose="02070309020205020404" pitchFamily="49" charset="0"/>
+                <a:cs typeface="Courier New" panose="02070309020205020404" pitchFamily="49" charset="0"/>
+              </a:rPr>
+              <a:t>)) </a:t>
+            </a:r>
+            <a:r>
+              <a:rPr kumimoji="0" lang="ko-KR" altLang="ko-KR" sz="1200" b="0" i="0" u="none" strike="noStrike" cap="none" normalizeH="0" baseline="0" dirty="0">
+                <a:ln>
+                  <a:noFill/>
+                </a:ln>
+                <a:solidFill>
+                  <a:srgbClr val="808080"/>
+                </a:solidFill>
+                <a:effectLst/>
+                <a:latin typeface="Courier New" panose="02070309020205020404" pitchFamily="49" charset="0"/>
+                <a:cs typeface="Courier New" panose="02070309020205020404" pitchFamily="49" charset="0"/>
+              </a:rPr>
+              <a:t># </a:t>
+            </a:r>
+            <a:r>
+              <a:rPr kumimoji="0" lang="ko-KR" altLang="ko-KR" sz="1200" b="0" i="0" u="none" strike="noStrike" cap="none" normalizeH="0" baseline="0" dirty="0">
+                <a:ln>
+                  <a:noFill/>
+                </a:ln>
+                <a:solidFill>
+                  <a:srgbClr val="808080"/>
+                </a:solidFill>
+                <a:effectLst/>
+                <a:latin typeface="맑은 고딕" panose="020B0503020000020004" pitchFamily="50" charset="-127"/>
+                <a:ea typeface="맑은 고딕" panose="020B0503020000020004" pitchFamily="50" charset="-127"/>
+                <a:cs typeface="Courier New" panose="02070309020205020404" pitchFamily="49" charset="0"/>
+              </a:rPr>
+              <a:t>화면 세팅</a:t>
+            </a:r>
+            <a:br>
+              <a:rPr kumimoji="0" lang="ko-KR" altLang="ko-KR" sz="1200" b="0" i="0" u="none" strike="noStrike" cap="none" normalizeH="0" baseline="0" dirty="0">
+                <a:ln>
+                  <a:noFill/>
+                </a:ln>
+                <a:solidFill>
+                  <a:srgbClr val="808080"/>
+                </a:solidFill>
+                <a:effectLst/>
+                <a:latin typeface="맑은 고딕" panose="020B0503020000020004" pitchFamily="50" charset="-127"/>
+                <a:ea typeface="맑은 고딕" panose="020B0503020000020004" pitchFamily="50" charset="-127"/>
+                <a:cs typeface="Courier New" panose="02070309020205020404" pitchFamily="49" charset="0"/>
+              </a:rPr>
+            </a:br>
+            <a:r>
+              <a:rPr kumimoji="0" lang="ko-KR" altLang="ko-KR" sz="1200" b="0" i="0" u="none" strike="noStrike" cap="none" normalizeH="0" baseline="0" dirty="0" err="1">
+                <a:ln>
+                  <a:noFill/>
+                </a:ln>
+                <a:solidFill>
+                  <a:srgbClr val="A9B7C6"/>
+                </a:solidFill>
+                <a:effectLst/>
+                <a:latin typeface="Courier New" panose="02070309020205020404" pitchFamily="49" charset="0"/>
+                <a:cs typeface="Courier New" panose="02070309020205020404" pitchFamily="49" charset="0"/>
+              </a:rPr>
+              <a:t>clock</a:t>
+            </a:r>
+            <a:r>
+              <a:rPr kumimoji="0" lang="ko-KR" altLang="ko-KR" sz="1200" b="0" i="0" u="none" strike="noStrike" cap="none" normalizeH="0" baseline="0" dirty="0">
+                <a:ln>
+                  <a:noFill/>
+                </a:ln>
+                <a:solidFill>
+                  <a:srgbClr val="A9B7C6"/>
+                </a:solidFill>
+                <a:effectLst/>
+                <a:latin typeface="Courier New" panose="02070309020205020404" pitchFamily="49" charset="0"/>
+                <a:cs typeface="Courier New" panose="02070309020205020404" pitchFamily="49" charset="0"/>
+              </a:rPr>
+              <a:t> = </a:t>
+            </a:r>
+            <a:r>
+              <a:rPr kumimoji="0" lang="ko-KR" altLang="ko-KR" sz="1200" b="0" i="0" u="none" strike="noStrike" cap="none" normalizeH="0" baseline="0" dirty="0" err="1">
+                <a:ln>
+                  <a:noFill/>
+                </a:ln>
+                <a:solidFill>
+                  <a:srgbClr val="A9B7C6"/>
+                </a:solidFill>
+                <a:effectLst/>
+                <a:latin typeface="Courier New" panose="02070309020205020404" pitchFamily="49" charset="0"/>
+                <a:cs typeface="Courier New" panose="02070309020205020404" pitchFamily="49" charset="0"/>
+              </a:rPr>
+              <a:t>pygame.time.Clock</a:t>
+            </a:r>
+            <a:r>
+              <a:rPr kumimoji="0" lang="ko-KR" altLang="ko-KR" sz="1200" b="0" i="0" u="none" strike="noStrike" cap="none" normalizeH="0" baseline="0" dirty="0">
+                <a:ln>
+                  <a:noFill/>
+                </a:ln>
+                <a:solidFill>
+                  <a:srgbClr val="A9B7C6"/>
+                </a:solidFill>
+                <a:effectLst/>
+                <a:latin typeface="Courier New" panose="02070309020205020404" pitchFamily="49" charset="0"/>
+                <a:cs typeface="Courier New" panose="02070309020205020404" pitchFamily="49" charset="0"/>
+              </a:rPr>
+              <a:t>() </a:t>
+            </a:r>
+            <a:r>
+              <a:rPr kumimoji="0" lang="ko-KR" altLang="ko-KR" sz="1200" b="0" i="0" u="none" strike="noStrike" cap="none" normalizeH="0" baseline="0" dirty="0">
+                <a:ln>
+                  <a:noFill/>
+                </a:ln>
+                <a:solidFill>
+                  <a:srgbClr val="808080"/>
+                </a:solidFill>
+                <a:effectLst/>
+                <a:latin typeface="Courier New" panose="02070309020205020404" pitchFamily="49" charset="0"/>
+                <a:cs typeface="Courier New" panose="02070309020205020404" pitchFamily="49" charset="0"/>
+              </a:rPr>
+              <a:t># </a:t>
+            </a:r>
+            <a:r>
+              <a:rPr kumimoji="0" lang="ko-KR" altLang="ko-KR" sz="1200" b="0" i="0" u="none" strike="noStrike" cap="none" normalizeH="0" baseline="0" dirty="0">
+                <a:ln>
+                  <a:noFill/>
+                </a:ln>
+                <a:solidFill>
+                  <a:srgbClr val="808080"/>
+                </a:solidFill>
+                <a:effectLst/>
+                <a:latin typeface="맑은 고딕" panose="020B0503020000020004" pitchFamily="50" charset="-127"/>
+                <a:ea typeface="맑은 고딕" panose="020B0503020000020004" pitchFamily="50" charset="-127"/>
+                <a:cs typeface="Courier New" panose="02070309020205020404" pitchFamily="49" charset="0"/>
+              </a:rPr>
+              <a:t>시계 지정</a:t>
+            </a:r>
+            <a:br>
+              <a:rPr kumimoji="0" lang="ko-KR" altLang="ko-KR" sz="1200" b="0" i="0" u="none" strike="noStrike" cap="none" normalizeH="0" baseline="0" dirty="0">
+                <a:ln>
+                  <a:noFill/>
+                </a:ln>
+                <a:solidFill>
+                  <a:srgbClr val="808080"/>
+                </a:solidFill>
+                <a:effectLst/>
+                <a:latin typeface="맑은 고딕" panose="020B0503020000020004" pitchFamily="50" charset="-127"/>
+                <a:ea typeface="맑은 고딕" panose="020B0503020000020004" pitchFamily="50" charset="-127"/>
+                <a:cs typeface="Courier New" panose="02070309020205020404" pitchFamily="49" charset="0"/>
+              </a:rPr>
+            </a:br>
+            <a:br>
+              <a:rPr kumimoji="0" lang="ko-KR" altLang="ko-KR" sz="1200" b="0" i="0" u="none" strike="noStrike" cap="none" normalizeH="0" baseline="0" dirty="0">
+                <a:ln>
+                  <a:noFill/>
+                </a:ln>
+                <a:solidFill>
+                  <a:srgbClr val="808080"/>
+                </a:solidFill>
+                <a:effectLst/>
+                <a:latin typeface="맑은 고딕" panose="020B0503020000020004" pitchFamily="50" charset="-127"/>
+                <a:ea typeface="맑은 고딕" panose="020B0503020000020004" pitchFamily="50" charset="-127"/>
+                <a:cs typeface="Courier New" panose="02070309020205020404" pitchFamily="49" charset="0"/>
+              </a:rPr>
+            </a:br>
+            <a:r>
+              <a:rPr kumimoji="0" lang="ko-KR" altLang="ko-KR" sz="1200" b="0" i="0" u="none" strike="noStrike" cap="none" normalizeH="0" baseline="0" dirty="0" err="1">
+                <a:ln>
+                  <a:noFill/>
+                </a:ln>
+                <a:solidFill>
+                  <a:srgbClr val="A9B7C6"/>
+                </a:solidFill>
+                <a:effectLst/>
+                <a:latin typeface="Courier New" panose="02070309020205020404" pitchFamily="49" charset="0"/>
+                <a:cs typeface="Courier New" panose="02070309020205020404" pitchFamily="49" charset="0"/>
+              </a:rPr>
+              <a:t>playing</a:t>
+            </a:r>
+            <a:r>
+              <a:rPr kumimoji="0" lang="ko-KR" altLang="ko-KR" sz="1200" b="0" i="0" u="none" strike="noStrike" cap="none" normalizeH="0" baseline="0" dirty="0">
+                <a:ln>
+                  <a:noFill/>
+                </a:ln>
+                <a:solidFill>
+                  <a:srgbClr val="A9B7C6"/>
+                </a:solidFill>
+                <a:effectLst/>
+                <a:latin typeface="Courier New" panose="02070309020205020404" pitchFamily="49" charset="0"/>
+                <a:cs typeface="Courier New" panose="02070309020205020404" pitchFamily="49" charset="0"/>
+              </a:rPr>
+              <a:t> = </a:t>
+            </a:r>
+            <a:r>
+              <a:rPr kumimoji="0" lang="ko-KR" altLang="ko-KR" sz="1200" b="0" i="0" u="none" strike="noStrike" cap="none" normalizeH="0" baseline="0" dirty="0" err="1">
+                <a:ln>
+                  <a:noFill/>
+                </a:ln>
+                <a:solidFill>
+                  <a:srgbClr val="CC7832"/>
+                </a:solidFill>
+                <a:effectLst/>
+                <a:latin typeface="Courier New" panose="02070309020205020404" pitchFamily="49" charset="0"/>
+                <a:cs typeface="Courier New" panose="02070309020205020404" pitchFamily="49" charset="0"/>
+              </a:rPr>
+              <a:t>True</a:t>
+            </a:r>
+            <a:br>
+              <a:rPr kumimoji="0" lang="ko-KR" altLang="ko-KR" sz="1200" b="0" i="0" u="none" strike="noStrike" cap="none" normalizeH="0" baseline="0" dirty="0">
+                <a:ln>
+                  <a:noFill/>
+                </a:ln>
+                <a:solidFill>
+                  <a:srgbClr val="CC7832"/>
+                </a:solidFill>
+                <a:effectLst/>
+                <a:latin typeface="Courier New" panose="02070309020205020404" pitchFamily="49" charset="0"/>
+                <a:cs typeface="Courier New" panose="02070309020205020404" pitchFamily="49" charset="0"/>
+              </a:rPr>
+            </a:br>
+            <a:br>
+              <a:rPr kumimoji="0" lang="ko-KR" altLang="ko-KR" sz="1200" b="0" i="0" u="none" strike="noStrike" cap="none" normalizeH="0" baseline="0" dirty="0">
+                <a:ln>
+                  <a:noFill/>
+                </a:ln>
+                <a:solidFill>
+                  <a:srgbClr val="CC7832"/>
+                </a:solidFill>
+                <a:effectLst/>
+                <a:latin typeface="Courier New" panose="02070309020205020404" pitchFamily="49" charset="0"/>
+                <a:cs typeface="Courier New" panose="02070309020205020404" pitchFamily="49" charset="0"/>
+              </a:rPr>
+            </a:br>
+            <a:br>
+              <a:rPr kumimoji="0" lang="ko-KR" altLang="ko-KR" sz="1200" b="0" i="0" u="none" strike="noStrike" cap="none" normalizeH="0" baseline="0" dirty="0">
+                <a:ln>
+                  <a:noFill/>
+                </a:ln>
+                <a:solidFill>
+                  <a:srgbClr val="CC7832"/>
+                </a:solidFill>
+                <a:effectLst/>
+                <a:latin typeface="Courier New" panose="02070309020205020404" pitchFamily="49" charset="0"/>
+                <a:cs typeface="Courier New" panose="02070309020205020404" pitchFamily="49" charset="0"/>
+              </a:rPr>
+            </a:br>
+            <a:r>
+              <a:rPr kumimoji="0" lang="ko-KR" altLang="ko-KR" sz="1200" b="0" i="0" u="none" strike="noStrike" cap="none" normalizeH="0" baseline="0" dirty="0" err="1">
+                <a:ln>
+                  <a:noFill/>
+                </a:ln>
+                <a:solidFill>
+                  <a:srgbClr val="CC7832"/>
+                </a:solidFill>
+                <a:effectLst/>
+                <a:latin typeface="Courier New" panose="02070309020205020404" pitchFamily="49" charset="0"/>
+                <a:cs typeface="Courier New" panose="02070309020205020404" pitchFamily="49" charset="0"/>
+              </a:rPr>
+              <a:t>while</a:t>
+            </a:r>
+            <a:r>
+              <a:rPr kumimoji="0" lang="ko-KR" altLang="ko-KR" sz="1200" b="0" i="0" u="none" strike="noStrike" cap="none" normalizeH="0" baseline="0" dirty="0">
+                <a:ln>
+                  <a:noFill/>
+                </a:ln>
+                <a:solidFill>
+                  <a:srgbClr val="CC7832"/>
+                </a:solidFill>
+                <a:effectLst/>
+                <a:latin typeface="Courier New" panose="02070309020205020404" pitchFamily="49" charset="0"/>
+                <a:cs typeface="Courier New" panose="02070309020205020404" pitchFamily="49" charset="0"/>
+              </a:rPr>
+              <a:t> </a:t>
+            </a:r>
+            <a:r>
+              <a:rPr kumimoji="0" lang="ko-KR" altLang="ko-KR" sz="1200" b="0" i="0" u="none" strike="noStrike" cap="none" normalizeH="0" baseline="0" dirty="0" err="1">
+                <a:ln>
+                  <a:noFill/>
+                </a:ln>
+                <a:solidFill>
+                  <a:srgbClr val="A9B7C6"/>
+                </a:solidFill>
+                <a:effectLst/>
+                <a:latin typeface="Courier New" panose="02070309020205020404" pitchFamily="49" charset="0"/>
+                <a:cs typeface="Courier New" panose="02070309020205020404" pitchFamily="49" charset="0"/>
+              </a:rPr>
+              <a:t>playing</a:t>
+            </a:r>
+            <a:r>
+              <a:rPr kumimoji="0" lang="ko-KR" altLang="ko-KR" sz="1200" b="0" i="0" u="none" strike="noStrike" cap="none" normalizeH="0" baseline="0" dirty="0">
+                <a:ln>
+                  <a:noFill/>
+                </a:ln>
+                <a:solidFill>
+                  <a:srgbClr val="A9B7C6"/>
+                </a:solidFill>
+                <a:effectLst/>
+                <a:latin typeface="Courier New" panose="02070309020205020404" pitchFamily="49" charset="0"/>
+                <a:cs typeface="Courier New" panose="02070309020205020404" pitchFamily="49" charset="0"/>
+              </a:rPr>
+              <a:t>:</a:t>
+            </a:r>
+            <a:br>
+              <a:rPr kumimoji="0" lang="ko-KR" altLang="ko-KR" sz="1200" b="0" i="0" u="none" strike="noStrike" cap="none" normalizeH="0" baseline="0" dirty="0">
+                <a:ln>
+                  <a:noFill/>
+                </a:ln>
+                <a:solidFill>
+                  <a:srgbClr val="A9B7C6"/>
+                </a:solidFill>
+                <a:effectLst/>
+                <a:latin typeface="Courier New" panose="02070309020205020404" pitchFamily="49" charset="0"/>
+                <a:cs typeface="Courier New" panose="02070309020205020404" pitchFamily="49" charset="0"/>
+              </a:rPr>
+            </a:br>
+            <a:r>
+              <a:rPr kumimoji="0" lang="ko-KR" altLang="ko-KR" sz="1200" b="0" i="0" u="none" strike="noStrike" cap="none" normalizeH="0" baseline="0" dirty="0">
+                <a:ln>
+                  <a:noFill/>
+                </a:ln>
+                <a:solidFill>
+                  <a:srgbClr val="A9B7C6"/>
+                </a:solidFill>
+                <a:effectLst/>
+                <a:latin typeface="Courier New" panose="02070309020205020404" pitchFamily="49" charset="0"/>
+                <a:cs typeface="Courier New" panose="02070309020205020404" pitchFamily="49" charset="0"/>
+              </a:rPr>
+              <a:t>    </a:t>
+            </a:r>
+            <a:r>
+              <a:rPr kumimoji="0" lang="ko-KR" altLang="ko-KR" sz="1200" b="0" i="0" u="none" strike="noStrike" cap="none" normalizeH="0" baseline="0" dirty="0" err="1">
+                <a:ln>
+                  <a:noFill/>
+                </a:ln>
+                <a:solidFill>
+                  <a:srgbClr val="A9B7C6"/>
+                </a:solidFill>
+                <a:effectLst/>
+                <a:latin typeface="Courier New" panose="02070309020205020404" pitchFamily="49" charset="0"/>
+                <a:cs typeface="Courier New" panose="02070309020205020404" pitchFamily="49" charset="0"/>
+              </a:rPr>
+              <a:t>clock.tick</a:t>
+            </a:r>
+            <a:r>
+              <a:rPr kumimoji="0" lang="ko-KR" altLang="ko-KR" sz="1200" b="0" i="0" u="none" strike="noStrike" cap="none" normalizeH="0" baseline="0" dirty="0">
+                <a:ln>
+                  <a:noFill/>
+                </a:ln>
+                <a:solidFill>
+                  <a:srgbClr val="A9B7C6"/>
+                </a:solidFill>
+                <a:effectLst/>
+                <a:latin typeface="Courier New" panose="02070309020205020404" pitchFamily="49" charset="0"/>
+                <a:cs typeface="Courier New" panose="02070309020205020404" pitchFamily="49" charset="0"/>
+              </a:rPr>
+              <a:t>(</a:t>
+            </a:r>
+            <a:r>
+              <a:rPr kumimoji="0" lang="ko-KR" altLang="ko-KR" sz="1200" b="0" i="0" u="none" strike="noStrike" cap="none" normalizeH="0" baseline="0" dirty="0">
+                <a:ln>
+                  <a:noFill/>
+                </a:ln>
+                <a:solidFill>
+                  <a:srgbClr val="6897BB"/>
+                </a:solidFill>
+                <a:effectLst/>
+                <a:latin typeface="Courier New" panose="02070309020205020404" pitchFamily="49" charset="0"/>
+                <a:cs typeface="Courier New" panose="02070309020205020404" pitchFamily="49" charset="0"/>
+              </a:rPr>
+              <a:t>60</a:t>
+            </a:r>
+            <a:r>
+              <a:rPr kumimoji="0" lang="ko-KR" altLang="ko-KR" sz="1200" b="0" i="0" u="none" strike="noStrike" cap="none" normalizeH="0" baseline="0" dirty="0">
+                <a:ln>
+                  <a:noFill/>
+                </a:ln>
+                <a:solidFill>
+                  <a:srgbClr val="A9B7C6"/>
+                </a:solidFill>
+                <a:effectLst/>
+                <a:latin typeface="Courier New" panose="02070309020205020404" pitchFamily="49" charset="0"/>
+                <a:cs typeface="Courier New" panose="02070309020205020404" pitchFamily="49" charset="0"/>
+              </a:rPr>
+              <a:t>)</a:t>
+            </a:r>
+            <a:br>
+              <a:rPr kumimoji="0" lang="ko-KR" altLang="ko-KR" sz="1200" b="0" i="0" u="none" strike="noStrike" cap="none" normalizeH="0" baseline="0" dirty="0">
+                <a:ln>
+                  <a:noFill/>
+                </a:ln>
+                <a:solidFill>
+                  <a:srgbClr val="A9B7C6"/>
+                </a:solidFill>
+                <a:effectLst/>
+                <a:latin typeface="Courier New" panose="02070309020205020404" pitchFamily="49" charset="0"/>
+                <a:cs typeface="Courier New" panose="02070309020205020404" pitchFamily="49" charset="0"/>
+              </a:rPr>
+            </a:br>
+            <a:r>
+              <a:rPr kumimoji="0" lang="ko-KR" altLang="ko-KR" sz="1200" b="0" i="0" u="none" strike="noStrike" cap="none" normalizeH="0" baseline="0" dirty="0">
+                <a:ln>
+                  <a:noFill/>
+                </a:ln>
+                <a:solidFill>
+                  <a:srgbClr val="A9B7C6"/>
+                </a:solidFill>
+                <a:effectLst/>
+                <a:latin typeface="Courier New" panose="02070309020205020404" pitchFamily="49" charset="0"/>
+                <a:cs typeface="Courier New" panose="02070309020205020404" pitchFamily="49" charset="0"/>
+              </a:rPr>
+              <a:t>    </a:t>
+            </a:r>
+            <a:r>
+              <a:rPr kumimoji="0" lang="ko-KR" altLang="ko-KR" sz="1200" b="0" i="0" u="none" strike="noStrike" cap="none" normalizeH="0" baseline="0" dirty="0">
+                <a:ln>
+                  <a:noFill/>
+                </a:ln>
+                <a:solidFill>
+                  <a:srgbClr val="6A8759"/>
+                </a:solidFill>
+                <a:effectLst/>
+                <a:latin typeface="Courier New" panose="02070309020205020404" pitchFamily="49" charset="0"/>
+                <a:cs typeface="Courier New" panose="02070309020205020404" pitchFamily="49" charset="0"/>
+              </a:rPr>
+              <a:t>"""</a:t>
+            </a:r>
+            <a:r>
+              <a:rPr kumimoji="0" lang="ko-KR" altLang="ko-KR" sz="1200" b="0" i="0" u="none" strike="noStrike" cap="none" normalizeH="0" baseline="0" dirty="0" err="1">
+                <a:ln>
+                  <a:noFill/>
+                </a:ln>
+                <a:solidFill>
+                  <a:srgbClr val="6A8759"/>
+                </a:solidFill>
+                <a:effectLst/>
+                <a:latin typeface="맑은 고딕" panose="020B0503020000020004" pitchFamily="50" charset="-127"/>
+                <a:ea typeface="맑은 고딕" panose="020B0503020000020004" pitchFamily="50" charset="-127"/>
+                <a:cs typeface="Courier New" panose="02070309020205020404" pitchFamily="49" charset="0"/>
+              </a:rPr>
+              <a:t>종료시</a:t>
+            </a:r>
+            <a:r>
+              <a:rPr kumimoji="0" lang="ko-KR" altLang="ko-KR" sz="1200" b="0" i="0" u="none" strike="noStrike" cap="none" normalizeH="0" baseline="0" dirty="0">
+                <a:ln>
+                  <a:noFill/>
+                </a:ln>
+                <a:solidFill>
+                  <a:srgbClr val="6A8759"/>
+                </a:solidFill>
+                <a:effectLst/>
+                <a:latin typeface="맑은 고딕" panose="020B0503020000020004" pitchFamily="50" charset="-127"/>
+                <a:ea typeface="맑은 고딕" panose="020B0503020000020004" pitchFamily="50" charset="-127"/>
+                <a:cs typeface="Courier New" panose="02070309020205020404" pitchFamily="49" charset="0"/>
+              </a:rPr>
+              <a:t> 프로그램 </a:t>
+            </a:r>
+            <a:r>
+              <a:rPr kumimoji="0" lang="ko-KR" altLang="ko-KR" sz="1200" b="0" i="0" u="none" strike="noStrike" cap="none" normalizeH="0" baseline="0" dirty="0" err="1">
+                <a:ln>
+                  <a:noFill/>
+                </a:ln>
+                <a:solidFill>
+                  <a:srgbClr val="6A8759"/>
+                </a:solidFill>
+                <a:effectLst/>
+                <a:latin typeface="맑은 고딕" panose="020B0503020000020004" pitchFamily="50" charset="-127"/>
+                <a:ea typeface="맑은 고딕" panose="020B0503020000020004" pitchFamily="50" charset="-127"/>
+                <a:cs typeface="Courier New" panose="02070309020205020404" pitchFamily="49" charset="0"/>
+              </a:rPr>
+              <a:t>종료시키는</a:t>
+            </a:r>
+            <a:r>
+              <a:rPr kumimoji="0" lang="ko-KR" altLang="ko-KR" sz="1200" b="0" i="0" u="none" strike="noStrike" cap="none" normalizeH="0" baseline="0" dirty="0">
+                <a:ln>
+                  <a:noFill/>
+                </a:ln>
+                <a:solidFill>
+                  <a:srgbClr val="6A8759"/>
+                </a:solidFill>
+                <a:effectLst/>
+                <a:latin typeface="맑은 고딕" panose="020B0503020000020004" pitchFamily="50" charset="-127"/>
+                <a:ea typeface="맑은 고딕" panose="020B0503020000020004" pitchFamily="50" charset="-127"/>
+                <a:cs typeface="Courier New" panose="02070309020205020404" pitchFamily="49" charset="0"/>
+              </a:rPr>
+              <a:t> 코드</a:t>
+            </a:r>
+            <a:r>
+              <a:rPr kumimoji="0" lang="ko-KR" altLang="ko-KR" sz="1200" b="0" i="0" u="none" strike="noStrike" cap="none" normalizeH="0" baseline="0" dirty="0">
+                <a:ln>
+                  <a:noFill/>
+                </a:ln>
+                <a:solidFill>
+                  <a:srgbClr val="6A8759"/>
+                </a:solidFill>
+                <a:effectLst/>
+                <a:latin typeface="Courier New" panose="02070309020205020404" pitchFamily="49" charset="0"/>
+                <a:cs typeface="Courier New" panose="02070309020205020404" pitchFamily="49" charset="0"/>
+              </a:rPr>
+              <a:t>"""</a:t>
+            </a:r>
+            <a:br>
+              <a:rPr kumimoji="0" lang="ko-KR" altLang="ko-KR" sz="1200" b="0" i="0" u="none" strike="noStrike" cap="none" normalizeH="0" baseline="0" dirty="0">
+                <a:ln>
+                  <a:noFill/>
+                </a:ln>
+                <a:solidFill>
+                  <a:srgbClr val="6A8759"/>
+                </a:solidFill>
+                <a:effectLst/>
+                <a:latin typeface="Courier New" panose="02070309020205020404" pitchFamily="49" charset="0"/>
+                <a:cs typeface="Courier New" panose="02070309020205020404" pitchFamily="49" charset="0"/>
+              </a:rPr>
+            </a:br>
+            <a:r>
+              <a:rPr kumimoji="0" lang="ko-KR" altLang="ko-KR" sz="1200" b="0" i="0" u="none" strike="noStrike" cap="none" normalizeH="0" baseline="0" dirty="0">
+                <a:ln>
+                  <a:noFill/>
+                </a:ln>
+                <a:solidFill>
+                  <a:srgbClr val="6A8759"/>
+                </a:solidFill>
+                <a:effectLst/>
+                <a:latin typeface="Courier New" panose="02070309020205020404" pitchFamily="49" charset="0"/>
+                <a:cs typeface="Courier New" panose="02070309020205020404" pitchFamily="49" charset="0"/>
+              </a:rPr>
+              <a:t>    </a:t>
+            </a:r>
+            <a:r>
+              <a:rPr kumimoji="0" lang="ko-KR" altLang="ko-KR" sz="1200" b="0" i="0" u="none" strike="noStrike" cap="none" normalizeH="0" baseline="0" dirty="0" err="1">
+                <a:ln>
+                  <a:noFill/>
+                </a:ln>
+                <a:solidFill>
+                  <a:srgbClr val="CC7832"/>
+                </a:solidFill>
+                <a:effectLst/>
+                <a:latin typeface="Courier New" panose="02070309020205020404" pitchFamily="49" charset="0"/>
+                <a:cs typeface="Courier New" panose="02070309020205020404" pitchFamily="49" charset="0"/>
+              </a:rPr>
+              <a:t>for</a:t>
+            </a:r>
+            <a:r>
+              <a:rPr kumimoji="0" lang="ko-KR" altLang="ko-KR" sz="1200" b="0" i="0" u="none" strike="noStrike" cap="none" normalizeH="0" baseline="0" dirty="0">
+                <a:ln>
+                  <a:noFill/>
+                </a:ln>
+                <a:solidFill>
+                  <a:srgbClr val="CC7832"/>
+                </a:solidFill>
+                <a:effectLst/>
+                <a:latin typeface="Courier New" panose="02070309020205020404" pitchFamily="49" charset="0"/>
+                <a:cs typeface="Courier New" panose="02070309020205020404" pitchFamily="49" charset="0"/>
+              </a:rPr>
+              <a:t> </a:t>
+            </a:r>
+            <a:r>
+              <a:rPr kumimoji="0" lang="ko-KR" altLang="ko-KR" sz="1200" b="0" i="0" u="none" strike="noStrike" cap="none" normalizeH="0" baseline="0" dirty="0" err="1">
+                <a:ln>
+                  <a:noFill/>
+                </a:ln>
+                <a:solidFill>
+                  <a:srgbClr val="A9B7C6"/>
+                </a:solidFill>
+                <a:effectLst/>
+                <a:latin typeface="Courier New" panose="02070309020205020404" pitchFamily="49" charset="0"/>
+                <a:cs typeface="Courier New" panose="02070309020205020404" pitchFamily="49" charset="0"/>
+              </a:rPr>
+              <a:t>event</a:t>
+            </a:r>
+            <a:r>
+              <a:rPr kumimoji="0" lang="ko-KR" altLang="ko-KR" sz="1200" b="0" i="0" u="none" strike="noStrike" cap="none" normalizeH="0" baseline="0" dirty="0">
+                <a:ln>
+                  <a:noFill/>
+                </a:ln>
+                <a:solidFill>
+                  <a:srgbClr val="A9B7C6"/>
+                </a:solidFill>
+                <a:effectLst/>
+                <a:latin typeface="Courier New" panose="02070309020205020404" pitchFamily="49" charset="0"/>
+                <a:cs typeface="Courier New" panose="02070309020205020404" pitchFamily="49" charset="0"/>
+              </a:rPr>
+              <a:t> </a:t>
+            </a:r>
+            <a:r>
+              <a:rPr kumimoji="0" lang="ko-KR" altLang="ko-KR" sz="1200" b="0" i="0" u="none" strike="noStrike" cap="none" normalizeH="0" baseline="0" dirty="0" err="1">
+                <a:ln>
+                  <a:noFill/>
+                </a:ln>
+                <a:solidFill>
+                  <a:srgbClr val="CC7832"/>
+                </a:solidFill>
+                <a:effectLst/>
+                <a:latin typeface="Courier New" panose="02070309020205020404" pitchFamily="49" charset="0"/>
+                <a:cs typeface="Courier New" panose="02070309020205020404" pitchFamily="49" charset="0"/>
+              </a:rPr>
+              <a:t>in</a:t>
+            </a:r>
+            <a:r>
+              <a:rPr kumimoji="0" lang="ko-KR" altLang="ko-KR" sz="1200" b="0" i="0" u="none" strike="noStrike" cap="none" normalizeH="0" baseline="0" dirty="0">
+                <a:ln>
+                  <a:noFill/>
+                </a:ln>
+                <a:solidFill>
+                  <a:srgbClr val="CC7832"/>
+                </a:solidFill>
+                <a:effectLst/>
+                <a:latin typeface="Courier New" panose="02070309020205020404" pitchFamily="49" charset="0"/>
+                <a:cs typeface="Courier New" panose="02070309020205020404" pitchFamily="49" charset="0"/>
+              </a:rPr>
+              <a:t> </a:t>
+            </a:r>
+            <a:r>
+              <a:rPr kumimoji="0" lang="ko-KR" altLang="ko-KR" sz="1200" b="0" i="0" u="none" strike="noStrike" cap="none" normalizeH="0" baseline="0" dirty="0" err="1">
+                <a:ln>
+                  <a:noFill/>
+                </a:ln>
+                <a:solidFill>
+                  <a:srgbClr val="A9B7C6"/>
+                </a:solidFill>
+                <a:effectLst/>
+                <a:latin typeface="Courier New" panose="02070309020205020404" pitchFamily="49" charset="0"/>
+                <a:cs typeface="Courier New" panose="02070309020205020404" pitchFamily="49" charset="0"/>
+              </a:rPr>
+              <a:t>pygame.event.get</a:t>
+            </a:r>
+            <a:r>
+              <a:rPr kumimoji="0" lang="ko-KR" altLang="ko-KR" sz="1200" b="0" i="0" u="none" strike="noStrike" cap="none" normalizeH="0" baseline="0" dirty="0">
+                <a:ln>
+                  <a:noFill/>
+                </a:ln>
+                <a:solidFill>
+                  <a:srgbClr val="A9B7C6"/>
+                </a:solidFill>
+                <a:effectLst/>
+                <a:latin typeface="Courier New" panose="02070309020205020404" pitchFamily="49" charset="0"/>
+                <a:cs typeface="Courier New" panose="02070309020205020404" pitchFamily="49" charset="0"/>
+              </a:rPr>
+              <a:t>():</a:t>
+            </a:r>
+            <a:br>
+              <a:rPr kumimoji="0" lang="ko-KR" altLang="ko-KR" sz="1200" b="0" i="0" u="none" strike="noStrike" cap="none" normalizeH="0" baseline="0" dirty="0">
+                <a:ln>
+                  <a:noFill/>
+                </a:ln>
+                <a:solidFill>
+                  <a:srgbClr val="A9B7C6"/>
+                </a:solidFill>
+                <a:effectLst/>
+                <a:latin typeface="Courier New" panose="02070309020205020404" pitchFamily="49" charset="0"/>
+                <a:cs typeface="Courier New" panose="02070309020205020404" pitchFamily="49" charset="0"/>
+              </a:rPr>
+            </a:br>
+            <a:r>
+              <a:rPr kumimoji="0" lang="ko-KR" altLang="ko-KR" sz="1200" b="0" i="0" u="none" strike="noStrike" cap="none" normalizeH="0" baseline="0" dirty="0">
+                <a:ln>
+                  <a:noFill/>
+                </a:ln>
+                <a:solidFill>
+                  <a:srgbClr val="A9B7C6"/>
+                </a:solidFill>
+                <a:effectLst/>
+                <a:latin typeface="Courier New" panose="02070309020205020404" pitchFamily="49" charset="0"/>
+                <a:cs typeface="Courier New" panose="02070309020205020404" pitchFamily="49" charset="0"/>
+              </a:rPr>
+              <a:t>        </a:t>
+            </a:r>
+            <a:r>
+              <a:rPr kumimoji="0" lang="ko-KR" altLang="ko-KR" sz="1200" b="0" i="0" u="none" strike="noStrike" cap="none" normalizeH="0" baseline="0" dirty="0" err="1">
+                <a:ln>
+                  <a:noFill/>
+                </a:ln>
+                <a:solidFill>
+                  <a:srgbClr val="CC7832"/>
+                </a:solidFill>
+                <a:effectLst/>
+                <a:latin typeface="Courier New" panose="02070309020205020404" pitchFamily="49" charset="0"/>
+                <a:cs typeface="Courier New" panose="02070309020205020404" pitchFamily="49" charset="0"/>
+              </a:rPr>
+              <a:t>if</a:t>
+            </a:r>
+            <a:r>
+              <a:rPr kumimoji="0" lang="ko-KR" altLang="ko-KR" sz="1200" b="0" i="0" u="none" strike="noStrike" cap="none" normalizeH="0" baseline="0" dirty="0">
+                <a:ln>
+                  <a:noFill/>
+                </a:ln>
+                <a:solidFill>
+                  <a:srgbClr val="CC7832"/>
+                </a:solidFill>
+                <a:effectLst/>
+                <a:latin typeface="Courier New" panose="02070309020205020404" pitchFamily="49" charset="0"/>
+                <a:cs typeface="Courier New" panose="02070309020205020404" pitchFamily="49" charset="0"/>
+              </a:rPr>
+              <a:t> </a:t>
+            </a:r>
+            <a:r>
+              <a:rPr kumimoji="0" lang="ko-KR" altLang="ko-KR" sz="1200" b="0" i="0" u="none" strike="noStrike" cap="none" normalizeH="0" baseline="0" dirty="0" err="1">
+                <a:ln>
+                  <a:noFill/>
+                </a:ln>
+                <a:solidFill>
+                  <a:srgbClr val="A9B7C6"/>
+                </a:solidFill>
+                <a:effectLst/>
+                <a:latin typeface="Courier New" panose="02070309020205020404" pitchFamily="49" charset="0"/>
+                <a:cs typeface="Courier New" panose="02070309020205020404" pitchFamily="49" charset="0"/>
+              </a:rPr>
+              <a:t>event.type</a:t>
+            </a:r>
+            <a:r>
+              <a:rPr kumimoji="0" lang="ko-KR" altLang="ko-KR" sz="1200" b="0" i="0" u="none" strike="noStrike" cap="none" normalizeH="0" baseline="0" dirty="0">
+                <a:ln>
+                  <a:noFill/>
+                </a:ln>
+                <a:solidFill>
+                  <a:srgbClr val="A9B7C6"/>
+                </a:solidFill>
+                <a:effectLst/>
+                <a:latin typeface="Courier New" panose="02070309020205020404" pitchFamily="49" charset="0"/>
+                <a:cs typeface="Courier New" panose="02070309020205020404" pitchFamily="49" charset="0"/>
+              </a:rPr>
+              <a:t> == </a:t>
+            </a:r>
+            <a:r>
+              <a:rPr kumimoji="0" lang="ko-KR" altLang="ko-KR" sz="1200" b="0" i="0" u="none" strike="noStrike" cap="none" normalizeH="0" baseline="0" dirty="0" err="1">
+                <a:ln>
+                  <a:noFill/>
+                </a:ln>
+                <a:solidFill>
+                  <a:srgbClr val="A9B7C6"/>
+                </a:solidFill>
+                <a:effectLst/>
+                <a:latin typeface="Courier New" panose="02070309020205020404" pitchFamily="49" charset="0"/>
+                <a:cs typeface="Courier New" panose="02070309020205020404" pitchFamily="49" charset="0"/>
+              </a:rPr>
+              <a:t>pygame.QUIT</a:t>
+            </a:r>
+            <a:r>
+              <a:rPr kumimoji="0" lang="ko-KR" altLang="ko-KR" sz="1200" b="0" i="0" u="none" strike="noStrike" cap="none" normalizeH="0" baseline="0" dirty="0">
+                <a:ln>
+                  <a:noFill/>
+                </a:ln>
+                <a:solidFill>
+                  <a:srgbClr val="A9B7C6"/>
+                </a:solidFill>
+                <a:effectLst/>
+                <a:latin typeface="Courier New" panose="02070309020205020404" pitchFamily="49" charset="0"/>
+                <a:cs typeface="Courier New" panose="02070309020205020404" pitchFamily="49" charset="0"/>
+              </a:rPr>
+              <a:t>:</a:t>
+            </a:r>
+            <a:br>
+              <a:rPr kumimoji="0" lang="ko-KR" altLang="ko-KR" sz="1200" b="0" i="0" u="none" strike="noStrike" cap="none" normalizeH="0" baseline="0" dirty="0">
+                <a:ln>
+                  <a:noFill/>
+                </a:ln>
+                <a:solidFill>
+                  <a:srgbClr val="A9B7C6"/>
+                </a:solidFill>
+                <a:effectLst/>
+                <a:latin typeface="Courier New" panose="02070309020205020404" pitchFamily="49" charset="0"/>
+                <a:cs typeface="Courier New" panose="02070309020205020404" pitchFamily="49" charset="0"/>
+              </a:rPr>
+            </a:br>
+            <a:r>
+              <a:rPr kumimoji="0" lang="ko-KR" altLang="ko-KR" sz="1200" b="0" i="0" u="none" strike="noStrike" cap="none" normalizeH="0" baseline="0" dirty="0">
+                <a:ln>
+                  <a:noFill/>
+                </a:ln>
+                <a:solidFill>
+                  <a:srgbClr val="A9B7C6"/>
+                </a:solidFill>
+                <a:effectLst/>
+                <a:latin typeface="Courier New" panose="02070309020205020404" pitchFamily="49" charset="0"/>
+                <a:cs typeface="Courier New" panose="02070309020205020404" pitchFamily="49" charset="0"/>
+              </a:rPr>
+              <a:t>            </a:t>
+            </a:r>
+            <a:r>
+              <a:rPr kumimoji="0" lang="ko-KR" altLang="ko-KR" sz="1200" b="0" i="0" u="none" strike="noStrike" cap="none" normalizeH="0" baseline="0" dirty="0" err="1">
+                <a:ln>
+                  <a:noFill/>
+                </a:ln>
+                <a:solidFill>
+                  <a:srgbClr val="A9B7C6"/>
+                </a:solidFill>
+                <a:effectLst/>
+                <a:latin typeface="Courier New" panose="02070309020205020404" pitchFamily="49" charset="0"/>
+                <a:cs typeface="Courier New" panose="02070309020205020404" pitchFamily="49" charset="0"/>
+              </a:rPr>
+              <a:t>playing</a:t>
+            </a:r>
+            <a:r>
+              <a:rPr kumimoji="0" lang="ko-KR" altLang="ko-KR" sz="1200" b="0" i="0" u="none" strike="noStrike" cap="none" normalizeH="0" baseline="0" dirty="0">
+                <a:ln>
+                  <a:noFill/>
+                </a:ln>
+                <a:solidFill>
+                  <a:srgbClr val="A9B7C6"/>
+                </a:solidFill>
+                <a:effectLst/>
+                <a:latin typeface="Courier New" panose="02070309020205020404" pitchFamily="49" charset="0"/>
+                <a:cs typeface="Courier New" panose="02070309020205020404" pitchFamily="49" charset="0"/>
+              </a:rPr>
+              <a:t> = </a:t>
+            </a:r>
+            <a:r>
+              <a:rPr kumimoji="0" lang="ko-KR" altLang="ko-KR" sz="1200" b="0" i="0" u="none" strike="noStrike" cap="none" normalizeH="0" baseline="0" dirty="0" err="1">
+                <a:ln>
+                  <a:noFill/>
+                </a:ln>
+                <a:solidFill>
+                  <a:srgbClr val="CC7832"/>
+                </a:solidFill>
+                <a:effectLst/>
+                <a:latin typeface="Courier New" panose="02070309020205020404" pitchFamily="49" charset="0"/>
+                <a:cs typeface="Courier New" panose="02070309020205020404" pitchFamily="49" charset="0"/>
+              </a:rPr>
+              <a:t>False</a:t>
+            </a:r>
+            <a:br>
+              <a:rPr kumimoji="0" lang="ko-KR" altLang="ko-KR" sz="1200" b="0" i="0" u="none" strike="noStrike" cap="none" normalizeH="0" baseline="0" dirty="0">
+                <a:ln>
+                  <a:noFill/>
+                </a:ln>
+                <a:solidFill>
+                  <a:srgbClr val="CC7832"/>
+                </a:solidFill>
+                <a:effectLst/>
+                <a:latin typeface="Courier New" panose="02070309020205020404" pitchFamily="49" charset="0"/>
+                <a:cs typeface="Courier New" panose="02070309020205020404" pitchFamily="49" charset="0"/>
+              </a:rPr>
+            </a:br>
+            <a:r>
+              <a:rPr kumimoji="0" lang="ko-KR" altLang="ko-KR" sz="1200" b="0" i="0" u="none" strike="noStrike" cap="none" normalizeH="0" baseline="0" dirty="0">
+                <a:ln>
+                  <a:noFill/>
+                </a:ln>
+                <a:solidFill>
+                  <a:srgbClr val="CC7832"/>
+                </a:solidFill>
+                <a:effectLst/>
+                <a:latin typeface="Courier New" panose="02070309020205020404" pitchFamily="49" charset="0"/>
+                <a:cs typeface="Courier New" panose="02070309020205020404" pitchFamily="49" charset="0"/>
+              </a:rPr>
+              <a:t>    </a:t>
+            </a:r>
+            <a:r>
+              <a:rPr kumimoji="0" lang="ko-KR" altLang="ko-KR" sz="1200" b="0" i="0" u="none" strike="noStrike" cap="none" normalizeH="0" baseline="0" dirty="0" err="1">
+                <a:ln>
+                  <a:noFill/>
+                </a:ln>
+                <a:solidFill>
+                  <a:srgbClr val="A9B7C6"/>
+                </a:solidFill>
+                <a:effectLst/>
+                <a:latin typeface="Courier New" panose="02070309020205020404" pitchFamily="49" charset="0"/>
+                <a:cs typeface="Courier New" panose="02070309020205020404" pitchFamily="49" charset="0"/>
+              </a:rPr>
+              <a:t>pygame.display.update</a:t>
+            </a:r>
+            <a:r>
+              <a:rPr kumimoji="0" lang="ko-KR" altLang="ko-KR" sz="1200" b="0" i="0" u="none" strike="noStrike" cap="none" normalizeH="0" baseline="0" dirty="0">
+                <a:ln>
+                  <a:noFill/>
+                </a:ln>
+                <a:solidFill>
+                  <a:srgbClr val="A9B7C6"/>
+                </a:solidFill>
+                <a:effectLst/>
+                <a:latin typeface="Courier New" panose="02070309020205020404" pitchFamily="49" charset="0"/>
+                <a:cs typeface="Courier New" panose="02070309020205020404" pitchFamily="49" charset="0"/>
+              </a:rPr>
+              <a:t>()</a:t>
+            </a:r>
+            <a:br>
+              <a:rPr kumimoji="0" lang="ko-KR" altLang="ko-KR" sz="1200" b="0" i="0" u="none" strike="noStrike" cap="none" normalizeH="0" baseline="0" dirty="0">
+                <a:ln>
+                  <a:noFill/>
+                </a:ln>
+                <a:solidFill>
+                  <a:srgbClr val="A9B7C6"/>
+                </a:solidFill>
+                <a:effectLst/>
+                <a:latin typeface="Courier New" panose="02070309020205020404" pitchFamily="49" charset="0"/>
+                <a:cs typeface="Courier New" panose="02070309020205020404" pitchFamily="49" charset="0"/>
+              </a:rPr>
+            </a:br>
+            <a:br>
+              <a:rPr kumimoji="0" lang="ko-KR" altLang="ko-KR" sz="1200" b="0" i="0" u="none" strike="noStrike" cap="none" normalizeH="0" baseline="0" dirty="0">
+                <a:ln>
+                  <a:noFill/>
+                </a:ln>
+                <a:solidFill>
+                  <a:srgbClr val="A9B7C6"/>
+                </a:solidFill>
+                <a:effectLst/>
+                <a:latin typeface="Courier New" panose="02070309020205020404" pitchFamily="49" charset="0"/>
+                <a:cs typeface="Courier New" panose="02070309020205020404" pitchFamily="49" charset="0"/>
+              </a:rPr>
+            </a:br>
+            <a:r>
+              <a:rPr kumimoji="0" lang="ko-KR" altLang="ko-KR" sz="1200" b="0" i="0" u="none" strike="noStrike" cap="none" normalizeH="0" baseline="0" dirty="0" err="1">
+                <a:ln>
+                  <a:noFill/>
+                </a:ln>
+                <a:solidFill>
+                  <a:srgbClr val="A9B7C6"/>
+                </a:solidFill>
+                <a:effectLst/>
+                <a:latin typeface="Courier New" panose="02070309020205020404" pitchFamily="49" charset="0"/>
+                <a:cs typeface="Courier New" panose="02070309020205020404" pitchFamily="49" charset="0"/>
+              </a:rPr>
+              <a:t>pygame.quit</a:t>
+            </a:r>
+            <a:r>
+              <a:rPr kumimoji="0" lang="ko-KR" altLang="ko-KR" sz="1200" b="0" i="0" u="none" strike="noStrike" cap="none" normalizeH="0" baseline="0" dirty="0">
+                <a:ln>
+                  <a:noFill/>
+                </a:ln>
+                <a:solidFill>
+                  <a:srgbClr val="A9B7C6"/>
+                </a:solidFill>
+                <a:effectLst/>
+                <a:latin typeface="Courier New" panose="02070309020205020404" pitchFamily="49" charset="0"/>
+                <a:cs typeface="Courier New" panose="02070309020205020404" pitchFamily="49" charset="0"/>
+              </a:rPr>
+              <a:t>()</a:t>
+            </a:r>
+            <a:endParaRPr kumimoji="0" lang="ko-KR" altLang="ko-KR" sz="1800" b="0" i="0" u="none" strike="noStrike" cap="none" normalizeH="0" baseline="0" dirty="0">
+              <a:ln>
+                <a:noFill/>
+              </a:ln>
+              <a:solidFill>
+                <a:schemeClr val="tx1"/>
+              </a:solidFill>
+              <a:effectLst/>
+              <a:latin typeface="Arial" panose="020B0604020202020204" pitchFamily="34" charset="0"/>
+            </a:endParaRPr>
+          </a:p>
+        </p:txBody>
+      </p:sp>
+    </p:spTree>
+    <p:extLst>
+      <p:ext uri="{BB962C8B-B14F-4D97-AF65-F5344CB8AC3E}">
+        <p14:creationId xmlns:p14="http://schemas.microsoft.com/office/powerpoint/2010/main" val="170384564"/>
+      </p:ext>
+    </p:extLst>
+  </p:cSld>
+  <p:clrMapOvr>
+    <a:masterClrMapping/>
+  </p:clrMapOvr>
+</p:sld>
+</file>
+
+<file path=ppt/slides/slide6.xml><?xml version="1.0" encoding="utf-8"?>
 <p:sld xmlns:a="http://schemas.openxmlformats.org/drawingml/2006/main" xmlns:r="http://schemas.openxmlformats.org/officeDocument/2006/relationships" xmlns:p="http://schemas.openxmlformats.org/presentationml/2006/main">
   <p:cSld>
     <p:spTree>
@@ -3914,3014 +9271,6 @@
           <a:bodyPr/>
           <a:lstStyle/>
           <a:p>
-            <a:r>
-              <a:rPr lang="ko-KR" altLang="en-US" dirty="0" err="1" smtClean="0"/>
-              <a:t>플레이스</a:t>
-            </a:r>
-            <a:r>
-              <a:rPr lang="en-US" altLang="ko-KR" dirty="0" smtClean="0"/>
-              <a:t>(place)</a:t>
-            </a:r>
-            <a:r>
-              <a:rPr lang="ko-KR" altLang="en-US" dirty="0"/>
-              <a:t>를</a:t>
-            </a:r>
-            <a:r>
-              <a:rPr lang="ko-KR" altLang="en-US" dirty="0" smtClean="0"/>
-              <a:t> 사용해 보자</a:t>
-            </a:r>
-            <a:r>
-              <a:rPr lang="en-US" altLang="ko-KR" dirty="0" smtClean="0"/>
-              <a:t>.</a:t>
-            </a:r>
-            <a:endParaRPr lang="ko-KR" altLang="en-US" dirty="0"/>
-          </a:p>
-        </p:txBody>
-      </p:sp>
-      <p:sp>
-        <p:nvSpPr>
-          <p:cNvPr id="3" name="내용 개체 틀 2"/>
-          <p:cNvSpPr>
-            <a:spLocks noGrp="1"/>
-          </p:cNvSpPr>
-          <p:nvPr>
-            <p:ph idx="1"/>
-          </p:nvPr>
-        </p:nvSpPr>
-        <p:spPr/>
-        <p:txBody>
-          <a:bodyPr/>
-          <a:lstStyle/>
-          <a:p>
-            <a:r>
-              <a:rPr lang="en-US" altLang="ko-KR" dirty="0" smtClean="0"/>
-              <a:t> </a:t>
-            </a:r>
-          </a:p>
-          <a:p>
-            <a:endParaRPr lang="en-US" altLang="ko-KR" dirty="0"/>
-          </a:p>
-          <a:p>
-            <a:endParaRPr lang="en-US" altLang="ko-KR" dirty="0"/>
-          </a:p>
-        </p:txBody>
-      </p:sp>
-    </p:spTree>
-    <p:extLst>
-      <p:ext uri="{BB962C8B-B14F-4D97-AF65-F5344CB8AC3E}">
-        <p14:creationId xmlns:p14="http://schemas.microsoft.com/office/powerpoint/2010/main" val="772942289"/>
-      </p:ext>
-    </p:extLst>
-  </p:cSld>
-  <p:clrMapOvr>
-    <a:masterClrMapping/>
-  </p:clrMapOvr>
-  <p:timing>
-    <p:tnLst>
-      <p:par>
-        <p:cTn id="1" dur="indefinite" restart="never" nodeType="tmRoot"/>
-      </p:par>
-    </p:tnLst>
-  </p:timing>
-</p:sld>
-</file>
-
-<file path=ppt/slides/slide4.xml><?xml version="1.0" encoding="utf-8"?>
-<p:sld xmlns:a="http://schemas.openxmlformats.org/drawingml/2006/main" xmlns:r="http://schemas.openxmlformats.org/officeDocument/2006/relationships" xmlns:p="http://schemas.openxmlformats.org/presentationml/2006/main">
-  <p:cSld>
-    <p:spTree>
-      <p:nvGrpSpPr>
-        <p:cNvPr id="1" name=""/>
-        <p:cNvGrpSpPr/>
-        <p:nvPr/>
-      </p:nvGrpSpPr>
-      <p:grpSpPr>
-        <a:xfrm>
-          <a:off x="0" y="0"/>
-          <a:ext cx="0" cy="0"/>
-          <a:chOff x="0" y="0"/>
-          <a:chExt cx="0" cy="0"/>
-        </a:xfrm>
-      </p:grpSpPr>
-      <p:sp>
-        <p:nvSpPr>
-          <p:cNvPr id="3" name="내용 개체 틀 2"/>
-          <p:cNvSpPr>
-            <a:spLocks noGrp="1"/>
-          </p:cNvSpPr>
-          <p:nvPr>
-            <p:ph idx="1"/>
-          </p:nvPr>
-        </p:nvSpPr>
-        <p:spPr/>
-        <p:txBody>
-          <a:bodyPr/>
-          <a:lstStyle/>
-          <a:p>
-            <a:r>
-              <a:rPr lang="ko-KR" altLang="en-US" dirty="0" err="1" smtClean="0"/>
-              <a:t>반복문을</a:t>
-            </a:r>
-            <a:r>
-              <a:rPr lang="ko-KR" altLang="en-US" dirty="0" smtClean="0"/>
-              <a:t> 사용해서 버튼 </a:t>
-            </a:r>
-            <a:r>
-              <a:rPr lang="en-US" altLang="ko-KR" dirty="0" smtClean="0"/>
-              <a:t>100</a:t>
-            </a:r>
-            <a:r>
-              <a:rPr lang="ko-KR" altLang="en-US" dirty="0" smtClean="0"/>
-              <a:t>개 만들기</a:t>
-            </a:r>
-            <a:endParaRPr lang="ko-KR" altLang="en-US" dirty="0"/>
-          </a:p>
-        </p:txBody>
-      </p:sp>
-      <p:sp>
-        <p:nvSpPr>
-          <p:cNvPr id="5" name="제목 4"/>
-          <p:cNvSpPr>
-            <a:spLocks noGrp="1"/>
-          </p:cNvSpPr>
-          <p:nvPr>
-            <p:ph type="title"/>
-          </p:nvPr>
-        </p:nvSpPr>
-        <p:spPr/>
-        <p:txBody>
-          <a:bodyPr/>
-          <a:lstStyle/>
-          <a:p>
-            <a:r>
-              <a:rPr lang="ko-KR" altLang="en-US" dirty="0" err="1" smtClean="0"/>
-              <a:t>플레이스</a:t>
-            </a:r>
-            <a:r>
-              <a:rPr lang="ko-KR" altLang="en-US" dirty="0" smtClean="0"/>
-              <a:t> 활용 예제</a:t>
-            </a:r>
-            <a:endParaRPr lang="ko-KR" altLang="en-US" dirty="0"/>
-          </a:p>
-        </p:txBody>
-      </p:sp>
-      <p:sp>
-        <p:nvSpPr>
-          <p:cNvPr id="6" name="Rectangle 1"/>
-          <p:cNvSpPr>
-            <a:spLocks noChangeArrowheads="1"/>
-          </p:cNvSpPr>
-          <p:nvPr/>
-        </p:nvSpPr>
-        <p:spPr bwMode="auto">
-          <a:xfrm>
-            <a:off x="1619672" y="2780928"/>
-            <a:ext cx="4932040" cy="3554819"/>
-          </a:xfrm>
-          <a:prstGeom prst="rect">
-            <a:avLst/>
-          </a:prstGeom>
-          <a:solidFill>
-            <a:srgbClr val="2B2B2B"/>
-          </a:solidFill>
-          <a:ln>
-            <a:noFill/>
-          </a:ln>
-          <a:effectLst/>
-          <a:extLst>
-            <a:ext uri="{91240B29-F687-4F45-9708-019B960494DF}">
-              <a14:hiddenLine xmlns:a14="http://schemas.microsoft.com/office/drawing/2010/main" w="9525">
-                <a:solidFill>
-                  <a:schemeClr val="tx1"/>
-                </a:solidFill>
-                <a:miter lim="800000"/>
-                <a:headEnd/>
-                <a:tailEnd/>
-              </a14:hiddenLine>
-            </a:ext>
-            <a:ext uri="{AF507438-7753-43E0-B8FC-AC1667EBCBE1}">
-              <a14:hiddenEffects xmlns:a14="http://schemas.microsoft.com/office/drawing/2010/main">
-                <a:effectLst>
-                  <a:outerShdw dist="35921" dir="2700000" algn="ctr" rotWithShape="0">
-                    <a:schemeClr val="bg2"/>
-                  </a:outerShdw>
-                </a:effectLst>
-              </a14:hiddenEffects>
-            </a:ext>
-          </a:extLst>
-        </p:spPr>
-        <p:txBody>
-          <a:bodyPr vert="horz" wrap="square" lIns="91440" tIns="45720" rIns="91440" bIns="45720" numCol="1" anchor="ctr" anchorCtr="0" compatLnSpc="1">
-            <a:prstTxWarp prst="textNoShape">
-              <a:avLst/>
-            </a:prstTxWarp>
-            <a:spAutoFit/>
-          </a:bodyPr>
-          <a:lstStyle/>
-          <a:p>
-            <a:pPr marL="0" marR="0" lvl="0" indent="0" algn="l" defTabSz="914400" rtl="0" eaLnBrk="0" fontAlgn="base" latinLnBrk="0" hangingPunct="0">
-              <a:lnSpc>
-                <a:spcPct val="100000"/>
-              </a:lnSpc>
-              <a:spcBef>
-                <a:spcPct val="0"/>
-              </a:spcBef>
-              <a:spcAft>
-                <a:spcPct val="0"/>
-              </a:spcAft>
-              <a:buClrTx/>
-              <a:buSzTx/>
-              <a:buFontTx/>
-              <a:buNone/>
-              <a:tabLst/>
-            </a:pPr>
-            <a:r>
-              <a:rPr kumimoji="0" lang="ko-KR" altLang="ko-KR" sz="1500" b="0" i="0" u="none" strike="noStrike" cap="none" normalizeH="0" baseline="0" smtClean="0">
-                <a:ln>
-                  <a:noFill/>
-                </a:ln>
-                <a:solidFill>
-                  <a:srgbClr val="CC7832"/>
-                </a:solidFill>
-                <a:effectLst/>
-                <a:latin typeface="Arial Unicode MS"/>
-                <a:ea typeface="JetBrains Mono"/>
-              </a:rPr>
-              <a:t>import </a:t>
-            </a:r>
-            <a:r>
-              <a:rPr kumimoji="0" lang="ko-KR" altLang="ko-KR" sz="1500" b="0" i="0" u="none" strike="noStrike" cap="none" normalizeH="0" baseline="0" smtClean="0">
-                <a:ln>
-                  <a:noFill/>
-                </a:ln>
-                <a:solidFill>
-                  <a:srgbClr val="A9B7C6"/>
-                </a:solidFill>
-                <a:effectLst/>
-                <a:latin typeface="Arial Unicode MS"/>
-                <a:ea typeface="JetBrains Mono"/>
-              </a:rPr>
-              <a:t>tkinter </a:t>
-            </a:r>
-            <a:r>
-              <a:rPr kumimoji="0" lang="ko-KR" altLang="ko-KR" sz="1500" b="0" i="0" u="none" strike="noStrike" cap="none" normalizeH="0" baseline="0" smtClean="0">
-                <a:ln>
-                  <a:noFill/>
-                </a:ln>
-                <a:solidFill>
-                  <a:srgbClr val="CC7832"/>
-                </a:solidFill>
-                <a:effectLst/>
-                <a:latin typeface="Arial Unicode MS"/>
-                <a:ea typeface="JetBrains Mono"/>
-              </a:rPr>
-              <a:t>as </a:t>
-            </a:r>
-            <a:r>
-              <a:rPr kumimoji="0" lang="ko-KR" altLang="ko-KR" sz="1500" b="0" i="0" u="none" strike="noStrike" cap="none" normalizeH="0" baseline="0" smtClean="0">
-                <a:ln>
-                  <a:noFill/>
-                </a:ln>
-                <a:solidFill>
-                  <a:srgbClr val="A9B7C6"/>
-                </a:solidFill>
-                <a:effectLst/>
-                <a:latin typeface="Arial Unicode MS"/>
-                <a:ea typeface="JetBrains Mono"/>
-              </a:rPr>
-              <a:t>tk</a:t>
-            </a:r>
-            <a:br>
-              <a:rPr kumimoji="0" lang="ko-KR" altLang="ko-KR" sz="1500" b="0" i="0" u="none" strike="noStrike" cap="none" normalizeH="0" baseline="0" smtClean="0">
-                <a:ln>
-                  <a:noFill/>
-                </a:ln>
-                <a:solidFill>
-                  <a:srgbClr val="A9B7C6"/>
-                </a:solidFill>
-                <a:effectLst/>
-                <a:latin typeface="Arial Unicode MS"/>
-                <a:ea typeface="JetBrains Mono"/>
-              </a:rPr>
-            </a:br>
-            <a:r>
-              <a:rPr kumimoji="0" lang="ko-KR" altLang="ko-KR" sz="1500" b="0" i="0" u="none" strike="noStrike" cap="none" normalizeH="0" baseline="0" smtClean="0">
-                <a:ln>
-                  <a:noFill/>
-                </a:ln>
-                <a:solidFill>
-                  <a:srgbClr val="A9B7C6"/>
-                </a:solidFill>
-                <a:effectLst/>
-                <a:latin typeface="Arial Unicode MS"/>
-                <a:ea typeface="JetBrains Mono"/>
-              </a:rPr>
-              <a:t/>
-            </a:r>
-            <a:br>
-              <a:rPr kumimoji="0" lang="ko-KR" altLang="ko-KR" sz="1500" b="0" i="0" u="none" strike="noStrike" cap="none" normalizeH="0" baseline="0" smtClean="0">
-                <a:ln>
-                  <a:noFill/>
-                </a:ln>
-                <a:solidFill>
-                  <a:srgbClr val="A9B7C6"/>
-                </a:solidFill>
-                <a:effectLst/>
-                <a:latin typeface="Arial Unicode MS"/>
-                <a:ea typeface="JetBrains Mono"/>
-              </a:rPr>
-            </a:br>
-            <a:r>
-              <a:rPr kumimoji="0" lang="ko-KR" altLang="ko-KR" sz="1500" b="0" i="0" u="none" strike="noStrike" cap="none" normalizeH="0" baseline="0" smtClean="0">
-                <a:ln>
-                  <a:noFill/>
-                </a:ln>
-                <a:solidFill>
-                  <a:srgbClr val="A9B7C6"/>
-                </a:solidFill>
-                <a:effectLst/>
-                <a:latin typeface="Arial Unicode MS"/>
-                <a:ea typeface="JetBrains Mono"/>
-              </a:rPr>
-              <a:t>root = tk.Tk()</a:t>
-            </a:r>
-            <a:br>
-              <a:rPr kumimoji="0" lang="ko-KR" altLang="ko-KR" sz="1500" b="0" i="0" u="none" strike="noStrike" cap="none" normalizeH="0" baseline="0" smtClean="0">
-                <a:ln>
-                  <a:noFill/>
-                </a:ln>
-                <a:solidFill>
-                  <a:srgbClr val="A9B7C6"/>
-                </a:solidFill>
-                <a:effectLst/>
-                <a:latin typeface="Arial Unicode MS"/>
-                <a:ea typeface="JetBrains Mono"/>
-              </a:rPr>
-            </a:br>
-            <a:r>
-              <a:rPr kumimoji="0" lang="ko-KR" altLang="ko-KR" sz="1500" b="0" i="0" u="none" strike="noStrike" cap="none" normalizeH="0" baseline="0" smtClean="0">
-                <a:ln>
-                  <a:noFill/>
-                </a:ln>
-                <a:solidFill>
-                  <a:srgbClr val="A9B7C6"/>
-                </a:solidFill>
-                <a:effectLst/>
-                <a:latin typeface="Arial Unicode MS"/>
-                <a:ea typeface="JetBrains Mono"/>
-              </a:rPr>
-              <a:t>root.geometry(</a:t>
-            </a:r>
-            <a:r>
-              <a:rPr kumimoji="0" lang="ko-KR" altLang="ko-KR" sz="1500" b="0" i="0" u="none" strike="noStrike" cap="none" normalizeH="0" baseline="0" smtClean="0">
-                <a:ln>
-                  <a:noFill/>
-                </a:ln>
-                <a:solidFill>
-                  <a:srgbClr val="6A8759"/>
-                </a:solidFill>
-                <a:effectLst/>
-                <a:latin typeface="Arial Unicode MS"/>
-                <a:ea typeface="JetBrains Mono"/>
-              </a:rPr>
-              <a:t>'600x600'</a:t>
-            </a:r>
-            <a:r>
-              <a:rPr kumimoji="0" lang="ko-KR" altLang="ko-KR" sz="1500" b="0" i="0" u="none" strike="noStrike" cap="none" normalizeH="0" baseline="0" smtClean="0">
-                <a:ln>
-                  <a:noFill/>
-                </a:ln>
-                <a:solidFill>
-                  <a:srgbClr val="A9B7C6"/>
-                </a:solidFill>
-                <a:effectLst/>
-                <a:latin typeface="Arial Unicode MS"/>
-                <a:ea typeface="JetBrains Mono"/>
-              </a:rPr>
-              <a:t>)</a:t>
-            </a:r>
-            <a:br>
-              <a:rPr kumimoji="0" lang="ko-KR" altLang="ko-KR" sz="1500" b="0" i="0" u="none" strike="noStrike" cap="none" normalizeH="0" baseline="0" smtClean="0">
-                <a:ln>
-                  <a:noFill/>
-                </a:ln>
-                <a:solidFill>
-                  <a:srgbClr val="A9B7C6"/>
-                </a:solidFill>
-                <a:effectLst/>
-                <a:latin typeface="Arial Unicode MS"/>
-                <a:ea typeface="JetBrains Mono"/>
-              </a:rPr>
-            </a:br>
-            <a:r>
-              <a:rPr kumimoji="0" lang="ko-KR" altLang="ko-KR" sz="1500" b="0" i="0" u="none" strike="noStrike" cap="none" normalizeH="0" baseline="0" smtClean="0">
-                <a:ln>
-                  <a:noFill/>
-                </a:ln>
-                <a:solidFill>
-                  <a:srgbClr val="A9B7C6"/>
-                </a:solidFill>
-                <a:effectLst/>
-                <a:latin typeface="Arial Unicode MS"/>
-                <a:ea typeface="JetBrains Mono"/>
-              </a:rPr>
-              <a:t>root.resizable(</a:t>
-            </a:r>
-            <a:r>
-              <a:rPr kumimoji="0" lang="ko-KR" altLang="ko-KR" sz="1500" b="0" i="0" u="none" strike="noStrike" cap="none" normalizeH="0" baseline="0" smtClean="0">
-                <a:ln>
-                  <a:noFill/>
-                </a:ln>
-                <a:solidFill>
-                  <a:srgbClr val="CC7832"/>
-                </a:solidFill>
-                <a:effectLst/>
-                <a:latin typeface="Arial Unicode MS"/>
-                <a:ea typeface="JetBrains Mono"/>
-              </a:rPr>
-              <a:t>False, False</a:t>
-            </a:r>
-            <a:r>
-              <a:rPr kumimoji="0" lang="ko-KR" altLang="ko-KR" sz="1500" b="0" i="0" u="none" strike="noStrike" cap="none" normalizeH="0" baseline="0" smtClean="0">
-                <a:ln>
-                  <a:noFill/>
-                </a:ln>
-                <a:solidFill>
-                  <a:srgbClr val="A9B7C6"/>
-                </a:solidFill>
-                <a:effectLst/>
-                <a:latin typeface="Arial Unicode MS"/>
-                <a:ea typeface="JetBrains Mono"/>
-              </a:rPr>
-              <a:t>)</a:t>
-            </a:r>
-            <a:br>
-              <a:rPr kumimoji="0" lang="ko-KR" altLang="ko-KR" sz="1500" b="0" i="0" u="none" strike="noStrike" cap="none" normalizeH="0" baseline="0" smtClean="0">
-                <a:ln>
-                  <a:noFill/>
-                </a:ln>
-                <a:solidFill>
-                  <a:srgbClr val="A9B7C6"/>
-                </a:solidFill>
-                <a:effectLst/>
-                <a:latin typeface="Arial Unicode MS"/>
-                <a:ea typeface="JetBrains Mono"/>
-              </a:rPr>
-            </a:br>
-            <a:r>
-              <a:rPr kumimoji="0" lang="ko-KR" altLang="ko-KR" sz="1500" b="0" i="0" u="none" strike="noStrike" cap="none" normalizeH="0" baseline="0" smtClean="0">
-                <a:ln>
-                  <a:noFill/>
-                </a:ln>
-                <a:solidFill>
-                  <a:srgbClr val="A9B7C6"/>
-                </a:solidFill>
-                <a:effectLst/>
-                <a:latin typeface="Arial Unicode MS"/>
-                <a:ea typeface="JetBrains Mono"/>
-              </a:rPr>
-              <a:t/>
-            </a:r>
-            <a:br>
-              <a:rPr kumimoji="0" lang="ko-KR" altLang="ko-KR" sz="1500" b="0" i="0" u="none" strike="noStrike" cap="none" normalizeH="0" baseline="0" smtClean="0">
-                <a:ln>
-                  <a:noFill/>
-                </a:ln>
-                <a:solidFill>
-                  <a:srgbClr val="A9B7C6"/>
-                </a:solidFill>
-                <a:effectLst/>
-                <a:latin typeface="Arial Unicode MS"/>
-                <a:ea typeface="JetBrains Mono"/>
-              </a:rPr>
-            </a:br>
-            <a:r>
-              <a:rPr kumimoji="0" lang="ko-KR" altLang="ko-KR" sz="1500" b="0" i="0" u="none" strike="noStrike" cap="none" normalizeH="0" baseline="0" smtClean="0">
-                <a:ln>
-                  <a:noFill/>
-                </a:ln>
-                <a:solidFill>
-                  <a:srgbClr val="A9B7C6"/>
-                </a:solidFill>
-                <a:effectLst/>
-                <a:latin typeface="Arial Unicode MS"/>
-                <a:ea typeface="JetBrains Mono"/>
-              </a:rPr>
-              <a:t>bt=[]</a:t>
-            </a:r>
-            <a:br>
-              <a:rPr kumimoji="0" lang="ko-KR" altLang="ko-KR" sz="1500" b="0" i="0" u="none" strike="noStrike" cap="none" normalizeH="0" baseline="0" smtClean="0">
-                <a:ln>
-                  <a:noFill/>
-                </a:ln>
-                <a:solidFill>
-                  <a:srgbClr val="A9B7C6"/>
-                </a:solidFill>
-                <a:effectLst/>
-                <a:latin typeface="Arial Unicode MS"/>
-                <a:ea typeface="JetBrains Mono"/>
-              </a:rPr>
-            </a:br>
-            <a:r>
-              <a:rPr kumimoji="0" lang="ko-KR" altLang="ko-KR" sz="1500" b="0" i="0" u="none" strike="noStrike" cap="none" normalizeH="0" baseline="0" smtClean="0">
-                <a:ln>
-                  <a:noFill/>
-                </a:ln>
-                <a:solidFill>
-                  <a:srgbClr val="A9B7C6"/>
-                </a:solidFill>
-                <a:effectLst/>
-                <a:latin typeface="Arial Unicode MS"/>
-                <a:ea typeface="JetBrains Mono"/>
-              </a:rPr>
-              <a:t>k=</a:t>
-            </a:r>
-            <a:r>
-              <a:rPr kumimoji="0" lang="ko-KR" altLang="ko-KR" sz="1500" b="0" i="0" u="none" strike="noStrike" cap="none" normalizeH="0" baseline="0" smtClean="0">
-                <a:ln>
-                  <a:noFill/>
-                </a:ln>
-                <a:solidFill>
-                  <a:srgbClr val="6897BB"/>
-                </a:solidFill>
-                <a:effectLst/>
-                <a:latin typeface="Arial Unicode MS"/>
-                <a:ea typeface="JetBrains Mono"/>
-              </a:rPr>
-              <a:t>0</a:t>
-            </a:r>
-            <a:br>
-              <a:rPr kumimoji="0" lang="ko-KR" altLang="ko-KR" sz="1500" b="0" i="0" u="none" strike="noStrike" cap="none" normalizeH="0" baseline="0" smtClean="0">
-                <a:ln>
-                  <a:noFill/>
-                </a:ln>
-                <a:solidFill>
-                  <a:srgbClr val="6897BB"/>
-                </a:solidFill>
-                <a:effectLst/>
-                <a:latin typeface="Arial Unicode MS"/>
-                <a:ea typeface="JetBrains Mono"/>
-              </a:rPr>
-            </a:br>
-            <a:r>
-              <a:rPr kumimoji="0" lang="ko-KR" altLang="ko-KR" sz="1500" b="0" i="0" u="none" strike="noStrike" cap="none" normalizeH="0" baseline="0" smtClean="0">
-                <a:ln>
-                  <a:noFill/>
-                </a:ln>
-                <a:solidFill>
-                  <a:srgbClr val="CC7832"/>
-                </a:solidFill>
-                <a:effectLst/>
-                <a:latin typeface="Arial Unicode MS"/>
-                <a:ea typeface="JetBrains Mono"/>
-              </a:rPr>
-              <a:t>for </a:t>
-            </a:r>
-            <a:r>
-              <a:rPr kumimoji="0" lang="ko-KR" altLang="ko-KR" sz="1500" b="0" i="0" u="none" strike="noStrike" cap="none" normalizeH="0" baseline="0" smtClean="0">
-                <a:ln>
-                  <a:noFill/>
-                </a:ln>
-                <a:solidFill>
-                  <a:srgbClr val="A9B7C6"/>
-                </a:solidFill>
-                <a:effectLst/>
-                <a:latin typeface="Arial Unicode MS"/>
-                <a:ea typeface="JetBrains Mono"/>
-              </a:rPr>
-              <a:t>i </a:t>
-            </a:r>
-            <a:r>
-              <a:rPr kumimoji="0" lang="ko-KR" altLang="ko-KR" sz="1500" b="0" i="0" u="none" strike="noStrike" cap="none" normalizeH="0" baseline="0" smtClean="0">
-                <a:ln>
-                  <a:noFill/>
-                </a:ln>
-                <a:solidFill>
-                  <a:srgbClr val="CC7832"/>
-                </a:solidFill>
-                <a:effectLst/>
-                <a:latin typeface="Arial Unicode MS"/>
-                <a:ea typeface="JetBrains Mono"/>
-              </a:rPr>
-              <a:t>in </a:t>
-            </a:r>
-            <a:r>
-              <a:rPr kumimoji="0" lang="ko-KR" altLang="ko-KR" sz="1500" b="0" i="0" u="none" strike="noStrike" cap="none" normalizeH="0" baseline="0" smtClean="0">
-                <a:ln>
-                  <a:noFill/>
-                </a:ln>
-                <a:solidFill>
-                  <a:srgbClr val="8888C6"/>
-                </a:solidFill>
-                <a:effectLst/>
-                <a:latin typeface="Arial Unicode MS"/>
-                <a:ea typeface="JetBrains Mono"/>
-              </a:rPr>
-              <a:t>range</a:t>
-            </a:r>
-            <a:r>
-              <a:rPr kumimoji="0" lang="ko-KR" altLang="ko-KR" sz="1500" b="0" i="0" u="none" strike="noStrike" cap="none" normalizeH="0" baseline="0" smtClean="0">
-                <a:ln>
-                  <a:noFill/>
-                </a:ln>
-                <a:solidFill>
-                  <a:srgbClr val="A9B7C6"/>
-                </a:solidFill>
-                <a:effectLst/>
-                <a:latin typeface="Arial Unicode MS"/>
-                <a:ea typeface="JetBrains Mono"/>
-              </a:rPr>
-              <a:t>(</a:t>
-            </a:r>
-            <a:r>
-              <a:rPr kumimoji="0" lang="ko-KR" altLang="ko-KR" sz="1500" b="0" i="0" u="none" strike="noStrike" cap="none" normalizeH="0" baseline="0" smtClean="0">
-                <a:ln>
-                  <a:noFill/>
-                </a:ln>
-                <a:solidFill>
-                  <a:srgbClr val="6897BB"/>
-                </a:solidFill>
-                <a:effectLst/>
-                <a:latin typeface="Arial Unicode MS"/>
-                <a:ea typeface="JetBrains Mono"/>
-              </a:rPr>
-              <a:t>10</a:t>
-            </a:r>
-            <a:r>
-              <a:rPr kumimoji="0" lang="ko-KR" altLang="ko-KR" sz="1500" b="0" i="0" u="none" strike="noStrike" cap="none" normalizeH="0" baseline="0" smtClean="0">
-                <a:ln>
-                  <a:noFill/>
-                </a:ln>
-                <a:solidFill>
-                  <a:srgbClr val="A9B7C6"/>
-                </a:solidFill>
-                <a:effectLst/>
-                <a:latin typeface="Arial Unicode MS"/>
-                <a:ea typeface="JetBrains Mono"/>
-              </a:rPr>
-              <a:t>):</a:t>
-            </a:r>
-            <a:br>
-              <a:rPr kumimoji="0" lang="ko-KR" altLang="ko-KR" sz="1500" b="0" i="0" u="none" strike="noStrike" cap="none" normalizeH="0" baseline="0" smtClean="0">
-                <a:ln>
-                  <a:noFill/>
-                </a:ln>
-                <a:solidFill>
-                  <a:srgbClr val="A9B7C6"/>
-                </a:solidFill>
-                <a:effectLst/>
-                <a:latin typeface="Arial Unicode MS"/>
-                <a:ea typeface="JetBrains Mono"/>
-              </a:rPr>
-            </a:br>
-            <a:r>
-              <a:rPr kumimoji="0" lang="ko-KR" altLang="ko-KR" sz="1500" b="0" i="0" u="none" strike="noStrike" cap="none" normalizeH="0" baseline="0" smtClean="0">
-                <a:ln>
-                  <a:noFill/>
-                </a:ln>
-                <a:solidFill>
-                  <a:srgbClr val="A9B7C6"/>
-                </a:solidFill>
-                <a:effectLst/>
-                <a:latin typeface="Arial Unicode MS"/>
-                <a:ea typeface="JetBrains Mono"/>
-              </a:rPr>
-              <a:t>    </a:t>
-            </a:r>
-            <a:r>
-              <a:rPr kumimoji="0" lang="ko-KR" altLang="ko-KR" sz="1500" b="0" i="0" u="none" strike="noStrike" cap="none" normalizeH="0" baseline="0" smtClean="0">
-                <a:ln>
-                  <a:noFill/>
-                </a:ln>
-                <a:solidFill>
-                  <a:srgbClr val="CC7832"/>
-                </a:solidFill>
-                <a:effectLst/>
-                <a:latin typeface="Arial Unicode MS"/>
-                <a:ea typeface="JetBrains Mono"/>
-              </a:rPr>
-              <a:t>for </a:t>
-            </a:r>
-            <a:r>
-              <a:rPr kumimoji="0" lang="ko-KR" altLang="ko-KR" sz="1500" b="0" i="0" u="none" strike="noStrike" cap="none" normalizeH="0" baseline="0" smtClean="0">
-                <a:ln>
-                  <a:noFill/>
-                </a:ln>
-                <a:solidFill>
-                  <a:srgbClr val="A9B7C6"/>
-                </a:solidFill>
-                <a:effectLst/>
-                <a:latin typeface="Arial Unicode MS"/>
-                <a:ea typeface="JetBrains Mono"/>
-              </a:rPr>
-              <a:t>j </a:t>
-            </a:r>
-            <a:r>
-              <a:rPr kumimoji="0" lang="ko-KR" altLang="ko-KR" sz="1500" b="0" i="0" u="none" strike="noStrike" cap="none" normalizeH="0" baseline="0" smtClean="0">
-                <a:ln>
-                  <a:noFill/>
-                </a:ln>
-                <a:solidFill>
-                  <a:srgbClr val="CC7832"/>
-                </a:solidFill>
-                <a:effectLst/>
-                <a:latin typeface="Arial Unicode MS"/>
-                <a:ea typeface="JetBrains Mono"/>
-              </a:rPr>
-              <a:t>in </a:t>
-            </a:r>
-            <a:r>
-              <a:rPr kumimoji="0" lang="ko-KR" altLang="ko-KR" sz="1500" b="0" i="0" u="none" strike="noStrike" cap="none" normalizeH="0" baseline="0" smtClean="0">
-                <a:ln>
-                  <a:noFill/>
-                </a:ln>
-                <a:solidFill>
-                  <a:srgbClr val="8888C6"/>
-                </a:solidFill>
-                <a:effectLst/>
-                <a:latin typeface="Arial Unicode MS"/>
-                <a:ea typeface="JetBrains Mono"/>
-              </a:rPr>
-              <a:t>range</a:t>
-            </a:r>
-            <a:r>
-              <a:rPr kumimoji="0" lang="ko-KR" altLang="ko-KR" sz="1500" b="0" i="0" u="none" strike="noStrike" cap="none" normalizeH="0" baseline="0" smtClean="0">
-                <a:ln>
-                  <a:noFill/>
-                </a:ln>
-                <a:solidFill>
-                  <a:srgbClr val="A9B7C6"/>
-                </a:solidFill>
-                <a:effectLst/>
-                <a:latin typeface="Arial Unicode MS"/>
-                <a:ea typeface="JetBrains Mono"/>
-              </a:rPr>
-              <a:t>(</a:t>
-            </a:r>
-            <a:r>
-              <a:rPr kumimoji="0" lang="ko-KR" altLang="ko-KR" sz="1500" b="0" i="0" u="none" strike="noStrike" cap="none" normalizeH="0" baseline="0" smtClean="0">
-                <a:ln>
-                  <a:noFill/>
-                </a:ln>
-                <a:solidFill>
-                  <a:srgbClr val="6897BB"/>
-                </a:solidFill>
-                <a:effectLst/>
-                <a:latin typeface="Arial Unicode MS"/>
-                <a:ea typeface="JetBrains Mono"/>
-              </a:rPr>
-              <a:t>10</a:t>
-            </a:r>
-            <a:r>
-              <a:rPr kumimoji="0" lang="ko-KR" altLang="ko-KR" sz="1500" b="0" i="0" u="none" strike="noStrike" cap="none" normalizeH="0" baseline="0" smtClean="0">
-                <a:ln>
-                  <a:noFill/>
-                </a:ln>
-                <a:solidFill>
-                  <a:srgbClr val="A9B7C6"/>
-                </a:solidFill>
-                <a:effectLst/>
-                <a:latin typeface="Arial Unicode MS"/>
-                <a:ea typeface="JetBrains Mono"/>
-              </a:rPr>
-              <a:t>):</a:t>
-            </a:r>
-            <a:br>
-              <a:rPr kumimoji="0" lang="ko-KR" altLang="ko-KR" sz="1500" b="0" i="0" u="none" strike="noStrike" cap="none" normalizeH="0" baseline="0" smtClean="0">
-                <a:ln>
-                  <a:noFill/>
-                </a:ln>
-                <a:solidFill>
-                  <a:srgbClr val="A9B7C6"/>
-                </a:solidFill>
-                <a:effectLst/>
-                <a:latin typeface="Arial Unicode MS"/>
-                <a:ea typeface="JetBrains Mono"/>
-              </a:rPr>
-            </a:br>
-            <a:r>
-              <a:rPr kumimoji="0" lang="ko-KR" altLang="ko-KR" sz="1500" b="0" i="0" u="none" strike="noStrike" cap="none" normalizeH="0" baseline="0" smtClean="0">
-                <a:ln>
-                  <a:noFill/>
-                </a:ln>
-                <a:solidFill>
-                  <a:srgbClr val="A9B7C6"/>
-                </a:solidFill>
-                <a:effectLst/>
-                <a:latin typeface="Arial Unicode MS"/>
-                <a:ea typeface="JetBrains Mono"/>
-              </a:rPr>
-              <a:t>        bt.append(tk.Button(</a:t>
-            </a:r>
-            <a:r>
-              <a:rPr kumimoji="0" lang="ko-KR" altLang="ko-KR" sz="1500" b="0" i="0" u="none" strike="noStrike" cap="none" normalizeH="0" baseline="0" smtClean="0">
-                <a:ln>
-                  <a:noFill/>
-                </a:ln>
-                <a:solidFill>
-                  <a:srgbClr val="AA4926"/>
-                </a:solidFill>
-                <a:effectLst/>
-                <a:latin typeface="Arial Unicode MS"/>
-                <a:ea typeface="JetBrains Mono"/>
-              </a:rPr>
-              <a:t>text</a:t>
-            </a:r>
-            <a:r>
-              <a:rPr kumimoji="0" lang="ko-KR" altLang="ko-KR" sz="1500" b="0" i="0" u="none" strike="noStrike" cap="none" normalizeH="0" baseline="0" smtClean="0">
-                <a:ln>
-                  <a:noFill/>
-                </a:ln>
-                <a:solidFill>
-                  <a:srgbClr val="A9B7C6"/>
-                </a:solidFill>
-                <a:effectLst/>
-                <a:latin typeface="Arial Unicode MS"/>
-                <a:ea typeface="JetBrains Mono"/>
-              </a:rPr>
-              <a:t>=</a:t>
-            </a:r>
-            <a:r>
-              <a:rPr kumimoji="0" lang="ko-KR" altLang="ko-KR" sz="1500" b="0" i="0" u="none" strike="noStrike" cap="none" normalizeH="0" baseline="0" smtClean="0">
-                <a:ln>
-                  <a:noFill/>
-                </a:ln>
-                <a:solidFill>
-                  <a:srgbClr val="6A8759"/>
-                </a:solidFill>
-                <a:effectLst/>
-                <a:latin typeface="Arial Unicode MS"/>
-                <a:ea typeface="JetBrains Mono"/>
-              </a:rPr>
-              <a:t>'</a:t>
-            </a:r>
-            <a:r>
-              <a:rPr kumimoji="0" lang="ko-KR" altLang="ko-KR" sz="1500" b="0" i="0" u="none" strike="noStrike" cap="none" normalizeH="0" baseline="0" smtClean="0">
-                <a:ln>
-                  <a:noFill/>
-                </a:ln>
-                <a:solidFill>
-                  <a:srgbClr val="6A8759"/>
-                </a:solidFill>
-                <a:effectLst/>
-                <a:latin typeface="맑은 고딕" panose="020B0503020000020004" pitchFamily="50" charset="-127"/>
-                <a:ea typeface="맑은 고딕" panose="020B0503020000020004" pitchFamily="50" charset="-127"/>
-              </a:rPr>
-              <a:t>버튼</a:t>
-            </a:r>
-            <a:r>
-              <a:rPr kumimoji="0" lang="ko-KR" altLang="ko-KR" sz="1500" b="0" i="0" u="none" strike="noStrike" cap="none" normalizeH="0" baseline="0" smtClean="0">
-                <a:ln>
-                  <a:noFill/>
-                </a:ln>
-                <a:solidFill>
-                  <a:srgbClr val="6A8759"/>
-                </a:solidFill>
-                <a:effectLst/>
-                <a:latin typeface="Arial Unicode MS"/>
-                <a:ea typeface="JetBrains Mono"/>
-              </a:rPr>
-              <a:t>'</a:t>
-            </a:r>
-            <a:r>
-              <a:rPr kumimoji="0" lang="ko-KR" altLang="ko-KR" sz="1500" b="0" i="0" u="none" strike="noStrike" cap="none" normalizeH="0" baseline="0" smtClean="0">
-                <a:ln>
-                  <a:noFill/>
-                </a:ln>
-                <a:solidFill>
-                  <a:srgbClr val="A9B7C6"/>
-                </a:solidFill>
-                <a:effectLst/>
-                <a:latin typeface="Arial Unicode MS"/>
-                <a:ea typeface="JetBrains Mono"/>
-              </a:rPr>
-              <a:t>+</a:t>
-            </a:r>
-            <a:r>
-              <a:rPr kumimoji="0" lang="ko-KR" altLang="ko-KR" sz="1500" b="0" i="0" u="none" strike="noStrike" cap="none" normalizeH="0" baseline="0" smtClean="0">
-                <a:ln>
-                  <a:noFill/>
-                </a:ln>
-                <a:solidFill>
-                  <a:srgbClr val="8888C6"/>
-                </a:solidFill>
-                <a:effectLst/>
-                <a:latin typeface="Arial Unicode MS"/>
-                <a:ea typeface="JetBrains Mono"/>
-              </a:rPr>
-              <a:t>str</a:t>
-            </a:r>
-            <a:r>
-              <a:rPr kumimoji="0" lang="ko-KR" altLang="ko-KR" sz="1500" b="0" i="0" u="none" strike="noStrike" cap="none" normalizeH="0" baseline="0" smtClean="0">
-                <a:ln>
-                  <a:noFill/>
-                </a:ln>
-                <a:solidFill>
-                  <a:srgbClr val="A9B7C6"/>
-                </a:solidFill>
-                <a:effectLst/>
-                <a:latin typeface="Arial Unicode MS"/>
-                <a:ea typeface="JetBrains Mono"/>
-              </a:rPr>
-              <a:t>(k)))</a:t>
-            </a:r>
-            <a:br>
-              <a:rPr kumimoji="0" lang="ko-KR" altLang="ko-KR" sz="1500" b="0" i="0" u="none" strike="noStrike" cap="none" normalizeH="0" baseline="0" smtClean="0">
-                <a:ln>
-                  <a:noFill/>
-                </a:ln>
-                <a:solidFill>
-                  <a:srgbClr val="A9B7C6"/>
-                </a:solidFill>
-                <a:effectLst/>
-                <a:latin typeface="Arial Unicode MS"/>
-                <a:ea typeface="JetBrains Mono"/>
-              </a:rPr>
-            </a:br>
-            <a:r>
-              <a:rPr kumimoji="0" lang="ko-KR" altLang="ko-KR" sz="1500" b="0" i="0" u="none" strike="noStrike" cap="none" normalizeH="0" baseline="0" smtClean="0">
-                <a:ln>
-                  <a:noFill/>
-                </a:ln>
-                <a:solidFill>
-                  <a:srgbClr val="A9B7C6"/>
-                </a:solidFill>
-                <a:effectLst/>
-                <a:latin typeface="Arial Unicode MS"/>
-                <a:ea typeface="JetBrains Mono"/>
-              </a:rPr>
-              <a:t>        bt[k].place(</a:t>
-            </a:r>
-            <a:r>
-              <a:rPr kumimoji="0" lang="ko-KR" altLang="ko-KR" sz="1500" b="0" i="0" u="none" strike="noStrike" cap="none" normalizeH="0" baseline="0" smtClean="0">
-                <a:ln>
-                  <a:noFill/>
-                </a:ln>
-                <a:solidFill>
-                  <a:srgbClr val="AA4926"/>
-                </a:solidFill>
-                <a:effectLst/>
-                <a:latin typeface="Arial Unicode MS"/>
-                <a:ea typeface="JetBrains Mono"/>
-              </a:rPr>
-              <a:t>x</a:t>
-            </a:r>
-            <a:r>
-              <a:rPr kumimoji="0" lang="ko-KR" altLang="ko-KR" sz="1500" b="0" i="0" u="none" strike="noStrike" cap="none" normalizeH="0" baseline="0" smtClean="0">
-                <a:ln>
-                  <a:noFill/>
-                </a:ln>
-                <a:solidFill>
-                  <a:srgbClr val="A9B7C6"/>
-                </a:solidFill>
-                <a:effectLst/>
-                <a:latin typeface="Arial Unicode MS"/>
-                <a:ea typeface="JetBrains Mono"/>
-              </a:rPr>
-              <a:t>=</a:t>
-            </a:r>
-            <a:r>
-              <a:rPr kumimoji="0" lang="ko-KR" altLang="ko-KR" sz="1500" b="0" i="0" u="none" strike="noStrike" cap="none" normalizeH="0" baseline="0" smtClean="0">
-                <a:ln>
-                  <a:noFill/>
-                </a:ln>
-                <a:solidFill>
-                  <a:srgbClr val="6897BB"/>
-                </a:solidFill>
-                <a:effectLst/>
-                <a:latin typeface="Arial Unicode MS"/>
-                <a:ea typeface="JetBrains Mono"/>
-              </a:rPr>
-              <a:t>55</a:t>
-            </a:r>
-            <a:r>
-              <a:rPr kumimoji="0" lang="ko-KR" altLang="ko-KR" sz="1500" b="0" i="0" u="none" strike="noStrike" cap="none" normalizeH="0" baseline="0" smtClean="0">
-                <a:ln>
-                  <a:noFill/>
-                </a:ln>
-                <a:solidFill>
-                  <a:srgbClr val="A9B7C6"/>
-                </a:solidFill>
-                <a:effectLst/>
-                <a:latin typeface="Arial Unicode MS"/>
-                <a:ea typeface="JetBrains Mono"/>
-              </a:rPr>
-              <a:t>*i</a:t>
-            </a:r>
-            <a:r>
-              <a:rPr kumimoji="0" lang="ko-KR" altLang="ko-KR" sz="1500" b="0" i="0" u="none" strike="noStrike" cap="none" normalizeH="0" baseline="0" smtClean="0">
-                <a:ln>
-                  <a:noFill/>
-                </a:ln>
-                <a:solidFill>
-                  <a:srgbClr val="CC7832"/>
-                </a:solidFill>
-                <a:effectLst/>
-                <a:latin typeface="Arial Unicode MS"/>
-                <a:ea typeface="JetBrains Mono"/>
-              </a:rPr>
-              <a:t>, </a:t>
-            </a:r>
-            <a:r>
-              <a:rPr kumimoji="0" lang="ko-KR" altLang="ko-KR" sz="1500" b="0" i="0" u="none" strike="noStrike" cap="none" normalizeH="0" baseline="0" smtClean="0">
-                <a:ln>
-                  <a:noFill/>
-                </a:ln>
-                <a:solidFill>
-                  <a:srgbClr val="AA4926"/>
-                </a:solidFill>
-                <a:effectLst/>
-                <a:latin typeface="Arial Unicode MS"/>
-                <a:ea typeface="JetBrains Mono"/>
-              </a:rPr>
-              <a:t>y</a:t>
-            </a:r>
-            <a:r>
-              <a:rPr kumimoji="0" lang="ko-KR" altLang="ko-KR" sz="1500" b="0" i="0" u="none" strike="noStrike" cap="none" normalizeH="0" baseline="0" smtClean="0">
-                <a:ln>
-                  <a:noFill/>
-                </a:ln>
-                <a:solidFill>
-                  <a:srgbClr val="A9B7C6"/>
-                </a:solidFill>
-                <a:effectLst/>
-                <a:latin typeface="Arial Unicode MS"/>
-                <a:ea typeface="JetBrains Mono"/>
-              </a:rPr>
-              <a:t>=</a:t>
-            </a:r>
-            <a:r>
-              <a:rPr kumimoji="0" lang="ko-KR" altLang="ko-KR" sz="1500" b="0" i="0" u="none" strike="noStrike" cap="none" normalizeH="0" baseline="0" smtClean="0">
-                <a:ln>
-                  <a:noFill/>
-                </a:ln>
-                <a:solidFill>
-                  <a:srgbClr val="6897BB"/>
-                </a:solidFill>
-                <a:effectLst/>
-                <a:latin typeface="Arial Unicode MS"/>
-                <a:ea typeface="JetBrains Mono"/>
-              </a:rPr>
-              <a:t>55</a:t>
-            </a:r>
-            <a:r>
-              <a:rPr kumimoji="0" lang="ko-KR" altLang="ko-KR" sz="1500" b="0" i="0" u="none" strike="noStrike" cap="none" normalizeH="0" baseline="0" smtClean="0">
-                <a:ln>
-                  <a:noFill/>
-                </a:ln>
-                <a:solidFill>
-                  <a:srgbClr val="A9B7C6"/>
-                </a:solidFill>
-                <a:effectLst/>
-                <a:latin typeface="Arial Unicode MS"/>
-                <a:ea typeface="JetBrains Mono"/>
-              </a:rPr>
-              <a:t>*j)</a:t>
-            </a:r>
-            <a:br>
-              <a:rPr kumimoji="0" lang="ko-KR" altLang="ko-KR" sz="1500" b="0" i="0" u="none" strike="noStrike" cap="none" normalizeH="0" baseline="0" smtClean="0">
-                <a:ln>
-                  <a:noFill/>
-                </a:ln>
-                <a:solidFill>
-                  <a:srgbClr val="A9B7C6"/>
-                </a:solidFill>
-                <a:effectLst/>
-                <a:latin typeface="Arial Unicode MS"/>
-                <a:ea typeface="JetBrains Mono"/>
-              </a:rPr>
-            </a:br>
-            <a:r>
-              <a:rPr kumimoji="0" lang="ko-KR" altLang="ko-KR" sz="1500" b="0" i="0" u="none" strike="noStrike" cap="none" normalizeH="0" baseline="0" smtClean="0">
-                <a:ln>
-                  <a:noFill/>
-                </a:ln>
-                <a:solidFill>
-                  <a:srgbClr val="A9B7C6"/>
-                </a:solidFill>
-                <a:effectLst/>
-                <a:latin typeface="Arial Unicode MS"/>
-                <a:ea typeface="JetBrains Mono"/>
-              </a:rPr>
-              <a:t>        k += </a:t>
-            </a:r>
-            <a:r>
-              <a:rPr kumimoji="0" lang="ko-KR" altLang="ko-KR" sz="1500" b="0" i="0" u="none" strike="noStrike" cap="none" normalizeH="0" baseline="0" smtClean="0">
-                <a:ln>
-                  <a:noFill/>
-                </a:ln>
-                <a:solidFill>
-                  <a:srgbClr val="6897BB"/>
-                </a:solidFill>
-                <a:effectLst/>
-                <a:latin typeface="Arial Unicode MS"/>
-                <a:ea typeface="JetBrains Mono"/>
-              </a:rPr>
-              <a:t>1</a:t>
-            </a:r>
-            <a:br>
-              <a:rPr kumimoji="0" lang="ko-KR" altLang="ko-KR" sz="1500" b="0" i="0" u="none" strike="noStrike" cap="none" normalizeH="0" baseline="0" smtClean="0">
-                <a:ln>
-                  <a:noFill/>
-                </a:ln>
-                <a:solidFill>
-                  <a:srgbClr val="6897BB"/>
-                </a:solidFill>
-                <a:effectLst/>
-                <a:latin typeface="Arial Unicode MS"/>
-                <a:ea typeface="JetBrains Mono"/>
-              </a:rPr>
-            </a:br>
-            <a:r>
-              <a:rPr kumimoji="0" lang="ko-KR" altLang="ko-KR" sz="1500" b="0" i="0" u="none" strike="noStrike" cap="none" normalizeH="0" baseline="0" smtClean="0">
-                <a:ln>
-                  <a:noFill/>
-                </a:ln>
-                <a:solidFill>
-                  <a:srgbClr val="6897BB"/>
-                </a:solidFill>
-                <a:effectLst/>
-                <a:latin typeface="Arial Unicode MS"/>
-                <a:ea typeface="JetBrains Mono"/>
-              </a:rPr>
-              <a:t/>
-            </a:r>
-            <a:br>
-              <a:rPr kumimoji="0" lang="ko-KR" altLang="ko-KR" sz="1500" b="0" i="0" u="none" strike="noStrike" cap="none" normalizeH="0" baseline="0" smtClean="0">
-                <a:ln>
-                  <a:noFill/>
-                </a:ln>
-                <a:solidFill>
-                  <a:srgbClr val="6897BB"/>
-                </a:solidFill>
-                <a:effectLst/>
-                <a:latin typeface="Arial Unicode MS"/>
-                <a:ea typeface="JetBrains Mono"/>
-              </a:rPr>
-            </a:br>
-            <a:r>
-              <a:rPr kumimoji="0" lang="ko-KR" altLang="ko-KR" sz="1500" b="0" i="0" u="none" strike="noStrike" cap="none" normalizeH="0" baseline="0" smtClean="0">
-                <a:ln>
-                  <a:noFill/>
-                </a:ln>
-                <a:solidFill>
-                  <a:srgbClr val="A9B7C6"/>
-                </a:solidFill>
-                <a:effectLst/>
-                <a:latin typeface="Arial Unicode MS"/>
-                <a:ea typeface="JetBrains Mono"/>
-              </a:rPr>
-              <a:t>root.mainloop()</a:t>
-            </a:r>
-            <a:endParaRPr kumimoji="0" lang="ko-KR" altLang="ko-KR" sz="1800" b="0" i="0" u="none" strike="noStrike" cap="none" normalizeH="0" baseline="0" smtClean="0">
-              <a:ln>
-                <a:noFill/>
-              </a:ln>
-              <a:solidFill>
-                <a:schemeClr val="tx1"/>
-              </a:solidFill>
-              <a:effectLst/>
-              <a:latin typeface="Arial" panose="020B0604020202020204" pitchFamily="34" charset="0"/>
-            </a:endParaRPr>
-          </a:p>
-        </p:txBody>
-      </p:sp>
-    </p:spTree>
-    <p:extLst>
-      <p:ext uri="{BB962C8B-B14F-4D97-AF65-F5344CB8AC3E}">
-        <p14:creationId xmlns:p14="http://schemas.microsoft.com/office/powerpoint/2010/main" val="273357655"/>
-      </p:ext>
-    </p:extLst>
-  </p:cSld>
-  <p:clrMapOvr>
-    <a:masterClrMapping/>
-  </p:clrMapOvr>
-  <p:timing>
-    <p:tnLst>
-      <p:par>
-        <p:cTn id="1" dur="indefinite" restart="never" nodeType="tmRoot"/>
-      </p:par>
-    </p:tnLst>
-  </p:timing>
-</p:sld>
-</file>
-
-<file path=ppt/slides/slide5.xml><?xml version="1.0" encoding="utf-8"?>
-<p:sld xmlns:a="http://schemas.openxmlformats.org/drawingml/2006/main" xmlns:r="http://schemas.openxmlformats.org/officeDocument/2006/relationships" xmlns:p="http://schemas.openxmlformats.org/presentationml/2006/main">
-  <p:cSld>
-    <p:spTree>
-      <p:nvGrpSpPr>
-        <p:cNvPr id="1" name=""/>
-        <p:cNvGrpSpPr/>
-        <p:nvPr/>
-      </p:nvGrpSpPr>
-      <p:grpSpPr>
-        <a:xfrm>
-          <a:off x="0" y="0"/>
-          <a:ext cx="0" cy="0"/>
-          <a:chOff x="0" y="0"/>
-          <a:chExt cx="0" cy="0"/>
-        </a:xfrm>
-      </p:grpSpPr>
-      <p:sp>
-        <p:nvSpPr>
-          <p:cNvPr id="2" name="제목 1">
-            <a:extLst>
-              <a:ext uri="{FF2B5EF4-FFF2-40B4-BE49-F238E27FC236}">
-                <a16:creationId xmlns:a16="http://schemas.microsoft.com/office/drawing/2014/main" id="{980CE7C3-D09E-476A-B7AF-1E97A3219BDF}"/>
-              </a:ext>
-            </a:extLst>
-          </p:cNvPr>
-          <p:cNvSpPr>
-            <a:spLocks noGrp="1"/>
-          </p:cNvSpPr>
-          <p:nvPr>
-            <p:ph type="title"/>
-          </p:nvPr>
-        </p:nvSpPr>
-        <p:spPr/>
-        <p:txBody>
-          <a:bodyPr/>
-          <a:lstStyle/>
-          <a:p>
-            <a:r>
-              <a:rPr lang="en-US" altLang="ko-KR" dirty="0" err="1" smtClean="0"/>
-              <a:t>Photoimage</a:t>
-            </a:r>
-            <a:r>
-              <a:rPr lang="en-US" altLang="ko-KR" dirty="0" smtClean="0"/>
-              <a:t> </a:t>
-            </a:r>
-            <a:r>
-              <a:rPr lang="ko-KR" altLang="en-US" dirty="0" smtClean="0"/>
-              <a:t>사용하기</a:t>
-            </a:r>
-            <a:endParaRPr lang="ko-KR" altLang="en-US" dirty="0"/>
-          </a:p>
-        </p:txBody>
-      </p:sp>
-      <p:sp>
-        <p:nvSpPr>
-          <p:cNvPr id="3" name="내용 개체 틀 2">
-            <a:extLst>
-              <a:ext uri="{FF2B5EF4-FFF2-40B4-BE49-F238E27FC236}">
-                <a16:creationId xmlns:a16="http://schemas.microsoft.com/office/drawing/2014/main" id="{21BA1BBD-6210-4806-8931-611AD2E7A411}"/>
-              </a:ext>
-            </a:extLst>
-          </p:cNvPr>
-          <p:cNvSpPr>
-            <a:spLocks noGrp="1"/>
-          </p:cNvSpPr>
-          <p:nvPr>
-            <p:ph idx="1"/>
-          </p:nvPr>
-        </p:nvSpPr>
-        <p:spPr>
-          <a:xfrm>
-            <a:off x="1419918" y="1988840"/>
-            <a:ext cx="6571343" cy="3450613"/>
-          </a:xfrm>
-        </p:spPr>
-        <p:txBody>
-          <a:bodyPr/>
-          <a:lstStyle/>
-          <a:p>
-            <a:r>
-              <a:rPr lang="en-US" altLang="ko-KR" dirty="0" err="1" smtClean="0"/>
-              <a:t>PhotoImage</a:t>
-            </a:r>
-            <a:r>
-              <a:rPr lang="en-US" altLang="ko-KR" dirty="0" smtClean="0"/>
-              <a:t> </a:t>
-            </a:r>
-            <a:r>
-              <a:rPr lang="ko-KR" altLang="en-US" dirty="0" smtClean="0"/>
-              <a:t>클래스로 이미지 객체를 만들고</a:t>
-            </a:r>
-            <a:r>
-              <a:rPr lang="en-US" altLang="ko-KR" dirty="0" smtClean="0"/>
-              <a:t>, </a:t>
-            </a:r>
-            <a:r>
-              <a:rPr lang="ko-KR" altLang="en-US" dirty="0" smtClean="0"/>
-              <a:t>레이블이나 버튼에 </a:t>
-            </a:r>
-            <a:r>
-              <a:rPr lang="en-US" altLang="ko-KR" dirty="0" smtClean="0"/>
-              <a:t>text </a:t>
-            </a:r>
-            <a:r>
-              <a:rPr lang="ko-KR" altLang="en-US" dirty="0" smtClean="0"/>
-              <a:t>대신 </a:t>
-            </a:r>
-            <a:r>
-              <a:rPr lang="en-US" altLang="ko-KR" dirty="0" smtClean="0"/>
-              <a:t>image </a:t>
-            </a:r>
-            <a:r>
-              <a:rPr lang="ko-KR" altLang="en-US" dirty="0" smtClean="0"/>
-              <a:t>키워드를 사용한다</a:t>
-            </a:r>
-            <a:r>
-              <a:rPr lang="en-US" altLang="ko-KR" dirty="0" smtClean="0"/>
-              <a:t>. </a:t>
-            </a:r>
-            <a:endParaRPr lang="ko-KR" altLang="en-US" dirty="0"/>
-          </a:p>
-        </p:txBody>
-      </p:sp>
-      <p:sp>
-        <p:nvSpPr>
-          <p:cNvPr id="4" name="Rectangle 1"/>
-          <p:cNvSpPr>
-            <a:spLocks noChangeArrowheads="1"/>
-          </p:cNvSpPr>
-          <p:nvPr/>
-        </p:nvSpPr>
-        <p:spPr bwMode="auto">
-          <a:xfrm>
-            <a:off x="970989" y="2852936"/>
-            <a:ext cx="7020272" cy="3093154"/>
-          </a:xfrm>
-          <a:prstGeom prst="rect">
-            <a:avLst/>
-          </a:prstGeom>
-          <a:solidFill>
-            <a:srgbClr val="2B2B2B"/>
-          </a:solidFill>
-          <a:ln>
-            <a:noFill/>
-          </a:ln>
-          <a:effectLst/>
-          <a:extLst>
-            <a:ext uri="{91240B29-F687-4F45-9708-019B960494DF}">
-              <a14:hiddenLine xmlns:a14="http://schemas.microsoft.com/office/drawing/2010/main" w="9525">
-                <a:solidFill>
-                  <a:schemeClr val="tx1"/>
-                </a:solidFill>
-                <a:miter lim="800000"/>
-                <a:headEnd/>
-                <a:tailEnd/>
-              </a14:hiddenLine>
-            </a:ext>
-            <a:ext uri="{AF507438-7753-43E0-B8FC-AC1667EBCBE1}">
-              <a14:hiddenEffects xmlns:a14="http://schemas.microsoft.com/office/drawing/2010/main">
-                <a:effectLst>
-                  <a:outerShdw dist="35921" dir="2700000" algn="ctr" rotWithShape="0">
-                    <a:schemeClr val="bg2"/>
-                  </a:outerShdw>
-                </a:effectLst>
-              </a14:hiddenEffects>
-            </a:ext>
-          </a:extLst>
-        </p:spPr>
-        <p:txBody>
-          <a:bodyPr vert="horz" wrap="square" lIns="91440" tIns="45720" rIns="91440" bIns="45720" numCol="1" anchor="ctr" anchorCtr="0" compatLnSpc="1">
-            <a:prstTxWarp prst="textNoShape">
-              <a:avLst/>
-            </a:prstTxWarp>
-            <a:spAutoFit/>
-          </a:bodyPr>
-          <a:lstStyle/>
-          <a:p>
-            <a:pPr marL="0" marR="0" lvl="0" indent="0" algn="l" defTabSz="914400" rtl="0" eaLnBrk="0" fontAlgn="base" latinLnBrk="0" hangingPunct="0">
-              <a:lnSpc>
-                <a:spcPct val="100000"/>
-              </a:lnSpc>
-              <a:spcBef>
-                <a:spcPct val="0"/>
-              </a:spcBef>
-              <a:spcAft>
-                <a:spcPct val="0"/>
-              </a:spcAft>
-              <a:buClrTx/>
-              <a:buSzTx/>
-              <a:buFontTx/>
-              <a:buNone/>
-              <a:tabLst/>
-            </a:pPr>
-            <a:r>
-              <a:rPr kumimoji="0" lang="ko-KR" altLang="ko-KR" sz="1500" b="0" i="0" u="none" strike="noStrike" cap="none" normalizeH="0" baseline="0" smtClean="0">
-                <a:ln>
-                  <a:noFill/>
-                </a:ln>
-                <a:solidFill>
-                  <a:srgbClr val="CC7832"/>
-                </a:solidFill>
-                <a:effectLst/>
-                <a:latin typeface="Arial Unicode MS"/>
-                <a:ea typeface="JetBrains Mono"/>
-              </a:rPr>
-              <a:t>import </a:t>
-            </a:r>
-            <a:r>
-              <a:rPr kumimoji="0" lang="ko-KR" altLang="ko-KR" sz="1500" b="0" i="0" u="none" strike="noStrike" cap="none" normalizeH="0" baseline="0" smtClean="0">
-                <a:ln>
-                  <a:noFill/>
-                </a:ln>
-                <a:solidFill>
-                  <a:srgbClr val="A9B7C6"/>
-                </a:solidFill>
-                <a:effectLst/>
-                <a:latin typeface="Arial Unicode MS"/>
-                <a:ea typeface="JetBrains Mono"/>
-              </a:rPr>
-              <a:t>tkinter </a:t>
-            </a:r>
-            <a:r>
-              <a:rPr kumimoji="0" lang="ko-KR" altLang="ko-KR" sz="1500" b="0" i="0" u="none" strike="noStrike" cap="none" normalizeH="0" baseline="0" smtClean="0">
-                <a:ln>
-                  <a:noFill/>
-                </a:ln>
-                <a:solidFill>
-                  <a:srgbClr val="CC7832"/>
-                </a:solidFill>
-                <a:effectLst/>
-                <a:latin typeface="Arial Unicode MS"/>
-                <a:ea typeface="JetBrains Mono"/>
-              </a:rPr>
-              <a:t>as </a:t>
-            </a:r>
-            <a:r>
-              <a:rPr kumimoji="0" lang="ko-KR" altLang="ko-KR" sz="1500" b="0" i="0" u="none" strike="noStrike" cap="none" normalizeH="0" baseline="0" smtClean="0">
-                <a:ln>
-                  <a:noFill/>
-                </a:ln>
-                <a:solidFill>
-                  <a:srgbClr val="A9B7C6"/>
-                </a:solidFill>
-                <a:effectLst/>
-                <a:latin typeface="Arial Unicode MS"/>
-                <a:ea typeface="JetBrains Mono"/>
-              </a:rPr>
-              <a:t>tk</a:t>
-            </a:r>
-            <a:br>
-              <a:rPr kumimoji="0" lang="ko-KR" altLang="ko-KR" sz="1500" b="0" i="0" u="none" strike="noStrike" cap="none" normalizeH="0" baseline="0" smtClean="0">
-                <a:ln>
-                  <a:noFill/>
-                </a:ln>
-                <a:solidFill>
-                  <a:srgbClr val="A9B7C6"/>
-                </a:solidFill>
-                <a:effectLst/>
-                <a:latin typeface="Arial Unicode MS"/>
-                <a:ea typeface="JetBrains Mono"/>
-              </a:rPr>
-            </a:br>
-            <a:r>
-              <a:rPr kumimoji="0" lang="ko-KR" altLang="ko-KR" sz="1500" b="0" i="0" u="none" strike="noStrike" cap="none" normalizeH="0" baseline="0" smtClean="0">
-                <a:ln>
-                  <a:noFill/>
-                </a:ln>
-                <a:solidFill>
-                  <a:srgbClr val="A9B7C6"/>
-                </a:solidFill>
-                <a:effectLst/>
-                <a:latin typeface="Arial Unicode MS"/>
-                <a:ea typeface="JetBrains Mono"/>
-              </a:rPr>
-              <a:t/>
-            </a:r>
-            <a:br>
-              <a:rPr kumimoji="0" lang="ko-KR" altLang="ko-KR" sz="1500" b="0" i="0" u="none" strike="noStrike" cap="none" normalizeH="0" baseline="0" smtClean="0">
-                <a:ln>
-                  <a:noFill/>
-                </a:ln>
-                <a:solidFill>
-                  <a:srgbClr val="A9B7C6"/>
-                </a:solidFill>
-                <a:effectLst/>
-                <a:latin typeface="Arial Unicode MS"/>
-                <a:ea typeface="JetBrains Mono"/>
-              </a:rPr>
-            </a:br>
-            <a:r>
-              <a:rPr kumimoji="0" lang="ko-KR" altLang="ko-KR" sz="1500" b="0" i="0" u="none" strike="noStrike" cap="none" normalizeH="0" baseline="0" smtClean="0">
-                <a:ln>
-                  <a:noFill/>
-                </a:ln>
-                <a:solidFill>
-                  <a:srgbClr val="A9B7C6"/>
-                </a:solidFill>
-                <a:effectLst/>
-                <a:latin typeface="Arial Unicode MS"/>
-                <a:ea typeface="JetBrains Mono"/>
-              </a:rPr>
-              <a:t>root = tk.Tk()</a:t>
-            </a:r>
-            <a:br>
-              <a:rPr kumimoji="0" lang="ko-KR" altLang="ko-KR" sz="1500" b="0" i="0" u="none" strike="noStrike" cap="none" normalizeH="0" baseline="0" smtClean="0">
-                <a:ln>
-                  <a:noFill/>
-                </a:ln>
-                <a:solidFill>
-                  <a:srgbClr val="A9B7C6"/>
-                </a:solidFill>
-                <a:effectLst/>
-                <a:latin typeface="Arial Unicode MS"/>
-                <a:ea typeface="JetBrains Mono"/>
-              </a:rPr>
-            </a:br>
-            <a:r>
-              <a:rPr kumimoji="0" lang="ko-KR" altLang="ko-KR" sz="1500" b="0" i="0" u="none" strike="noStrike" cap="none" normalizeH="0" baseline="0" smtClean="0">
-                <a:ln>
-                  <a:noFill/>
-                </a:ln>
-                <a:solidFill>
-                  <a:srgbClr val="A9B7C6"/>
-                </a:solidFill>
-                <a:effectLst/>
-                <a:latin typeface="Arial Unicode MS"/>
-                <a:ea typeface="JetBrains Mono"/>
-              </a:rPr>
-              <a:t>root.title(</a:t>
-            </a:r>
-            <a:r>
-              <a:rPr kumimoji="0" lang="ko-KR" altLang="ko-KR" sz="1500" b="0" i="0" u="none" strike="noStrike" cap="none" normalizeH="0" baseline="0" smtClean="0">
-                <a:ln>
-                  <a:noFill/>
-                </a:ln>
-                <a:solidFill>
-                  <a:srgbClr val="6A8759"/>
-                </a:solidFill>
-                <a:effectLst/>
-                <a:latin typeface="Arial Unicode MS"/>
-                <a:ea typeface="JetBrains Mono"/>
-              </a:rPr>
-              <a:t>"</a:t>
-            </a:r>
-            <a:r>
-              <a:rPr kumimoji="0" lang="ko-KR" altLang="ko-KR" sz="1500" b="0" i="0" u="none" strike="noStrike" cap="none" normalizeH="0" baseline="0" smtClean="0">
-                <a:ln>
-                  <a:noFill/>
-                </a:ln>
-                <a:solidFill>
-                  <a:srgbClr val="6A8759"/>
-                </a:solidFill>
-                <a:effectLst/>
-                <a:latin typeface="맑은 고딕" panose="020B0503020000020004" pitchFamily="50" charset="-127"/>
-                <a:ea typeface="맑은 고딕" panose="020B0503020000020004" pitchFamily="50" charset="-127"/>
-              </a:rPr>
-              <a:t>아이콘 연습</a:t>
-            </a:r>
-            <a:r>
-              <a:rPr kumimoji="0" lang="ko-KR" altLang="ko-KR" sz="1500" b="0" i="0" u="none" strike="noStrike" cap="none" normalizeH="0" baseline="0" smtClean="0">
-                <a:ln>
-                  <a:noFill/>
-                </a:ln>
-                <a:solidFill>
-                  <a:srgbClr val="6A8759"/>
-                </a:solidFill>
-                <a:effectLst/>
-                <a:latin typeface="Arial Unicode MS"/>
-                <a:ea typeface="JetBrains Mono"/>
-              </a:rPr>
-              <a:t>"</a:t>
-            </a:r>
-            <a:r>
-              <a:rPr kumimoji="0" lang="ko-KR" altLang="ko-KR" sz="1500" b="0" i="0" u="none" strike="noStrike" cap="none" normalizeH="0" baseline="0" smtClean="0">
-                <a:ln>
-                  <a:noFill/>
-                </a:ln>
-                <a:solidFill>
-                  <a:srgbClr val="A9B7C6"/>
-                </a:solidFill>
-                <a:effectLst/>
-                <a:latin typeface="Arial Unicode MS"/>
-                <a:ea typeface="JetBrains Mono"/>
-              </a:rPr>
-              <a:t>)</a:t>
-            </a:r>
-            <a:br>
-              <a:rPr kumimoji="0" lang="ko-KR" altLang="ko-KR" sz="1500" b="0" i="0" u="none" strike="noStrike" cap="none" normalizeH="0" baseline="0" smtClean="0">
-                <a:ln>
-                  <a:noFill/>
-                </a:ln>
-                <a:solidFill>
-                  <a:srgbClr val="A9B7C6"/>
-                </a:solidFill>
-                <a:effectLst/>
-                <a:latin typeface="Arial Unicode MS"/>
-                <a:ea typeface="JetBrains Mono"/>
-              </a:rPr>
-            </a:br>
-            <a:r>
-              <a:rPr kumimoji="0" lang="ko-KR" altLang="ko-KR" sz="1500" b="0" i="0" u="none" strike="noStrike" cap="none" normalizeH="0" baseline="0" smtClean="0">
-                <a:ln>
-                  <a:noFill/>
-                </a:ln>
-                <a:solidFill>
-                  <a:srgbClr val="A9B7C6"/>
-                </a:solidFill>
-                <a:effectLst/>
-                <a:latin typeface="Arial Unicode MS"/>
-                <a:ea typeface="JetBrains Mono"/>
-              </a:rPr>
-              <a:t>root.geometry(</a:t>
-            </a:r>
-            <a:r>
-              <a:rPr kumimoji="0" lang="ko-KR" altLang="ko-KR" sz="1500" b="0" i="0" u="none" strike="noStrike" cap="none" normalizeH="0" baseline="0" smtClean="0">
-                <a:ln>
-                  <a:noFill/>
-                </a:ln>
-                <a:solidFill>
-                  <a:srgbClr val="6A8759"/>
-                </a:solidFill>
-                <a:effectLst/>
-                <a:latin typeface="Arial Unicode MS"/>
-                <a:ea typeface="JetBrains Mono"/>
-              </a:rPr>
-              <a:t>"640x400+100+100"</a:t>
-            </a:r>
-            <a:r>
-              <a:rPr kumimoji="0" lang="ko-KR" altLang="ko-KR" sz="1500" b="0" i="0" u="none" strike="noStrike" cap="none" normalizeH="0" baseline="0" smtClean="0">
-                <a:ln>
-                  <a:noFill/>
-                </a:ln>
-                <a:solidFill>
-                  <a:srgbClr val="A9B7C6"/>
-                </a:solidFill>
-                <a:effectLst/>
-                <a:latin typeface="Arial Unicode MS"/>
-                <a:ea typeface="JetBrains Mono"/>
-              </a:rPr>
-              <a:t>)</a:t>
-            </a:r>
-            <a:br>
-              <a:rPr kumimoji="0" lang="ko-KR" altLang="ko-KR" sz="1500" b="0" i="0" u="none" strike="noStrike" cap="none" normalizeH="0" baseline="0" smtClean="0">
-                <a:ln>
-                  <a:noFill/>
-                </a:ln>
-                <a:solidFill>
-                  <a:srgbClr val="A9B7C6"/>
-                </a:solidFill>
-                <a:effectLst/>
-                <a:latin typeface="Arial Unicode MS"/>
-                <a:ea typeface="JetBrains Mono"/>
-              </a:rPr>
-            </a:br>
-            <a:r>
-              <a:rPr kumimoji="0" lang="ko-KR" altLang="ko-KR" sz="1500" b="0" i="0" u="none" strike="noStrike" cap="none" normalizeH="0" baseline="0" smtClean="0">
-                <a:ln>
-                  <a:noFill/>
-                </a:ln>
-                <a:solidFill>
-                  <a:srgbClr val="A9B7C6"/>
-                </a:solidFill>
-                <a:effectLst/>
-                <a:latin typeface="Arial Unicode MS"/>
-                <a:ea typeface="JetBrains Mono"/>
-              </a:rPr>
-              <a:t>root.resizable(</a:t>
-            </a:r>
-            <a:r>
-              <a:rPr kumimoji="0" lang="ko-KR" altLang="ko-KR" sz="1500" b="0" i="0" u="none" strike="noStrike" cap="none" normalizeH="0" baseline="0" smtClean="0">
-                <a:ln>
-                  <a:noFill/>
-                </a:ln>
-                <a:solidFill>
-                  <a:srgbClr val="CC7832"/>
-                </a:solidFill>
-                <a:effectLst/>
-                <a:latin typeface="Arial Unicode MS"/>
-                <a:ea typeface="JetBrains Mono"/>
-              </a:rPr>
-              <a:t>True, True</a:t>
-            </a:r>
-            <a:r>
-              <a:rPr kumimoji="0" lang="ko-KR" altLang="ko-KR" sz="1500" b="0" i="0" u="none" strike="noStrike" cap="none" normalizeH="0" baseline="0" smtClean="0">
-                <a:ln>
-                  <a:noFill/>
-                </a:ln>
-                <a:solidFill>
-                  <a:srgbClr val="A9B7C6"/>
-                </a:solidFill>
-                <a:effectLst/>
-                <a:latin typeface="Arial Unicode MS"/>
-                <a:ea typeface="JetBrains Mono"/>
-              </a:rPr>
-              <a:t>)</a:t>
-            </a:r>
-            <a:br>
-              <a:rPr kumimoji="0" lang="ko-KR" altLang="ko-KR" sz="1500" b="0" i="0" u="none" strike="noStrike" cap="none" normalizeH="0" baseline="0" smtClean="0">
-                <a:ln>
-                  <a:noFill/>
-                </a:ln>
-                <a:solidFill>
-                  <a:srgbClr val="A9B7C6"/>
-                </a:solidFill>
-                <a:effectLst/>
-                <a:latin typeface="Arial Unicode MS"/>
-                <a:ea typeface="JetBrains Mono"/>
-              </a:rPr>
-            </a:br>
-            <a:r>
-              <a:rPr kumimoji="0" lang="ko-KR" altLang="ko-KR" sz="1500" b="0" i="0" u="none" strike="noStrike" cap="none" normalizeH="0" baseline="0" smtClean="0">
-                <a:ln>
-                  <a:noFill/>
-                </a:ln>
-                <a:solidFill>
-                  <a:srgbClr val="A9B7C6"/>
-                </a:solidFill>
-                <a:effectLst/>
-                <a:latin typeface="Arial Unicode MS"/>
-                <a:ea typeface="JetBrains Mono"/>
-              </a:rPr>
-              <a:t/>
-            </a:r>
-            <a:br>
-              <a:rPr kumimoji="0" lang="ko-KR" altLang="ko-KR" sz="1500" b="0" i="0" u="none" strike="noStrike" cap="none" normalizeH="0" baseline="0" smtClean="0">
-                <a:ln>
-                  <a:noFill/>
-                </a:ln>
-                <a:solidFill>
-                  <a:srgbClr val="A9B7C6"/>
-                </a:solidFill>
-                <a:effectLst/>
-                <a:latin typeface="Arial Unicode MS"/>
-                <a:ea typeface="JetBrains Mono"/>
-              </a:rPr>
-            </a:br>
-            <a:r>
-              <a:rPr kumimoji="0" lang="ko-KR" altLang="ko-KR" sz="1500" b="0" i="0" u="none" strike="noStrike" cap="none" normalizeH="0" baseline="0" smtClean="0">
-                <a:ln>
-                  <a:noFill/>
-                </a:ln>
-                <a:solidFill>
-                  <a:srgbClr val="A9B7C6"/>
-                </a:solidFill>
-                <a:effectLst/>
-                <a:latin typeface="Arial Unicode MS"/>
-                <a:ea typeface="JetBrains Mono"/>
-              </a:rPr>
-              <a:t>image = tk.PhotoImage(</a:t>
-            </a:r>
-            <a:r>
-              <a:rPr kumimoji="0" lang="ko-KR" altLang="ko-KR" sz="1500" b="0" i="0" u="none" strike="noStrike" cap="none" normalizeH="0" baseline="0" smtClean="0">
-                <a:ln>
-                  <a:noFill/>
-                </a:ln>
-                <a:solidFill>
-                  <a:srgbClr val="AA4926"/>
-                </a:solidFill>
-                <a:effectLst/>
-                <a:latin typeface="Arial Unicode MS"/>
-                <a:ea typeface="JetBrains Mono"/>
-              </a:rPr>
-              <a:t>file</a:t>
-            </a:r>
-            <a:r>
-              <a:rPr kumimoji="0" lang="ko-KR" altLang="ko-KR" sz="1500" b="0" i="0" u="none" strike="noStrike" cap="none" normalizeH="0" baseline="0" smtClean="0">
-                <a:ln>
-                  <a:noFill/>
-                </a:ln>
-                <a:solidFill>
-                  <a:srgbClr val="A9B7C6"/>
-                </a:solidFill>
-                <a:effectLst/>
-                <a:latin typeface="Arial Unicode MS"/>
-                <a:ea typeface="JetBrains Mono"/>
-              </a:rPr>
-              <a:t>=</a:t>
-            </a:r>
-            <a:r>
-              <a:rPr kumimoji="0" lang="ko-KR" altLang="ko-KR" sz="1500" b="0" i="0" u="none" strike="noStrike" cap="none" normalizeH="0" baseline="0" smtClean="0">
-                <a:ln>
-                  <a:noFill/>
-                </a:ln>
-                <a:solidFill>
-                  <a:srgbClr val="6A8759"/>
-                </a:solidFill>
-                <a:effectLst/>
-                <a:latin typeface="Arial Unicode MS"/>
-                <a:ea typeface="JetBrains Mono"/>
-              </a:rPr>
-              <a:t>"../icon/dot_red.gif"</a:t>
-            </a:r>
-            <a:r>
-              <a:rPr kumimoji="0" lang="ko-KR" altLang="ko-KR" sz="1500" b="0" i="0" u="none" strike="noStrike" cap="none" normalizeH="0" baseline="0" smtClean="0">
-                <a:ln>
-                  <a:noFill/>
-                </a:ln>
-                <a:solidFill>
-                  <a:srgbClr val="A9B7C6"/>
-                </a:solidFill>
-                <a:effectLst/>
-                <a:latin typeface="Arial Unicode MS"/>
-                <a:ea typeface="JetBrains Mono"/>
-              </a:rPr>
-              <a:t>)</a:t>
-            </a:r>
-            <a:br>
-              <a:rPr kumimoji="0" lang="ko-KR" altLang="ko-KR" sz="1500" b="0" i="0" u="none" strike="noStrike" cap="none" normalizeH="0" baseline="0" smtClean="0">
-                <a:ln>
-                  <a:noFill/>
-                </a:ln>
-                <a:solidFill>
-                  <a:srgbClr val="A9B7C6"/>
-                </a:solidFill>
-                <a:effectLst/>
-                <a:latin typeface="Arial Unicode MS"/>
-                <a:ea typeface="JetBrains Mono"/>
-              </a:rPr>
-            </a:br>
-            <a:r>
-              <a:rPr kumimoji="0" lang="ko-KR" altLang="ko-KR" sz="1500" b="0" i="0" u="none" strike="noStrike" cap="none" normalizeH="0" baseline="0" smtClean="0">
-                <a:ln>
-                  <a:noFill/>
-                </a:ln>
-                <a:solidFill>
-                  <a:srgbClr val="A9B7C6"/>
-                </a:solidFill>
-                <a:effectLst/>
-                <a:latin typeface="Arial Unicode MS"/>
-                <a:ea typeface="JetBrains Mono"/>
-              </a:rPr>
-              <a:t/>
-            </a:r>
-            <a:br>
-              <a:rPr kumimoji="0" lang="ko-KR" altLang="ko-KR" sz="1500" b="0" i="0" u="none" strike="noStrike" cap="none" normalizeH="0" baseline="0" smtClean="0">
-                <a:ln>
-                  <a:noFill/>
-                </a:ln>
-                <a:solidFill>
-                  <a:srgbClr val="A9B7C6"/>
-                </a:solidFill>
-                <a:effectLst/>
-                <a:latin typeface="Arial Unicode MS"/>
-                <a:ea typeface="JetBrains Mono"/>
-              </a:rPr>
-            </a:br>
-            <a:r>
-              <a:rPr kumimoji="0" lang="ko-KR" altLang="ko-KR" sz="1500" b="0" i="0" u="none" strike="noStrike" cap="none" normalizeH="0" baseline="0" smtClean="0">
-                <a:ln>
-                  <a:noFill/>
-                </a:ln>
-                <a:solidFill>
-                  <a:srgbClr val="A9B7C6"/>
-                </a:solidFill>
-                <a:effectLst/>
-                <a:latin typeface="Arial Unicode MS"/>
-                <a:ea typeface="JetBrains Mono"/>
-              </a:rPr>
-              <a:t>label = tk.Label(root</a:t>
-            </a:r>
-            <a:r>
-              <a:rPr kumimoji="0" lang="ko-KR" altLang="ko-KR" sz="1500" b="0" i="0" u="none" strike="noStrike" cap="none" normalizeH="0" baseline="0" smtClean="0">
-                <a:ln>
-                  <a:noFill/>
-                </a:ln>
-                <a:solidFill>
-                  <a:srgbClr val="CC7832"/>
-                </a:solidFill>
-                <a:effectLst/>
-                <a:latin typeface="Arial Unicode MS"/>
-                <a:ea typeface="JetBrains Mono"/>
-              </a:rPr>
-              <a:t>, </a:t>
-            </a:r>
-            <a:r>
-              <a:rPr kumimoji="0" lang="ko-KR" altLang="ko-KR" sz="1500" b="0" i="0" u="none" strike="noStrike" cap="none" normalizeH="0" baseline="0" smtClean="0">
-                <a:ln>
-                  <a:noFill/>
-                </a:ln>
-                <a:solidFill>
-                  <a:srgbClr val="AA4926"/>
-                </a:solidFill>
-                <a:effectLst/>
-                <a:latin typeface="Arial Unicode MS"/>
-                <a:ea typeface="JetBrains Mono"/>
-              </a:rPr>
-              <a:t>image</a:t>
-            </a:r>
-            <a:r>
-              <a:rPr kumimoji="0" lang="ko-KR" altLang="ko-KR" sz="1500" b="0" i="0" u="none" strike="noStrike" cap="none" normalizeH="0" baseline="0" smtClean="0">
-                <a:ln>
-                  <a:noFill/>
-                </a:ln>
-                <a:solidFill>
-                  <a:srgbClr val="A9B7C6"/>
-                </a:solidFill>
-                <a:effectLst/>
-                <a:latin typeface="Arial Unicode MS"/>
-                <a:ea typeface="JetBrains Mono"/>
-              </a:rPr>
-              <a:t>=image)</a:t>
-            </a:r>
-            <a:br>
-              <a:rPr kumimoji="0" lang="ko-KR" altLang="ko-KR" sz="1500" b="0" i="0" u="none" strike="noStrike" cap="none" normalizeH="0" baseline="0" smtClean="0">
-                <a:ln>
-                  <a:noFill/>
-                </a:ln>
-                <a:solidFill>
-                  <a:srgbClr val="A9B7C6"/>
-                </a:solidFill>
-                <a:effectLst/>
-                <a:latin typeface="Arial Unicode MS"/>
-                <a:ea typeface="JetBrains Mono"/>
-              </a:rPr>
-            </a:br>
-            <a:r>
-              <a:rPr kumimoji="0" lang="ko-KR" altLang="ko-KR" sz="1500" b="0" i="0" u="none" strike="noStrike" cap="none" normalizeH="0" baseline="0" smtClean="0">
-                <a:ln>
-                  <a:noFill/>
-                </a:ln>
-                <a:solidFill>
-                  <a:srgbClr val="A9B7C6"/>
-                </a:solidFill>
-                <a:effectLst/>
-                <a:latin typeface="Arial Unicode MS"/>
-                <a:ea typeface="JetBrains Mono"/>
-              </a:rPr>
-              <a:t>label.pack()</a:t>
-            </a:r>
-            <a:br>
-              <a:rPr kumimoji="0" lang="ko-KR" altLang="ko-KR" sz="1500" b="0" i="0" u="none" strike="noStrike" cap="none" normalizeH="0" baseline="0" smtClean="0">
-                <a:ln>
-                  <a:noFill/>
-                </a:ln>
-                <a:solidFill>
-                  <a:srgbClr val="A9B7C6"/>
-                </a:solidFill>
-                <a:effectLst/>
-                <a:latin typeface="Arial Unicode MS"/>
-                <a:ea typeface="JetBrains Mono"/>
-              </a:rPr>
-            </a:br>
-            <a:r>
-              <a:rPr kumimoji="0" lang="ko-KR" altLang="ko-KR" sz="1500" b="0" i="0" u="none" strike="noStrike" cap="none" normalizeH="0" baseline="0" smtClean="0">
-                <a:ln>
-                  <a:noFill/>
-                </a:ln>
-                <a:solidFill>
-                  <a:srgbClr val="A9B7C6"/>
-                </a:solidFill>
-                <a:effectLst/>
-                <a:latin typeface="Arial Unicode MS"/>
-                <a:ea typeface="JetBrains Mono"/>
-              </a:rPr>
-              <a:t/>
-            </a:r>
-            <a:br>
-              <a:rPr kumimoji="0" lang="ko-KR" altLang="ko-KR" sz="1500" b="0" i="0" u="none" strike="noStrike" cap="none" normalizeH="0" baseline="0" smtClean="0">
-                <a:ln>
-                  <a:noFill/>
-                </a:ln>
-                <a:solidFill>
-                  <a:srgbClr val="A9B7C6"/>
-                </a:solidFill>
-                <a:effectLst/>
-                <a:latin typeface="Arial Unicode MS"/>
-                <a:ea typeface="JetBrains Mono"/>
-              </a:rPr>
-            </a:br>
-            <a:r>
-              <a:rPr kumimoji="0" lang="ko-KR" altLang="ko-KR" sz="1500" b="0" i="0" u="none" strike="noStrike" cap="none" normalizeH="0" baseline="0" smtClean="0">
-                <a:ln>
-                  <a:noFill/>
-                </a:ln>
-                <a:solidFill>
-                  <a:srgbClr val="A9B7C6"/>
-                </a:solidFill>
-                <a:effectLst/>
-                <a:latin typeface="Arial Unicode MS"/>
-                <a:ea typeface="JetBrains Mono"/>
-              </a:rPr>
-              <a:t>root.mainloop()</a:t>
-            </a:r>
-            <a:endParaRPr kumimoji="0" lang="ko-KR" altLang="ko-KR" sz="1800" b="0" i="0" u="none" strike="noStrike" cap="none" normalizeH="0" baseline="0" smtClean="0">
-              <a:ln>
-                <a:noFill/>
-              </a:ln>
-              <a:solidFill>
-                <a:schemeClr val="tx1"/>
-              </a:solidFill>
-              <a:effectLst/>
-              <a:latin typeface="Arial" panose="020B0604020202020204" pitchFamily="34" charset="0"/>
-            </a:endParaRPr>
-          </a:p>
-        </p:txBody>
-      </p:sp>
-    </p:spTree>
-    <p:extLst>
-      <p:ext uri="{BB962C8B-B14F-4D97-AF65-F5344CB8AC3E}">
-        <p14:creationId xmlns:p14="http://schemas.microsoft.com/office/powerpoint/2010/main" val="3560559418"/>
-      </p:ext>
-    </p:extLst>
-  </p:cSld>
-  <p:clrMapOvr>
-    <a:masterClrMapping/>
-  </p:clrMapOvr>
-  <p:timing>
-    <p:tnLst>
-      <p:par>
-        <p:cTn id="1" dur="indefinite" restart="never" nodeType="tmRoot"/>
-      </p:par>
-    </p:tnLst>
-  </p:timing>
-</p:sld>
-</file>
-
-<file path=ppt/slides/slide6.xml><?xml version="1.0" encoding="utf-8"?>
-<p:sld xmlns:a="http://schemas.openxmlformats.org/drawingml/2006/main" xmlns:r="http://schemas.openxmlformats.org/officeDocument/2006/relationships" xmlns:p="http://schemas.openxmlformats.org/presentationml/2006/main">
-  <p:cSld>
-    <p:spTree>
-      <p:nvGrpSpPr>
-        <p:cNvPr id="1" name=""/>
-        <p:cNvGrpSpPr/>
-        <p:nvPr/>
-      </p:nvGrpSpPr>
-      <p:grpSpPr>
-        <a:xfrm>
-          <a:off x="0" y="0"/>
-          <a:ext cx="0" cy="0"/>
-          <a:chOff x="0" y="0"/>
-          <a:chExt cx="0" cy="0"/>
-        </a:xfrm>
-      </p:grpSpPr>
-      <p:sp>
-        <p:nvSpPr>
-          <p:cNvPr id="2" name="제목 1">
-            <a:extLst>
-              <a:ext uri="{FF2B5EF4-FFF2-40B4-BE49-F238E27FC236}">
-                <a16:creationId xmlns:a16="http://schemas.microsoft.com/office/drawing/2014/main" id="{4A6E6CA9-42F2-4BFE-A69E-8485EACC18C1}"/>
-              </a:ext>
-            </a:extLst>
-          </p:cNvPr>
-          <p:cNvSpPr>
-            <a:spLocks noGrp="1"/>
-          </p:cNvSpPr>
-          <p:nvPr>
-            <p:ph type="title"/>
-          </p:nvPr>
-        </p:nvSpPr>
-        <p:spPr/>
-        <p:txBody>
-          <a:bodyPr/>
-          <a:lstStyle/>
-          <a:p>
-            <a:r>
-              <a:rPr lang="ko-KR" altLang="en-US" dirty="0" smtClean="0"/>
-              <a:t>폰트 사용 하는 방법</a:t>
-            </a:r>
-            <a:endParaRPr lang="ko-KR" altLang="en-US" dirty="0"/>
-          </a:p>
-        </p:txBody>
-      </p:sp>
-      <p:sp>
-        <p:nvSpPr>
-          <p:cNvPr id="3" name="내용 개체 틀 2"/>
-          <p:cNvSpPr>
-            <a:spLocks noGrp="1"/>
-          </p:cNvSpPr>
-          <p:nvPr>
-            <p:ph idx="1"/>
-          </p:nvPr>
-        </p:nvSpPr>
-        <p:spPr/>
-        <p:txBody>
-          <a:bodyPr/>
-          <a:lstStyle/>
-          <a:p>
-            <a:r>
-              <a:rPr lang="ko-KR" altLang="en-US" dirty="0" smtClean="0"/>
-              <a:t>폰트 클래스를 이용해서 폰트 객체를 지정 후에 사용한다</a:t>
-            </a:r>
-            <a:r>
-              <a:rPr lang="en-US" altLang="ko-KR" dirty="0" smtClean="0"/>
-              <a:t>.</a:t>
-            </a:r>
-            <a:endParaRPr lang="en-US" altLang="ko-KR" dirty="0"/>
-          </a:p>
-        </p:txBody>
-      </p:sp>
-      <p:sp>
-        <p:nvSpPr>
-          <p:cNvPr id="4" name="Rectangle 1"/>
-          <p:cNvSpPr>
-            <a:spLocks noChangeArrowheads="1"/>
-          </p:cNvSpPr>
-          <p:nvPr/>
-        </p:nvSpPr>
-        <p:spPr bwMode="auto">
-          <a:xfrm>
-            <a:off x="1441754" y="2924944"/>
-            <a:ext cx="6156176" cy="2996952"/>
-          </a:xfrm>
-          <a:prstGeom prst="rect">
-            <a:avLst/>
-          </a:prstGeom>
-          <a:solidFill>
-            <a:srgbClr val="2B2B2B"/>
-          </a:solidFill>
-          <a:ln>
-            <a:noFill/>
-          </a:ln>
-          <a:effectLst/>
-          <a:extLst>
-            <a:ext uri="{91240B29-F687-4F45-9708-019B960494DF}">
-              <a14:hiddenLine xmlns:a14="http://schemas.microsoft.com/office/drawing/2010/main" w="9525">
-                <a:solidFill>
-                  <a:schemeClr val="tx1"/>
-                </a:solidFill>
-                <a:miter lim="800000"/>
-                <a:headEnd/>
-                <a:tailEnd/>
-              </a14:hiddenLine>
-            </a:ext>
-            <a:ext uri="{AF507438-7753-43E0-B8FC-AC1667EBCBE1}">
-              <a14:hiddenEffects xmlns:a14="http://schemas.microsoft.com/office/drawing/2010/main">
-                <a:effectLst>
-                  <a:outerShdw dist="35921" dir="2700000" algn="ctr" rotWithShape="0">
-                    <a:schemeClr val="bg2"/>
-                  </a:outerShdw>
-                </a:effectLst>
-              </a14:hiddenEffects>
-            </a:ext>
-          </a:extLst>
-        </p:spPr>
-        <p:txBody>
-          <a:bodyPr vert="horz" wrap="square" lIns="91440" tIns="45720" rIns="91440" bIns="45720" numCol="1" anchor="ctr" anchorCtr="0" compatLnSpc="1">
-            <a:prstTxWarp prst="textNoShape">
-              <a:avLst/>
-            </a:prstTxWarp>
-            <a:spAutoFit/>
-          </a:bodyPr>
-          <a:lstStyle/>
-          <a:p>
-            <a:pPr marL="0" marR="0" lvl="0" indent="0" algn="l" defTabSz="914400" rtl="0" eaLnBrk="0" fontAlgn="base" latinLnBrk="0" hangingPunct="0">
-              <a:lnSpc>
-                <a:spcPct val="100000"/>
-              </a:lnSpc>
-              <a:spcBef>
-                <a:spcPct val="0"/>
-              </a:spcBef>
-              <a:spcAft>
-                <a:spcPct val="0"/>
-              </a:spcAft>
-              <a:buClrTx/>
-              <a:buSzTx/>
-              <a:buFontTx/>
-              <a:buNone/>
-              <a:tabLst/>
-            </a:pPr>
-            <a:r>
-              <a:rPr kumimoji="0" lang="ko-KR" altLang="ko-KR" sz="1500" b="0" i="0" u="none" strike="noStrike" cap="none" normalizeH="0" baseline="0" smtClean="0">
-                <a:ln>
-                  <a:noFill/>
-                </a:ln>
-                <a:solidFill>
-                  <a:srgbClr val="CC7832"/>
-                </a:solidFill>
-                <a:effectLst/>
-                <a:latin typeface="Arial Unicode MS"/>
-                <a:ea typeface="JetBrains Mono"/>
-              </a:rPr>
-              <a:t>import </a:t>
-            </a:r>
-            <a:r>
-              <a:rPr kumimoji="0" lang="ko-KR" altLang="ko-KR" sz="1500" b="0" i="0" u="none" strike="noStrike" cap="none" normalizeH="0" baseline="0" smtClean="0">
-                <a:ln>
-                  <a:noFill/>
-                </a:ln>
-                <a:solidFill>
-                  <a:srgbClr val="A9B7C6"/>
-                </a:solidFill>
-                <a:effectLst/>
-                <a:latin typeface="Arial Unicode MS"/>
-                <a:ea typeface="JetBrains Mono"/>
-              </a:rPr>
-              <a:t>tkinter</a:t>
-            </a:r>
-            <a:br>
-              <a:rPr kumimoji="0" lang="ko-KR" altLang="ko-KR" sz="1500" b="0" i="0" u="none" strike="noStrike" cap="none" normalizeH="0" baseline="0" smtClean="0">
-                <a:ln>
-                  <a:noFill/>
-                </a:ln>
-                <a:solidFill>
-                  <a:srgbClr val="A9B7C6"/>
-                </a:solidFill>
-                <a:effectLst/>
-                <a:latin typeface="Arial Unicode MS"/>
-                <a:ea typeface="JetBrains Mono"/>
-              </a:rPr>
-            </a:br>
-            <a:r>
-              <a:rPr kumimoji="0" lang="ko-KR" altLang="ko-KR" sz="1500" b="0" i="0" u="none" strike="noStrike" cap="none" normalizeH="0" baseline="0" smtClean="0">
-                <a:ln>
-                  <a:noFill/>
-                </a:ln>
-                <a:solidFill>
-                  <a:srgbClr val="CC7832"/>
-                </a:solidFill>
-                <a:effectLst/>
-                <a:latin typeface="Arial Unicode MS"/>
-                <a:ea typeface="JetBrains Mono"/>
-              </a:rPr>
-              <a:t>import </a:t>
-            </a:r>
-            <a:r>
-              <a:rPr kumimoji="0" lang="ko-KR" altLang="ko-KR" sz="1500" b="0" i="0" u="none" strike="noStrike" cap="none" normalizeH="0" baseline="0" smtClean="0">
-                <a:ln>
-                  <a:noFill/>
-                </a:ln>
-                <a:solidFill>
-                  <a:srgbClr val="A9B7C6"/>
-                </a:solidFill>
-                <a:effectLst/>
-                <a:latin typeface="Arial Unicode MS"/>
-                <a:ea typeface="JetBrains Mono"/>
-              </a:rPr>
-              <a:t>tkinter.font</a:t>
-            </a:r>
-            <a:br>
-              <a:rPr kumimoji="0" lang="ko-KR" altLang="ko-KR" sz="1500" b="0" i="0" u="none" strike="noStrike" cap="none" normalizeH="0" baseline="0" smtClean="0">
-                <a:ln>
-                  <a:noFill/>
-                </a:ln>
-                <a:solidFill>
-                  <a:srgbClr val="A9B7C6"/>
-                </a:solidFill>
-                <a:effectLst/>
-                <a:latin typeface="Arial Unicode MS"/>
-                <a:ea typeface="JetBrains Mono"/>
-              </a:rPr>
-            </a:br>
-            <a:r>
-              <a:rPr kumimoji="0" lang="ko-KR" altLang="ko-KR" sz="1500" b="0" i="0" u="none" strike="noStrike" cap="none" normalizeH="0" baseline="0" smtClean="0">
-                <a:ln>
-                  <a:noFill/>
-                </a:ln>
-                <a:solidFill>
-                  <a:srgbClr val="A9B7C6"/>
-                </a:solidFill>
-                <a:effectLst/>
-                <a:latin typeface="Arial Unicode MS"/>
-                <a:ea typeface="JetBrains Mono"/>
-              </a:rPr>
-              <a:t/>
-            </a:r>
-            <a:br>
-              <a:rPr kumimoji="0" lang="ko-KR" altLang="ko-KR" sz="1500" b="0" i="0" u="none" strike="noStrike" cap="none" normalizeH="0" baseline="0" smtClean="0">
-                <a:ln>
-                  <a:noFill/>
-                </a:ln>
-                <a:solidFill>
-                  <a:srgbClr val="A9B7C6"/>
-                </a:solidFill>
-                <a:effectLst/>
-                <a:latin typeface="Arial Unicode MS"/>
-                <a:ea typeface="JetBrains Mono"/>
-              </a:rPr>
-            </a:br>
-            <a:r>
-              <a:rPr kumimoji="0" lang="ko-KR" altLang="ko-KR" sz="1500" b="0" i="0" u="none" strike="noStrike" cap="none" normalizeH="0" baseline="0" smtClean="0">
-                <a:ln>
-                  <a:noFill/>
-                </a:ln>
-                <a:solidFill>
-                  <a:srgbClr val="A9B7C6"/>
-                </a:solidFill>
-                <a:effectLst/>
-                <a:latin typeface="Arial Unicode MS"/>
-                <a:ea typeface="JetBrains Mono"/>
-              </a:rPr>
-              <a:t>root=tkinter.Tk()</a:t>
-            </a:r>
-            <a:br>
-              <a:rPr kumimoji="0" lang="ko-KR" altLang="ko-KR" sz="1500" b="0" i="0" u="none" strike="noStrike" cap="none" normalizeH="0" baseline="0" smtClean="0">
-                <a:ln>
-                  <a:noFill/>
-                </a:ln>
-                <a:solidFill>
-                  <a:srgbClr val="A9B7C6"/>
-                </a:solidFill>
-                <a:effectLst/>
-                <a:latin typeface="Arial Unicode MS"/>
-                <a:ea typeface="JetBrains Mono"/>
-              </a:rPr>
-            </a:br>
-            <a:r>
-              <a:rPr kumimoji="0" lang="ko-KR" altLang="ko-KR" sz="1500" b="0" i="0" u="none" strike="noStrike" cap="none" normalizeH="0" baseline="0" smtClean="0">
-                <a:ln>
-                  <a:noFill/>
-                </a:ln>
-                <a:solidFill>
-                  <a:srgbClr val="A9B7C6"/>
-                </a:solidFill>
-                <a:effectLst/>
-                <a:latin typeface="Arial Unicode MS"/>
-                <a:ea typeface="JetBrains Mono"/>
-              </a:rPr>
-              <a:t/>
-            </a:r>
-            <a:br>
-              <a:rPr kumimoji="0" lang="ko-KR" altLang="ko-KR" sz="1500" b="0" i="0" u="none" strike="noStrike" cap="none" normalizeH="0" baseline="0" smtClean="0">
-                <a:ln>
-                  <a:noFill/>
-                </a:ln>
-                <a:solidFill>
-                  <a:srgbClr val="A9B7C6"/>
-                </a:solidFill>
-                <a:effectLst/>
-                <a:latin typeface="Arial Unicode MS"/>
-                <a:ea typeface="JetBrains Mono"/>
-              </a:rPr>
-            </a:br>
-            <a:r>
-              <a:rPr kumimoji="0" lang="ko-KR" altLang="ko-KR" sz="1500" b="0" i="0" u="none" strike="noStrike" cap="none" normalizeH="0" baseline="0" smtClean="0">
-                <a:ln>
-                  <a:noFill/>
-                </a:ln>
-                <a:solidFill>
-                  <a:srgbClr val="A9B7C6"/>
-                </a:solidFill>
-                <a:effectLst/>
-                <a:latin typeface="Arial Unicode MS"/>
-                <a:ea typeface="JetBrains Mono"/>
-              </a:rPr>
-              <a:t>font=tkinter.font.Font(</a:t>
-            </a:r>
-            <a:r>
-              <a:rPr kumimoji="0" lang="ko-KR" altLang="ko-KR" sz="1500" b="0" i="0" u="none" strike="noStrike" cap="none" normalizeH="0" baseline="0" smtClean="0">
-                <a:ln>
-                  <a:noFill/>
-                </a:ln>
-                <a:solidFill>
-                  <a:srgbClr val="AA4926"/>
-                </a:solidFill>
-                <a:effectLst/>
-                <a:latin typeface="Arial Unicode MS"/>
-                <a:ea typeface="JetBrains Mono"/>
-              </a:rPr>
-              <a:t>family</a:t>
-            </a:r>
-            <a:r>
-              <a:rPr kumimoji="0" lang="ko-KR" altLang="ko-KR" sz="1500" b="0" i="0" u="none" strike="noStrike" cap="none" normalizeH="0" baseline="0" smtClean="0">
-                <a:ln>
-                  <a:noFill/>
-                </a:ln>
-                <a:solidFill>
-                  <a:srgbClr val="A9B7C6"/>
-                </a:solidFill>
-                <a:effectLst/>
-                <a:latin typeface="Arial Unicode MS"/>
-                <a:ea typeface="JetBrains Mono"/>
-              </a:rPr>
-              <a:t>=</a:t>
-            </a:r>
-            <a:r>
-              <a:rPr kumimoji="0" lang="ko-KR" altLang="ko-KR" sz="1500" b="0" i="0" u="none" strike="noStrike" cap="none" normalizeH="0" baseline="0" smtClean="0">
-                <a:ln>
-                  <a:noFill/>
-                </a:ln>
-                <a:solidFill>
-                  <a:srgbClr val="6A8759"/>
-                </a:solidFill>
-                <a:effectLst/>
-                <a:latin typeface="Arial Unicode MS"/>
-                <a:ea typeface="JetBrains Mono"/>
-              </a:rPr>
-              <a:t>"</a:t>
-            </a:r>
-            <a:r>
-              <a:rPr kumimoji="0" lang="ko-KR" altLang="ko-KR" sz="1500" b="0" i="0" u="none" strike="noStrike" cap="none" normalizeH="0" baseline="0" smtClean="0">
-                <a:ln>
-                  <a:noFill/>
-                </a:ln>
-                <a:solidFill>
-                  <a:srgbClr val="6A8759"/>
-                </a:solidFill>
-                <a:effectLst/>
-                <a:latin typeface="맑은 고딕" panose="020B0503020000020004" pitchFamily="50" charset="-127"/>
-                <a:ea typeface="맑은 고딕" panose="020B0503020000020004" pitchFamily="50" charset="-127"/>
-              </a:rPr>
-              <a:t>맑은 고딕</a:t>
-            </a:r>
-            <a:r>
-              <a:rPr kumimoji="0" lang="ko-KR" altLang="ko-KR" sz="1500" b="0" i="0" u="none" strike="noStrike" cap="none" normalizeH="0" baseline="0" smtClean="0">
-                <a:ln>
-                  <a:noFill/>
-                </a:ln>
-                <a:solidFill>
-                  <a:srgbClr val="6A8759"/>
-                </a:solidFill>
-                <a:effectLst/>
-                <a:latin typeface="Arial Unicode MS"/>
-                <a:ea typeface="JetBrains Mono"/>
-              </a:rPr>
-              <a:t>"</a:t>
-            </a:r>
-            <a:r>
-              <a:rPr kumimoji="0" lang="ko-KR" altLang="ko-KR" sz="1500" b="0" i="0" u="none" strike="noStrike" cap="none" normalizeH="0" baseline="0" smtClean="0">
-                <a:ln>
-                  <a:noFill/>
-                </a:ln>
-                <a:solidFill>
-                  <a:srgbClr val="CC7832"/>
-                </a:solidFill>
-                <a:effectLst/>
-                <a:latin typeface="Arial Unicode MS"/>
-                <a:ea typeface="JetBrains Mono"/>
-              </a:rPr>
-              <a:t>, </a:t>
-            </a:r>
-            <a:r>
-              <a:rPr kumimoji="0" lang="ko-KR" altLang="ko-KR" sz="1500" b="0" i="0" u="none" strike="noStrike" cap="none" normalizeH="0" baseline="0" smtClean="0">
-                <a:ln>
-                  <a:noFill/>
-                </a:ln>
-                <a:solidFill>
-                  <a:srgbClr val="AA4926"/>
-                </a:solidFill>
-                <a:effectLst/>
-                <a:latin typeface="Arial Unicode MS"/>
-                <a:ea typeface="JetBrains Mono"/>
-              </a:rPr>
-              <a:t>size</a:t>
-            </a:r>
-            <a:r>
-              <a:rPr kumimoji="0" lang="ko-KR" altLang="ko-KR" sz="1500" b="0" i="0" u="none" strike="noStrike" cap="none" normalizeH="0" baseline="0" smtClean="0">
-                <a:ln>
-                  <a:noFill/>
-                </a:ln>
-                <a:solidFill>
-                  <a:srgbClr val="A9B7C6"/>
-                </a:solidFill>
-                <a:effectLst/>
-                <a:latin typeface="Arial Unicode MS"/>
-                <a:ea typeface="JetBrains Mono"/>
-              </a:rPr>
-              <a:t>=</a:t>
-            </a:r>
-            <a:r>
-              <a:rPr kumimoji="0" lang="ko-KR" altLang="ko-KR" sz="1500" b="0" i="0" u="none" strike="noStrike" cap="none" normalizeH="0" baseline="0" smtClean="0">
-                <a:ln>
-                  <a:noFill/>
-                </a:ln>
-                <a:solidFill>
-                  <a:srgbClr val="6897BB"/>
-                </a:solidFill>
-                <a:effectLst/>
-                <a:latin typeface="Arial Unicode MS"/>
-                <a:ea typeface="JetBrains Mono"/>
-              </a:rPr>
-              <a:t>20</a:t>
-            </a:r>
-            <a:r>
-              <a:rPr kumimoji="0" lang="ko-KR" altLang="ko-KR" sz="1500" b="0" i="0" u="none" strike="noStrike" cap="none" normalizeH="0" baseline="0" smtClean="0">
-                <a:ln>
-                  <a:noFill/>
-                </a:ln>
-                <a:solidFill>
-                  <a:srgbClr val="CC7832"/>
-                </a:solidFill>
-                <a:effectLst/>
-                <a:latin typeface="Arial Unicode MS"/>
-                <a:ea typeface="JetBrains Mono"/>
-              </a:rPr>
-              <a:t>, </a:t>
-            </a:r>
-            <a:r>
-              <a:rPr kumimoji="0" lang="ko-KR" altLang="ko-KR" sz="1500" b="0" i="0" u="none" strike="noStrike" cap="none" normalizeH="0" baseline="0" smtClean="0">
-                <a:ln>
-                  <a:noFill/>
-                </a:ln>
-                <a:solidFill>
-                  <a:srgbClr val="AA4926"/>
-                </a:solidFill>
-                <a:effectLst/>
-                <a:latin typeface="Arial Unicode MS"/>
-                <a:ea typeface="JetBrains Mono"/>
-              </a:rPr>
-              <a:t>slant</a:t>
-            </a:r>
-            <a:r>
-              <a:rPr kumimoji="0" lang="ko-KR" altLang="ko-KR" sz="1500" b="0" i="0" u="none" strike="noStrike" cap="none" normalizeH="0" baseline="0" smtClean="0">
-                <a:ln>
-                  <a:noFill/>
-                </a:ln>
-                <a:solidFill>
-                  <a:srgbClr val="A9B7C6"/>
-                </a:solidFill>
-                <a:effectLst/>
-                <a:latin typeface="Arial Unicode MS"/>
-                <a:ea typeface="JetBrains Mono"/>
-              </a:rPr>
-              <a:t>=</a:t>
-            </a:r>
-            <a:r>
-              <a:rPr kumimoji="0" lang="ko-KR" altLang="ko-KR" sz="1500" b="0" i="0" u="none" strike="noStrike" cap="none" normalizeH="0" baseline="0" smtClean="0">
-                <a:ln>
-                  <a:noFill/>
-                </a:ln>
-                <a:solidFill>
-                  <a:srgbClr val="6A8759"/>
-                </a:solidFill>
-                <a:effectLst/>
-                <a:latin typeface="Arial Unicode MS"/>
-                <a:ea typeface="JetBrains Mono"/>
-              </a:rPr>
-              <a:t>"italic"</a:t>
-            </a:r>
-            <a:r>
-              <a:rPr kumimoji="0" lang="ko-KR" altLang="ko-KR" sz="1500" b="0" i="0" u="none" strike="noStrike" cap="none" normalizeH="0" baseline="0" smtClean="0">
-                <a:ln>
-                  <a:noFill/>
-                </a:ln>
-                <a:solidFill>
-                  <a:srgbClr val="A9B7C6"/>
-                </a:solidFill>
-                <a:effectLst/>
-                <a:latin typeface="Arial Unicode MS"/>
-                <a:ea typeface="JetBrains Mono"/>
-              </a:rPr>
-              <a:t>)</a:t>
-            </a:r>
-            <a:br>
-              <a:rPr kumimoji="0" lang="ko-KR" altLang="ko-KR" sz="1500" b="0" i="0" u="none" strike="noStrike" cap="none" normalizeH="0" baseline="0" smtClean="0">
-                <a:ln>
-                  <a:noFill/>
-                </a:ln>
-                <a:solidFill>
-                  <a:srgbClr val="A9B7C6"/>
-                </a:solidFill>
-                <a:effectLst/>
-                <a:latin typeface="Arial Unicode MS"/>
-                <a:ea typeface="JetBrains Mono"/>
-              </a:rPr>
-            </a:br>
-            <a:r>
-              <a:rPr kumimoji="0" lang="ko-KR" altLang="ko-KR" sz="1500" b="0" i="0" u="none" strike="noStrike" cap="none" normalizeH="0" baseline="0" smtClean="0">
-                <a:ln>
-                  <a:noFill/>
-                </a:ln>
-                <a:solidFill>
-                  <a:srgbClr val="8888C6"/>
-                </a:solidFill>
-                <a:effectLst/>
-                <a:latin typeface="Arial Unicode MS"/>
-                <a:ea typeface="JetBrains Mono"/>
-              </a:rPr>
-              <a:t>print</a:t>
-            </a:r>
-            <a:r>
-              <a:rPr kumimoji="0" lang="ko-KR" altLang="ko-KR" sz="1500" b="0" i="0" u="none" strike="noStrike" cap="none" normalizeH="0" baseline="0" smtClean="0">
-                <a:ln>
-                  <a:noFill/>
-                </a:ln>
-                <a:solidFill>
-                  <a:srgbClr val="A9B7C6"/>
-                </a:solidFill>
-                <a:effectLst/>
-                <a:latin typeface="Arial Unicode MS"/>
-                <a:ea typeface="JetBrains Mono"/>
-              </a:rPr>
-              <a:t>(tkinter.font.families())</a:t>
-            </a:r>
-            <a:br>
-              <a:rPr kumimoji="0" lang="ko-KR" altLang="ko-KR" sz="1500" b="0" i="0" u="none" strike="noStrike" cap="none" normalizeH="0" baseline="0" smtClean="0">
-                <a:ln>
-                  <a:noFill/>
-                </a:ln>
-                <a:solidFill>
-                  <a:srgbClr val="A9B7C6"/>
-                </a:solidFill>
-                <a:effectLst/>
-                <a:latin typeface="Arial Unicode MS"/>
-                <a:ea typeface="JetBrains Mono"/>
-              </a:rPr>
-            </a:br>
-            <a:r>
-              <a:rPr kumimoji="0" lang="ko-KR" altLang="ko-KR" sz="1500" b="0" i="0" u="none" strike="noStrike" cap="none" normalizeH="0" baseline="0" smtClean="0">
-                <a:ln>
-                  <a:noFill/>
-                </a:ln>
-                <a:solidFill>
-                  <a:srgbClr val="A9B7C6"/>
-                </a:solidFill>
-                <a:effectLst/>
-                <a:latin typeface="Arial Unicode MS"/>
-                <a:ea typeface="JetBrains Mono"/>
-              </a:rPr>
-              <a:t>label=tkinter.Label(root</a:t>
-            </a:r>
-            <a:r>
-              <a:rPr kumimoji="0" lang="ko-KR" altLang="ko-KR" sz="1500" b="0" i="0" u="none" strike="noStrike" cap="none" normalizeH="0" baseline="0" smtClean="0">
-                <a:ln>
-                  <a:noFill/>
-                </a:ln>
-                <a:solidFill>
-                  <a:srgbClr val="CC7832"/>
-                </a:solidFill>
-                <a:effectLst/>
-                <a:latin typeface="Arial Unicode MS"/>
-                <a:ea typeface="JetBrains Mono"/>
-              </a:rPr>
-              <a:t>, </a:t>
-            </a:r>
-            <a:r>
-              <a:rPr kumimoji="0" lang="ko-KR" altLang="ko-KR" sz="1500" b="0" i="0" u="none" strike="noStrike" cap="none" normalizeH="0" baseline="0" smtClean="0">
-                <a:ln>
-                  <a:noFill/>
-                </a:ln>
-                <a:solidFill>
-                  <a:srgbClr val="AA4926"/>
-                </a:solidFill>
-                <a:effectLst/>
-                <a:latin typeface="Arial Unicode MS"/>
-                <a:ea typeface="JetBrains Mono"/>
-              </a:rPr>
-              <a:t>text</a:t>
-            </a:r>
-            <a:r>
-              <a:rPr kumimoji="0" lang="ko-KR" altLang="ko-KR" sz="1500" b="0" i="0" u="none" strike="noStrike" cap="none" normalizeH="0" baseline="0" smtClean="0">
-                <a:ln>
-                  <a:noFill/>
-                </a:ln>
-                <a:solidFill>
-                  <a:srgbClr val="A9B7C6"/>
-                </a:solidFill>
-                <a:effectLst/>
-                <a:latin typeface="Arial Unicode MS"/>
-                <a:ea typeface="JetBrains Mono"/>
-              </a:rPr>
-              <a:t>=</a:t>
-            </a:r>
-            <a:r>
-              <a:rPr kumimoji="0" lang="ko-KR" altLang="ko-KR" sz="1500" b="0" i="0" u="none" strike="noStrike" cap="none" normalizeH="0" baseline="0" smtClean="0">
-                <a:ln>
-                  <a:noFill/>
-                </a:ln>
-                <a:solidFill>
-                  <a:srgbClr val="6A8759"/>
-                </a:solidFill>
-                <a:effectLst/>
-                <a:latin typeface="Arial Unicode MS"/>
-                <a:ea typeface="JetBrains Mono"/>
-              </a:rPr>
-              <a:t>"</a:t>
-            </a:r>
-            <a:r>
-              <a:rPr kumimoji="0" lang="ko-KR" altLang="ko-KR" sz="1500" b="0" i="0" u="none" strike="noStrike" cap="none" normalizeH="0" baseline="0" smtClean="0">
-                <a:ln>
-                  <a:noFill/>
-                </a:ln>
-                <a:solidFill>
-                  <a:srgbClr val="6A8759"/>
-                </a:solidFill>
-                <a:effectLst/>
-                <a:latin typeface="맑은 고딕" panose="020B0503020000020004" pitchFamily="50" charset="-127"/>
-                <a:ea typeface="맑은 고딕" panose="020B0503020000020004" pitchFamily="50" charset="-127"/>
-              </a:rPr>
-              <a:t>파이썬</a:t>
-            </a:r>
-            <a:r>
-              <a:rPr kumimoji="0" lang="ko-KR" altLang="ko-KR" sz="1500" b="0" i="0" u="none" strike="noStrike" cap="none" normalizeH="0" baseline="0" smtClean="0">
-                <a:ln>
-                  <a:noFill/>
-                </a:ln>
-                <a:solidFill>
-                  <a:srgbClr val="6A8759"/>
-                </a:solidFill>
-                <a:effectLst/>
-                <a:latin typeface="Arial Unicode MS"/>
-                <a:ea typeface="JetBrains Mono"/>
-              </a:rPr>
-              <a:t> 3.6"</a:t>
-            </a:r>
-            <a:r>
-              <a:rPr kumimoji="0" lang="ko-KR" altLang="ko-KR" sz="1500" b="0" i="0" u="none" strike="noStrike" cap="none" normalizeH="0" baseline="0" smtClean="0">
-                <a:ln>
-                  <a:noFill/>
-                </a:ln>
-                <a:solidFill>
-                  <a:srgbClr val="CC7832"/>
-                </a:solidFill>
-                <a:effectLst/>
-                <a:latin typeface="Arial Unicode MS"/>
-                <a:ea typeface="JetBrains Mono"/>
-              </a:rPr>
-              <a:t>, </a:t>
-            </a:r>
-            <a:r>
-              <a:rPr kumimoji="0" lang="ko-KR" altLang="ko-KR" sz="1500" b="0" i="0" u="none" strike="noStrike" cap="none" normalizeH="0" baseline="0" smtClean="0">
-                <a:ln>
-                  <a:noFill/>
-                </a:ln>
-                <a:solidFill>
-                  <a:srgbClr val="AA4926"/>
-                </a:solidFill>
-                <a:effectLst/>
-                <a:latin typeface="Arial Unicode MS"/>
-                <a:ea typeface="JetBrains Mono"/>
-              </a:rPr>
-              <a:t>font</a:t>
-            </a:r>
-            <a:r>
-              <a:rPr kumimoji="0" lang="ko-KR" altLang="ko-KR" sz="1500" b="0" i="0" u="none" strike="noStrike" cap="none" normalizeH="0" baseline="0" smtClean="0">
-                <a:ln>
-                  <a:noFill/>
-                </a:ln>
-                <a:solidFill>
-                  <a:srgbClr val="A9B7C6"/>
-                </a:solidFill>
-                <a:effectLst/>
-                <a:latin typeface="Arial Unicode MS"/>
-                <a:ea typeface="JetBrains Mono"/>
-              </a:rPr>
-              <a:t>=font)</a:t>
-            </a:r>
-            <a:br>
-              <a:rPr kumimoji="0" lang="ko-KR" altLang="ko-KR" sz="1500" b="0" i="0" u="none" strike="noStrike" cap="none" normalizeH="0" baseline="0" smtClean="0">
-                <a:ln>
-                  <a:noFill/>
-                </a:ln>
-                <a:solidFill>
-                  <a:srgbClr val="A9B7C6"/>
-                </a:solidFill>
-                <a:effectLst/>
-                <a:latin typeface="Arial Unicode MS"/>
-                <a:ea typeface="JetBrains Mono"/>
-              </a:rPr>
-            </a:br>
-            <a:r>
-              <a:rPr kumimoji="0" lang="ko-KR" altLang="ko-KR" sz="1500" b="0" i="0" u="none" strike="noStrike" cap="none" normalizeH="0" baseline="0" smtClean="0">
-                <a:ln>
-                  <a:noFill/>
-                </a:ln>
-                <a:solidFill>
-                  <a:srgbClr val="A9B7C6"/>
-                </a:solidFill>
-                <a:effectLst/>
-                <a:latin typeface="Arial Unicode MS"/>
-                <a:ea typeface="JetBrains Mono"/>
-              </a:rPr>
-              <a:t>label.pack()</a:t>
-            </a:r>
-            <a:br>
-              <a:rPr kumimoji="0" lang="ko-KR" altLang="ko-KR" sz="1500" b="0" i="0" u="none" strike="noStrike" cap="none" normalizeH="0" baseline="0" smtClean="0">
-                <a:ln>
-                  <a:noFill/>
-                </a:ln>
-                <a:solidFill>
-                  <a:srgbClr val="A9B7C6"/>
-                </a:solidFill>
-                <a:effectLst/>
-                <a:latin typeface="Arial Unicode MS"/>
-                <a:ea typeface="JetBrains Mono"/>
-              </a:rPr>
-            </a:br>
-            <a:r>
-              <a:rPr kumimoji="0" lang="ko-KR" altLang="ko-KR" sz="1500" b="0" i="0" u="none" strike="noStrike" cap="none" normalizeH="0" baseline="0" smtClean="0">
-                <a:ln>
-                  <a:noFill/>
-                </a:ln>
-                <a:solidFill>
-                  <a:srgbClr val="A9B7C6"/>
-                </a:solidFill>
-                <a:effectLst/>
-                <a:latin typeface="Arial Unicode MS"/>
-                <a:ea typeface="JetBrains Mono"/>
-              </a:rPr>
-              <a:t/>
-            </a:r>
-            <a:br>
-              <a:rPr kumimoji="0" lang="ko-KR" altLang="ko-KR" sz="1500" b="0" i="0" u="none" strike="noStrike" cap="none" normalizeH="0" baseline="0" smtClean="0">
-                <a:ln>
-                  <a:noFill/>
-                </a:ln>
-                <a:solidFill>
-                  <a:srgbClr val="A9B7C6"/>
-                </a:solidFill>
-                <a:effectLst/>
-                <a:latin typeface="Arial Unicode MS"/>
-                <a:ea typeface="JetBrains Mono"/>
-              </a:rPr>
-            </a:br>
-            <a:r>
-              <a:rPr kumimoji="0" lang="ko-KR" altLang="ko-KR" sz="1500" b="0" i="0" u="none" strike="noStrike" cap="none" normalizeH="0" baseline="0" smtClean="0">
-                <a:ln>
-                  <a:noFill/>
-                </a:ln>
-                <a:solidFill>
-                  <a:srgbClr val="A9B7C6"/>
-                </a:solidFill>
-                <a:effectLst/>
-                <a:latin typeface="Arial Unicode MS"/>
-                <a:ea typeface="JetBrains Mono"/>
-              </a:rPr>
-              <a:t>root.mainloop()</a:t>
-            </a:r>
-            <a:br>
-              <a:rPr kumimoji="0" lang="ko-KR" altLang="ko-KR" sz="1500" b="0" i="0" u="none" strike="noStrike" cap="none" normalizeH="0" baseline="0" smtClean="0">
-                <a:ln>
-                  <a:noFill/>
-                </a:ln>
-                <a:solidFill>
-                  <a:srgbClr val="A9B7C6"/>
-                </a:solidFill>
-                <a:effectLst/>
-                <a:latin typeface="Arial Unicode MS"/>
-                <a:ea typeface="JetBrains Mono"/>
-              </a:rPr>
-            </a:br>
-            <a:endParaRPr kumimoji="0" lang="ko-KR" altLang="ko-KR" sz="1800" b="0" i="0" u="none" strike="noStrike" cap="none" normalizeH="0" baseline="0" smtClean="0">
-              <a:ln>
-                <a:noFill/>
-              </a:ln>
-              <a:solidFill>
-                <a:schemeClr val="tx1"/>
-              </a:solidFill>
-              <a:effectLst/>
-              <a:latin typeface="Arial" panose="020B0604020202020204" pitchFamily="34" charset="0"/>
-            </a:endParaRPr>
-          </a:p>
-        </p:txBody>
-      </p:sp>
-    </p:spTree>
-    <p:extLst>
-      <p:ext uri="{BB962C8B-B14F-4D97-AF65-F5344CB8AC3E}">
-        <p14:creationId xmlns:p14="http://schemas.microsoft.com/office/powerpoint/2010/main" val="2996053605"/>
-      </p:ext>
-    </p:extLst>
-  </p:cSld>
-  <p:clrMapOvr>
-    <a:masterClrMapping/>
-  </p:clrMapOvr>
-  <p:timing>
-    <p:tnLst>
-      <p:par>
-        <p:cTn id="1" dur="indefinite" restart="never" nodeType="tmRoot"/>
-      </p:par>
-    </p:tnLst>
-  </p:timing>
-</p:sld>
-</file>
-
-<file path=ppt/slides/slide7.xml><?xml version="1.0" encoding="utf-8"?>
-<p:sld xmlns:a="http://schemas.openxmlformats.org/drawingml/2006/main" xmlns:r="http://schemas.openxmlformats.org/officeDocument/2006/relationships" xmlns:p="http://schemas.openxmlformats.org/presentationml/2006/main">
-  <p:cSld>
-    <p:spTree>
-      <p:nvGrpSpPr>
-        <p:cNvPr id="1" name=""/>
-        <p:cNvGrpSpPr/>
-        <p:nvPr/>
-      </p:nvGrpSpPr>
-      <p:grpSpPr>
-        <a:xfrm>
-          <a:off x="0" y="0"/>
-          <a:ext cx="0" cy="0"/>
-          <a:chOff x="0" y="0"/>
-          <a:chExt cx="0" cy="0"/>
-        </a:xfrm>
-      </p:grpSpPr>
-      <p:sp>
-        <p:nvSpPr>
-          <p:cNvPr id="2" name="제목 1">
-            <a:extLst>
-              <a:ext uri="{FF2B5EF4-FFF2-40B4-BE49-F238E27FC236}">
-                <a16:creationId xmlns:a16="http://schemas.microsoft.com/office/drawing/2014/main" id="{8B38509E-0089-4ED0-BF63-DC227479D449}"/>
-              </a:ext>
-            </a:extLst>
-          </p:cNvPr>
-          <p:cNvSpPr>
-            <a:spLocks noGrp="1"/>
-          </p:cNvSpPr>
-          <p:nvPr>
-            <p:ph type="title"/>
-          </p:nvPr>
-        </p:nvSpPr>
-        <p:spPr/>
-        <p:txBody>
-          <a:bodyPr/>
-          <a:lstStyle/>
-          <a:p>
-            <a:r>
-              <a:rPr lang="ko-KR" altLang="en-US" dirty="0" smtClean="0"/>
-              <a:t>단축키 지정 방법</a:t>
-            </a:r>
-            <a:endParaRPr lang="ko-KR" altLang="en-US" dirty="0"/>
-          </a:p>
-        </p:txBody>
-      </p:sp>
-      <p:sp>
-        <p:nvSpPr>
-          <p:cNvPr id="3" name="내용 개체 틀 2">
-            <a:extLst>
-              <a:ext uri="{FF2B5EF4-FFF2-40B4-BE49-F238E27FC236}">
-                <a16:creationId xmlns:a16="http://schemas.microsoft.com/office/drawing/2014/main" id="{B8F5B404-9F89-434C-B276-B309FEE5526E}"/>
-              </a:ext>
-            </a:extLst>
-          </p:cNvPr>
-          <p:cNvSpPr>
-            <a:spLocks noGrp="1"/>
-          </p:cNvSpPr>
-          <p:nvPr>
-            <p:ph idx="1"/>
-          </p:nvPr>
-        </p:nvSpPr>
-        <p:spPr/>
-        <p:txBody>
-          <a:bodyPr/>
-          <a:lstStyle/>
-          <a:p>
-            <a:r>
-              <a:rPr lang="ko-KR" altLang="en-US" dirty="0" smtClean="0"/>
-              <a:t>메뉴바에서는 </a:t>
-            </a:r>
-            <a:r>
-              <a:rPr lang="en-US" altLang="ko-KR" dirty="0" smtClean="0"/>
-              <a:t>accelerator </a:t>
-            </a:r>
-            <a:r>
-              <a:rPr lang="ko-KR" altLang="en-US" dirty="0" smtClean="0"/>
-              <a:t>키워드를 사용한다</a:t>
-            </a:r>
-            <a:r>
-              <a:rPr lang="en-US" altLang="ko-KR" dirty="0" smtClean="0"/>
-              <a:t>.</a:t>
-            </a:r>
-          </a:p>
-          <a:p>
-            <a:endParaRPr lang="en-US" altLang="ko-KR" dirty="0"/>
-          </a:p>
-          <a:p>
-            <a:r>
-              <a:rPr lang="en-US" altLang="ko-KR" dirty="0" err="1"/>
-              <a:t>r</a:t>
-            </a:r>
-            <a:r>
-              <a:rPr lang="en-US" altLang="ko-KR" dirty="0" err="1" smtClean="0"/>
-              <a:t>oot.bind</a:t>
-            </a:r>
-            <a:r>
-              <a:rPr lang="en-US" altLang="ko-KR" dirty="0" smtClean="0"/>
-              <a:t> </a:t>
-            </a:r>
-            <a:r>
-              <a:rPr lang="ko-KR" altLang="en-US" dirty="0" smtClean="0"/>
-              <a:t>를 사용하여 단축키를 함수와 연결한다</a:t>
-            </a:r>
-            <a:r>
-              <a:rPr lang="en-US" altLang="ko-KR" dirty="0" smtClean="0"/>
-              <a:t>.</a:t>
-            </a:r>
-          </a:p>
-          <a:p>
-            <a:endParaRPr lang="en-US" altLang="ko-KR" dirty="0"/>
-          </a:p>
-          <a:p>
-            <a:endParaRPr lang="ko-KR" altLang="en-US" dirty="0"/>
-          </a:p>
-        </p:txBody>
-      </p:sp>
-    </p:spTree>
-    <p:extLst>
-      <p:ext uri="{BB962C8B-B14F-4D97-AF65-F5344CB8AC3E}">
-        <p14:creationId xmlns:p14="http://schemas.microsoft.com/office/powerpoint/2010/main" val="1938890626"/>
-      </p:ext>
-    </p:extLst>
-  </p:cSld>
-  <p:clrMapOvr>
-    <a:masterClrMapping/>
-  </p:clrMapOvr>
-</p:sld>
-</file>
-
-<file path=ppt/slides/slide8.xml><?xml version="1.0" encoding="utf-8"?>
-<p:sld xmlns:a="http://schemas.openxmlformats.org/drawingml/2006/main" xmlns:r="http://schemas.openxmlformats.org/officeDocument/2006/relationships" xmlns:p="http://schemas.openxmlformats.org/presentationml/2006/main">
-  <p:cSld>
-    <p:spTree>
-      <p:nvGrpSpPr>
-        <p:cNvPr id="1" name=""/>
-        <p:cNvGrpSpPr/>
-        <p:nvPr/>
-      </p:nvGrpSpPr>
-      <p:grpSpPr>
-        <a:xfrm>
-          <a:off x="0" y="0"/>
-          <a:ext cx="0" cy="0"/>
-          <a:chOff x="0" y="0"/>
-          <a:chExt cx="0" cy="0"/>
-        </a:xfrm>
-      </p:grpSpPr>
-      <p:sp>
-        <p:nvSpPr>
-          <p:cNvPr id="2" name="제목 1"/>
-          <p:cNvSpPr>
-            <a:spLocks noGrp="1"/>
-          </p:cNvSpPr>
-          <p:nvPr>
-            <p:ph type="title"/>
-          </p:nvPr>
-        </p:nvSpPr>
-        <p:spPr/>
-        <p:txBody>
-          <a:bodyPr/>
-          <a:lstStyle/>
-          <a:p>
             <a:pPr lvl="0">
               <a:defRPr/>
             </a:pPr>
@@ -6964,25 +9313,32 @@
               <a:defRPr/>
             </a:pPr>
             <a:r>
-              <a:rPr lang="ko-KR" altLang="en-US" dirty="0" smtClean="0"/>
-              <a:t>메모장 </a:t>
-            </a:r>
-            <a:r>
               <a:rPr lang="ko-KR" altLang="en-US" dirty="0"/>
-              <a:t>프로그램을 </a:t>
-            </a:r>
-            <a:r>
-              <a:rPr lang="ko-KR" altLang="en-US" dirty="0" err="1" smtClean="0"/>
+              <a:t>메모장 프로그램을 </a:t>
+            </a:r>
+            <a:r>
+              <a:rPr lang="ko-KR" altLang="en-US" dirty="0" err="1"/>
               <a:t>업그래이드</a:t>
             </a:r>
             <a:r>
-              <a:rPr lang="ko-KR" altLang="en-US" dirty="0" smtClean="0"/>
+              <a:rPr lang="ko-KR" altLang="en-US" dirty="0"/>
               <a:t> 해보자</a:t>
             </a:r>
             <a:r>
               <a:rPr lang="en-US" altLang="ko-KR" dirty="0"/>
               <a:t>. </a:t>
             </a:r>
+          </a:p>
+          <a:p>
+            <a:pPr marL="457200" indent="-457200">
+              <a:buAutoNum type="arabicPeriod"/>
+              <a:defRPr/>
+            </a:pPr>
+            <a:r>
+              <a:rPr lang="ko-KR" altLang="en-US" dirty="0"/>
+              <a:t>파이게임 맛보기</a:t>
+            </a:r>
+            <a:endParaRPr lang="en-US" altLang="ko-KR" dirty="0"/>
           </a:p>
         </p:txBody>
       </p:sp>
@@ -7030,7 +9386,7 @@
     <mc:Choice Requires="p14">
       <p:transition/>
     </mc:Choice>
-    <mc:Fallback xmlns="" xmlns:c="http://schemas.openxmlformats.org/drawingml/2006/chart" xmlns:dgm="http://schemas.openxmlformats.org/drawingml/2006/diagram" xmlns:dsp="http://schemas.microsoft.com/office/drawing/2008/diagram">
+    <mc:Fallback xmlns:dsp="http://schemas.microsoft.com/office/drawing/2008/diagram" xmlns:dgm="http://schemas.openxmlformats.org/drawingml/2006/diagram" xmlns:c="http://schemas.openxmlformats.org/drawingml/2006/chart" xmlns="">
       <p:transition/>
     </mc:Fallback>
   </mc:AlternateContent>
